--- a/presentation.pptx
+++ b/presentation.pptx
@@ -5,7 +5,7 @@
     <p:sldMasterId id="2147483648" r:id="rId1"/>
   </p:sldMasterIdLst>
   <p:notesMasterIdLst>
-    <p:notesMasterId r:id="rId30"/>
+    <p:notesMasterId r:id="rId37"/>
   </p:notesMasterIdLst>
   <p:sldIdLst>
     <p:sldId id="257" r:id="rId2"/>
@@ -20,22 +20,29 @@
     <p:sldId id="276" r:id="rId11"/>
     <p:sldId id="277" r:id="rId12"/>
     <p:sldId id="278" r:id="rId13"/>
-    <p:sldId id="280" r:id="rId14"/>
-    <p:sldId id="279" r:id="rId15"/>
-    <p:sldId id="281" r:id="rId16"/>
-    <p:sldId id="283" r:id="rId17"/>
-    <p:sldId id="282" r:id="rId18"/>
-    <p:sldId id="258" r:id="rId19"/>
-    <p:sldId id="259" r:id="rId20"/>
-    <p:sldId id="262" r:id="rId21"/>
-    <p:sldId id="288" r:id="rId22"/>
-    <p:sldId id="284" r:id="rId23"/>
-    <p:sldId id="289" r:id="rId24"/>
-    <p:sldId id="293" r:id="rId25"/>
-    <p:sldId id="285" r:id="rId26"/>
-    <p:sldId id="286" r:id="rId27"/>
-    <p:sldId id="290" r:id="rId28"/>
-    <p:sldId id="291" r:id="rId29"/>
+    <p:sldId id="301" r:id="rId14"/>
+    <p:sldId id="302" r:id="rId15"/>
+    <p:sldId id="280" r:id="rId16"/>
+    <p:sldId id="279" r:id="rId17"/>
+    <p:sldId id="281" r:id="rId18"/>
+    <p:sldId id="283" r:id="rId19"/>
+    <p:sldId id="282" r:id="rId20"/>
+    <p:sldId id="258" r:id="rId21"/>
+    <p:sldId id="259" r:id="rId22"/>
+    <p:sldId id="262" r:id="rId23"/>
+    <p:sldId id="288" r:id="rId24"/>
+    <p:sldId id="289" r:id="rId25"/>
+    <p:sldId id="284" r:id="rId26"/>
+    <p:sldId id="293" r:id="rId27"/>
+    <p:sldId id="285" r:id="rId28"/>
+    <p:sldId id="297" r:id="rId29"/>
+    <p:sldId id="299" r:id="rId30"/>
+    <p:sldId id="286" r:id="rId31"/>
+    <p:sldId id="294" r:id="rId32"/>
+    <p:sldId id="291" r:id="rId33"/>
+    <p:sldId id="295" r:id="rId34"/>
+    <p:sldId id="298" r:id="rId35"/>
+    <p:sldId id="300" r:id="rId36"/>
   </p:sldIdLst>
   <p:sldSz cx="12192000" cy="6858000"/>
   <p:notesSz cx="6858000" cy="9144000"/>
@@ -224,7 +231,7 @@
           <a:p>
             <a:fld id="{27C9A053-7EFA-4301-9BEC-170DE8D9FA29}" type="datetimeFigureOut">
               <a:rPr lang="pt-BR" smtClean="0"/>
-              <a:t>19/04/2025</a:t>
+              <a:t>20/04/2025</a:t>
             </a:fld>
             <a:endParaRPr lang="pt-BR"/>
           </a:p>
@@ -576,6 +583,1077 @@
 </p:notes>
 </file>
 
+<file path=ppt/notesSlides/notesSlide10.xml><?xml version="1.0" encoding="utf-8"?>
+<p:notes xmlns:a="http://schemas.openxmlformats.org/drawingml/2006/main" xmlns:r="http://schemas.openxmlformats.org/officeDocument/2006/relationships" xmlns:p="http://schemas.openxmlformats.org/presentationml/2006/main">
+  <p:cSld>
+    <p:spTree>
+      <p:nvGrpSpPr>
+        <p:cNvPr id="1" name=""/>
+        <p:cNvGrpSpPr/>
+        <p:nvPr/>
+      </p:nvGrpSpPr>
+      <p:grpSpPr>
+        <a:xfrm>
+          <a:off x="0" y="0"/>
+          <a:ext cx="0" cy="0"/>
+          <a:chOff x="0" y="0"/>
+          <a:chExt cx="0" cy="0"/>
+        </a:xfrm>
+      </p:grpSpPr>
+      <p:sp>
+        <p:nvSpPr>
+          <p:cNvPr id="2" name="Slide Image Placeholder 1"/>
+          <p:cNvSpPr>
+            <a:spLocks noGrp="1" noRot="1" noChangeAspect="1"/>
+          </p:cNvSpPr>
+          <p:nvPr>
+            <p:ph type="sldImg"/>
+          </p:nvPr>
+        </p:nvSpPr>
+        <p:spPr/>
+      </p:sp>
+      <p:sp>
+        <p:nvSpPr>
+          <p:cNvPr id="3" name="Notes Placeholder 2"/>
+          <p:cNvSpPr>
+            <a:spLocks noGrp="1"/>
+          </p:cNvSpPr>
+          <p:nvPr>
+            <p:ph type="body" idx="1"/>
+          </p:nvPr>
+        </p:nvSpPr>
+        <p:spPr/>
+        <p:txBody>
+          <a:bodyPr/>
+          <a:lstStyle/>
+          <a:p>
+            <a:r>
+              <a:rPr lang="pt-BR" dirty="0"/>
+              <a:t>WE WILL ASSUME THAT THE PURCHASE WERE DONE IN THE LAST VISIT FROM FACT VISITS.</a:t>
+            </a:r>
+          </a:p>
+        </p:txBody>
+      </p:sp>
+      <p:sp>
+        <p:nvSpPr>
+          <p:cNvPr id="4" name="Slide Number Placeholder 3"/>
+          <p:cNvSpPr>
+            <a:spLocks noGrp="1"/>
+          </p:cNvSpPr>
+          <p:nvPr>
+            <p:ph type="sldNum" sz="quarter" idx="5"/>
+          </p:nvPr>
+        </p:nvSpPr>
+        <p:spPr/>
+        <p:txBody>
+          <a:bodyPr/>
+          <a:lstStyle/>
+          <a:p>
+            <a:fld id="{C4B12038-7FD9-43AA-A210-07538A4DEF4A}" type="slidenum">
+              <a:rPr lang="pt-BR" smtClean="0"/>
+              <a:t>19</a:t>
+            </a:fld>
+            <a:endParaRPr lang="pt-BR"/>
+          </a:p>
+        </p:txBody>
+      </p:sp>
+    </p:spTree>
+    <p:extLst>
+      <p:ext uri="{BB962C8B-B14F-4D97-AF65-F5344CB8AC3E}">
+        <p14:creationId xmlns:p14="http://schemas.microsoft.com/office/powerpoint/2010/main" val="3278468462"/>
+      </p:ext>
+    </p:extLst>
+  </p:cSld>
+  <p:clrMapOvr>
+    <a:masterClrMapping/>
+  </p:clrMapOvr>
+</p:notes>
+</file>
+
+<file path=ppt/notesSlides/notesSlide11.xml><?xml version="1.0" encoding="utf-8"?>
+<p:notes xmlns:a="http://schemas.openxmlformats.org/drawingml/2006/main" xmlns:r="http://schemas.openxmlformats.org/officeDocument/2006/relationships" xmlns:p="http://schemas.openxmlformats.org/presentationml/2006/main">
+  <p:cSld>
+    <p:spTree>
+      <p:nvGrpSpPr>
+        <p:cNvPr id="1" name=""/>
+        <p:cNvGrpSpPr/>
+        <p:nvPr/>
+      </p:nvGrpSpPr>
+      <p:grpSpPr>
+        <a:xfrm>
+          <a:off x="0" y="0"/>
+          <a:ext cx="0" cy="0"/>
+          <a:chOff x="0" y="0"/>
+          <a:chExt cx="0" cy="0"/>
+        </a:xfrm>
+      </p:grpSpPr>
+      <p:sp>
+        <p:nvSpPr>
+          <p:cNvPr id="2" name="Slide Image Placeholder 1"/>
+          <p:cNvSpPr>
+            <a:spLocks noGrp="1" noRot="1" noChangeAspect="1"/>
+          </p:cNvSpPr>
+          <p:nvPr>
+            <p:ph type="sldImg"/>
+          </p:nvPr>
+        </p:nvSpPr>
+        <p:spPr/>
+      </p:sp>
+      <p:sp>
+        <p:nvSpPr>
+          <p:cNvPr id="3" name="Notes Placeholder 2"/>
+          <p:cNvSpPr>
+            <a:spLocks noGrp="1"/>
+          </p:cNvSpPr>
+          <p:nvPr>
+            <p:ph type="body" idx="1"/>
+          </p:nvPr>
+        </p:nvSpPr>
+        <p:spPr/>
+        <p:txBody>
+          <a:bodyPr/>
+          <a:lstStyle/>
+          <a:p>
+            <a:r>
+              <a:rPr lang="pt-BR" dirty="0"/>
+              <a:t>They differ from each other:</a:t>
+            </a:r>
+          </a:p>
+          <a:p>
+            <a:r>
+              <a:rPr lang="pt-BR" dirty="0"/>
+              <a:t>* Higher value buyes frequently, high amount in a fewer period of time</a:t>
+            </a:r>
+          </a:p>
+        </p:txBody>
+      </p:sp>
+      <p:sp>
+        <p:nvSpPr>
+          <p:cNvPr id="4" name="Slide Number Placeholder 3"/>
+          <p:cNvSpPr>
+            <a:spLocks noGrp="1"/>
+          </p:cNvSpPr>
+          <p:nvPr>
+            <p:ph type="sldNum" sz="quarter" idx="5"/>
+          </p:nvPr>
+        </p:nvSpPr>
+        <p:spPr/>
+        <p:txBody>
+          <a:bodyPr/>
+          <a:lstStyle/>
+          <a:p>
+            <a:fld id="{C4B12038-7FD9-43AA-A210-07538A4DEF4A}" type="slidenum">
+              <a:rPr lang="pt-BR" smtClean="0"/>
+              <a:t>22</a:t>
+            </a:fld>
+            <a:endParaRPr lang="pt-BR"/>
+          </a:p>
+        </p:txBody>
+      </p:sp>
+    </p:spTree>
+    <p:extLst>
+      <p:ext uri="{BB962C8B-B14F-4D97-AF65-F5344CB8AC3E}">
+        <p14:creationId xmlns:p14="http://schemas.microsoft.com/office/powerpoint/2010/main" val="3738381328"/>
+      </p:ext>
+    </p:extLst>
+  </p:cSld>
+  <p:clrMapOvr>
+    <a:masterClrMapping/>
+  </p:clrMapOvr>
+</p:notes>
+</file>
+
+<file path=ppt/notesSlides/notesSlide12.xml><?xml version="1.0" encoding="utf-8"?>
+<p:notes xmlns:a="http://schemas.openxmlformats.org/drawingml/2006/main" xmlns:r="http://schemas.openxmlformats.org/officeDocument/2006/relationships" xmlns:p="http://schemas.openxmlformats.org/presentationml/2006/main">
+  <p:cSld>
+    <p:spTree>
+      <p:nvGrpSpPr>
+        <p:cNvPr id="1" name=""/>
+        <p:cNvGrpSpPr/>
+        <p:nvPr/>
+      </p:nvGrpSpPr>
+      <p:grpSpPr>
+        <a:xfrm>
+          <a:off x="0" y="0"/>
+          <a:ext cx="0" cy="0"/>
+          <a:chOff x="0" y="0"/>
+          <a:chExt cx="0" cy="0"/>
+        </a:xfrm>
+      </p:grpSpPr>
+      <p:sp>
+        <p:nvSpPr>
+          <p:cNvPr id="2" name="Slide Image Placeholder 1"/>
+          <p:cNvSpPr>
+            <a:spLocks noGrp="1" noRot="1" noChangeAspect="1"/>
+          </p:cNvSpPr>
+          <p:nvPr>
+            <p:ph type="sldImg"/>
+          </p:nvPr>
+        </p:nvSpPr>
+        <p:spPr/>
+      </p:sp>
+      <p:sp>
+        <p:nvSpPr>
+          <p:cNvPr id="3" name="Notes Placeholder 2"/>
+          <p:cNvSpPr>
+            <a:spLocks noGrp="1"/>
+          </p:cNvSpPr>
+          <p:nvPr>
+            <p:ph type="body" idx="1"/>
+          </p:nvPr>
+        </p:nvSpPr>
+        <p:spPr/>
+        <p:txBody>
+          <a:bodyPr/>
+          <a:lstStyle/>
+          <a:p>
+            <a:r>
+              <a:rPr lang="pt-BR" dirty="0"/>
+              <a:t>CONSIDERING THE SUM OF ALL VISIT CNT BECAUSE IT’S PER YEAR!</a:t>
+            </a:r>
+          </a:p>
+        </p:txBody>
+      </p:sp>
+      <p:sp>
+        <p:nvSpPr>
+          <p:cNvPr id="4" name="Slide Number Placeholder 3"/>
+          <p:cNvSpPr>
+            <a:spLocks noGrp="1"/>
+          </p:cNvSpPr>
+          <p:nvPr>
+            <p:ph type="sldNum" sz="quarter" idx="5"/>
+          </p:nvPr>
+        </p:nvSpPr>
+        <p:spPr/>
+        <p:txBody>
+          <a:bodyPr/>
+          <a:lstStyle/>
+          <a:p>
+            <a:fld id="{C4B12038-7FD9-43AA-A210-07538A4DEF4A}" type="slidenum">
+              <a:rPr lang="pt-BR" smtClean="0"/>
+              <a:t>25</a:t>
+            </a:fld>
+            <a:endParaRPr lang="pt-BR"/>
+          </a:p>
+        </p:txBody>
+      </p:sp>
+    </p:spTree>
+    <p:extLst>
+      <p:ext uri="{BB962C8B-B14F-4D97-AF65-F5344CB8AC3E}">
+        <p14:creationId xmlns:p14="http://schemas.microsoft.com/office/powerpoint/2010/main" val="201776967"/>
+      </p:ext>
+    </p:extLst>
+  </p:cSld>
+  <p:clrMapOvr>
+    <a:masterClrMapping/>
+  </p:clrMapOvr>
+</p:notes>
+</file>
+
+<file path=ppt/notesSlides/notesSlide13.xml><?xml version="1.0" encoding="utf-8"?>
+<p:notes xmlns:a="http://schemas.openxmlformats.org/drawingml/2006/main" xmlns:r="http://schemas.openxmlformats.org/officeDocument/2006/relationships" xmlns:p="http://schemas.openxmlformats.org/presentationml/2006/main">
+  <p:cSld>
+    <p:spTree>
+      <p:nvGrpSpPr>
+        <p:cNvPr id="1" name=""/>
+        <p:cNvGrpSpPr/>
+        <p:nvPr/>
+      </p:nvGrpSpPr>
+      <p:grpSpPr>
+        <a:xfrm>
+          <a:off x="0" y="0"/>
+          <a:ext cx="0" cy="0"/>
+          <a:chOff x="0" y="0"/>
+          <a:chExt cx="0" cy="0"/>
+        </a:xfrm>
+      </p:grpSpPr>
+      <p:sp>
+        <p:nvSpPr>
+          <p:cNvPr id="2" name="Slide Image Placeholder 1"/>
+          <p:cNvSpPr>
+            <a:spLocks noGrp="1" noRot="1" noChangeAspect="1"/>
+          </p:cNvSpPr>
+          <p:nvPr>
+            <p:ph type="sldImg"/>
+          </p:nvPr>
+        </p:nvSpPr>
+        <p:spPr/>
+      </p:sp>
+      <p:sp>
+        <p:nvSpPr>
+          <p:cNvPr id="3" name="Notes Placeholder 2"/>
+          <p:cNvSpPr>
+            <a:spLocks noGrp="1"/>
+          </p:cNvSpPr>
+          <p:nvPr>
+            <p:ph type="body" idx="1"/>
+          </p:nvPr>
+        </p:nvSpPr>
+        <p:spPr/>
+        <p:txBody>
+          <a:bodyPr/>
+          <a:lstStyle/>
+          <a:p>
+            <a:pPr marL="0" marR="0" lvl="0" indent="0" algn="l" defTabSz="914400" rtl="0" eaLnBrk="1" fontAlgn="auto" latinLnBrk="0" hangingPunct="1">
+              <a:lnSpc>
+                <a:spcPct val="100000"/>
+              </a:lnSpc>
+              <a:spcBef>
+                <a:spcPts val="0"/>
+              </a:spcBef>
+              <a:spcAft>
+                <a:spcPts val="0"/>
+              </a:spcAft>
+              <a:buClrTx/>
+              <a:buSzTx/>
+              <a:buFontTx/>
+              <a:buNone/>
+              <a:tabLst/>
+              <a:defRPr/>
+            </a:pPr>
+            <a:r>
+              <a:rPr lang="pt-BR" dirty="0"/>
+              <a:t>CONSIDERING THE SUM OF ALL VISIT CNT.</a:t>
+            </a:r>
+          </a:p>
+          <a:p>
+            <a:endParaRPr lang="pt-BR" dirty="0"/>
+          </a:p>
+        </p:txBody>
+      </p:sp>
+      <p:sp>
+        <p:nvSpPr>
+          <p:cNvPr id="4" name="Slide Number Placeholder 3"/>
+          <p:cNvSpPr>
+            <a:spLocks noGrp="1"/>
+          </p:cNvSpPr>
+          <p:nvPr>
+            <p:ph type="sldNum" sz="quarter" idx="5"/>
+          </p:nvPr>
+        </p:nvSpPr>
+        <p:spPr/>
+        <p:txBody>
+          <a:bodyPr/>
+          <a:lstStyle/>
+          <a:p>
+            <a:fld id="{C4B12038-7FD9-43AA-A210-07538A4DEF4A}" type="slidenum">
+              <a:rPr lang="pt-BR" smtClean="0"/>
+              <a:t>26</a:t>
+            </a:fld>
+            <a:endParaRPr lang="pt-BR"/>
+          </a:p>
+        </p:txBody>
+      </p:sp>
+    </p:spTree>
+    <p:extLst>
+      <p:ext uri="{BB962C8B-B14F-4D97-AF65-F5344CB8AC3E}">
+        <p14:creationId xmlns:p14="http://schemas.microsoft.com/office/powerpoint/2010/main" val="3735841861"/>
+      </p:ext>
+    </p:extLst>
+  </p:cSld>
+  <p:clrMapOvr>
+    <a:masterClrMapping/>
+  </p:clrMapOvr>
+</p:notes>
+</file>
+
+<file path=ppt/notesSlides/notesSlide14.xml><?xml version="1.0" encoding="utf-8"?>
+<p:notes xmlns:a="http://schemas.openxmlformats.org/drawingml/2006/main" xmlns:r="http://schemas.openxmlformats.org/officeDocument/2006/relationships" xmlns:p="http://schemas.openxmlformats.org/presentationml/2006/main">
+  <p:cSld>
+    <p:spTree>
+      <p:nvGrpSpPr>
+        <p:cNvPr id="1" name=""/>
+        <p:cNvGrpSpPr/>
+        <p:nvPr/>
+      </p:nvGrpSpPr>
+      <p:grpSpPr>
+        <a:xfrm>
+          <a:off x="0" y="0"/>
+          <a:ext cx="0" cy="0"/>
+          <a:chOff x="0" y="0"/>
+          <a:chExt cx="0" cy="0"/>
+        </a:xfrm>
+      </p:grpSpPr>
+      <p:sp>
+        <p:nvSpPr>
+          <p:cNvPr id="2" name="Slide Image Placeholder 1"/>
+          <p:cNvSpPr>
+            <a:spLocks noGrp="1" noRot="1" noChangeAspect="1"/>
+          </p:cNvSpPr>
+          <p:nvPr>
+            <p:ph type="sldImg"/>
+          </p:nvPr>
+        </p:nvSpPr>
+        <p:spPr/>
+      </p:sp>
+      <p:sp>
+        <p:nvSpPr>
+          <p:cNvPr id="3" name="Notes Placeholder 2"/>
+          <p:cNvSpPr>
+            <a:spLocks noGrp="1"/>
+          </p:cNvSpPr>
+          <p:nvPr>
+            <p:ph type="body" idx="1"/>
+          </p:nvPr>
+        </p:nvSpPr>
+        <p:spPr/>
+        <p:txBody>
+          <a:bodyPr/>
+          <a:lstStyle/>
+          <a:p>
+            <a:endParaRPr lang="pt-BR" dirty="0"/>
+          </a:p>
+        </p:txBody>
+      </p:sp>
+      <p:sp>
+        <p:nvSpPr>
+          <p:cNvPr id="4" name="Slide Number Placeholder 3"/>
+          <p:cNvSpPr>
+            <a:spLocks noGrp="1"/>
+          </p:cNvSpPr>
+          <p:nvPr>
+            <p:ph type="sldNum" sz="quarter" idx="5"/>
+          </p:nvPr>
+        </p:nvSpPr>
+        <p:spPr/>
+        <p:txBody>
+          <a:bodyPr/>
+          <a:lstStyle/>
+          <a:p>
+            <a:fld id="{C4B12038-7FD9-43AA-A210-07538A4DEF4A}" type="slidenum">
+              <a:rPr lang="pt-BR" smtClean="0"/>
+              <a:t>27</a:t>
+            </a:fld>
+            <a:endParaRPr lang="pt-BR"/>
+          </a:p>
+        </p:txBody>
+      </p:sp>
+    </p:spTree>
+    <p:extLst>
+      <p:ext uri="{BB962C8B-B14F-4D97-AF65-F5344CB8AC3E}">
+        <p14:creationId xmlns:p14="http://schemas.microsoft.com/office/powerpoint/2010/main" val="1714879632"/>
+      </p:ext>
+    </p:extLst>
+  </p:cSld>
+  <p:clrMapOvr>
+    <a:masterClrMapping/>
+  </p:clrMapOvr>
+</p:notes>
+</file>
+
+<file path=ppt/notesSlides/notesSlide15.xml><?xml version="1.0" encoding="utf-8"?>
+<p:notes xmlns:a="http://schemas.openxmlformats.org/drawingml/2006/main" xmlns:r="http://schemas.openxmlformats.org/officeDocument/2006/relationships" xmlns:p="http://schemas.openxmlformats.org/presentationml/2006/main">
+  <p:cSld>
+    <p:spTree>
+      <p:nvGrpSpPr>
+        <p:cNvPr id="1" name=""/>
+        <p:cNvGrpSpPr/>
+        <p:nvPr/>
+      </p:nvGrpSpPr>
+      <p:grpSpPr>
+        <a:xfrm>
+          <a:off x="0" y="0"/>
+          <a:ext cx="0" cy="0"/>
+          <a:chOff x="0" y="0"/>
+          <a:chExt cx="0" cy="0"/>
+        </a:xfrm>
+      </p:grpSpPr>
+      <p:sp>
+        <p:nvSpPr>
+          <p:cNvPr id="2" name="Slide Image Placeholder 1"/>
+          <p:cNvSpPr>
+            <a:spLocks noGrp="1" noRot="1" noChangeAspect="1"/>
+          </p:cNvSpPr>
+          <p:nvPr>
+            <p:ph type="sldImg"/>
+          </p:nvPr>
+        </p:nvSpPr>
+        <p:spPr/>
+      </p:sp>
+      <p:sp>
+        <p:nvSpPr>
+          <p:cNvPr id="3" name="Notes Placeholder 2"/>
+          <p:cNvSpPr>
+            <a:spLocks noGrp="1"/>
+          </p:cNvSpPr>
+          <p:nvPr>
+            <p:ph type="body" idx="1"/>
+          </p:nvPr>
+        </p:nvSpPr>
+        <p:spPr/>
+        <p:txBody>
+          <a:bodyPr/>
+          <a:lstStyle/>
+          <a:p>
+            <a:r>
+              <a:rPr lang="pt-BR" dirty="0"/>
+              <a:t>Cluster 1 são os usuários de </a:t>
+            </a:r>
+            <a:r>
+              <a:rPr lang="pt-BR" b="1" dirty="0"/>
+              <a:t>alto valor</a:t>
+            </a:r>
+            <a:r>
+              <a:rPr lang="pt-BR" dirty="0"/>
+              <a:t>, Cluster 2 é o grupo intermediário, e Cluster 0 são os </a:t>
+            </a:r>
+            <a:r>
+              <a:rPr lang="pt-BR" b="1" dirty="0"/>
+              <a:t>baixo valor</a:t>
+            </a:r>
+            <a:r>
+              <a:rPr lang="pt-BR" dirty="0"/>
+              <a:t>.</a:t>
+            </a:r>
+          </a:p>
+          <a:p>
+            <a:r>
+              <a:rPr lang="pt-BR" dirty="0"/>
+              <a:t>Cluster 1 são os </a:t>
+            </a:r>
+            <a:r>
+              <a:rPr lang="pt-BR" b="1" dirty="0"/>
+              <a:t>mais engajados recentemente</a:t>
+            </a:r>
+            <a:r>
+              <a:rPr lang="pt-BR" dirty="0"/>
+              <a:t>, Cluster 0 estão </a:t>
+            </a:r>
+            <a:r>
+              <a:rPr lang="pt-BR" b="1" dirty="0"/>
+              <a:t>inativos</a:t>
+            </a:r>
+            <a:r>
+              <a:rPr lang="pt-BR" dirty="0"/>
+              <a:t> ou há muito tempo sem comprar.</a:t>
+            </a:r>
+          </a:p>
+          <a:p>
+            <a:r>
+              <a:rPr lang="pt-BR" dirty="0"/>
+              <a:t>Cluster 1 são </a:t>
+            </a:r>
+            <a:r>
+              <a:rPr lang="pt-BR" b="1" dirty="0"/>
+              <a:t>clientes frequentes</a:t>
+            </a:r>
+            <a:r>
+              <a:rPr lang="pt-BR" dirty="0"/>
+              <a:t>, Cluster 2 têm atividade moderada, Cluster 0 </a:t>
+            </a:r>
+            <a:r>
+              <a:rPr lang="pt-BR" b="1" dirty="0"/>
+              <a:t>compraram poucas vezes</a:t>
+            </a:r>
+            <a:r>
+              <a:rPr lang="pt-BR" dirty="0"/>
+              <a:t>.</a:t>
+            </a:r>
+          </a:p>
+        </p:txBody>
+      </p:sp>
+      <p:sp>
+        <p:nvSpPr>
+          <p:cNvPr id="4" name="Slide Number Placeholder 3"/>
+          <p:cNvSpPr>
+            <a:spLocks noGrp="1"/>
+          </p:cNvSpPr>
+          <p:nvPr>
+            <p:ph type="sldNum" sz="quarter" idx="5"/>
+          </p:nvPr>
+        </p:nvSpPr>
+        <p:spPr/>
+        <p:txBody>
+          <a:bodyPr/>
+          <a:lstStyle/>
+          <a:p>
+            <a:fld id="{C4B12038-7FD9-43AA-A210-07538A4DEF4A}" type="slidenum">
+              <a:rPr lang="pt-BR" smtClean="0"/>
+              <a:t>28</a:t>
+            </a:fld>
+            <a:endParaRPr lang="pt-BR"/>
+          </a:p>
+        </p:txBody>
+      </p:sp>
+    </p:spTree>
+    <p:extLst>
+      <p:ext uri="{BB962C8B-B14F-4D97-AF65-F5344CB8AC3E}">
+        <p14:creationId xmlns:p14="http://schemas.microsoft.com/office/powerpoint/2010/main" val="1206283164"/>
+      </p:ext>
+    </p:extLst>
+  </p:cSld>
+  <p:clrMapOvr>
+    <a:masterClrMapping/>
+  </p:clrMapOvr>
+</p:notes>
+</file>
+
+<file path=ppt/notesSlides/notesSlide16.xml><?xml version="1.0" encoding="utf-8"?>
+<p:notes xmlns:a="http://schemas.openxmlformats.org/drawingml/2006/main" xmlns:r="http://schemas.openxmlformats.org/officeDocument/2006/relationships" xmlns:p="http://schemas.openxmlformats.org/presentationml/2006/main">
+  <p:cSld>
+    <p:spTree>
+      <p:nvGrpSpPr>
+        <p:cNvPr id="1" name="">
+          <a:extLst>
+            <a:ext uri="{FF2B5EF4-FFF2-40B4-BE49-F238E27FC236}">
+              <a16:creationId xmlns:a16="http://schemas.microsoft.com/office/drawing/2014/main" id="{2CE78728-E109-00B7-0919-6BE89E2407AC}"/>
+            </a:ext>
+          </a:extLst>
+        </p:cNvPr>
+        <p:cNvGrpSpPr/>
+        <p:nvPr/>
+      </p:nvGrpSpPr>
+      <p:grpSpPr>
+        <a:xfrm>
+          <a:off x="0" y="0"/>
+          <a:ext cx="0" cy="0"/>
+          <a:chOff x="0" y="0"/>
+          <a:chExt cx="0" cy="0"/>
+        </a:xfrm>
+      </p:grpSpPr>
+      <p:sp>
+        <p:nvSpPr>
+          <p:cNvPr id="2" name="Slide Image Placeholder 1">
+            <a:extLst>
+              <a:ext uri="{FF2B5EF4-FFF2-40B4-BE49-F238E27FC236}">
+                <a16:creationId xmlns:a16="http://schemas.microsoft.com/office/drawing/2014/main" id="{95B5B547-78F8-1869-CB56-6903E9CC575F}"/>
+              </a:ext>
+            </a:extLst>
+          </p:cNvPr>
+          <p:cNvSpPr>
+            <a:spLocks noGrp="1" noRot="1" noChangeAspect="1"/>
+          </p:cNvSpPr>
+          <p:nvPr>
+            <p:ph type="sldImg"/>
+          </p:nvPr>
+        </p:nvSpPr>
+        <p:spPr/>
+      </p:sp>
+      <p:sp>
+        <p:nvSpPr>
+          <p:cNvPr id="3" name="Notes Placeholder 2">
+            <a:extLst>
+              <a:ext uri="{FF2B5EF4-FFF2-40B4-BE49-F238E27FC236}">
+                <a16:creationId xmlns:a16="http://schemas.microsoft.com/office/drawing/2014/main" id="{EC0BF385-B925-3161-EA07-F6760D052821}"/>
+              </a:ext>
+            </a:extLst>
+          </p:cNvPr>
+          <p:cNvSpPr>
+            <a:spLocks noGrp="1"/>
+          </p:cNvSpPr>
+          <p:nvPr>
+            <p:ph type="body" idx="1"/>
+          </p:nvPr>
+        </p:nvSpPr>
+        <p:spPr/>
+        <p:txBody>
+          <a:bodyPr/>
+          <a:lstStyle/>
+          <a:p>
+            <a:r>
+              <a:rPr lang="pt-BR" dirty="0"/>
+              <a:t>Cluster 1 são os usuários de </a:t>
+            </a:r>
+            <a:r>
+              <a:rPr lang="pt-BR" b="1" dirty="0"/>
+              <a:t>alto valor</a:t>
+            </a:r>
+            <a:r>
+              <a:rPr lang="pt-BR" dirty="0"/>
+              <a:t>, Cluster 2 é o grupo intermediário, e Cluster 0 são os </a:t>
+            </a:r>
+            <a:r>
+              <a:rPr lang="pt-BR" b="1" dirty="0"/>
+              <a:t>baixo valor</a:t>
+            </a:r>
+            <a:r>
+              <a:rPr lang="pt-BR" dirty="0"/>
+              <a:t>.</a:t>
+            </a:r>
+          </a:p>
+          <a:p>
+            <a:r>
+              <a:rPr lang="pt-BR" dirty="0"/>
+              <a:t>Cluster 1 são os </a:t>
+            </a:r>
+            <a:r>
+              <a:rPr lang="pt-BR" b="1" dirty="0"/>
+              <a:t>mais engajados recentemente</a:t>
+            </a:r>
+            <a:r>
+              <a:rPr lang="pt-BR" dirty="0"/>
+              <a:t>, Cluster 0 estão </a:t>
+            </a:r>
+            <a:r>
+              <a:rPr lang="pt-BR" b="1" dirty="0"/>
+              <a:t>inativos</a:t>
+            </a:r>
+            <a:r>
+              <a:rPr lang="pt-BR" dirty="0"/>
+              <a:t> ou há muito tempo sem comprar.</a:t>
+            </a:r>
+          </a:p>
+          <a:p>
+            <a:r>
+              <a:rPr lang="pt-BR" dirty="0"/>
+              <a:t>Cluster 1 são </a:t>
+            </a:r>
+            <a:r>
+              <a:rPr lang="pt-BR" b="1" dirty="0"/>
+              <a:t>clientes frequentes</a:t>
+            </a:r>
+            <a:r>
+              <a:rPr lang="pt-BR" dirty="0"/>
+              <a:t>, Cluster 2 têm atividade moderada, Cluster 0 </a:t>
+            </a:r>
+            <a:r>
+              <a:rPr lang="pt-BR" b="1" dirty="0"/>
+              <a:t>compraram poucas vezes</a:t>
+            </a:r>
+            <a:r>
+              <a:rPr lang="pt-BR" dirty="0"/>
+              <a:t>.</a:t>
+            </a:r>
+          </a:p>
+        </p:txBody>
+      </p:sp>
+      <p:sp>
+        <p:nvSpPr>
+          <p:cNvPr id="4" name="Slide Number Placeholder 3">
+            <a:extLst>
+              <a:ext uri="{FF2B5EF4-FFF2-40B4-BE49-F238E27FC236}">
+                <a16:creationId xmlns:a16="http://schemas.microsoft.com/office/drawing/2014/main" id="{92590F43-983A-E6E8-56A8-52BE534B6BAA}"/>
+              </a:ext>
+            </a:extLst>
+          </p:cNvPr>
+          <p:cNvSpPr>
+            <a:spLocks noGrp="1"/>
+          </p:cNvSpPr>
+          <p:nvPr>
+            <p:ph type="sldNum" sz="quarter" idx="5"/>
+          </p:nvPr>
+        </p:nvSpPr>
+        <p:spPr/>
+        <p:txBody>
+          <a:bodyPr/>
+          <a:lstStyle/>
+          <a:p>
+            <a:fld id="{C4B12038-7FD9-43AA-A210-07538A4DEF4A}" type="slidenum">
+              <a:rPr lang="pt-BR" smtClean="0"/>
+              <a:t>29</a:t>
+            </a:fld>
+            <a:endParaRPr lang="pt-BR"/>
+          </a:p>
+        </p:txBody>
+      </p:sp>
+    </p:spTree>
+    <p:extLst>
+      <p:ext uri="{BB962C8B-B14F-4D97-AF65-F5344CB8AC3E}">
+        <p14:creationId xmlns:p14="http://schemas.microsoft.com/office/powerpoint/2010/main" val="2094615674"/>
+      </p:ext>
+    </p:extLst>
+  </p:cSld>
+  <p:clrMapOvr>
+    <a:masterClrMapping/>
+  </p:clrMapOvr>
+</p:notes>
+</file>
+
+<file path=ppt/notesSlides/notesSlide17.xml><?xml version="1.0" encoding="utf-8"?>
+<p:notes xmlns:a="http://schemas.openxmlformats.org/drawingml/2006/main" xmlns:r="http://schemas.openxmlformats.org/officeDocument/2006/relationships" xmlns:p="http://schemas.openxmlformats.org/presentationml/2006/main">
+  <p:cSld>
+    <p:spTree>
+      <p:nvGrpSpPr>
+        <p:cNvPr id="1" name=""/>
+        <p:cNvGrpSpPr/>
+        <p:nvPr/>
+      </p:nvGrpSpPr>
+      <p:grpSpPr>
+        <a:xfrm>
+          <a:off x="0" y="0"/>
+          <a:ext cx="0" cy="0"/>
+          <a:chOff x="0" y="0"/>
+          <a:chExt cx="0" cy="0"/>
+        </a:xfrm>
+      </p:grpSpPr>
+      <p:sp>
+        <p:nvSpPr>
+          <p:cNvPr id="2" name="Slide Image Placeholder 1"/>
+          <p:cNvSpPr>
+            <a:spLocks noGrp="1" noRot="1" noChangeAspect="1"/>
+          </p:cNvSpPr>
+          <p:nvPr>
+            <p:ph type="sldImg"/>
+          </p:nvPr>
+        </p:nvSpPr>
+        <p:spPr/>
+      </p:sp>
+      <p:sp>
+        <p:nvSpPr>
+          <p:cNvPr id="3" name="Notes Placeholder 2"/>
+          <p:cNvSpPr>
+            <a:spLocks noGrp="1"/>
+          </p:cNvSpPr>
+          <p:nvPr>
+            <p:ph type="body" idx="1"/>
+          </p:nvPr>
+        </p:nvSpPr>
+        <p:spPr/>
+        <p:txBody>
+          <a:bodyPr/>
+          <a:lstStyle/>
+          <a:p>
+            <a:endParaRPr lang="pt-BR" dirty="0"/>
+          </a:p>
+        </p:txBody>
+      </p:sp>
+      <p:sp>
+        <p:nvSpPr>
+          <p:cNvPr id="4" name="Slide Number Placeholder 3"/>
+          <p:cNvSpPr>
+            <a:spLocks noGrp="1"/>
+          </p:cNvSpPr>
+          <p:nvPr>
+            <p:ph type="sldNum" sz="quarter" idx="5"/>
+          </p:nvPr>
+        </p:nvSpPr>
+        <p:spPr/>
+        <p:txBody>
+          <a:bodyPr/>
+          <a:lstStyle/>
+          <a:p>
+            <a:fld id="{C4B12038-7FD9-43AA-A210-07538A4DEF4A}" type="slidenum">
+              <a:rPr lang="pt-BR" smtClean="0"/>
+              <a:t>30</a:t>
+            </a:fld>
+            <a:endParaRPr lang="pt-BR"/>
+          </a:p>
+        </p:txBody>
+      </p:sp>
+    </p:spTree>
+    <p:extLst>
+      <p:ext uri="{BB962C8B-B14F-4D97-AF65-F5344CB8AC3E}">
+        <p14:creationId xmlns:p14="http://schemas.microsoft.com/office/powerpoint/2010/main" val="2866387046"/>
+      </p:ext>
+    </p:extLst>
+  </p:cSld>
+  <p:clrMapOvr>
+    <a:masterClrMapping/>
+  </p:clrMapOvr>
+</p:notes>
+</file>
+
+<file path=ppt/notesSlides/notesSlide18.xml><?xml version="1.0" encoding="utf-8"?>
+<p:notes xmlns:a="http://schemas.openxmlformats.org/drawingml/2006/main" xmlns:r="http://schemas.openxmlformats.org/officeDocument/2006/relationships" xmlns:p="http://schemas.openxmlformats.org/presentationml/2006/main">
+  <p:cSld>
+    <p:spTree>
+      <p:nvGrpSpPr>
+        <p:cNvPr id="1" name=""/>
+        <p:cNvGrpSpPr/>
+        <p:nvPr/>
+      </p:nvGrpSpPr>
+      <p:grpSpPr>
+        <a:xfrm>
+          <a:off x="0" y="0"/>
+          <a:ext cx="0" cy="0"/>
+          <a:chOff x="0" y="0"/>
+          <a:chExt cx="0" cy="0"/>
+        </a:xfrm>
+      </p:grpSpPr>
+      <p:sp>
+        <p:nvSpPr>
+          <p:cNvPr id="2" name="Slide Image Placeholder 1"/>
+          <p:cNvSpPr>
+            <a:spLocks noGrp="1" noRot="1" noChangeAspect="1"/>
+          </p:cNvSpPr>
+          <p:nvPr>
+            <p:ph type="sldImg"/>
+          </p:nvPr>
+        </p:nvSpPr>
+        <p:spPr/>
+      </p:sp>
+      <p:sp>
+        <p:nvSpPr>
+          <p:cNvPr id="3" name="Notes Placeholder 2"/>
+          <p:cNvSpPr>
+            <a:spLocks noGrp="1"/>
+          </p:cNvSpPr>
+          <p:nvPr>
+            <p:ph type="body" idx="1"/>
+          </p:nvPr>
+        </p:nvSpPr>
+        <p:spPr/>
+        <p:txBody>
+          <a:bodyPr/>
+          <a:lstStyle/>
+          <a:p>
+            <a:r>
+              <a:rPr lang="pt-BR" dirty="0"/>
+              <a:t>Considering:</a:t>
+            </a:r>
+            <a:br>
+              <a:rPr lang="pt-BR" dirty="0"/>
+            </a:br>
+            <a:r>
+              <a:rPr lang="pt-BR" dirty="0"/>
+              <a:t>- only the 451 users from before-</a:t>
+            </a:r>
+          </a:p>
+          <a:p>
+            <a:pPr marL="0" indent="0">
+              <a:buFontTx/>
+              <a:buNone/>
+            </a:pPr>
+            <a:r>
+              <a:rPr lang="pt-BR" dirty="0"/>
+              <a:t>- </a:t>
+            </a:r>
+            <a:r>
+              <a:rPr lang="pt-BR" b="1" dirty="0">
+                <a:highlight>
+                  <a:srgbClr val="FFFF00"/>
+                </a:highlight>
+              </a:rPr>
+              <a:t>Only visits that became a purchase (converted) -&gt; CONSIDERING ONLY THE LAST VISIT CNT</a:t>
+            </a:r>
+            <a:r>
+              <a:rPr lang="pt-BR" dirty="0"/>
+              <a:t>. </a:t>
+            </a:r>
+          </a:p>
+        </p:txBody>
+      </p:sp>
+      <p:sp>
+        <p:nvSpPr>
+          <p:cNvPr id="4" name="Slide Number Placeholder 3"/>
+          <p:cNvSpPr>
+            <a:spLocks noGrp="1"/>
+          </p:cNvSpPr>
+          <p:nvPr>
+            <p:ph type="sldNum" sz="quarter" idx="5"/>
+          </p:nvPr>
+        </p:nvSpPr>
+        <p:spPr/>
+        <p:txBody>
+          <a:bodyPr/>
+          <a:lstStyle/>
+          <a:p>
+            <a:fld id="{C4B12038-7FD9-43AA-A210-07538A4DEF4A}" type="slidenum">
+              <a:rPr lang="pt-BR" smtClean="0"/>
+              <a:t>31</a:t>
+            </a:fld>
+            <a:endParaRPr lang="pt-BR"/>
+          </a:p>
+        </p:txBody>
+      </p:sp>
+    </p:spTree>
+    <p:extLst>
+      <p:ext uri="{BB962C8B-B14F-4D97-AF65-F5344CB8AC3E}">
+        <p14:creationId xmlns:p14="http://schemas.microsoft.com/office/powerpoint/2010/main" val="2378098096"/>
+      </p:ext>
+    </p:extLst>
+  </p:cSld>
+  <p:clrMapOvr>
+    <a:masterClrMapping/>
+  </p:clrMapOvr>
+</p:notes>
+</file>
+
+<file path=ppt/notesSlides/notesSlide19.xml><?xml version="1.0" encoding="utf-8"?>
+<p:notes xmlns:a="http://schemas.openxmlformats.org/drawingml/2006/main" xmlns:r="http://schemas.openxmlformats.org/officeDocument/2006/relationships" xmlns:p="http://schemas.openxmlformats.org/presentationml/2006/main">
+  <p:cSld>
+    <p:spTree>
+      <p:nvGrpSpPr>
+        <p:cNvPr id="1" name=""/>
+        <p:cNvGrpSpPr/>
+        <p:nvPr/>
+      </p:nvGrpSpPr>
+      <p:grpSpPr>
+        <a:xfrm>
+          <a:off x="0" y="0"/>
+          <a:ext cx="0" cy="0"/>
+          <a:chOff x="0" y="0"/>
+          <a:chExt cx="0" cy="0"/>
+        </a:xfrm>
+      </p:grpSpPr>
+      <p:sp>
+        <p:nvSpPr>
+          <p:cNvPr id="2" name="Slide Image Placeholder 1"/>
+          <p:cNvSpPr>
+            <a:spLocks noGrp="1" noRot="1" noChangeAspect="1"/>
+          </p:cNvSpPr>
+          <p:nvPr>
+            <p:ph type="sldImg"/>
+          </p:nvPr>
+        </p:nvSpPr>
+        <p:spPr/>
+      </p:sp>
+      <p:sp>
+        <p:nvSpPr>
+          <p:cNvPr id="3" name="Notes Placeholder 2"/>
+          <p:cNvSpPr>
+            <a:spLocks noGrp="1"/>
+          </p:cNvSpPr>
+          <p:nvPr>
+            <p:ph type="body" idx="1"/>
+          </p:nvPr>
+        </p:nvSpPr>
+        <p:spPr/>
+        <p:txBody>
+          <a:bodyPr/>
+          <a:lstStyle/>
+          <a:p>
+            <a:r>
+              <a:rPr lang="pt-BR" b="1" dirty="0">
+                <a:highlight>
+                  <a:srgbClr val="FFFF00"/>
+                </a:highlight>
+              </a:rPr>
+              <a:t>Only visits that became a purchase (converted) -&gt; CONSIDERING ONLY THE LAST VISIT CNT</a:t>
+            </a:r>
+            <a:r>
+              <a:rPr lang="pt-BR" dirty="0"/>
+              <a:t>. </a:t>
+            </a:r>
+          </a:p>
+        </p:txBody>
+      </p:sp>
+      <p:sp>
+        <p:nvSpPr>
+          <p:cNvPr id="4" name="Slide Number Placeholder 3"/>
+          <p:cNvSpPr>
+            <a:spLocks noGrp="1"/>
+          </p:cNvSpPr>
+          <p:nvPr>
+            <p:ph type="sldNum" sz="quarter" idx="5"/>
+          </p:nvPr>
+        </p:nvSpPr>
+        <p:spPr/>
+        <p:txBody>
+          <a:bodyPr/>
+          <a:lstStyle/>
+          <a:p>
+            <a:fld id="{C4B12038-7FD9-43AA-A210-07538A4DEF4A}" type="slidenum">
+              <a:rPr lang="pt-BR" smtClean="0"/>
+              <a:t>32</a:t>
+            </a:fld>
+            <a:endParaRPr lang="pt-BR"/>
+          </a:p>
+        </p:txBody>
+      </p:sp>
+    </p:spTree>
+    <p:extLst>
+      <p:ext uri="{BB962C8B-B14F-4D97-AF65-F5344CB8AC3E}">
+        <p14:creationId xmlns:p14="http://schemas.microsoft.com/office/powerpoint/2010/main" val="3495108089"/>
+      </p:ext>
+    </p:extLst>
+  </p:cSld>
+  <p:clrMapOvr>
+    <a:masterClrMapping/>
+  </p:clrMapOvr>
+</p:notes>
+</file>
+
 <file path=ppt/notesSlides/notesSlide2.xml><?xml version="1.0" encoding="utf-8"?>
 <p:notes xmlns:a="http://schemas.openxmlformats.org/drawingml/2006/main" xmlns:r="http://schemas.openxmlformats.org/officeDocument/2006/relationships" xmlns:p="http://schemas.openxmlformats.org/presentationml/2006/main">
   <p:cSld>
@@ -675,6 +1753,198 @@
     <p:extLst>
       <p:ext uri="{BB962C8B-B14F-4D97-AF65-F5344CB8AC3E}">
         <p14:creationId xmlns:p14="http://schemas.microsoft.com/office/powerpoint/2010/main" val="1472440707"/>
+      </p:ext>
+    </p:extLst>
+  </p:cSld>
+  <p:clrMapOvr>
+    <a:masterClrMapping/>
+  </p:clrMapOvr>
+</p:notes>
+</file>
+
+<file path=ppt/notesSlides/notesSlide20.xml><?xml version="1.0" encoding="utf-8"?>
+<p:notes xmlns:a="http://schemas.openxmlformats.org/drawingml/2006/main" xmlns:r="http://schemas.openxmlformats.org/officeDocument/2006/relationships" xmlns:p="http://schemas.openxmlformats.org/presentationml/2006/main">
+  <p:cSld>
+    <p:spTree>
+      <p:nvGrpSpPr>
+        <p:cNvPr id="1" name="">
+          <a:extLst>
+            <a:ext uri="{FF2B5EF4-FFF2-40B4-BE49-F238E27FC236}">
+              <a16:creationId xmlns:a16="http://schemas.microsoft.com/office/drawing/2014/main" id="{AC02FCF2-D2C6-2C5F-2C76-7207DDC75BFC}"/>
+            </a:ext>
+          </a:extLst>
+        </p:cNvPr>
+        <p:cNvGrpSpPr/>
+        <p:nvPr/>
+      </p:nvGrpSpPr>
+      <p:grpSpPr>
+        <a:xfrm>
+          <a:off x="0" y="0"/>
+          <a:ext cx="0" cy="0"/>
+          <a:chOff x="0" y="0"/>
+          <a:chExt cx="0" cy="0"/>
+        </a:xfrm>
+      </p:grpSpPr>
+      <p:sp>
+        <p:nvSpPr>
+          <p:cNvPr id="2" name="Slide Image Placeholder 1">
+            <a:extLst>
+              <a:ext uri="{FF2B5EF4-FFF2-40B4-BE49-F238E27FC236}">
+                <a16:creationId xmlns:a16="http://schemas.microsoft.com/office/drawing/2014/main" id="{1E7702ED-3BB9-CAB1-2F8C-A123B7F175C6}"/>
+              </a:ext>
+            </a:extLst>
+          </p:cNvPr>
+          <p:cNvSpPr>
+            <a:spLocks noGrp="1" noRot="1" noChangeAspect="1"/>
+          </p:cNvSpPr>
+          <p:nvPr>
+            <p:ph type="sldImg"/>
+          </p:nvPr>
+        </p:nvSpPr>
+        <p:spPr/>
+      </p:sp>
+      <p:sp>
+        <p:nvSpPr>
+          <p:cNvPr id="3" name="Notes Placeholder 2">
+            <a:extLst>
+              <a:ext uri="{FF2B5EF4-FFF2-40B4-BE49-F238E27FC236}">
+                <a16:creationId xmlns:a16="http://schemas.microsoft.com/office/drawing/2014/main" id="{DC7BB79C-B5F7-69FB-1E42-7F5FA364CE6F}"/>
+              </a:ext>
+            </a:extLst>
+          </p:cNvPr>
+          <p:cNvSpPr>
+            <a:spLocks noGrp="1"/>
+          </p:cNvSpPr>
+          <p:nvPr>
+            <p:ph type="body" idx="1"/>
+          </p:nvPr>
+        </p:nvSpPr>
+        <p:spPr/>
+        <p:txBody>
+          <a:bodyPr/>
+          <a:lstStyle/>
+          <a:p>
+            <a:endParaRPr lang="pt-BR" dirty="0"/>
+          </a:p>
+        </p:txBody>
+      </p:sp>
+      <p:sp>
+        <p:nvSpPr>
+          <p:cNvPr id="4" name="Slide Number Placeholder 3">
+            <a:extLst>
+              <a:ext uri="{FF2B5EF4-FFF2-40B4-BE49-F238E27FC236}">
+                <a16:creationId xmlns:a16="http://schemas.microsoft.com/office/drawing/2014/main" id="{FA932FE7-F4C5-0F35-776B-EF389F8A34F9}"/>
+              </a:ext>
+            </a:extLst>
+          </p:cNvPr>
+          <p:cNvSpPr>
+            <a:spLocks noGrp="1"/>
+          </p:cNvSpPr>
+          <p:nvPr>
+            <p:ph type="sldNum" sz="quarter" idx="5"/>
+          </p:nvPr>
+        </p:nvSpPr>
+        <p:spPr/>
+        <p:txBody>
+          <a:bodyPr/>
+          <a:lstStyle/>
+          <a:p>
+            <a:fld id="{C4B12038-7FD9-43AA-A210-07538A4DEF4A}" type="slidenum">
+              <a:rPr lang="pt-BR" smtClean="0"/>
+              <a:t>33</a:t>
+            </a:fld>
+            <a:endParaRPr lang="pt-BR"/>
+          </a:p>
+        </p:txBody>
+      </p:sp>
+    </p:spTree>
+    <p:extLst>
+      <p:ext uri="{BB962C8B-B14F-4D97-AF65-F5344CB8AC3E}">
+        <p14:creationId xmlns:p14="http://schemas.microsoft.com/office/powerpoint/2010/main" val="2592947192"/>
+      </p:ext>
+    </p:extLst>
+  </p:cSld>
+  <p:clrMapOvr>
+    <a:masterClrMapping/>
+  </p:clrMapOvr>
+</p:notes>
+</file>
+
+<file path=ppt/notesSlides/notesSlide21.xml><?xml version="1.0" encoding="utf-8"?>
+<p:notes xmlns:a="http://schemas.openxmlformats.org/drawingml/2006/main" xmlns:r="http://schemas.openxmlformats.org/officeDocument/2006/relationships" xmlns:p="http://schemas.openxmlformats.org/presentationml/2006/main">
+  <p:cSld>
+    <p:spTree>
+      <p:nvGrpSpPr>
+        <p:cNvPr id="1" name=""/>
+        <p:cNvGrpSpPr/>
+        <p:nvPr/>
+      </p:nvGrpSpPr>
+      <p:grpSpPr>
+        <a:xfrm>
+          <a:off x="0" y="0"/>
+          <a:ext cx="0" cy="0"/>
+          <a:chOff x="0" y="0"/>
+          <a:chExt cx="0" cy="0"/>
+        </a:xfrm>
+      </p:grpSpPr>
+      <p:sp>
+        <p:nvSpPr>
+          <p:cNvPr id="2" name="Slide Image Placeholder 1"/>
+          <p:cNvSpPr>
+            <a:spLocks noGrp="1" noRot="1" noChangeAspect="1"/>
+          </p:cNvSpPr>
+          <p:nvPr>
+            <p:ph type="sldImg"/>
+          </p:nvPr>
+        </p:nvSpPr>
+        <p:spPr/>
+      </p:sp>
+      <p:sp>
+        <p:nvSpPr>
+          <p:cNvPr id="3" name="Notes Placeholder 2"/>
+          <p:cNvSpPr>
+            <a:spLocks noGrp="1"/>
+          </p:cNvSpPr>
+          <p:nvPr>
+            <p:ph type="body" idx="1"/>
+          </p:nvPr>
+        </p:nvSpPr>
+        <p:spPr/>
+        <p:txBody>
+          <a:bodyPr/>
+          <a:lstStyle/>
+          <a:p>
+            <a:endParaRPr lang="pt-BR" dirty="0"/>
+          </a:p>
+        </p:txBody>
+      </p:sp>
+      <p:sp>
+        <p:nvSpPr>
+          <p:cNvPr id="4" name="Slide Number Placeholder 3"/>
+          <p:cNvSpPr>
+            <a:spLocks noGrp="1"/>
+          </p:cNvSpPr>
+          <p:nvPr>
+            <p:ph type="sldNum" sz="quarter" idx="5"/>
+          </p:nvPr>
+        </p:nvSpPr>
+        <p:spPr/>
+        <p:txBody>
+          <a:bodyPr/>
+          <a:lstStyle/>
+          <a:p>
+            <a:fld id="{C4B12038-7FD9-43AA-A210-07538A4DEF4A}" type="slidenum">
+              <a:rPr lang="pt-BR" smtClean="0"/>
+              <a:t>34</a:t>
+            </a:fld>
+            <a:endParaRPr lang="pt-BR"/>
+          </a:p>
+        </p:txBody>
+      </p:sp>
+    </p:spTree>
+    <p:extLst>
+      <p:ext uri="{BB962C8B-B14F-4D97-AF65-F5344CB8AC3E}">
+        <p14:creationId xmlns:p14="http://schemas.microsoft.com/office/powerpoint/2010/main" val="2821834812"/>
       </p:ext>
     </p:extLst>
   </p:cSld>
@@ -908,7 +2178,7 @@
         <p:cNvPr id="1" name="">
           <a:extLst>
             <a:ext uri="{FF2B5EF4-FFF2-40B4-BE49-F238E27FC236}">
-              <a16:creationId xmlns:a16="http://schemas.microsoft.com/office/drawing/2014/main" id="{A3E7467D-D489-17FB-FF52-7391FFB0A832}"/>
+              <a16:creationId xmlns:a16="http://schemas.microsoft.com/office/drawing/2014/main" id="{3F7E1923-ABA8-3896-4788-7157D69EFFE1}"/>
             </a:ext>
           </a:extLst>
         </p:cNvPr>
@@ -928,7 +2198,7 @@
           <p:cNvPr id="2" name="Slide Image Placeholder 1">
             <a:extLst>
               <a:ext uri="{FF2B5EF4-FFF2-40B4-BE49-F238E27FC236}">
-                <a16:creationId xmlns:a16="http://schemas.microsoft.com/office/drawing/2014/main" id="{0C50E843-80FD-7A29-8CCA-679BEB10586E}"/>
+                <a16:creationId xmlns:a16="http://schemas.microsoft.com/office/drawing/2014/main" id="{C8CF75DA-6C45-9199-4DC6-F9FBC59AA906}"/>
               </a:ext>
             </a:extLst>
           </p:cNvPr>
@@ -946,7 +2216,7 @@
           <p:cNvPr id="3" name="Notes Placeholder 2">
             <a:extLst>
               <a:ext uri="{FF2B5EF4-FFF2-40B4-BE49-F238E27FC236}">
-                <a16:creationId xmlns:a16="http://schemas.microsoft.com/office/drawing/2014/main" id="{70022FFF-6033-B536-E868-EF1EBF90F5ED}"/>
+                <a16:creationId xmlns:a16="http://schemas.microsoft.com/office/drawing/2014/main" id="{E8D7DD90-8A89-02C2-01AD-E5F59A70E841}"/>
               </a:ext>
             </a:extLst>
           </p:cNvPr>
@@ -962,8 +2232,70 @@
           <a:bodyPr/>
           <a:lstStyle/>
           <a:p>
+            <a:r>
+              <a:rPr lang="pt-BR" dirty="0"/>
+              <a:t>We can’t know which of the visit in fatct visits generated a convertion in the purshases, since there’re:</a:t>
+            </a:r>
+          </a:p>
+          <a:p>
+            <a:pPr marL="171450" indent="-171450">
+              <a:buFontTx/>
+              <a:buChar char="-"/>
+            </a:pPr>
+            <a:r>
+              <a:rPr lang="pt-BR" dirty="0"/>
+              <a:t>Different channels for the same user and campaign id</a:t>
+            </a:r>
+          </a:p>
+          <a:p>
+            <a:pPr marL="171450" indent="-171450">
+              <a:buFontTx/>
+              <a:buChar char="-"/>
+            </a:pPr>
+            <a:r>
+              <a:rPr lang="pt-BR" dirty="0"/>
+              <a:t>Different timestamps of campaign ids for each user</a:t>
+            </a:r>
+          </a:p>
+          <a:p>
+            <a:pPr marL="0" indent="0">
+              <a:buFontTx/>
+              <a:buNone/>
+            </a:pPr>
             <a:endParaRPr lang="pt-BR" dirty="0"/>
           </a:p>
+          <a:p>
+            <a:pPr marL="0" marR="0" lvl="0" indent="0" algn="l" defTabSz="914400" rtl="0" eaLnBrk="1" fontAlgn="auto" latinLnBrk="0" hangingPunct="1">
+              <a:lnSpc>
+                <a:spcPct val="100000"/>
+              </a:lnSpc>
+              <a:spcBef>
+                <a:spcPts val="0"/>
+              </a:spcBef>
+              <a:spcAft>
+                <a:spcPts val="0"/>
+              </a:spcAft>
+              <a:buClrTx/>
+              <a:buSzTx/>
+              <a:buFontTx/>
+              <a:buNone/>
+              <a:tabLst/>
+              <a:defRPr/>
+            </a:pPr>
+            <a:r>
+              <a:rPr lang="pt-BR" dirty="0"/>
+              <a:t>We can’t properly know from ‘where’ the user came that generated a convertion.</a:t>
+            </a:r>
+          </a:p>
+          <a:p>
+            <a:endParaRPr lang="pt-BR" dirty="0"/>
+          </a:p>
+          <a:p>
+            <a:r>
+              <a:rPr lang="pt-BR" dirty="0"/>
+              <a:t>Composite Primary Key.</a:t>
+            </a:r>
+          </a:p>
         </p:txBody>
       </p:sp>
       <p:sp>
@@ -971,7 +2303,7 @@
           <p:cNvPr id="4" name="Slide Number Placeholder 3">
             <a:extLst>
               <a:ext uri="{FF2B5EF4-FFF2-40B4-BE49-F238E27FC236}">
-                <a16:creationId xmlns:a16="http://schemas.microsoft.com/office/drawing/2014/main" id="{7625BB66-8B54-7403-3CB4-D385446DE4BA}"/>
+                <a16:creationId xmlns:a16="http://schemas.microsoft.com/office/drawing/2014/main" id="{E79302CA-1047-9B1A-49F9-96ECF6816C98}"/>
               </a:ext>
             </a:extLst>
           </p:cNvPr>
@@ -989,7 +2321,7 @@
           <a:p>
             <a:fld id="{C4B12038-7FD9-43AA-A210-07538A4DEF4A}" type="slidenum">
               <a:rPr lang="pt-BR" smtClean="0"/>
-              <a:t>15</a:t>
+              <a:t>13</a:t>
             </a:fld>
             <a:endParaRPr lang="pt-BR"/>
           </a:p>
@@ -998,7 +2330,7 @@
     </p:spTree>
     <p:extLst>
       <p:ext uri="{BB962C8B-B14F-4D97-AF65-F5344CB8AC3E}">
-        <p14:creationId xmlns:p14="http://schemas.microsoft.com/office/powerpoint/2010/main" val="1264174912"/>
+        <p14:creationId xmlns:p14="http://schemas.microsoft.com/office/powerpoint/2010/main" val="4178196329"/>
       </p:ext>
     </p:extLst>
   </p:cSld>
@@ -1016,7 +2348,7 @@
         <p:cNvPr id="1" name="">
           <a:extLst>
             <a:ext uri="{FF2B5EF4-FFF2-40B4-BE49-F238E27FC236}">
-              <a16:creationId xmlns:a16="http://schemas.microsoft.com/office/drawing/2014/main" id="{7FB61911-1D5B-FD14-A0CB-0771418EDC57}"/>
+              <a16:creationId xmlns:a16="http://schemas.microsoft.com/office/drawing/2014/main" id="{074E0271-4787-5DFD-55F4-667D203F59CE}"/>
             </a:ext>
           </a:extLst>
         </p:cNvPr>
@@ -1036,7 +2368,7 @@
           <p:cNvPr id="2" name="Slide Image Placeholder 1">
             <a:extLst>
               <a:ext uri="{FF2B5EF4-FFF2-40B4-BE49-F238E27FC236}">
-                <a16:creationId xmlns:a16="http://schemas.microsoft.com/office/drawing/2014/main" id="{FC2DC79F-E3DD-CDE5-86AA-D7AA6DB078D1}"/>
+                <a16:creationId xmlns:a16="http://schemas.microsoft.com/office/drawing/2014/main" id="{E25708EA-9B7E-DE7F-E373-65333BC842CC}"/>
               </a:ext>
             </a:extLst>
           </p:cNvPr>
@@ -1054,7 +2386,7 @@
           <p:cNvPr id="3" name="Notes Placeholder 2">
             <a:extLst>
               <a:ext uri="{FF2B5EF4-FFF2-40B4-BE49-F238E27FC236}">
-                <a16:creationId xmlns:a16="http://schemas.microsoft.com/office/drawing/2014/main" id="{E0169102-E349-9D65-E48D-3341B3FFB46C}"/>
+                <a16:creationId xmlns:a16="http://schemas.microsoft.com/office/drawing/2014/main" id="{3BA0501E-249A-6753-CE94-528C54DBBA1D}"/>
               </a:ext>
             </a:extLst>
           </p:cNvPr>
@@ -1072,7 +2404,66 @@
           <a:p>
             <a:r>
               <a:rPr lang="pt-BR" dirty="0"/>
-              <a:t>WE WILL ASSUME THAT THE PURCHASE WERE DONE IN THE LAST VISIT FROM FACT VISITS.</a:t>
+              <a:t>We can’t know which of the visit in fatct visits generated a convertion in the purshases, since there’re:</a:t>
+            </a:r>
+          </a:p>
+          <a:p>
+            <a:pPr marL="171450" indent="-171450">
+              <a:buFontTx/>
+              <a:buChar char="-"/>
+            </a:pPr>
+            <a:r>
+              <a:rPr lang="pt-BR" dirty="0"/>
+              <a:t>Different channels for the same user and campaign id</a:t>
+            </a:r>
+          </a:p>
+          <a:p>
+            <a:pPr marL="171450" indent="-171450">
+              <a:buFontTx/>
+              <a:buChar char="-"/>
+            </a:pPr>
+            <a:r>
+              <a:rPr lang="pt-BR" dirty="0"/>
+              <a:t>Different timestamps of campaign ids for each user</a:t>
+            </a:r>
+          </a:p>
+          <a:p>
+            <a:pPr marL="0" indent="0">
+              <a:buFontTx/>
+              <a:buNone/>
+            </a:pPr>
+            <a:endParaRPr lang="pt-BR" dirty="0"/>
+          </a:p>
+          <a:p>
+            <a:pPr marL="0" marR="0" lvl="0" indent="0" algn="l" defTabSz="914400" rtl="0" eaLnBrk="1" fontAlgn="auto" latinLnBrk="0" hangingPunct="1">
+              <a:lnSpc>
+                <a:spcPct val="100000"/>
+              </a:lnSpc>
+              <a:spcBef>
+                <a:spcPts val="0"/>
+              </a:spcBef>
+              <a:spcAft>
+                <a:spcPts val="0"/>
+              </a:spcAft>
+              <a:buClrTx/>
+              <a:buSzTx/>
+              <a:buFontTx/>
+              <a:buNone/>
+              <a:tabLst/>
+              <a:defRPr/>
+            </a:pPr>
+            <a:r>
+              <a:rPr lang="pt-BR" dirty="0"/>
+              <a:t>We can’t properly know from ‘where’ the user came that generated a convertion.</a:t>
+            </a:r>
+          </a:p>
+          <a:p>
+            <a:endParaRPr lang="pt-BR" dirty="0"/>
+          </a:p>
+          <a:p>
+            <a:r>
+              <a:rPr lang="pt-BR" dirty="0"/>
+              <a:t>Composite Primary Key.</a:t>
             </a:r>
           </a:p>
         </p:txBody>
@@ -1082,7 +2473,7 @@
           <p:cNvPr id="4" name="Slide Number Placeholder 3">
             <a:extLst>
               <a:ext uri="{FF2B5EF4-FFF2-40B4-BE49-F238E27FC236}">
-                <a16:creationId xmlns:a16="http://schemas.microsoft.com/office/drawing/2014/main" id="{614A986E-E5C3-1036-995A-CF44D62F0ABC}"/>
+                <a16:creationId xmlns:a16="http://schemas.microsoft.com/office/drawing/2014/main" id="{47F0EF54-9B34-3629-59CF-CCA56060D02E}"/>
               </a:ext>
             </a:extLst>
           </p:cNvPr>
@@ -1100,7 +2491,7 @@
           <a:p>
             <a:fld id="{C4B12038-7FD9-43AA-A210-07538A4DEF4A}" type="slidenum">
               <a:rPr lang="pt-BR" smtClean="0"/>
-              <a:t>16</a:t>
+              <a:t>14</a:t>
             </a:fld>
             <a:endParaRPr lang="pt-BR"/>
           </a:p>
@@ -1109,7 +2500,7 @@
     </p:spTree>
     <p:extLst>
       <p:ext uri="{BB962C8B-B14F-4D97-AF65-F5344CB8AC3E}">
-        <p14:creationId xmlns:p14="http://schemas.microsoft.com/office/powerpoint/2010/main" val="3914027453"/>
+        <p14:creationId xmlns:p14="http://schemas.microsoft.com/office/powerpoint/2010/main" val="2840860444"/>
       </p:ext>
     </p:extLst>
   </p:cSld>
@@ -1165,7 +2556,66 @@
           <a:p>
             <a:r>
               <a:rPr lang="pt-BR" dirty="0"/>
-              <a:t>WE WILL ASSUME THAT THE PURCHASE WERE DONE IN THE LAST VISIT FROM FACT VISITS.</a:t>
+              <a:t>We can’t know which of the visit in fatct visits generated a convertion in the purshases, since there’re:</a:t>
+            </a:r>
+          </a:p>
+          <a:p>
+            <a:pPr marL="171450" indent="-171450">
+              <a:buFontTx/>
+              <a:buChar char="-"/>
+            </a:pPr>
+            <a:r>
+              <a:rPr lang="pt-BR" dirty="0"/>
+              <a:t>Different channels for the same user and campaign id</a:t>
+            </a:r>
+          </a:p>
+          <a:p>
+            <a:pPr marL="171450" indent="-171450">
+              <a:buFontTx/>
+              <a:buChar char="-"/>
+            </a:pPr>
+            <a:r>
+              <a:rPr lang="pt-BR" dirty="0"/>
+              <a:t>Different timestamps of campaign ids for each user</a:t>
+            </a:r>
+          </a:p>
+          <a:p>
+            <a:pPr marL="0" indent="0">
+              <a:buFontTx/>
+              <a:buNone/>
+            </a:pPr>
+            <a:endParaRPr lang="pt-BR" dirty="0"/>
+          </a:p>
+          <a:p>
+            <a:pPr marL="0" marR="0" lvl="0" indent="0" algn="l" defTabSz="914400" rtl="0" eaLnBrk="1" fontAlgn="auto" latinLnBrk="0" hangingPunct="1">
+              <a:lnSpc>
+                <a:spcPct val="100000"/>
+              </a:lnSpc>
+              <a:spcBef>
+                <a:spcPts val="0"/>
+              </a:spcBef>
+              <a:spcAft>
+                <a:spcPts val="0"/>
+              </a:spcAft>
+              <a:buClrTx/>
+              <a:buSzTx/>
+              <a:buFontTx/>
+              <a:buNone/>
+              <a:tabLst/>
+              <a:defRPr/>
+            </a:pPr>
+            <a:r>
+              <a:rPr lang="pt-BR" dirty="0"/>
+              <a:t>We can’t properly know from ‘where’ the user came that generated a convertion.</a:t>
+            </a:r>
+          </a:p>
+          <a:p>
+            <a:endParaRPr lang="pt-BR" dirty="0"/>
+          </a:p>
+          <a:p>
+            <a:r>
+              <a:rPr lang="pt-BR" dirty="0"/>
+              <a:t>Composite Primary Key.</a:t>
             </a:r>
           </a:p>
         </p:txBody>
@@ -1187,7 +2637,7 @@
           <a:p>
             <a:fld id="{C4B12038-7FD9-43AA-A210-07538A4DEF4A}" type="slidenum">
               <a:rPr lang="pt-BR" smtClean="0"/>
-              <a:t>17</a:t>
+              <a:t>15</a:t>
             </a:fld>
             <a:endParaRPr lang="pt-BR"/>
           </a:p>
@@ -1196,7 +2646,7 @@
     </p:spTree>
     <p:extLst>
       <p:ext uri="{BB962C8B-B14F-4D97-AF65-F5344CB8AC3E}">
-        <p14:creationId xmlns:p14="http://schemas.microsoft.com/office/powerpoint/2010/main" val="3278468462"/>
+        <p14:creationId xmlns:p14="http://schemas.microsoft.com/office/powerpoint/2010/main" val="4176013128"/>
       </p:ext>
     </p:extLst>
   </p:cSld>
@@ -1211,7 +2661,13 @@
   <p:cSld>
     <p:spTree>
       <p:nvGrpSpPr>
-        <p:cNvPr id="1" name=""/>
+        <p:cNvPr id="1" name="">
+          <a:extLst>
+            <a:ext uri="{FF2B5EF4-FFF2-40B4-BE49-F238E27FC236}">
+              <a16:creationId xmlns:a16="http://schemas.microsoft.com/office/drawing/2014/main" id="{A3E7467D-D489-17FB-FF52-7391FFB0A832}"/>
+            </a:ext>
+          </a:extLst>
+        </p:cNvPr>
         <p:cNvGrpSpPr/>
         <p:nvPr/>
       </p:nvGrpSpPr>
@@ -1225,7 +2681,13 @@
       </p:grpSpPr>
       <p:sp>
         <p:nvSpPr>
-          <p:cNvPr id="2" name="Slide Image Placeholder 1"/>
+          <p:cNvPr id="2" name="Slide Image Placeholder 1">
+            <a:extLst>
+              <a:ext uri="{FF2B5EF4-FFF2-40B4-BE49-F238E27FC236}">
+                <a16:creationId xmlns:a16="http://schemas.microsoft.com/office/drawing/2014/main" id="{0C50E843-80FD-7A29-8CCA-679BEB10586E}"/>
+              </a:ext>
+            </a:extLst>
+          </p:cNvPr>
           <p:cNvSpPr>
             <a:spLocks noGrp="1" noRot="1" noChangeAspect="1"/>
           </p:cNvSpPr>
@@ -1237,7 +2699,13 @@
       </p:sp>
       <p:sp>
         <p:nvSpPr>
-          <p:cNvPr id="3" name="Notes Placeholder 2"/>
+          <p:cNvPr id="3" name="Notes Placeholder 2">
+            <a:extLst>
+              <a:ext uri="{FF2B5EF4-FFF2-40B4-BE49-F238E27FC236}">
+                <a16:creationId xmlns:a16="http://schemas.microsoft.com/office/drawing/2014/main" id="{70022FFF-6033-B536-E868-EF1EBF90F5ED}"/>
+              </a:ext>
+            </a:extLst>
+          </p:cNvPr>
           <p:cNvSpPr>
             <a:spLocks noGrp="1"/>
           </p:cNvSpPr>
@@ -1250,22 +2718,19 @@
           <a:bodyPr/>
           <a:lstStyle/>
           <a:p>
-            <a:r>
-              <a:rPr lang="pt-BR" dirty="0"/>
-              <a:t>They differ from each other:</a:t>
-            </a:r>
-          </a:p>
-          <a:p>
-            <a:r>
-              <a:rPr lang="pt-BR" dirty="0"/>
-              <a:t>* Higher value buyes frequently, high amount in a fewer period of time</a:t>
-            </a:r>
+            <a:endParaRPr lang="pt-BR" dirty="0"/>
           </a:p>
         </p:txBody>
       </p:sp>
       <p:sp>
         <p:nvSpPr>
-          <p:cNvPr id="4" name="Slide Number Placeholder 3"/>
+          <p:cNvPr id="4" name="Slide Number Placeholder 3">
+            <a:extLst>
+              <a:ext uri="{FF2B5EF4-FFF2-40B4-BE49-F238E27FC236}">
+                <a16:creationId xmlns:a16="http://schemas.microsoft.com/office/drawing/2014/main" id="{7625BB66-8B54-7403-3CB4-D385446DE4BA}"/>
+              </a:ext>
+            </a:extLst>
+          </p:cNvPr>
           <p:cNvSpPr>
             <a:spLocks noGrp="1"/>
           </p:cNvSpPr>
@@ -1280,7 +2745,7 @@
           <a:p>
             <a:fld id="{C4B12038-7FD9-43AA-A210-07538A4DEF4A}" type="slidenum">
               <a:rPr lang="pt-BR" smtClean="0"/>
-              <a:t>20</a:t>
+              <a:t>17</a:t>
             </a:fld>
             <a:endParaRPr lang="pt-BR"/>
           </a:p>
@@ -1289,7 +2754,7 @@
     </p:spTree>
     <p:extLst>
       <p:ext uri="{BB962C8B-B14F-4D97-AF65-F5344CB8AC3E}">
-        <p14:creationId xmlns:p14="http://schemas.microsoft.com/office/powerpoint/2010/main" val="3738381328"/>
+        <p14:creationId xmlns:p14="http://schemas.microsoft.com/office/powerpoint/2010/main" val="1264174912"/>
       </p:ext>
     </p:extLst>
   </p:cSld>
@@ -1304,7 +2769,13 @@
   <p:cSld>
     <p:spTree>
       <p:nvGrpSpPr>
-        <p:cNvPr id="1" name=""/>
+        <p:cNvPr id="1" name="">
+          <a:extLst>
+            <a:ext uri="{FF2B5EF4-FFF2-40B4-BE49-F238E27FC236}">
+              <a16:creationId xmlns:a16="http://schemas.microsoft.com/office/drawing/2014/main" id="{7FB61911-1D5B-FD14-A0CB-0771418EDC57}"/>
+            </a:ext>
+          </a:extLst>
+        </p:cNvPr>
         <p:cNvGrpSpPr/>
         <p:nvPr/>
       </p:nvGrpSpPr>
@@ -1318,7 +2789,13 @@
       </p:grpSpPr>
       <p:sp>
         <p:nvSpPr>
-          <p:cNvPr id="2" name="Slide Image Placeholder 1"/>
+          <p:cNvPr id="2" name="Slide Image Placeholder 1">
+            <a:extLst>
+              <a:ext uri="{FF2B5EF4-FFF2-40B4-BE49-F238E27FC236}">
+                <a16:creationId xmlns:a16="http://schemas.microsoft.com/office/drawing/2014/main" id="{FC2DC79F-E3DD-CDE5-86AA-D7AA6DB078D1}"/>
+              </a:ext>
+            </a:extLst>
+          </p:cNvPr>
           <p:cNvSpPr>
             <a:spLocks noGrp="1" noRot="1" noChangeAspect="1"/>
           </p:cNvSpPr>
@@ -1330,7 +2807,13 @@
       </p:sp>
       <p:sp>
         <p:nvSpPr>
-          <p:cNvPr id="3" name="Notes Placeholder 2"/>
+          <p:cNvPr id="3" name="Notes Placeholder 2">
+            <a:extLst>
+              <a:ext uri="{FF2B5EF4-FFF2-40B4-BE49-F238E27FC236}">
+                <a16:creationId xmlns:a16="http://schemas.microsoft.com/office/drawing/2014/main" id="{E0169102-E349-9D65-E48D-3341B3FFB46C}"/>
+              </a:ext>
+            </a:extLst>
+          </p:cNvPr>
           <p:cNvSpPr>
             <a:spLocks noGrp="1"/>
           </p:cNvSpPr>
@@ -1343,13 +2826,22 @@
           <a:bodyPr/>
           <a:lstStyle/>
           <a:p>
-            <a:endParaRPr lang="pt-BR" dirty="0"/>
+            <a:r>
+              <a:rPr lang="pt-BR" dirty="0"/>
+              <a:t>WE WILL ASSUME THAT THE PURCHASE WERE DONE IN THE LAST VISIT FROM FACT VISITS.</a:t>
+            </a:r>
           </a:p>
         </p:txBody>
       </p:sp>
       <p:sp>
         <p:nvSpPr>
-          <p:cNvPr id="4" name="Slide Number Placeholder 3"/>
+          <p:cNvPr id="4" name="Slide Number Placeholder 3">
+            <a:extLst>
+              <a:ext uri="{FF2B5EF4-FFF2-40B4-BE49-F238E27FC236}">
+                <a16:creationId xmlns:a16="http://schemas.microsoft.com/office/drawing/2014/main" id="{614A986E-E5C3-1036-995A-CF44D62F0ABC}"/>
+              </a:ext>
+            </a:extLst>
+          </p:cNvPr>
           <p:cNvSpPr>
             <a:spLocks noGrp="1"/>
           </p:cNvSpPr>
@@ -1364,7 +2856,7 @@
           <a:p>
             <a:fld id="{C4B12038-7FD9-43AA-A210-07538A4DEF4A}" type="slidenum">
               <a:rPr lang="pt-BR" smtClean="0"/>
-              <a:t>26</a:t>
+              <a:t>18</a:t>
             </a:fld>
             <a:endParaRPr lang="pt-BR"/>
           </a:p>
@@ -1373,7 +2865,7 @@
     </p:spTree>
     <p:extLst>
       <p:ext uri="{BB962C8B-B14F-4D97-AF65-F5344CB8AC3E}">
-        <p14:creationId xmlns:p14="http://schemas.microsoft.com/office/powerpoint/2010/main" val="2866387046"/>
+        <p14:creationId xmlns:p14="http://schemas.microsoft.com/office/powerpoint/2010/main" val="3914027453"/>
       </p:ext>
     </p:extLst>
   </p:cSld>
@@ -1532,7 +3024,7 @@
           <a:p>
             <a:fld id="{B61310E0-193D-4606-B7B3-E82376AE3D19}" type="datetimeFigureOut">
               <a:rPr lang="pt-BR" smtClean="0"/>
-              <a:t>19/04/2025</a:t>
+              <a:t>20/04/2025</a:t>
             </a:fld>
             <a:endParaRPr lang="pt-BR"/>
           </a:p>
@@ -1732,7 +3224,7 @@
           <a:p>
             <a:fld id="{B61310E0-193D-4606-B7B3-E82376AE3D19}" type="datetimeFigureOut">
               <a:rPr lang="pt-BR" smtClean="0"/>
-              <a:t>19/04/2025</a:t>
+              <a:t>20/04/2025</a:t>
             </a:fld>
             <a:endParaRPr lang="pt-BR"/>
           </a:p>
@@ -1942,7 +3434,7 @@
           <a:p>
             <a:fld id="{B61310E0-193D-4606-B7B3-E82376AE3D19}" type="datetimeFigureOut">
               <a:rPr lang="pt-BR" smtClean="0"/>
-              <a:t>19/04/2025</a:t>
+              <a:t>20/04/2025</a:t>
             </a:fld>
             <a:endParaRPr lang="pt-BR"/>
           </a:p>
@@ -2142,7 +3634,7 @@
           <a:p>
             <a:fld id="{B61310E0-193D-4606-B7B3-E82376AE3D19}" type="datetimeFigureOut">
               <a:rPr lang="pt-BR" smtClean="0"/>
-              <a:t>19/04/2025</a:t>
+              <a:t>20/04/2025</a:t>
             </a:fld>
             <a:endParaRPr lang="pt-BR"/>
           </a:p>
@@ -2418,7 +3910,7 @@
           <a:p>
             <a:fld id="{B61310E0-193D-4606-B7B3-E82376AE3D19}" type="datetimeFigureOut">
               <a:rPr lang="pt-BR" smtClean="0"/>
-              <a:t>19/04/2025</a:t>
+              <a:t>20/04/2025</a:t>
             </a:fld>
             <a:endParaRPr lang="pt-BR"/>
           </a:p>
@@ -2686,7 +4178,7 @@
           <a:p>
             <a:fld id="{B61310E0-193D-4606-B7B3-E82376AE3D19}" type="datetimeFigureOut">
               <a:rPr lang="pt-BR" smtClean="0"/>
-              <a:t>19/04/2025</a:t>
+              <a:t>20/04/2025</a:t>
             </a:fld>
             <a:endParaRPr lang="pt-BR"/>
           </a:p>
@@ -3101,7 +4593,7 @@
           <a:p>
             <a:fld id="{B61310E0-193D-4606-B7B3-E82376AE3D19}" type="datetimeFigureOut">
               <a:rPr lang="pt-BR" smtClean="0"/>
-              <a:t>19/04/2025</a:t>
+              <a:t>20/04/2025</a:t>
             </a:fld>
             <a:endParaRPr lang="pt-BR"/>
           </a:p>
@@ -3243,7 +4735,7 @@
           <a:p>
             <a:fld id="{B61310E0-193D-4606-B7B3-E82376AE3D19}" type="datetimeFigureOut">
               <a:rPr lang="pt-BR" smtClean="0"/>
-              <a:t>19/04/2025</a:t>
+              <a:t>20/04/2025</a:t>
             </a:fld>
             <a:endParaRPr lang="pt-BR"/>
           </a:p>
@@ -3356,7 +4848,7 @@
           <a:p>
             <a:fld id="{B61310E0-193D-4606-B7B3-E82376AE3D19}" type="datetimeFigureOut">
               <a:rPr lang="pt-BR" smtClean="0"/>
-              <a:t>19/04/2025</a:t>
+              <a:t>20/04/2025</a:t>
             </a:fld>
             <a:endParaRPr lang="pt-BR"/>
           </a:p>
@@ -3669,7 +5161,7 @@
           <a:p>
             <a:fld id="{B61310E0-193D-4606-B7B3-E82376AE3D19}" type="datetimeFigureOut">
               <a:rPr lang="pt-BR" smtClean="0"/>
-              <a:t>19/04/2025</a:t>
+              <a:t>20/04/2025</a:t>
             </a:fld>
             <a:endParaRPr lang="pt-BR"/>
           </a:p>
@@ -3958,7 +5450,7 @@
           <a:p>
             <a:fld id="{B61310E0-193D-4606-B7B3-E82376AE3D19}" type="datetimeFigureOut">
               <a:rPr lang="pt-BR" smtClean="0"/>
-              <a:t>19/04/2025</a:t>
+              <a:t>20/04/2025</a:t>
             </a:fld>
             <a:endParaRPr lang="pt-BR"/>
           </a:p>
@@ -4201,7 +5693,7 @@
           <a:p>
             <a:fld id="{B61310E0-193D-4606-B7B3-E82376AE3D19}" type="datetimeFigureOut">
               <a:rPr lang="pt-BR" smtClean="0"/>
-              <a:t>19/04/2025</a:t>
+              <a:t>20/04/2025</a:t>
             </a:fld>
             <a:endParaRPr lang="pt-BR"/>
           </a:p>
@@ -4784,8 +6276,8 @@
         </p:nvSpPr>
         <p:spPr>
           <a:xfrm>
-            <a:off x="6819472" y="3804756"/>
-            <a:ext cx="1769724" cy="369332"/>
+            <a:off x="6819471" y="3804756"/>
+            <a:ext cx="2526547" cy="369332"/>
           </a:xfrm>
           <a:prstGeom prst="rect">
             <a:avLst/>
@@ -4802,7 +6294,7 @@
               <a:rPr lang="pt-BR" sz="1800" b="1" i="1" dirty="0">
                 <a:latin typeface="Nunito Sans Normal" pitchFamily="2" charset="0"/>
               </a:rPr>
-              <a:t>Data Project</a:t>
+              <a:t>Take Home Exercise</a:t>
             </a:r>
             <a:endParaRPr lang="pt-BR" i="1" dirty="0"/>
           </a:p>
@@ -5676,7 +7168,7 @@
               <a:rPr lang="pt-BR" dirty="0">
                 <a:latin typeface="Nunito Sans Normal" pitchFamily="2" charset="0"/>
               </a:rPr>
-              <a:t>3.3 AGE</a:t>
+              <a:t>3.3 NULLS, NaNs and Missings</a:t>
             </a:r>
           </a:p>
         </p:txBody>
@@ -5732,7 +7224,7 @@
         <p:cNvPr id="1" name="">
           <a:extLst>
             <a:ext uri="{FF2B5EF4-FFF2-40B4-BE49-F238E27FC236}">
-              <a16:creationId xmlns:a16="http://schemas.microsoft.com/office/drawing/2014/main" id="{B7321DB6-5DFC-F788-309B-33E3F481B7A8}"/>
+              <a16:creationId xmlns:a16="http://schemas.microsoft.com/office/drawing/2014/main" id="{D6E2F5C4-0C83-7B75-7160-8A0FAFD9595C}"/>
             </a:ext>
           </a:extLst>
         </p:cNvPr>
@@ -5752,7 +7244,7 @@
           <p:cNvPr id="5" name="Rectangle 4">
             <a:extLst>
               <a:ext uri="{FF2B5EF4-FFF2-40B4-BE49-F238E27FC236}">
-                <a16:creationId xmlns:a16="http://schemas.microsoft.com/office/drawing/2014/main" id="{4ECD4467-8029-5D1C-86BC-7A1D8A6BB60E}"/>
+                <a16:creationId xmlns:a16="http://schemas.microsoft.com/office/drawing/2014/main" id="{CD120A66-F38C-8037-3E6A-7E40E462CCAC}"/>
               </a:ext>
             </a:extLst>
           </p:cNvPr>
@@ -5804,7 +7296,7 @@
           <p:cNvPr id="19" name="Picture 2" descr="FabFitFun - Beauty, Fitness, Lifestyle">
             <a:extLst>
               <a:ext uri="{FF2B5EF4-FFF2-40B4-BE49-F238E27FC236}">
-                <a16:creationId xmlns:a16="http://schemas.microsoft.com/office/drawing/2014/main" id="{E9569643-4A80-D2B1-F809-66AF3FC355B3}"/>
+                <a16:creationId xmlns:a16="http://schemas.microsoft.com/office/drawing/2014/main" id="{E1BCCD83-A140-88D9-62B2-862940EA2021}"/>
               </a:ext>
             </a:extLst>
           </p:cNvPr>
@@ -5814,7 +7306,7 @@
           <p:nvPr/>
         </p:nvPicPr>
         <p:blipFill>
-          <a:blip r:embed="rId2">
+          <a:blip r:embed="rId3">
             <a:extLst>
               <a:ext uri="{28A0092B-C50C-407E-A947-70E740481C1C}">
                 <a14:useLocalDpi xmlns:a14="http://schemas.microsoft.com/office/drawing/2010/main" val="0"/>
@@ -5848,10 +7340,10 @@
       </p:pic>
       <p:sp>
         <p:nvSpPr>
-          <p:cNvPr id="7" name="TextBox 6">
-            <a:extLst>
-              <a:ext uri="{FF2B5EF4-FFF2-40B4-BE49-F238E27FC236}">
-                <a16:creationId xmlns:a16="http://schemas.microsoft.com/office/drawing/2014/main" id="{7C861C63-2123-8383-0BE8-D00AFD70D716}"/>
+          <p:cNvPr id="11" name="TextBox 10">
+            <a:extLst>
+              <a:ext uri="{FF2B5EF4-FFF2-40B4-BE49-F238E27FC236}">
+                <a16:creationId xmlns:a16="http://schemas.microsoft.com/office/drawing/2014/main" id="{FC76B8DF-1EF3-43A7-7027-028943363504}"/>
               </a:ext>
             </a:extLst>
           </p:cNvPr>
@@ -5860,8 +7352,53 @@
         </p:nvSpPr>
         <p:spPr>
           <a:xfrm>
-            <a:off x="8777320" y="2441053"/>
-            <a:ext cx="3407596" cy="1477328"/>
+            <a:off x="137652" y="48592"/>
+            <a:ext cx="7414209" cy="861774"/>
+          </a:xfrm>
+          <a:prstGeom prst="rect">
+            <a:avLst/>
+          </a:prstGeom>
+          <a:noFill/>
+        </p:spPr>
+        <p:txBody>
+          <a:bodyPr wrap="none" rtlCol="0">
+            <a:spAutoFit/>
+          </a:bodyPr>
+          <a:lstStyle/>
+          <a:p>
+            <a:r>
+              <a:rPr lang="pt-BR" sz="3200" b="1" dirty="0">
+                <a:latin typeface="Nunito Sans Normal" pitchFamily="2" charset="0"/>
+              </a:rPr>
+              <a:t>3. DATA GAP AND INCONSISTENCES</a:t>
+            </a:r>
+          </a:p>
+          <a:p>
+            <a:r>
+              <a:rPr lang="pt-BR" dirty="0">
+                <a:latin typeface="Nunito Sans Normal" pitchFamily="2" charset="0"/>
+              </a:rPr>
+              <a:t>3.4 MISSING PRIMARY KEY</a:t>
+            </a:r>
+          </a:p>
+        </p:txBody>
+      </p:sp>
+      <p:sp>
+        <p:nvSpPr>
+          <p:cNvPr id="2" name="TextBox 1">
+            <a:extLst>
+              <a:ext uri="{FF2B5EF4-FFF2-40B4-BE49-F238E27FC236}">
+                <a16:creationId xmlns:a16="http://schemas.microsoft.com/office/drawing/2014/main" id="{946F51BC-9B46-D1E8-B630-42D7D0662B2A}"/>
+              </a:ext>
+            </a:extLst>
+          </p:cNvPr>
+          <p:cNvSpPr txBox="1"/>
+          <p:nvPr/>
+        </p:nvSpPr>
+        <p:spPr>
+          <a:xfrm>
+            <a:off x="944211" y="3013501"/>
+            <a:ext cx="6607650" cy="830997"/>
           </a:xfrm>
           <a:prstGeom prst="rect">
             <a:avLst/>
@@ -5874,166 +7411,19 @@
           </a:bodyPr>
           <a:lstStyle/>
           <a:p>
-            <a:pPr marL="400050" indent="-400050">
-              <a:buFont typeface="+mj-lt"/>
-              <a:buAutoNum type="romanLcPeriod"/>
-            </a:pPr>
-            <a:r>
-              <a:rPr lang="pt-BR" dirty="0">
-                <a:latin typeface="Nunito Sans Normal" pitchFamily="2" charset="0"/>
-              </a:rPr>
-              <a:t>Relationship between </a:t>
-            </a:r>
-            <a:r>
-              <a:rPr lang="pt-BR" b="1" dirty="0">
-                <a:latin typeface="Nunito Sans Normal" pitchFamily="2" charset="0"/>
-              </a:rPr>
-              <a:t>Visits and Purchases table is N:N</a:t>
-            </a:r>
-          </a:p>
-          <a:p>
-            <a:pPr marL="400050" indent="-400050">
-              <a:buFont typeface="+mj-lt"/>
-              <a:buAutoNum type="romanLcPeriod"/>
-            </a:pPr>
-            <a:r>
-              <a:rPr lang="pt-BR" b="1" dirty="0">
-                <a:latin typeface="Nunito Sans Normal" pitchFamily="2" charset="0"/>
-              </a:rPr>
-              <a:t>No</a:t>
-            </a:r>
-            <a:r>
-              <a:rPr lang="pt-BR" dirty="0">
-                <a:latin typeface="Nunito Sans Normal" pitchFamily="2" charset="0"/>
-              </a:rPr>
-              <a:t> </a:t>
-            </a:r>
-            <a:r>
-              <a:rPr lang="pt-BR" b="1" dirty="0">
-                <a:latin typeface="Nunito Sans Normal" pitchFamily="2" charset="0"/>
-              </a:rPr>
-              <a:t>PK in Visits and Purchases</a:t>
+            <a:r>
+              <a:rPr lang="pt-BR" sz="2400" dirty="0">
+                <a:latin typeface="Nunito Sans Normal" pitchFamily="2" charset="0"/>
+              </a:rPr>
+              <a:t>Campaign 184 (12 Days of Deals 2022) has 12 different start and end dates.</a:t>
             </a:r>
           </a:p>
         </p:txBody>
       </p:sp>
-      <p:sp>
-        <p:nvSpPr>
-          <p:cNvPr id="8" name="TextBox 7">
-            <a:extLst>
-              <a:ext uri="{FF2B5EF4-FFF2-40B4-BE49-F238E27FC236}">
-                <a16:creationId xmlns:a16="http://schemas.microsoft.com/office/drawing/2014/main" id="{D2A69C95-CB11-4AEA-6A99-EA4251B5C884}"/>
-              </a:ext>
-            </a:extLst>
-          </p:cNvPr>
-          <p:cNvSpPr txBox="1"/>
-          <p:nvPr/>
-        </p:nvSpPr>
-        <p:spPr>
-          <a:xfrm>
-            <a:off x="8951190" y="1282082"/>
-            <a:ext cx="2924200" cy="523220"/>
-          </a:xfrm>
-          <a:prstGeom prst="rect">
-            <a:avLst/>
-          </a:prstGeom>
-          <a:noFill/>
-        </p:spPr>
-        <p:txBody>
-          <a:bodyPr wrap="square">
-            <a:spAutoFit/>
-          </a:bodyPr>
-          <a:lstStyle/>
-          <a:p>
-            <a:pPr algn="ctr"/>
-            <a:r>
-              <a:rPr lang="pt-BR" sz="2800" b="1" dirty="0">
-                <a:latin typeface="Nunito Sans Normal" pitchFamily="2" charset="0"/>
-              </a:rPr>
-              <a:t>INSIGHTS</a:t>
-            </a:r>
-          </a:p>
-        </p:txBody>
-      </p:sp>
-      <p:sp>
-        <p:nvSpPr>
-          <p:cNvPr id="11" name="TextBox 10">
-            <a:extLst>
-              <a:ext uri="{FF2B5EF4-FFF2-40B4-BE49-F238E27FC236}">
-                <a16:creationId xmlns:a16="http://schemas.microsoft.com/office/drawing/2014/main" id="{98DACC7A-272D-3243-EEDB-87F8ADECC043}"/>
-              </a:ext>
-            </a:extLst>
-          </p:cNvPr>
-          <p:cNvSpPr txBox="1"/>
-          <p:nvPr/>
-        </p:nvSpPr>
-        <p:spPr>
-          <a:xfrm>
-            <a:off x="137652" y="48592"/>
-            <a:ext cx="7414209" cy="861774"/>
-          </a:xfrm>
-          <a:prstGeom prst="rect">
-            <a:avLst/>
-          </a:prstGeom>
-          <a:noFill/>
-        </p:spPr>
-        <p:txBody>
-          <a:bodyPr wrap="none" rtlCol="0">
-            <a:spAutoFit/>
-          </a:bodyPr>
-          <a:lstStyle/>
-          <a:p>
-            <a:r>
-              <a:rPr lang="pt-BR" sz="3200" b="1" dirty="0">
-                <a:latin typeface="Nunito Sans Normal" pitchFamily="2" charset="0"/>
-              </a:rPr>
-              <a:t>3. DATA GAP AND INCONSISTENCES</a:t>
-            </a:r>
-          </a:p>
-          <a:p>
-            <a:r>
-              <a:rPr lang="pt-BR" dirty="0">
-                <a:latin typeface="Nunito Sans Normal" pitchFamily="2" charset="0"/>
-              </a:rPr>
-              <a:t>3.4 MISSING PRIMARY KEY</a:t>
-            </a:r>
-          </a:p>
-        </p:txBody>
-      </p:sp>
-      <p:pic>
-        <p:nvPicPr>
-          <p:cNvPr id="16" name="Picture 15">
-            <a:extLst>
-              <a:ext uri="{FF2B5EF4-FFF2-40B4-BE49-F238E27FC236}">
-                <a16:creationId xmlns:a16="http://schemas.microsoft.com/office/drawing/2014/main" id="{A8A6C253-1C71-9B52-298B-71A93498CA15}"/>
-              </a:ext>
-            </a:extLst>
-          </p:cNvPr>
-          <p:cNvPicPr>
-            <a:picLocks noChangeAspect="1"/>
-          </p:cNvPicPr>
-          <p:nvPr/>
-        </p:nvPicPr>
-        <p:blipFill>
-          <a:blip r:embed="rId3"/>
-          <a:stretch>
-            <a:fillRect/>
-          </a:stretch>
-        </p:blipFill>
-        <p:spPr>
-          <a:xfrm>
-            <a:off x="98148" y="1453316"/>
-            <a:ext cx="8465063" cy="4432888"/>
-          </a:xfrm>
-          <a:prstGeom prst="rect">
-            <a:avLst/>
-          </a:prstGeom>
-        </p:spPr>
-      </p:pic>
     </p:spTree>
     <p:extLst>
       <p:ext uri="{BB962C8B-B14F-4D97-AF65-F5344CB8AC3E}">
-        <p14:creationId xmlns:p14="http://schemas.microsoft.com/office/powerpoint/2010/main" val="1533804207"/>
+        <p14:creationId xmlns:p14="http://schemas.microsoft.com/office/powerpoint/2010/main" val="764322853"/>
       </p:ext>
     </p:extLst>
   </p:cSld>
@@ -6051,7 +7441,7 @@
         <p:cNvPr id="1" name="">
           <a:extLst>
             <a:ext uri="{FF2B5EF4-FFF2-40B4-BE49-F238E27FC236}">
-              <a16:creationId xmlns:a16="http://schemas.microsoft.com/office/drawing/2014/main" id="{34ED6E33-E3CC-8244-4B6B-C884C4134261}"/>
+              <a16:creationId xmlns:a16="http://schemas.microsoft.com/office/drawing/2014/main" id="{F55F3B95-A5B7-EBA6-84DC-E6B11B244CEC}"/>
             </a:ext>
           </a:extLst>
         </p:cNvPr>
@@ -6071,7 +7461,7 @@
           <p:cNvPr id="5" name="Rectangle 4">
             <a:extLst>
               <a:ext uri="{FF2B5EF4-FFF2-40B4-BE49-F238E27FC236}">
-                <a16:creationId xmlns:a16="http://schemas.microsoft.com/office/drawing/2014/main" id="{12919C7E-03CA-BC73-18EC-477305042F8E}"/>
+                <a16:creationId xmlns:a16="http://schemas.microsoft.com/office/drawing/2014/main" id="{95BE556F-EF2B-05C1-742D-F3B314E2A80F}"/>
               </a:ext>
             </a:extLst>
           </p:cNvPr>
@@ -6123,7 +7513,7 @@
           <p:cNvPr id="19" name="Picture 2" descr="FabFitFun - Beauty, Fitness, Lifestyle">
             <a:extLst>
               <a:ext uri="{FF2B5EF4-FFF2-40B4-BE49-F238E27FC236}">
-                <a16:creationId xmlns:a16="http://schemas.microsoft.com/office/drawing/2014/main" id="{1F5D62EB-5E9E-72E9-C2DC-23C662ADDFB2}"/>
+                <a16:creationId xmlns:a16="http://schemas.microsoft.com/office/drawing/2014/main" id="{40FFC9A5-84FB-77EC-B7EE-63D4B6A0331C}"/>
               </a:ext>
             </a:extLst>
           </p:cNvPr>
@@ -6133,7 +7523,7 @@
           <p:nvPr/>
         </p:nvPicPr>
         <p:blipFill>
-          <a:blip r:embed="rId2">
+          <a:blip r:embed="rId3">
             <a:extLst>
               <a:ext uri="{28A0092B-C50C-407E-A947-70E740481C1C}">
                 <a14:useLocalDpi xmlns:a14="http://schemas.microsoft.com/office/drawing/2010/main" val="0"/>
@@ -6167,10 +7557,10 @@
       </p:pic>
       <p:sp>
         <p:nvSpPr>
-          <p:cNvPr id="7" name="TextBox 6">
-            <a:extLst>
-              <a:ext uri="{FF2B5EF4-FFF2-40B4-BE49-F238E27FC236}">
-                <a16:creationId xmlns:a16="http://schemas.microsoft.com/office/drawing/2014/main" id="{F20193DA-4B2F-1E1B-D9D5-6CCC86BC3BDA}"/>
+          <p:cNvPr id="8" name="TextBox 7">
+            <a:extLst>
+              <a:ext uri="{FF2B5EF4-FFF2-40B4-BE49-F238E27FC236}">
+                <a16:creationId xmlns:a16="http://schemas.microsoft.com/office/drawing/2014/main" id="{51D19FEB-E6F9-7D27-9C7B-2073F6B317CC}"/>
               </a:ext>
             </a:extLst>
           </p:cNvPr>
@@ -6179,8 +7569,8 @@
         </p:nvSpPr>
         <p:spPr>
           <a:xfrm>
-            <a:off x="8777320" y="2441053"/>
-            <a:ext cx="3407596" cy="2308324"/>
+            <a:off x="8951190" y="1282082"/>
+            <a:ext cx="2924200" cy="523220"/>
           </a:xfrm>
           <a:prstGeom prst="rect">
             <a:avLst/>
@@ -6193,46 +7583,22 @@
           </a:bodyPr>
           <a:lstStyle/>
           <a:p>
-            <a:r>
-              <a:rPr lang="pt-BR" dirty="0">
-                <a:latin typeface="Nunito Sans Normal" pitchFamily="2" charset="0"/>
-              </a:rPr>
-              <a:t>By joining visits and purchases using User ID and Campaign ID, we’ll have a GAP of </a:t>
-            </a:r>
-            <a:r>
-              <a:rPr lang="pt-BR" b="1" dirty="0">
-                <a:latin typeface="Nunito Sans Normal" pitchFamily="2" charset="0"/>
-              </a:rPr>
-              <a:t>29.3%</a:t>
-            </a:r>
-            <a:r>
-              <a:rPr lang="pt-BR" dirty="0">
-                <a:latin typeface="Nunito Sans Normal" pitchFamily="2" charset="0"/>
-              </a:rPr>
-              <a:t> of missing values for Window Start and Window End.</a:t>
-            </a:r>
-          </a:p>
-          <a:p>
-            <a:endParaRPr lang="pt-BR" dirty="0">
-              <a:latin typeface="Nunito Sans Normal" pitchFamily="2" charset="0"/>
-            </a:endParaRPr>
-          </a:p>
-          <a:p>
-            <a:r>
-              <a:rPr lang="pt-BR" dirty="0">
-                <a:latin typeface="Nunito Sans Normal" pitchFamily="2" charset="0"/>
-              </a:rPr>
-              <a:t>In addition, there’s no window number in purchases.</a:t>
+            <a:pPr algn="ctr"/>
+            <a:r>
+              <a:rPr lang="pt-BR" sz="2800" b="1" dirty="0">
+                <a:latin typeface="Nunito Sans Normal" pitchFamily="2" charset="0"/>
+              </a:rPr>
+              <a:t>INSIGHTS</a:t>
             </a:r>
           </a:p>
         </p:txBody>
       </p:sp>
       <p:sp>
         <p:nvSpPr>
-          <p:cNvPr id="8" name="TextBox 7">
-            <a:extLst>
-              <a:ext uri="{FF2B5EF4-FFF2-40B4-BE49-F238E27FC236}">
-                <a16:creationId xmlns:a16="http://schemas.microsoft.com/office/drawing/2014/main" id="{DAB02D93-EB00-9E91-E4E1-A35AEAC8894D}"/>
+          <p:cNvPr id="11" name="TextBox 10">
+            <a:extLst>
+              <a:ext uri="{FF2B5EF4-FFF2-40B4-BE49-F238E27FC236}">
+                <a16:creationId xmlns:a16="http://schemas.microsoft.com/office/drawing/2014/main" id="{AADA2555-3020-703B-ABFB-AEF524086DA3}"/>
               </a:ext>
             </a:extLst>
           </p:cNvPr>
@@ -6241,8 +7607,83 @@
         </p:nvSpPr>
         <p:spPr>
           <a:xfrm>
-            <a:off x="8951190" y="1282082"/>
-            <a:ext cx="2924200" cy="523220"/>
+            <a:off x="137652" y="48592"/>
+            <a:ext cx="7414209" cy="861774"/>
+          </a:xfrm>
+          <a:prstGeom prst="rect">
+            <a:avLst/>
+          </a:prstGeom>
+          <a:noFill/>
+        </p:spPr>
+        <p:txBody>
+          <a:bodyPr wrap="none" rtlCol="0">
+            <a:spAutoFit/>
+          </a:bodyPr>
+          <a:lstStyle/>
+          <a:p>
+            <a:r>
+              <a:rPr lang="pt-BR" sz="3200" b="1" dirty="0">
+                <a:latin typeface="Nunito Sans Normal" pitchFamily="2" charset="0"/>
+              </a:rPr>
+              <a:t>3. DATA GAP AND INCONSISTENCES</a:t>
+            </a:r>
+          </a:p>
+          <a:p>
+            <a:r>
+              <a:rPr lang="pt-BR" dirty="0">
+                <a:latin typeface="Nunito Sans Normal" pitchFamily="2" charset="0"/>
+              </a:rPr>
+              <a:t>3.5 INCONSISTENCE WINDOW NUMBER</a:t>
+            </a:r>
+          </a:p>
+        </p:txBody>
+      </p:sp>
+      <p:pic>
+        <p:nvPicPr>
+          <p:cNvPr id="4" name="Picture 3">
+            <a:extLst>
+              <a:ext uri="{FF2B5EF4-FFF2-40B4-BE49-F238E27FC236}">
+                <a16:creationId xmlns:a16="http://schemas.microsoft.com/office/drawing/2014/main" id="{A8E08725-2349-CF7C-9812-2BFB10B4FA49}"/>
+              </a:ext>
+            </a:extLst>
+          </p:cNvPr>
+          <p:cNvPicPr>
+            <a:picLocks noChangeAspect="1"/>
+          </p:cNvPicPr>
+          <p:nvPr/>
+        </p:nvPicPr>
+        <p:blipFill>
+          <a:blip r:embed="rId4"/>
+          <a:stretch>
+            <a:fillRect/>
+          </a:stretch>
+        </p:blipFill>
+        <p:spPr>
+          <a:xfrm>
+            <a:off x="616096" y="1543692"/>
+            <a:ext cx="7477125" cy="4610100"/>
+          </a:xfrm>
+          <a:prstGeom prst="rect">
+            <a:avLst/>
+          </a:prstGeom>
+        </p:spPr>
+      </p:pic>
+      <p:sp>
+        <p:nvSpPr>
+          <p:cNvPr id="6" name="TextBox 5">
+            <a:extLst>
+              <a:ext uri="{FF2B5EF4-FFF2-40B4-BE49-F238E27FC236}">
+                <a16:creationId xmlns:a16="http://schemas.microsoft.com/office/drawing/2014/main" id="{FC61C2EC-17CC-8BD6-3443-091022853958}"/>
+              </a:ext>
+            </a:extLst>
+          </p:cNvPr>
+          <p:cNvSpPr txBox="1"/>
+          <p:nvPr/>
+        </p:nvSpPr>
+        <p:spPr>
+          <a:xfrm>
+            <a:off x="8777320" y="2441053"/>
+            <a:ext cx="3407596" cy="1200329"/>
           </a:xfrm>
           <a:prstGeom prst="rect">
             <a:avLst/>
@@ -6255,95 +7696,43 @@
           </a:bodyPr>
           <a:lstStyle/>
           <a:p>
-            <a:pPr algn="ctr"/>
-            <a:r>
-              <a:rPr lang="pt-BR" sz="2800" b="1" dirty="0">
-                <a:latin typeface="Nunito Sans Normal" pitchFamily="2" charset="0"/>
-              </a:rPr>
-              <a:t>INSIGHTS</a:t>
+            <a:r>
+              <a:rPr lang="pt-BR" dirty="0">
+                <a:latin typeface="Nunito Sans Normal" pitchFamily="2" charset="0"/>
+              </a:rPr>
+              <a:t>ASSUMPTION:</a:t>
+            </a:r>
+          </a:p>
+          <a:p>
+            <a:pPr marL="285750" indent="-285750">
+              <a:buFont typeface="Arial" panose="020B0604020202020204" pitchFamily="34" charset="0"/>
+              <a:buChar char="•"/>
+            </a:pPr>
+            <a:r>
+              <a:rPr lang="pt-BR" dirty="0">
+                <a:latin typeface="Nunito Sans Normal" pitchFamily="2" charset="0"/>
+              </a:rPr>
+              <a:t>Subscription plan changed during campaign</a:t>
+            </a:r>
+          </a:p>
+          <a:p>
+            <a:pPr marL="285750" indent="-285750">
+              <a:buFont typeface="Arial" panose="020B0604020202020204" pitchFamily="34" charset="0"/>
+              <a:buChar char="•"/>
+            </a:pPr>
+            <a:r>
+              <a:rPr lang="pt-BR" dirty="0">
+                <a:latin typeface="Nunito Sans Normal" pitchFamily="2" charset="0"/>
+              </a:rPr>
+              <a:t>Error in data ingestion</a:t>
             </a:r>
           </a:p>
         </p:txBody>
       </p:sp>
-      <p:sp>
-        <p:nvSpPr>
-          <p:cNvPr id="11" name="TextBox 10">
-            <a:extLst>
-              <a:ext uri="{FF2B5EF4-FFF2-40B4-BE49-F238E27FC236}">
-                <a16:creationId xmlns:a16="http://schemas.microsoft.com/office/drawing/2014/main" id="{DBACE60D-653E-7D34-79B6-821F5D9B223D}"/>
-              </a:ext>
-            </a:extLst>
-          </p:cNvPr>
-          <p:cNvSpPr txBox="1"/>
-          <p:nvPr/>
-        </p:nvSpPr>
-        <p:spPr>
-          <a:xfrm>
-            <a:off x="137652" y="48592"/>
-            <a:ext cx="7414209" cy="861774"/>
-          </a:xfrm>
-          <a:prstGeom prst="rect">
-            <a:avLst/>
-          </a:prstGeom>
-          <a:noFill/>
-        </p:spPr>
-        <p:txBody>
-          <a:bodyPr wrap="none" rtlCol="0">
-            <a:spAutoFit/>
-          </a:bodyPr>
-          <a:lstStyle/>
-          <a:p>
-            <a:r>
-              <a:rPr lang="pt-BR" sz="3200" b="1" dirty="0">
-                <a:latin typeface="Nunito Sans Normal" pitchFamily="2" charset="0"/>
-              </a:rPr>
-              <a:t>3. DATA GAP AND INCONSISTENCES</a:t>
-            </a:r>
-          </a:p>
-          <a:p>
-            <a:r>
-              <a:rPr lang="pt-BR" dirty="0">
-                <a:latin typeface="Nunito Sans Normal" pitchFamily="2" charset="0"/>
-              </a:rPr>
-              <a:t>3.5 JOIN BETWEEN VISITS AND PURCHASES</a:t>
-            </a:r>
-          </a:p>
-        </p:txBody>
-      </p:sp>
-      <p:pic>
-        <p:nvPicPr>
-          <p:cNvPr id="3" name="Picture 2">
-            <a:extLst>
-              <a:ext uri="{FF2B5EF4-FFF2-40B4-BE49-F238E27FC236}">
-                <a16:creationId xmlns:a16="http://schemas.microsoft.com/office/drawing/2014/main" id="{E8C3ACFB-BF5B-BE09-F8F3-1613A67890F7}"/>
-              </a:ext>
-            </a:extLst>
-          </p:cNvPr>
-          <p:cNvPicPr>
-            <a:picLocks noChangeAspect="1"/>
-          </p:cNvPicPr>
-          <p:nvPr/>
-        </p:nvPicPr>
-        <p:blipFill>
-          <a:blip r:embed="rId3"/>
-          <a:stretch>
-            <a:fillRect/>
-          </a:stretch>
-        </p:blipFill>
-        <p:spPr>
-          <a:xfrm>
-            <a:off x="391563" y="2211993"/>
-            <a:ext cx="7496175" cy="2886075"/>
-          </a:xfrm>
-          <a:prstGeom prst="rect">
-            <a:avLst/>
-          </a:prstGeom>
-        </p:spPr>
-      </p:pic>
     </p:spTree>
     <p:extLst>
       <p:ext uri="{BB962C8B-B14F-4D97-AF65-F5344CB8AC3E}">
-        <p14:creationId xmlns:p14="http://schemas.microsoft.com/office/powerpoint/2010/main" val="1407124686"/>
+        <p14:creationId xmlns:p14="http://schemas.microsoft.com/office/powerpoint/2010/main" val="4164526718"/>
       </p:ext>
     </p:extLst>
   </p:cSld>
@@ -6361,7 +7750,7 @@
         <p:cNvPr id="1" name="">
           <a:extLst>
             <a:ext uri="{FF2B5EF4-FFF2-40B4-BE49-F238E27FC236}">
-              <a16:creationId xmlns:a16="http://schemas.microsoft.com/office/drawing/2014/main" id="{11A312F6-B7A9-D6F5-CF13-27DBC8B1BD4D}"/>
+              <a16:creationId xmlns:a16="http://schemas.microsoft.com/office/drawing/2014/main" id="{B7321DB6-5DFC-F788-309B-33E3F481B7A8}"/>
             </a:ext>
           </a:extLst>
         </p:cNvPr>
@@ -6378,10 +7767,10 @@
       </p:grpSpPr>
       <p:sp>
         <p:nvSpPr>
-          <p:cNvPr id="6" name="Rectangle 5">
-            <a:extLst>
-              <a:ext uri="{FF2B5EF4-FFF2-40B4-BE49-F238E27FC236}">
-                <a16:creationId xmlns:a16="http://schemas.microsoft.com/office/drawing/2014/main" id="{73D0E073-DEC6-BCA1-D277-C07317DEDB12}"/>
+          <p:cNvPr id="5" name="Rectangle 4">
+            <a:extLst>
+              <a:ext uri="{FF2B5EF4-FFF2-40B4-BE49-F238E27FC236}">
+                <a16:creationId xmlns:a16="http://schemas.microsoft.com/office/drawing/2014/main" id="{4ECD4467-8029-5D1C-86BC-7A1D8A6BB60E}"/>
               </a:ext>
             </a:extLst>
           </p:cNvPr>
@@ -6390,8 +7779,8 @@
         </p:nvSpPr>
         <p:spPr>
           <a:xfrm>
-            <a:off x="0" y="0"/>
-            <a:ext cx="12191999" cy="6858000"/>
+            <a:off x="8634581" y="0"/>
+            <a:ext cx="3557418" cy="6858000"/>
           </a:xfrm>
           <a:prstGeom prst="rect">
             <a:avLst/>
@@ -6430,10 +7819,10 @@
       </p:sp>
       <p:pic>
         <p:nvPicPr>
-          <p:cNvPr id="1026" name="Picture 2" descr="FabFitFun - Beauty, Fitness, Lifestyle">
-            <a:extLst>
-              <a:ext uri="{FF2B5EF4-FFF2-40B4-BE49-F238E27FC236}">
-                <a16:creationId xmlns:a16="http://schemas.microsoft.com/office/drawing/2014/main" id="{E35CB271-08E8-9D4B-B9DE-F39B0DC5FBCD}"/>
+          <p:cNvPr id="19" name="Picture 2" descr="FabFitFun - Beauty, Fitness, Lifestyle">
+            <a:extLst>
+              <a:ext uri="{FF2B5EF4-FFF2-40B4-BE49-F238E27FC236}">
+                <a16:creationId xmlns:a16="http://schemas.microsoft.com/office/drawing/2014/main" id="{E9569643-4A80-D2B1-F809-66AF3FC355B3}"/>
               </a:ext>
             </a:extLst>
           </p:cNvPr>
@@ -6477,6 +7866,647 @@
       </p:pic>
       <p:sp>
         <p:nvSpPr>
+          <p:cNvPr id="7" name="TextBox 6">
+            <a:extLst>
+              <a:ext uri="{FF2B5EF4-FFF2-40B4-BE49-F238E27FC236}">
+                <a16:creationId xmlns:a16="http://schemas.microsoft.com/office/drawing/2014/main" id="{7C861C63-2123-8383-0BE8-D00AFD70D716}"/>
+              </a:ext>
+            </a:extLst>
+          </p:cNvPr>
+          <p:cNvSpPr txBox="1"/>
+          <p:nvPr/>
+        </p:nvSpPr>
+        <p:spPr>
+          <a:xfrm>
+            <a:off x="8777320" y="2441053"/>
+            <a:ext cx="3407596" cy="2862322"/>
+          </a:xfrm>
+          <a:prstGeom prst="rect">
+            <a:avLst/>
+          </a:prstGeom>
+          <a:noFill/>
+        </p:spPr>
+        <p:txBody>
+          <a:bodyPr wrap="square">
+            <a:spAutoFit/>
+          </a:bodyPr>
+          <a:lstStyle/>
+          <a:p>
+            <a:pPr marL="400050" indent="-400050">
+              <a:buFont typeface="+mj-lt"/>
+              <a:buAutoNum type="romanLcPeriod"/>
+            </a:pPr>
+            <a:r>
+              <a:rPr lang="pt-BR" dirty="0">
+                <a:latin typeface="Nunito Sans Normal" pitchFamily="2" charset="0"/>
+              </a:rPr>
+              <a:t>Relationship between </a:t>
+            </a:r>
+            <a:r>
+              <a:rPr lang="pt-BR" b="1" dirty="0">
+                <a:latin typeface="Nunito Sans Normal" pitchFamily="2" charset="0"/>
+              </a:rPr>
+              <a:t>Visits and Purchases table is N:N</a:t>
+            </a:r>
+          </a:p>
+          <a:p>
+            <a:pPr marL="400050" indent="-400050">
+              <a:buFont typeface="+mj-lt"/>
+              <a:buAutoNum type="romanLcPeriod"/>
+            </a:pPr>
+            <a:r>
+              <a:rPr lang="pt-BR" b="1" dirty="0">
+                <a:latin typeface="Nunito Sans Normal" pitchFamily="2" charset="0"/>
+              </a:rPr>
+              <a:t>No</a:t>
+            </a:r>
+            <a:r>
+              <a:rPr lang="pt-BR" dirty="0">
+                <a:latin typeface="Nunito Sans Normal" pitchFamily="2" charset="0"/>
+              </a:rPr>
+              <a:t> </a:t>
+            </a:r>
+            <a:r>
+              <a:rPr lang="pt-BR" b="1" dirty="0">
+                <a:latin typeface="Nunito Sans Normal" pitchFamily="2" charset="0"/>
+              </a:rPr>
+              <a:t>PK in Visits and Purchases</a:t>
+            </a:r>
+          </a:p>
+          <a:p>
+            <a:pPr marL="400050" indent="-400050">
+              <a:buFont typeface="+mj-lt"/>
+              <a:buAutoNum type="romanLcPeriod"/>
+            </a:pPr>
+            <a:r>
+              <a:rPr lang="pt-BR" b="1" dirty="0">
+                <a:latin typeface="Nunito Sans Normal" pitchFamily="2" charset="0"/>
+              </a:rPr>
+              <a:t>There’s no Window Number in Purchases, therefore there’s no way to identify which window it was converted</a:t>
+            </a:r>
+          </a:p>
+        </p:txBody>
+      </p:sp>
+      <p:sp>
+        <p:nvSpPr>
+          <p:cNvPr id="8" name="TextBox 7">
+            <a:extLst>
+              <a:ext uri="{FF2B5EF4-FFF2-40B4-BE49-F238E27FC236}">
+                <a16:creationId xmlns:a16="http://schemas.microsoft.com/office/drawing/2014/main" id="{D2A69C95-CB11-4AEA-6A99-EA4251B5C884}"/>
+              </a:ext>
+            </a:extLst>
+          </p:cNvPr>
+          <p:cNvSpPr txBox="1"/>
+          <p:nvPr/>
+        </p:nvSpPr>
+        <p:spPr>
+          <a:xfrm>
+            <a:off x="8951190" y="1282082"/>
+            <a:ext cx="2924200" cy="523220"/>
+          </a:xfrm>
+          <a:prstGeom prst="rect">
+            <a:avLst/>
+          </a:prstGeom>
+          <a:noFill/>
+        </p:spPr>
+        <p:txBody>
+          <a:bodyPr wrap="square">
+            <a:spAutoFit/>
+          </a:bodyPr>
+          <a:lstStyle/>
+          <a:p>
+            <a:pPr algn="ctr"/>
+            <a:r>
+              <a:rPr lang="pt-BR" sz="2800" b="1" dirty="0">
+                <a:latin typeface="Nunito Sans Normal" pitchFamily="2" charset="0"/>
+              </a:rPr>
+              <a:t>INSIGHTS</a:t>
+            </a:r>
+          </a:p>
+        </p:txBody>
+      </p:sp>
+      <p:sp>
+        <p:nvSpPr>
+          <p:cNvPr id="11" name="TextBox 10">
+            <a:extLst>
+              <a:ext uri="{FF2B5EF4-FFF2-40B4-BE49-F238E27FC236}">
+                <a16:creationId xmlns:a16="http://schemas.microsoft.com/office/drawing/2014/main" id="{98DACC7A-272D-3243-EEDB-87F8ADECC043}"/>
+              </a:ext>
+            </a:extLst>
+          </p:cNvPr>
+          <p:cNvSpPr txBox="1"/>
+          <p:nvPr/>
+        </p:nvSpPr>
+        <p:spPr>
+          <a:xfrm>
+            <a:off x="137652" y="48592"/>
+            <a:ext cx="7414209" cy="861774"/>
+          </a:xfrm>
+          <a:prstGeom prst="rect">
+            <a:avLst/>
+          </a:prstGeom>
+          <a:noFill/>
+        </p:spPr>
+        <p:txBody>
+          <a:bodyPr wrap="none" rtlCol="0">
+            <a:spAutoFit/>
+          </a:bodyPr>
+          <a:lstStyle/>
+          <a:p>
+            <a:r>
+              <a:rPr lang="pt-BR" sz="3200" b="1" dirty="0">
+                <a:latin typeface="Nunito Sans Normal" pitchFamily="2" charset="0"/>
+              </a:rPr>
+              <a:t>3. DATA GAP AND INCONSISTENCES</a:t>
+            </a:r>
+          </a:p>
+          <a:p>
+            <a:r>
+              <a:rPr lang="pt-BR" dirty="0">
+                <a:latin typeface="Nunito Sans Normal" pitchFamily="2" charset="0"/>
+              </a:rPr>
+              <a:t>3.6 MISSING PRIMARY KEY</a:t>
+            </a:r>
+          </a:p>
+        </p:txBody>
+      </p:sp>
+      <p:pic>
+        <p:nvPicPr>
+          <p:cNvPr id="16" name="Picture 15">
+            <a:extLst>
+              <a:ext uri="{FF2B5EF4-FFF2-40B4-BE49-F238E27FC236}">
+                <a16:creationId xmlns:a16="http://schemas.microsoft.com/office/drawing/2014/main" id="{A8A6C253-1C71-9B52-298B-71A93498CA15}"/>
+              </a:ext>
+            </a:extLst>
+          </p:cNvPr>
+          <p:cNvPicPr>
+            <a:picLocks noChangeAspect="1"/>
+          </p:cNvPicPr>
+          <p:nvPr/>
+        </p:nvPicPr>
+        <p:blipFill>
+          <a:blip r:embed="rId4"/>
+          <a:stretch>
+            <a:fillRect/>
+          </a:stretch>
+        </p:blipFill>
+        <p:spPr>
+          <a:xfrm>
+            <a:off x="98148" y="1453316"/>
+            <a:ext cx="8465063" cy="4432888"/>
+          </a:xfrm>
+          <a:prstGeom prst="rect">
+            <a:avLst/>
+          </a:prstGeom>
+        </p:spPr>
+      </p:pic>
+    </p:spTree>
+    <p:extLst>
+      <p:ext uri="{BB962C8B-B14F-4D97-AF65-F5344CB8AC3E}">
+        <p14:creationId xmlns:p14="http://schemas.microsoft.com/office/powerpoint/2010/main" val="1533804207"/>
+      </p:ext>
+    </p:extLst>
+  </p:cSld>
+  <p:clrMapOvr>
+    <a:masterClrMapping/>
+  </p:clrMapOvr>
+</p:sld>
+</file>
+
+<file path=ppt/slides/slide16.xml><?xml version="1.0" encoding="utf-8"?>
+<p:sld xmlns:a="http://schemas.openxmlformats.org/drawingml/2006/main" xmlns:r="http://schemas.openxmlformats.org/officeDocument/2006/relationships" xmlns:p="http://schemas.openxmlformats.org/presentationml/2006/main">
+  <p:cSld>
+    <p:spTree>
+      <p:nvGrpSpPr>
+        <p:cNvPr id="1" name="">
+          <a:extLst>
+            <a:ext uri="{FF2B5EF4-FFF2-40B4-BE49-F238E27FC236}">
+              <a16:creationId xmlns:a16="http://schemas.microsoft.com/office/drawing/2014/main" id="{34ED6E33-E3CC-8244-4B6B-C884C4134261}"/>
+            </a:ext>
+          </a:extLst>
+        </p:cNvPr>
+        <p:cNvGrpSpPr/>
+        <p:nvPr/>
+      </p:nvGrpSpPr>
+      <p:grpSpPr>
+        <a:xfrm>
+          <a:off x="0" y="0"/>
+          <a:ext cx="0" cy="0"/>
+          <a:chOff x="0" y="0"/>
+          <a:chExt cx="0" cy="0"/>
+        </a:xfrm>
+      </p:grpSpPr>
+      <p:sp>
+        <p:nvSpPr>
+          <p:cNvPr id="5" name="Rectangle 4">
+            <a:extLst>
+              <a:ext uri="{FF2B5EF4-FFF2-40B4-BE49-F238E27FC236}">
+                <a16:creationId xmlns:a16="http://schemas.microsoft.com/office/drawing/2014/main" id="{12919C7E-03CA-BC73-18EC-477305042F8E}"/>
+              </a:ext>
+            </a:extLst>
+          </p:cNvPr>
+          <p:cNvSpPr/>
+          <p:nvPr/>
+        </p:nvSpPr>
+        <p:spPr>
+          <a:xfrm>
+            <a:off x="8634581" y="0"/>
+            <a:ext cx="3557418" cy="6858000"/>
+          </a:xfrm>
+          <a:prstGeom prst="rect">
+            <a:avLst/>
+          </a:prstGeom>
+          <a:solidFill>
+            <a:srgbClr val="FEBAA8"/>
+          </a:solidFill>
+          <a:ln>
+            <a:noFill/>
+          </a:ln>
+        </p:spPr>
+        <p:style>
+          <a:lnRef idx="2">
+            <a:schemeClr val="accent1">
+              <a:shade val="15000"/>
+            </a:schemeClr>
+          </a:lnRef>
+          <a:fillRef idx="1">
+            <a:schemeClr val="accent1"/>
+          </a:fillRef>
+          <a:effectRef idx="0">
+            <a:schemeClr val="accent1"/>
+          </a:effectRef>
+          <a:fontRef idx="minor">
+            <a:schemeClr val="lt1"/>
+          </a:fontRef>
+        </p:style>
+        <p:txBody>
+          <a:bodyPr rtlCol="0" anchor="ctr"/>
+          <a:lstStyle/>
+          <a:p>
+            <a:pPr algn="ctr"/>
+            <a:endParaRPr lang="pt-BR"/>
+          </a:p>
+        </p:txBody>
+      </p:sp>
+      <p:pic>
+        <p:nvPicPr>
+          <p:cNvPr id="19" name="Picture 2" descr="FabFitFun - Beauty, Fitness, Lifestyle">
+            <a:extLst>
+              <a:ext uri="{FF2B5EF4-FFF2-40B4-BE49-F238E27FC236}">
+                <a16:creationId xmlns:a16="http://schemas.microsoft.com/office/drawing/2014/main" id="{1F5D62EB-5E9E-72E9-C2DC-23C662ADDFB2}"/>
+              </a:ext>
+            </a:extLst>
+          </p:cNvPr>
+          <p:cNvPicPr>
+            <a:picLocks noChangeAspect="1" noChangeArrowheads="1"/>
+          </p:cNvPicPr>
+          <p:nvPr/>
+        </p:nvPicPr>
+        <p:blipFill>
+          <a:blip r:embed="rId2">
+            <a:extLst>
+              <a:ext uri="{28A0092B-C50C-407E-A947-70E740481C1C}">
+                <a14:useLocalDpi xmlns:a14="http://schemas.microsoft.com/office/drawing/2010/main" val="0"/>
+              </a:ext>
+            </a:extLst>
+          </a:blip>
+          <a:srcRect/>
+          <a:stretch>
+            <a:fillRect/>
+          </a:stretch>
+        </p:blipFill>
+        <p:spPr bwMode="auto">
+          <a:xfrm>
+            <a:off x="10053486" y="5886204"/>
+            <a:ext cx="1759973" cy="725989"/>
+          </a:xfrm>
+          <a:prstGeom prst="rect">
+            <a:avLst/>
+          </a:prstGeom>
+          <a:noFill/>
+          <a:extLst>
+            <a:ext uri="{909E8E84-426E-40DD-AFC4-6F175D3DCCD1}">
+              <a14:hiddenFill xmlns:a14="http://schemas.microsoft.com/office/drawing/2010/main">
+                <a:solidFill>
+                  <a:srgbClr val="FFFFFF"/>
+                </a:solidFill>
+              </a14:hiddenFill>
+            </a:ext>
+          </a:extLst>
+        </p:spPr>
+      </p:pic>
+      <p:sp>
+        <p:nvSpPr>
+          <p:cNvPr id="7" name="TextBox 6">
+            <a:extLst>
+              <a:ext uri="{FF2B5EF4-FFF2-40B4-BE49-F238E27FC236}">
+                <a16:creationId xmlns:a16="http://schemas.microsoft.com/office/drawing/2014/main" id="{F20193DA-4B2F-1E1B-D9D5-6CCC86BC3BDA}"/>
+              </a:ext>
+            </a:extLst>
+          </p:cNvPr>
+          <p:cNvSpPr txBox="1"/>
+          <p:nvPr/>
+        </p:nvSpPr>
+        <p:spPr>
+          <a:xfrm>
+            <a:off x="8777320" y="2441053"/>
+            <a:ext cx="3407596" cy="2308324"/>
+          </a:xfrm>
+          <a:prstGeom prst="rect">
+            <a:avLst/>
+          </a:prstGeom>
+          <a:noFill/>
+        </p:spPr>
+        <p:txBody>
+          <a:bodyPr wrap="square">
+            <a:spAutoFit/>
+          </a:bodyPr>
+          <a:lstStyle/>
+          <a:p>
+            <a:r>
+              <a:rPr lang="pt-BR" dirty="0">
+                <a:latin typeface="Nunito Sans Normal" pitchFamily="2" charset="0"/>
+              </a:rPr>
+              <a:t>By joining visits and purchases using User ID and Campaign ID, we’ll have a GAP of </a:t>
+            </a:r>
+            <a:r>
+              <a:rPr lang="pt-BR" b="1" dirty="0">
+                <a:latin typeface="Nunito Sans Normal" pitchFamily="2" charset="0"/>
+              </a:rPr>
+              <a:t>29.3%</a:t>
+            </a:r>
+            <a:r>
+              <a:rPr lang="pt-BR" dirty="0">
+                <a:latin typeface="Nunito Sans Normal" pitchFamily="2" charset="0"/>
+              </a:rPr>
+              <a:t> of missing values for Window Start and Window End.</a:t>
+            </a:r>
+          </a:p>
+          <a:p>
+            <a:endParaRPr lang="pt-BR" dirty="0">
+              <a:latin typeface="Nunito Sans Normal" pitchFamily="2" charset="0"/>
+            </a:endParaRPr>
+          </a:p>
+          <a:p>
+            <a:r>
+              <a:rPr lang="pt-BR" dirty="0">
+                <a:latin typeface="Nunito Sans Normal" pitchFamily="2" charset="0"/>
+              </a:rPr>
+              <a:t>In addition, there’s no window number in purchases.</a:t>
+            </a:r>
+          </a:p>
+        </p:txBody>
+      </p:sp>
+      <p:sp>
+        <p:nvSpPr>
+          <p:cNvPr id="8" name="TextBox 7">
+            <a:extLst>
+              <a:ext uri="{FF2B5EF4-FFF2-40B4-BE49-F238E27FC236}">
+                <a16:creationId xmlns:a16="http://schemas.microsoft.com/office/drawing/2014/main" id="{DAB02D93-EB00-9E91-E4E1-A35AEAC8894D}"/>
+              </a:ext>
+            </a:extLst>
+          </p:cNvPr>
+          <p:cNvSpPr txBox="1"/>
+          <p:nvPr/>
+        </p:nvSpPr>
+        <p:spPr>
+          <a:xfrm>
+            <a:off x="8951190" y="1282082"/>
+            <a:ext cx="2924200" cy="523220"/>
+          </a:xfrm>
+          <a:prstGeom prst="rect">
+            <a:avLst/>
+          </a:prstGeom>
+          <a:noFill/>
+        </p:spPr>
+        <p:txBody>
+          <a:bodyPr wrap="square">
+            <a:spAutoFit/>
+          </a:bodyPr>
+          <a:lstStyle/>
+          <a:p>
+            <a:pPr algn="ctr"/>
+            <a:r>
+              <a:rPr lang="pt-BR" sz="2800" b="1" dirty="0">
+                <a:latin typeface="Nunito Sans Normal" pitchFamily="2" charset="0"/>
+              </a:rPr>
+              <a:t>INSIGHTS</a:t>
+            </a:r>
+          </a:p>
+        </p:txBody>
+      </p:sp>
+      <p:sp>
+        <p:nvSpPr>
+          <p:cNvPr id="11" name="TextBox 10">
+            <a:extLst>
+              <a:ext uri="{FF2B5EF4-FFF2-40B4-BE49-F238E27FC236}">
+                <a16:creationId xmlns:a16="http://schemas.microsoft.com/office/drawing/2014/main" id="{DBACE60D-653E-7D34-79B6-821F5D9B223D}"/>
+              </a:ext>
+            </a:extLst>
+          </p:cNvPr>
+          <p:cNvSpPr txBox="1"/>
+          <p:nvPr/>
+        </p:nvSpPr>
+        <p:spPr>
+          <a:xfrm>
+            <a:off x="137652" y="48592"/>
+            <a:ext cx="7414209" cy="861774"/>
+          </a:xfrm>
+          <a:prstGeom prst="rect">
+            <a:avLst/>
+          </a:prstGeom>
+          <a:noFill/>
+        </p:spPr>
+        <p:txBody>
+          <a:bodyPr wrap="none" rtlCol="0">
+            <a:spAutoFit/>
+          </a:bodyPr>
+          <a:lstStyle/>
+          <a:p>
+            <a:r>
+              <a:rPr lang="pt-BR" sz="3200" b="1" dirty="0">
+                <a:latin typeface="Nunito Sans Normal" pitchFamily="2" charset="0"/>
+              </a:rPr>
+              <a:t>3. DATA GAP AND INCONSISTENCES</a:t>
+            </a:r>
+          </a:p>
+          <a:p>
+            <a:r>
+              <a:rPr lang="pt-BR" dirty="0">
+                <a:latin typeface="Nunito Sans Normal" pitchFamily="2" charset="0"/>
+              </a:rPr>
+              <a:t>3.7 JOIN BETWEEN VISITS AND PURCHASES</a:t>
+            </a:r>
+          </a:p>
+        </p:txBody>
+      </p:sp>
+      <p:pic>
+        <p:nvPicPr>
+          <p:cNvPr id="3" name="Picture 2">
+            <a:extLst>
+              <a:ext uri="{FF2B5EF4-FFF2-40B4-BE49-F238E27FC236}">
+                <a16:creationId xmlns:a16="http://schemas.microsoft.com/office/drawing/2014/main" id="{E8C3ACFB-BF5B-BE09-F8F3-1613A67890F7}"/>
+              </a:ext>
+            </a:extLst>
+          </p:cNvPr>
+          <p:cNvPicPr>
+            <a:picLocks noChangeAspect="1"/>
+          </p:cNvPicPr>
+          <p:nvPr/>
+        </p:nvPicPr>
+        <p:blipFill>
+          <a:blip r:embed="rId3"/>
+          <a:stretch>
+            <a:fillRect/>
+          </a:stretch>
+        </p:blipFill>
+        <p:spPr>
+          <a:xfrm>
+            <a:off x="391563" y="2211993"/>
+            <a:ext cx="7496175" cy="2886075"/>
+          </a:xfrm>
+          <a:prstGeom prst="rect">
+            <a:avLst/>
+          </a:prstGeom>
+        </p:spPr>
+      </p:pic>
+    </p:spTree>
+    <p:extLst>
+      <p:ext uri="{BB962C8B-B14F-4D97-AF65-F5344CB8AC3E}">
+        <p14:creationId xmlns:p14="http://schemas.microsoft.com/office/powerpoint/2010/main" val="1407124686"/>
+      </p:ext>
+    </p:extLst>
+  </p:cSld>
+  <p:clrMapOvr>
+    <a:masterClrMapping/>
+  </p:clrMapOvr>
+</p:sld>
+</file>
+
+<file path=ppt/slides/slide17.xml><?xml version="1.0" encoding="utf-8"?>
+<p:sld xmlns:a="http://schemas.openxmlformats.org/drawingml/2006/main" xmlns:r="http://schemas.openxmlformats.org/officeDocument/2006/relationships" xmlns:p="http://schemas.openxmlformats.org/presentationml/2006/main">
+  <p:cSld>
+    <p:spTree>
+      <p:nvGrpSpPr>
+        <p:cNvPr id="1" name="">
+          <a:extLst>
+            <a:ext uri="{FF2B5EF4-FFF2-40B4-BE49-F238E27FC236}">
+              <a16:creationId xmlns:a16="http://schemas.microsoft.com/office/drawing/2014/main" id="{11A312F6-B7A9-D6F5-CF13-27DBC8B1BD4D}"/>
+            </a:ext>
+          </a:extLst>
+        </p:cNvPr>
+        <p:cNvGrpSpPr/>
+        <p:nvPr/>
+      </p:nvGrpSpPr>
+      <p:grpSpPr>
+        <a:xfrm>
+          <a:off x="0" y="0"/>
+          <a:ext cx="0" cy="0"/>
+          <a:chOff x="0" y="0"/>
+          <a:chExt cx="0" cy="0"/>
+        </a:xfrm>
+      </p:grpSpPr>
+      <p:sp>
+        <p:nvSpPr>
+          <p:cNvPr id="6" name="Rectangle 5">
+            <a:extLst>
+              <a:ext uri="{FF2B5EF4-FFF2-40B4-BE49-F238E27FC236}">
+                <a16:creationId xmlns:a16="http://schemas.microsoft.com/office/drawing/2014/main" id="{73D0E073-DEC6-BCA1-D277-C07317DEDB12}"/>
+              </a:ext>
+            </a:extLst>
+          </p:cNvPr>
+          <p:cNvSpPr/>
+          <p:nvPr/>
+        </p:nvSpPr>
+        <p:spPr>
+          <a:xfrm>
+            <a:off x="0" y="0"/>
+            <a:ext cx="12191999" cy="6858000"/>
+          </a:xfrm>
+          <a:prstGeom prst="rect">
+            <a:avLst/>
+          </a:prstGeom>
+          <a:solidFill>
+            <a:srgbClr val="FEBAA8"/>
+          </a:solidFill>
+          <a:ln>
+            <a:noFill/>
+          </a:ln>
+        </p:spPr>
+        <p:style>
+          <a:lnRef idx="2">
+            <a:schemeClr val="accent1">
+              <a:shade val="15000"/>
+            </a:schemeClr>
+          </a:lnRef>
+          <a:fillRef idx="1">
+            <a:schemeClr val="accent1"/>
+          </a:fillRef>
+          <a:effectRef idx="0">
+            <a:schemeClr val="accent1"/>
+          </a:effectRef>
+          <a:fontRef idx="minor">
+            <a:schemeClr val="lt1"/>
+          </a:fontRef>
+        </p:style>
+        <p:txBody>
+          <a:bodyPr rtlCol="0" anchor="ctr"/>
+          <a:lstStyle/>
+          <a:p>
+            <a:pPr algn="ctr"/>
+            <a:endParaRPr lang="pt-BR"/>
+          </a:p>
+        </p:txBody>
+      </p:sp>
+      <p:pic>
+        <p:nvPicPr>
+          <p:cNvPr id="1026" name="Picture 2" descr="FabFitFun - Beauty, Fitness, Lifestyle">
+            <a:extLst>
+              <a:ext uri="{FF2B5EF4-FFF2-40B4-BE49-F238E27FC236}">
+                <a16:creationId xmlns:a16="http://schemas.microsoft.com/office/drawing/2014/main" id="{E35CB271-08E8-9D4B-B9DE-F39B0DC5FBCD}"/>
+              </a:ext>
+            </a:extLst>
+          </p:cNvPr>
+          <p:cNvPicPr>
+            <a:picLocks noChangeAspect="1" noChangeArrowheads="1"/>
+          </p:cNvPicPr>
+          <p:nvPr/>
+        </p:nvPicPr>
+        <p:blipFill>
+          <a:blip r:embed="rId3">
+            <a:extLst>
+              <a:ext uri="{28A0092B-C50C-407E-A947-70E740481C1C}">
+                <a14:useLocalDpi xmlns:a14="http://schemas.microsoft.com/office/drawing/2010/main" val="0"/>
+              </a:ext>
+            </a:extLst>
+          </a:blip>
+          <a:srcRect/>
+          <a:stretch>
+            <a:fillRect/>
+          </a:stretch>
+        </p:blipFill>
+        <p:spPr bwMode="auto">
+          <a:xfrm>
+            <a:off x="10053486" y="5886204"/>
+            <a:ext cx="1759973" cy="725989"/>
+          </a:xfrm>
+          <a:prstGeom prst="rect">
+            <a:avLst/>
+          </a:prstGeom>
+          <a:noFill/>
+          <a:extLst>
+            <a:ext uri="{909E8E84-426E-40DD-AFC4-6F175D3DCCD1}">
+              <a14:hiddenFill xmlns:a14="http://schemas.microsoft.com/office/drawing/2010/main">
+                <a:solidFill>
+                  <a:srgbClr val="FFFFFF"/>
+                </a:solidFill>
+              </a14:hiddenFill>
+            </a:ext>
+          </a:extLst>
+        </p:spPr>
+      </p:pic>
+      <p:sp>
+        <p:nvSpPr>
           <p:cNvPr id="5" name="TextBox 4">
             <a:extLst>
               <a:ext uri="{FF2B5EF4-FFF2-40B4-BE49-F238E27FC236}">
@@ -6525,7 +8555,7 @@
 </p:sld>
 </file>
 
-<file path=ppt/slides/slide16.xml><?xml version="1.0" encoding="utf-8"?>
+<file path=ppt/slides/slide18.xml><?xml version="1.0" encoding="utf-8"?>
 <p:sld xmlns:a="http://schemas.openxmlformats.org/drawingml/2006/main" xmlns:r="http://schemas.openxmlformats.org/officeDocument/2006/relationships" xmlns:p="http://schemas.openxmlformats.org/presentationml/2006/main">
   <p:cSld>
     <p:spTree>
@@ -6810,7 +8840,7 @@
             <a:lstStyle/>
             <a:p>
               <a:pPr algn="ctr"/>
-              <a:endParaRPr lang="pt-BR"/>
+              <a:endParaRPr lang="pt-BR" dirty="0"/>
             </a:p>
           </p:txBody>
         </p:sp>
@@ -7441,7 +9471,7 @@
 </p:sld>
 </file>
 
-<file path=ppt/slides/slide17.xml><?xml version="1.0" encoding="utf-8"?>
+<file path=ppt/slides/slide19.xml><?xml version="1.0" encoding="utf-8"?>
 <p:sld xmlns:a="http://schemas.openxmlformats.org/drawingml/2006/main" xmlns:r="http://schemas.openxmlformats.org/officeDocument/2006/relationships" xmlns:p="http://schemas.openxmlformats.org/presentationml/2006/main">
   <p:cSld>
     <p:spTree>
@@ -8362,7 +10392,398 @@
 </p:sld>
 </file>
 
-<file path=ppt/slides/slide18.xml><?xml version="1.0" encoding="utf-8"?>
+<file path=ppt/slides/slide2.xml><?xml version="1.0" encoding="utf-8"?>
+<p:sld xmlns:a="http://schemas.openxmlformats.org/drawingml/2006/main" xmlns:r="http://schemas.openxmlformats.org/officeDocument/2006/relationships" xmlns:p="http://schemas.openxmlformats.org/presentationml/2006/main">
+  <p:cSld>
+    <p:spTree>
+      <p:nvGrpSpPr>
+        <p:cNvPr id="1" name=""/>
+        <p:cNvGrpSpPr/>
+        <p:nvPr/>
+      </p:nvGrpSpPr>
+      <p:grpSpPr>
+        <a:xfrm>
+          <a:off x="0" y="0"/>
+          <a:ext cx="0" cy="0"/>
+          <a:chOff x="0" y="0"/>
+          <a:chExt cx="0" cy="0"/>
+        </a:xfrm>
+      </p:grpSpPr>
+      <p:sp>
+        <p:nvSpPr>
+          <p:cNvPr id="6" name="Rectangle 5">
+            <a:extLst>
+              <a:ext uri="{FF2B5EF4-FFF2-40B4-BE49-F238E27FC236}">
+                <a16:creationId xmlns:a16="http://schemas.microsoft.com/office/drawing/2014/main" id="{05CC7DF3-D1AF-722B-182D-F6B27D25CB20}"/>
+              </a:ext>
+            </a:extLst>
+          </p:cNvPr>
+          <p:cNvSpPr/>
+          <p:nvPr/>
+        </p:nvSpPr>
+        <p:spPr>
+          <a:xfrm>
+            <a:off x="7846142" y="0"/>
+            <a:ext cx="4345857" cy="6858000"/>
+          </a:xfrm>
+          <a:prstGeom prst="rect">
+            <a:avLst/>
+          </a:prstGeom>
+          <a:solidFill>
+            <a:srgbClr val="FEBAA8"/>
+          </a:solidFill>
+          <a:ln>
+            <a:noFill/>
+          </a:ln>
+        </p:spPr>
+        <p:style>
+          <a:lnRef idx="2">
+            <a:schemeClr val="accent1">
+              <a:shade val="15000"/>
+            </a:schemeClr>
+          </a:lnRef>
+          <a:fillRef idx="1">
+            <a:schemeClr val="accent1"/>
+          </a:fillRef>
+          <a:effectRef idx="0">
+            <a:schemeClr val="accent1"/>
+          </a:effectRef>
+          <a:fontRef idx="minor">
+            <a:schemeClr val="lt1"/>
+          </a:fontRef>
+        </p:style>
+        <p:txBody>
+          <a:bodyPr rtlCol="0" anchor="ctr"/>
+          <a:lstStyle/>
+          <a:p>
+            <a:pPr algn="ctr"/>
+            <a:endParaRPr lang="pt-BR"/>
+          </a:p>
+        </p:txBody>
+      </p:sp>
+      <p:sp>
+        <p:nvSpPr>
+          <p:cNvPr id="4" name="TextBox 3">
+            <a:extLst>
+              <a:ext uri="{FF2B5EF4-FFF2-40B4-BE49-F238E27FC236}">
+                <a16:creationId xmlns:a16="http://schemas.microsoft.com/office/drawing/2014/main" id="{9430201B-88D4-4A70-4B46-066FA1B4E4FC}"/>
+              </a:ext>
+            </a:extLst>
+          </p:cNvPr>
+          <p:cNvSpPr txBox="1"/>
+          <p:nvPr/>
+        </p:nvSpPr>
+        <p:spPr>
+          <a:xfrm>
+            <a:off x="299694" y="1011660"/>
+            <a:ext cx="6882581" cy="5509200"/>
+          </a:xfrm>
+          <a:prstGeom prst="rect">
+            <a:avLst/>
+          </a:prstGeom>
+          <a:noFill/>
+        </p:spPr>
+        <p:txBody>
+          <a:bodyPr wrap="square" rtlCol="0">
+            <a:spAutoFit/>
+          </a:bodyPr>
+          <a:lstStyle/>
+          <a:p>
+            <a:pPr marL="457200" indent="-457200">
+              <a:buFont typeface="+mj-lt"/>
+              <a:buAutoNum type="arabicPeriod"/>
+            </a:pPr>
+            <a:r>
+              <a:rPr lang="pt-BR" sz="1600" b="1" dirty="0">
+                <a:latin typeface="Nunito Sans Normal" pitchFamily="2" charset="0"/>
+              </a:rPr>
+              <a:t>Problem Definition</a:t>
+            </a:r>
+          </a:p>
+          <a:p>
+            <a:pPr lvl="1"/>
+            <a:r>
+              <a:rPr lang="pt-BR" sz="1600" b="1" dirty="0">
+                <a:latin typeface="Nunito Sans Normal" pitchFamily="2" charset="0"/>
+              </a:rPr>
+              <a:t>	</a:t>
+            </a:r>
+            <a:r>
+              <a:rPr lang="pt-BR" sz="1600" dirty="0">
+                <a:latin typeface="Nunito Sans Normal" pitchFamily="2" charset="0"/>
+              </a:rPr>
+              <a:t>1.1 Dataset Attributes</a:t>
+            </a:r>
+          </a:p>
+          <a:p>
+            <a:pPr lvl="1"/>
+            <a:r>
+              <a:rPr lang="pt-BR" sz="1600" dirty="0">
+                <a:latin typeface="Nunito Sans Normal" pitchFamily="2" charset="0"/>
+              </a:rPr>
+              <a:t>	1.2 Objective and Key Questions</a:t>
+            </a:r>
+          </a:p>
+          <a:p>
+            <a:pPr lvl="1"/>
+            <a:r>
+              <a:rPr lang="pt-BR" sz="1600" dirty="0">
+                <a:latin typeface="Nunito Sans Normal" pitchFamily="2" charset="0"/>
+              </a:rPr>
+              <a:t>	1.3 Technologies and Programming Language</a:t>
+            </a:r>
+          </a:p>
+          <a:p>
+            <a:pPr lvl="1"/>
+            <a:endParaRPr lang="pt-BR" sz="1600" dirty="0">
+              <a:latin typeface="Nunito Sans Normal" pitchFamily="2" charset="0"/>
+            </a:endParaRPr>
+          </a:p>
+          <a:p>
+            <a:pPr marL="457200" indent="-457200">
+              <a:buAutoNum type="arabicPeriod"/>
+            </a:pPr>
+            <a:r>
+              <a:rPr lang="pt-BR" sz="1600" b="1" dirty="0">
+                <a:latin typeface="Nunito Sans Normal" pitchFamily="2" charset="0"/>
+              </a:rPr>
+              <a:t>First Steps</a:t>
+            </a:r>
+          </a:p>
+          <a:p>
+            <a:pPr marL="457200" indent="-457200">
+              <a:buAutoNum type="arabicPeriod"/>
+            </a:pPr>
+            <a:r>
+              <a:rPr lang="pt-BR" sz="1600" b="1" dirty="0">
+                <a:latin typeface="Nunito Sans Normal" pitchFamily="2" charset="0"/>
+              </a:rPr>
+              <a:t>Data GAP</a:t>
+            </a:r>
+          </a:p>
+          <a:p>
+            <a:r>
+              <a:rPr lang="pt-BR" sz="1600" b="1" dirty="0">
+                <a:latin typeface="Nunito Sans Normal" pitchFamily="2" charset="0"/>
+              </a:rPr>
+              <a:t>	3.1 Campaign ID</a:t>
+            </a:r>
+          </a:p>
+          <a:p>
+            <a:r>
+              <a:rPr lang="pt-BR" sz="1600" b="1" dirty="0">
+                <a:latin typeface="Nunito Sans Normal" pitchFamily="2" charset="0"/>
+              </a:rPr>
+              <a:t>	3.2 User ID</a:t>
+            </a:r>
+          </a:p>
+          <a:p>
+            <a:r>
+              <a:rPr lang="pt-BR" sz="1600" b="1" dirty="0">
+                <a:latin typeface="Nunito Sans Normal" pitchFamily="2" charset="0"/>
+              </a:rPr>
+              <a:t>	3.3 Nulls, NaNs and Missings</a:t>
+            </a:r>
+          </a:p>
+          <a:p>
+            <a:r>
+              <a:rPr lang="pt-BR" sz="1600" b="1" dirty="0">
+                <a:latin typeface="Nunito Sans Normal" pitchFamily="2" charset="0"/>
+              </a:rPr>
+              <a:t>	3.4 Wrong Campaign</a:t>
+            </a:r>
+          </a:p>
+          <a:p>
+            <a:r>
+              <a:rPr lang="pt-BR" sz="1600" b="1" dirty="0">
+                <a:latin typeface="Nunito Sans Normal" pitchFamily="2" charset="0"/>
+              </a:rPr>
+              <a:t>	3.5 Inconsistence in Window Number</a:t>
+            </a:r>
+          </a:p>
+          <a:p>
+            <a:r>
+              <a:rPr lang="pt-BR" sz="1600" b="1" dirty="0">
+                <a:latin typeface="Nunito Sans Normal" pitchFamily="2" charset="0"/>
+              </a:rPr>
+              <a:t>	3.6 Missing PK</a:t>
+            </a:r>
+          </a:p>
+          <a:p>
+            <a:r>
+              <a:rPr lang="pt-BR" sz="1600" b="1" dirty="0">
+                <a:latin typeface="Nunito Sans Normal" pitchFamily="2" charset="0"/>
+              </a:rPr>
+              <a:t>	3.7 N:N Relationship</a:t>
+            </a:r>
+          </a:p>
+          <a:p>
+            <a:endParaRPr lang="pt-BR" sz="1600" b="1" dirty="0">
+              <a:latin typeface="Nunito Sans Normal" pitchFamily="2" charset="0"/>
+            </a:endParaRPr>
+          </a:p>
+          <a:p>
+            <a:r>
+              <a:rPr lang="pt-BR" sz="1600" b="1" dirty="0">
+                <a:latin typeface="Nunito Sans Normal" pitchFamily="2" charset="0"/>
+              </a:rPr>
+              <a:t>4.     Data Analysis</a:t>
+            </a:r>
+          </a:p>
+          <a:p>
+            <a:pPr lvl="2"/>
+            <a:r>
+              <a:rPr lang="pt-BR" sz="1600" dirty="0">
+                <a:latin typeface="Nunito Sans Normal" pitchFamily="2" charset="0"/>
+              </a:rPr>
+              <a:t>4.1 Valuable Users</a:t>
+            </a:r>
+          </a:p>
+          <a:p>
+            <a:pPr lvl="2"/>
+            <a:r>
+              <a:rPr lang="pt-BR" sz="1600" dirty="0">
+                <a:latin typeface="Nunito Sans Normal" pitchFamily="2" charset="0"/>
+              </a:rPr>
+              <a:t>4.2 Channels &amp; Valuable Users</a:t>
+            </a:r>
+          </a:p>
+          <a:p>
+            <a:pPr lvl="2"/>
+            <a:r>
+              <a:rPr lang="pt-BR" sz="1600" dirty="0">
+                <a:latin typeface="Nunito Sans Normal" pitchFamily="2" charset="0"/>
+              </a:rPr>
+              <a:t>4.3 Convertion Rate</a:t>
+            </a:r>
+          </a:p>
+          <a:p>
+            <a:pPr lvl="2"/>
+            <a:r>
+              <a:rPr lang="pt-BR" sz="1600" dirty="0">
+                <a:latin typeface="Nunito Sans Normal" pitchFamily="2" charset="0"/>
+              </a:rPr>
+              <a:t>4.4 Recommendations</a:t>
+            </a:r>
+          </a:p>
+          <a:p>
+            <a:pPr lvl="1"/>
+            <a:endParaRPr lang="pt-BR" sz="1600" dirty="0">
+              <a:latin typeface="Nunito Sans Normal" pitchFamily="2" charset="0"/>
+            </a:endParaRPr>
+          </a:p>
+          <a:p>
+            <a:r>
+              <a:rPr lang="pt-BR" sz="1600" b="1" dirty="0">
+                <a:latin typeface="Nunito Sans Normal" pitchFamily="2" charset="0"/>
+              </a:rPr>
+              <a:t>5.     Recommendations</a:t>
+            </a:r>
+          </a:p>
+        </p:txBody>
+      </p:sp>
+      <p:sp>
+        <p:nvSpPr>
+          <p:cNvPr id="3" name="TextBox 2">
+            <a:extLst>
+              <a:ext uri="{FF2B5EF4-FFF2-40B4-BE49-F238E27FC236}">
+                <a16:creationId xmlns:a16="http://schemas.microsoft.com/office/drawing/2014/main" id="{6005DEB9-7AB9-EE71-2DA6-8D98DE683D63}"/>
+              </a:ext>
+            </a:extLst>
+          </p:cNvPr>
+          <p:cNvSpPr txBox="1"/>
+          <p:nvPr/>
+        </p:nvSpPr>
+        <p:spPr>
+          <a:xfrm>
+            <a:off x="2863645" y="200188"/>
+            <a:ext cx="2261419" cy="707886"/>
+          </a:xfrm>
+          <a:prstGeom prst="rect">
+            <a:avLst/>
+          </a:prstGeom>
+          <a:noFill/>
+        </p:spPr>
+        <p:txBody>
+          <a:bodyPr wrap="square">
+            <a:spAutoFit/>
+          </a:bodyPr>
+          <a:lstStyle/>
+          <a:p>
+            <a:pPr algn="ctr"/>
+            <a:r>
+              <a:rPr lang="pt-BR" sz="4000" b="1" dirty="0">
+                <a:latin typeface="Nunito Sans Normal" pitchFamily="2" charset="0"/>
+              </a:rPr>
+              <a:t>INDEX</a:t>
+            </a:r>
+            <a:endParaRPr lang="pt-BR" sz="2800" b="1" dirty="0">
+              <a:latin typeface="Nunito Sans Normal" pitchFamily="2" charset="0"/>
+            </a:endParaRPr>
+          </a:p>
+        </p:txBody>
+      </p:sp>
+      <p:pic>
+        <p:nvPicPr>
+          <p:cNvPr id="1026" name="Picture 2" descr="FabFitFun - Beauty, Fitness, Lifestyle">
+            <a:extLst>
+              <a:ext uri="{FF2B5EF4-FFF2-40B4-BE49-F238E27FC236}">
+                <a16:creationId xmlns:a16="http://schemas.microsoft.com/office/drawing/2014/main" id="{5264F99C-3745-DC5D-0BC5-F5B5A7511BB5}"/>
+              </a:ext>
+            </a:extLst>
+          </p:cNvPr>
+          <p:cNvPicPr>
+            <a:picLocks noChangeAspect="1" noChangeArrowheads="1"/>
+          </p:cNvPicPr>
+          <p:nvPr/>
+        </p:nvPicPr>
+        <p:blipFill>
+          <a:blip r:embed="rId3">
+            <a:extLst>
+              <a:ext uri="{28A0092B-C50C-407E-A947-70E740481C1C}">
+                <a14:useLocalDpi xmlns:a14="http://schemas.microsoft.com/office/drawing/2010/main" val="0"/>
+              </a:ext>
+            </a:extLst>
+          </a:blip>
+          <a:srcRect/>
+          <a:stretch>
+            <a:fillRect/>
+          </a:stretch>
+        </p:blipFill>
+        <p:spPr bwMode="auto">
+          <a:xfrm>
+            <a:off x="10053486" y="5886204"/>
+            <a:ext cx="1759973" cy="725989"/>
+          </a:xfrm>
+          <a:prstGeom prst="rect">
+            <a:avLst/>
+          </a:prstGeom>
+          <a:noFill/>
+          <a:extLst>
+            <a:ext uri="{909E8E84-426E-40DD-AFC4-6F175D3DCCD1}">
+              <a14:hiddenFill xmlns:a14="http://schemas.microsoft.com/office/drawing/2010/main">
+                <a:solidFill>
+                  <a:srgbClr val="FFFFFF"/>
+                </a:solidFill>
+              </a14:hiddenFill>
+            </a:ext>
+          </a:extLst>
+        </p:spPr>
+      </p:pic>
+    </p:spTree>
+    <p:extLst>
+      <p:ext uri="{BB962C8B-B14F-4D97-AF65-F5344CB8AC3E}">
+        <p14:creationId xmlns:p14="http://schemas.microsoft.com/office/powerpoint/2010/main" val="3294185420"/>
+      </p:ext>
+    </p:extLst>
+  </p:cSld>
+  <p:clrMapOvr>
+    <a:masterClrMapping/>
+  </p:clrMapOvr>
+</p:sld>
+</file>
+
+<file path=ppt/slides/slide20.xml><?xml version="1.0" encoding="utf-8"?>
 <p:sld xmlns:a="http://schemas.openxmlformats.org/drawingml/2006/main" xmlns:r="http://schemas.openxmlformats.org/officeDocument/2006/relationships" xmlns:p="http://schemas.openxmlformats.org/presentationml/2006/main">
   <p:cSld>
     <p:spTree>
@@ -9819,7 +12240,7 @@
 </p:sld>
 </file>
 
-<file path=ppt/slides/slide19.xml><?xml version="1.0" encoding="utf-8"?>
+<file path=ppt/slides/slide21.xml><?xml version="1.0" encoding="utf-8"?>
 <p:sld xmlns:a="http://schemas.openxmlformats.org/drawingml/2006/main" xmlns:r="http://schemas.openxmlformats.org/officeDocument/2006/relationships" xmlns:p="http://schemas.openxmlformats.org/presentationml/2006/main">
   <p:cSld>
     <p:spTree>
@@ -11011,12 +13432,18 @@
 </p:sld>
 </file>
 
-<file path=ppt/slides/slide2.xml><?xml version="1.0" encoding="utf-8"?>
+<file path=ppt/slides/slide22.xml><?xml version="1.0" encoding="utf-8"?>
 <p:sld xmlns:a="http://schemas.openxmlformats.org/drawingml/2006/main" xmlns:r="http://schemas.openxmlformats.org/officeDocument/2006/relationships" xmlns:p="http://schemas.openxmlformats.org/presentationml/2006/main">
   <p:cSld>
     <p:spTree>
       <p:nvGrpSpPr>
-        <p:cNvPr id="1" name=""/>
+        <p:cNvPr id="1" name="">
+          <a:extLst>
+            <a:ext uri="{FF2B5EF4-FFF2-40B4-BE49-F238E27FC236}">
+              <a16:creationId xmlns:a16="http://schemas.microsoft.com/office/drawing/2014/main" id="{DDF1074C-10B2-7209-3DD2-9E903BE93814}"/>
+            </a:ext>
+          </a:extLst>
+        </p:cNvPr>
         <p:cNvGrpSpPr/>
         <p:nvPr/>
       </p:nvGrpSpPr>
@@ -11030,10 +13457,10 @@
       </p:grpSpPr>
       <p:sp>
         <p:nvSpPr>
-          <p:cNvPr id="6" name="Rectangle 5">
-            <a:extLst>
-              <a:ext uri="{FF2B5EF4-FFF2-40B4-BE49-F238E27FC236}">
-                <a16:creationId xmlns:a16="http://schemas.microsoft.com/office/drawing/2014/main" id="{05CC7DF3-D1AF-722B-182D-F6B27D25CB20}"/>
+          <p:cNvPr id="21" name="Rectangle 20">
+            <a:extLst>
+              <a:ext uri="{FF2B5EF4-FFF2-40B4-BE49-F238E27FC236}">
+                <a16:creationId xmlns:a16="http://schemas.microsoft.com/office/drawing/2014/main" id="{92E740B9-7E3A-6026-459E-B359206927FD}"/>
               </a:ext>
             </a:extLst>
           </p:cNvPr>
@@ -11042,8 +13469,8 @@
         </p:nvSpPr>
         <p:spPr>
           <a:xfrm>
-            <a:off x="7846142" y="0"/>
-            <a:ext cx="4345857" cy="6858000"/>
+            <a:off x="8634581" y="0"/>
+            <a:ext cx="3557418" cy="6858000"/>
           </a:xfrm>
           <a:prstGeom prst="rect">
             <a:avLst/>
@@ -11082,10 +13509,10 @@
       </p:sp>
       <p:sp>
         <p:nvSpPr>
-          <p:cNvPr id="4" name="TextBox 3">
-            <a:extLst>
-              <a:ext uri="{FF2B5EF4-FFF2-40B4-BE49-F238E27FC236}">
-                <a16:creationId xmlns:a16="http://schemas.microsoft.com/office/drawing/2014/main" id="{9430201B-88D4-4A70-4B46-066FA1B4E4FC}"/>
+          <p:cNvPr id="2" name="TextBox 1">
+            <a:extLst>
+              <a:ext uri="{FF2B5EF4-FFF2-40B4-BE49-F238E27FC236}">
+                <a16:creationId xmlns:a16="http://schemas.microsoft.com/office/drawing/2014/main" id="{085A527B-F14E-0C5B-5A3A-9BDC0E216D33}"/>
               </a:ext>
             </a:extLst>
           </p:cNvPr>
@@ -11094,8 +13521,8 @@
         </p:nvSpPr>
         <p:spPr>
           <a:xfrm>
-            <a:off x="176981" y="1344452"/>
-            <a:ext cx="6882581" cy="4278094"/>
+            <a:off x="137652" y="48592"/>
+            <a:ext cx="3836307" cy="861774"/>
           </a:xfrm>
           <a:prstGeom prst="rect">
             <a:avLst/>
@@ -11103,218 +13530,34 @@
           <a:noFill/>
         </p:spPr>
         <p:txBody>
-          <a:bodyPr wrap="square" rtlCol="0">
+          <a:bodyPr wrap="none" rtlCol="0">
             <a:spAutoFit/>
           </a:bodyPr>
           <a:lstStyle/>
           <a:p>
-            <a:pPr marL="457200" indent="-457200">
-              <a:buFont typeface="+mj-lt"/>
-              <a:buAutoNum type="arabicPeriod"/>
-            </a:pPr>
-            <a:r>
-              <a:rPr lang="pt-BR" sz="1600" b="1" dirty="0">
-                <a:latin typeface="Nunito Sans Normal" pitchFamily="2" charset="0"/>
-              </a:rPr>
-              <a:t>Problem Definition</a:t>
-            </a:r>
-          </a:p>
-          <a:p>
-            <a:pPr lvl="1"/>
-            <a:r>
-              <a:rPr lang="pt-BR" sz="1600" b="1" dirty="0">
-                <a:latin typeface="Nunito Sans Normal" pitchFamily="2" charset="0"/>
-              </a:rPr>
-              <a:t>	</a:t>
-            </a:r>
-            <a:r>
-              <a:rPr lang="pt-BR" sz="1600" dirty="0">
-                <a:latin typeface="Nunito Sans Normal" pitchFamily="2" charset="0"/>
-              </a:rPr>
-              <a:t>1.1 Dataset Attributes</a:t>
-            </a:r>
-          </a:p>
-          <a:p>
-            <a:pPr lvl="1"/>
-            <a:r>
-              <a:rPr lang="pt-BR" sz="1600" dirty="0">
-                <a:latin typeface="Nunito Sans Normal" pitchFamily="2" charset="0"/>
-              </a:rPr>
-              <a:t>	1.2 Objective and Key Questions</a:t>
-            </a:r>
-          </a:p>
-          <a:p>
-            <a:pPr lvl="1"/>
-            <a:r>
-              <a:rPr lang="pt-BR" sz="1600" dirty="0">
-                <a:latin typeface="Nunito Sans Normal" pitchFamily="2" charset="0"/>
-              </a:rPr>
-              <a:t>	1.3 Technologies and Programming Language</a:t>
-            </a:r>
-          </a:p>
-          <a:p>
-            <a:pPr lvl="1"/>
-            <a:endParaRPr lang="pt-BR" sz="1600" dirty="0">
-              <a:latin typeface="Nunito Sans Normal" pitchFamily="2" charset="0"/>
-            </a:endParaRPr>
-          </a:p>
-          <a:p>
-            <a:pPr marL="457200" indent="-457200">
-              <a:buAutoNum type="arabicPeriod"/>
-            </a:pPr>
-            <a:r>
-              <a:rPr lang="pt-BR" sz="1600" b="1" dirty="0">
-                <a:latin typeface="Nunito Sans Normal" pitchFamily="2" charset="0"/>
-              </a:rPr>
-              <a:t>First Steps</a:t>
-            </a:r>
-          </a:p>
-          <a:p>
-            <a:pPr lvl="1"/>
-            <a:endParaRPr lang="pt-BR" sz="1600" dirty="0">
-              <a:latin typeface="Nunito Sans Normal" pitchFamily="2" charset="0"/>
-            </a:endParaRPr>
-          </a:p>
-          <a:p>
-            <a:pPr marL="457200" indent="-457200">
-              <a:buAutoNum type="arabicPeriod"/>
-            </a:pPr>
-            <a:r>
-              <a:rPr lang="pt-BR" sz="1600" b="1" dirty="0">
-                <a:latin typeface="Nunito Sans Normal" pitchFamily="2" charset="0"/>
-              </a:rPr>
-              <a:t>Data GAP</a:t>
-            </a:r>
-          </a:p>
-          <a:p>
-            <a:pPr lvl="1"/>
-            <a:endParaRPr lang="pt-BR" sz="1600" dirty="0">
-              <a:latin typeface="Nunito Sans Normal" pitchFamily="2" charset="0"/>
-            </a:endParaRPr>
-          </a:p>
-          <a:p>
-            <a:pPr marL="457200" indent="-457200">
-              <a:buAutoNum type="arabicPeriod"/>
-            </a:pPr>
-            <a:r>
-              <a:rPr lang="pt-BR" sz="1600" b="1" dirty="0">
-                <a:latin typeface="Nunito Sans Normal" pitchFamily="2" charset="0"/>
-              </a:rPr>
-              <a:t>Data Analysis</a:t>
-            </a:r>
-          </a:p>
-          <a:p>
-            <a:pPr lvl="2"/>
-            <a:r>
-              <a:rPr lang="pt-BR" sz="1600" dirty="0">
-                <a:latin typeface="Nunito Sans Normal" pitchFamily="2" charset="0"/>
-              </a:rPr>
-              <a:t>4.1 Valuable Users</a:t>
-            </a:r>
-          </a:p>
-          <a:p>
-            <a:pPr lvl="2"/>
-            <a:r>
-              <a:rPr lang="pt-BR" sz="1600" dirty="0">
-                <a:latin typeface="Nunito Sans Normal" pitchFamily="2" charset="0"/>
-              </a:rPr>
-              <a:t>4.2 Channels &amp; Valuable Users</a:t>
-            </a:r>
-          </a:p>
-          <a:p>
-            <a:pPr lvl="2"/>
-            <a:r>
-              <a:rPr lang="pt-BR" sz="1600" dirty="0">
-                <a:latin typeface="Nunito Sans Normal" pitchFamily="2" charset="0"/>
-              </a:rPr>
-              <a:t>4.3 Convertion Rate</a:t>
-            </a:r>
-          </a:p>
-          <a:p>
-            <a:pPr lvl="2"/>
-            <a:r>
-              <a:rPr lang="pt-BR" sz="1600" dirty="0">
-                <a:latin typeface="Nunito Sans Normal" pitchFamily="2" charset="0"/>
-              </a:rPr>
-              <a:t>4.4 Recommendations</a:t>
-            </a:r>
-          </a:p>
-          <a:p>
-            <a:pPr lvl="1"/>
-            <a:endParaRPr lang="pt-BR" sz="1600" dirty="0">
-              <a:latin typeface="Nunito Sans Normal" pitchFamily="2" charset="0"/>
-            </a:endParaRPr>
-          </a:p>
-          <a:p>
-            <a:pPr marL="457200" indent="-457200">
-              <a:buFont typeface="+mj-lt"/>
-              <a:buAutoNum type="arabicPeriod"/>
-            </a:pPr>
-            <a:r>
-              <a:rPr lang="pt-BR" sz="1600" b="1" dirty="0">
-                <a:latin typeface="Nunito Sans Normal" pitchFamily="2" charset="0"/>
-              </a:rPr>
-              <a:t>Predictive Modeling</a:t>
-            </a:r>
-          </a:p>
-          <a:p>
-            <a:pPr marL="457200" indent="-457200">
-              <a:buFont typeface="+mj-lt"/>
-              <a:buAutoNum type="arabicPeriod"/>
-            </a:pPr>
-            <a:endParaRPr lang="pt-BR" sz="1600" dirty="0">
-              <a:latin typeface="Nunito Sans Normal" pitchFamily="2" charset="0"/>
-            </a:endParaRPr>
-          </a:p>
-        </p:txBody>
-      </p:sp>
-      <p:sp>
-        <p:nvSpPr>
-          <p:cNvPr id="3" name="TextBox 2">
-            <a:extLst>
-              <a:ext uri="{FF2B5EF4-FFF2-40B4-BE49-F238E27FC236}">
-                <a16:creationId xmlns:a16="http://schemas.microsoft.com/office/drawing/2014/main" id="{6005DEB9-7AB9-EE71-2DA6-8D98DE683D63}"/>
-              </a:ext>
-            </a:extLst>
-          </p:cNvPr>
-          <p:cNvSpPr txBox="1"/>
-          <p:nvPr/>
-        </p:nvSpPr>
-        <p:spPr>
-          <a:xfrm>
-            <a:off x="2863645" y="200188"/>
-            <a:ext cx="2261419" cy="646331"/>
-          </a:xfrm>
-          <a:prstGeom prst="rect">
-            <a:avLst/>
-          </a:prstGeom>
-          <a:noFill/>
-        </p:spPr>
-        <p:txBody>
-          <a:bodyPr wrap="square">
-            <a:spAutoFit/>
-          </a:bodyPr>
-          <a:lstStyle/>
-          <a:p>
-            <a:pPr algn="ctr"/>
-            <a:r>
-              <a:rPr lang="pt-BR" sz="3600" b="1" dirty="0">
-                <a:latin typeface="Nunito Sans Normal" pitchFamily="2" charset="0"/>
-              </a:rPr>
-              <a:t>INDEX</a:t>
-            </a:r>
-            <a:endParaRPr lang="pt-BR" sz="2400" b="1" dirty="0">
-              <a:latin typeface="Nunito Sans Normal" pitchFamily="2" charset="0"/>
-            </a:endParaRPr>
+            <a:r>
+              <a:rPr lang="pt-BR" sz="3200" b="1" dirty="0">
+                <a:latin typeface="Nunito Sans Normal" pitchFamily="2" charset="0"/>
+              </a:rPr>
+              <a:t>4. DATA ANALYSIS</a:t>
+            </a:r>
+          </a:p>
+          <a:p>
+            <a:r>
+              <a:rPr lang="pt-BR" dirty="0">
+                <a:latin typeface="Nunito Sans Normal" pitchFamily="2" charset="0"/>
+              </a:rPr>
+              <a:t>4.1 VALUEABLE USERS</a:t>
+            </a:r>
           </a:p>
         </p:txBody>
       </p:sp>
       <p:pic>
         <p:nvPicPr>
-          <p:cNvPr id="1026" name="Picture 2" descr="FabFitFun - Beauty, Fitness, Lifestyle">
-            <a:extLst>
-              <a:ext uri="{FF2B5EF4-FFF2-40B4-BE49-F238E27FC236}">
-                <a16:creationId xmlns:a16="http://schemas.microsoft.com/office/drawing/2014/main" id="{5264F99C-3745-DC5D-0BC5-F5B5A7511BB5}"/>
+          <p:cNvPr id="17" name="Picture 2" descr="FabFitFun - Beauty, Fitness, Lifestyle">
+            <a:extLst>
+              <a:ext uri="{FF2B5EF4-FFF2-40B4-BE49-F238E27FC236}">
+                <a16:creationId xmlns:a16="http://schemas.microsoft.com/office/drawing/2014/main" id="{6D63A3C5-F85B-D6F3-4B32-FD253C6DD4BB}"/>
               </a:ext>
             </a:extLst>
           </p:cNvPr>
@@ -11356,186 +13599,6 @@
           </a:extLst>
         </p:spPr>
       </p:pic>
-    </p:spTree>
-    <p:extLst>
-      <p:ext uri="{BB962C8B-B14F-4D97-AF65-F5344CB8AC3E}">
-        <p14:creationId xmlns:p14="http://schemas.microsoft.com/office/powerpoint/2010/main" val="3294185420"/>
-      </p:ext>
-    </p:extLst>
-  </p:cSld>
-  <p:clrMapOvr>
-    <a:masterClrMapping/>
-  </p:clrMapOvr>
-</p:sld>
-</file>
-
-<file path=ppt/slides/slide20.xml><?xml version="1.0" encoding="utf-8"?>
-<p:sld xmlns:a="http://schemas.openxmlformats.org/drawingml/2006/main" xmlns:r="http://schemas.openxmlformats.org/officeDocument/2006/relationships" xmlns:p="http://schemas.openxmlformats.org/presentationml/2006/main">
-  <p:cSld>
-    <p:spTree>
-      <p:nvGrpSpPr>
-        <p:cNvPr id="1" name="">
-          <a:extLst>
-            <a:ext uri="{FF2B5EF4-FFF2-40B4-BE49-F238E27FC236}">
-              <a16:creationId xmlns:a16="http://schemas.microsoft.com/office/drawing/2014/main" id="{DDF1074C-10B2-7209-3DD2-9E903BE93814}"/>
-            </a:ext>
-          </a:extLst>
-        </p:cNvPr>
-        <p:cNvGrpSpPr/>
-        <p:nvPr/>
-      </p:nvGrpSpPr>
-      <p:grpSpPr>
-        <a:xfrm>
-          <a:off x="0" y="0"/>
-          <a:ext cx="0" cy="0"/>
-          <a:chOff x="0" y="0"/>
-          <a:chExt cx="0" cy="0"/>
-        </a:xfrm>
-      </p:grpSpPr>
-      <p:sp>
-        <p:nvSpPr>
-          <p:cNvPr id="21" name="Rectangle 20">
-            <a:extLst>
-              <a:ext uri="{FF2B5EF4-FFF2-40B4-BE49-F238E27FC236}">
-                <a16:creationId xmlns:a16="http://schemas.microsoft.com/office/drawing/2014/main" id="{92E740B9-7E3A-6026-459E-B359206927FD}"/>
-              </a:ext>
-            </a:extLst>
-          </p:cNvPr>
-          <p:cNvSpPr/>
-          <p:nvPr/>
-        </p:nvSpPr>
-        <p:spPr>
-          <a:xfrm>
-            <a:off x="8634581" y="0"/>
-            <a:ext cx="3557418" cy="6858000"/>
-          </a:xfrm>
-          <a:prstGeom prst="rect">
-            <a:avLst/>
-          </a:prstGeom>
-          <a:solidFill>
-            <a:srgbClr val="FEBAA8"/>
-          </a:solidFill>
-          <a:ln>
-            <a:noFill/>
-          </a:ln>
-        </p:spPr>
-        <p:style>
-          <a:lnRef idx="2">
-            <a:schemeClr val="accent1">
-              <a:shade val="15000"/>
-            </a:schemeClr>
-          </a:lnRef>
-          <a:fillRef idx="1">
-            <a:schemeClr val="accent1"/>
-          </a:fillRef>
-          <a:effectRef idx="0">
-            <a:schemeClr val="accent1"/>
-          </a:effectRef>
-          <a:fontRef idx="minor">
-            <a:schemeClr val="lt1"/>
-          </a:fontRef>
-        </p:style>
-        <p:txBody>
-          <a:bodyPr rtlCol="0" anchor="ctr"/>
-          <a:lstStyle/>
-          <a:p>
-            <a:pPr algn="ctr"/>
-            <a:endParaRPr lang="pt-BR"/>
-          </a:p>
-        </p:txBody>
-      </p:sp>
-      <p:sp>
-        <p:nvSpPr>
-          <p:cNvPr id="2" name="TextBox 1">
-            <a:extLst>
-              <a:ext uri="{FF2B5EF4-FFF2-40B4-BE49-F238E27FC236}">
-                <a16:creationId xmlns:a16="http://schemas.microsoft.com/office/drawing/2014/main" id="{085A527B-F14E-0C5B-5A3A-9BDC0E216D33}"/>
-              </a:ext>
-            </a:extLst>
-          </p:cNvPr>
-          <p:cNvSpPr txBox="1"/>
-          <p:nvPr/>
-        </p:nvSpPr>
-        <p:spPr>
-          <a:xfrm>
-            <a:off x="137652" y="48592"/>
-            <a:ext cx="3836307" cy="861774"/>
-          </a:xfrm>
-          <a:prstGeom prst="rect">
-            <a:avLst/>
-          </a:prstGeom>
-          <a:noFill/>
-        </p:spPr>
-        <p:txBody>
-          <a:bodyPr wrap="none" rtlCol="0">
-            <a:spAutoFit/>
-          </a:bodyPr>
-          <a:lstStyle/>
-          <a:p>
-            <a:r>
-              <a:rPr lang="pt-BR" sz="3200" b="1" dirty="0">
-                <a:latin typeface="Nunito Sans Normal" pitchFamily="2" charset="0"/>
-              </a:rPr>
-              <a:t>4. DATA ANALYSIS</a:t>
-            </a:r>
-          </a:p>
-          <a:p>
-            <a:r>
-              <a:rPr lang="pt-BR" dirty="0">
-                <a:latin typeface="Nunito Sans Normal" pitchFamily="2" charset="0"/>
-              </a:rPr>
-              <a:t>4.1 VALUEABLE USERS</a:t>
-            </a:r>
-          </a:p>
-        </p:txBody>
-      </p:sp>
-      <p:pic>
-        <p:nvPicPr>
-          <p:cNvPr id="17" name="Picture 2" descr="FabFitFun - Beauty, Fitness, Lifestyle">
-            <a:extLst>
-              <a:ext uri="{FF2B5EF4-FFF2-40B4-BE49-F238E27FC236}">
-                <a16:creationId xmlns:a16="http://schemas.microsoft.com/office/drawing/2014/main" id="{6D63A3C5-F85B-D6F3-4B32-FD253C6DD4BB}"/>
-              </a:ext>
-            </a:extLst>
-          </p:cNvPr>
-          <p:cNvPicPr>
-            <a:picLocks noChangeAspect="1" noChangeArrowheads="1"/>
-          </p:cNvPicPr>
-          <p:nvPr/>
-        </p:nvPicPr>
-        <p:blipFill>
-          <a:blip r:embed="rId3">
-            <a:extLst>
-              <a:ext uri="{28A0092B-C50C-407E-A947-70E740481C1C}">
-                <a14:useLocalDpi xmlns:a14="http://schemas.microsoft.com/office/drawing/2010/main" val="0"/>
-              </a:ext>
-            </a:extLst>
-          </a:blip>
-          <a:srcRect/>
-          <a:stretch>
-            <a:fillRect/>
-          </a:stretch>
-        </p:blipFill>
-        <p:spPr bwMode="auto">
-          <a:xfrm>
-            <a:off x="10053486" y="5886204"/>
-            <a:ext cx="1759973" cy="725989"/>
-          </a:xfrm>
-          <a:prstGeom prst="rect">
-            <a:avLst/>
-          </a:prstGeom>
-          <a:noFill/>
-          <a:extLst>
-            <a:ext uri="{909E8E84-426E-40DD-AFC4-6F175D3DCCD1}">
-              <a14:hiddenFill xmlns:a14="http://schemas.microsoft.com/office/drawing/2010/main">
-                <a:solidFill>
-                  <a:srgbClr val="FFFFFF"/>
-                </a:solidFill>
-              </a14:hiddenFill>
-            </a:ext>
-          </a:extLst>
-        </p:spPr>
-      </p:pic>
       <p:sp>
         <p:nvSpPr>
           <p:cNvPr id="18" name="TextBox 17">
@@ -11795,7 +13858,7 @@
 </p:sld>
 </file>
 
-<file path=ppt/slides/slide21.xml><?xml version="1.0" encoding="utf-8"?>
+<file path=ppt/slides/slide23.xml><?xml version="1.0" encoding="utf-8"?>
 <p:sld xmlns:a="http://schemas.openxmlformats.org/drawingml/2006/main" xmlns:r="http://schemas.openxmlformats.org/officeDocument/2006/relationships" xmlns:p="http://schemas.openxmlformats.org/presentationml/2006/main">
   <p:cSld>
     <p:spTree>
@@ -13820,227 +15883,7 @@
 </p:sld>
 </file>
 
-<file path=ppt/slides/slide22.xml><?xml version="1.0" encoding="utf-8"?>
-<p:sld xmlns:a="http://schemas.openxmlformats.org/drawingml/2006/main" xmlns:r="http://schemas.openxmlformats.org/officeDocument/2006/relationships" xmlns:p="http://schemas.openxmlformats.org/presentationml/2006/main">
-  <p:cSld>
-    <p:spTree>
-      <p:nvGrpSpPr>
-        <p:cNvPr id="1" name="">
-          <a:extLst>
-            <a:ext uri="{FF2B5EF4-FFF2-40B4-BE49-F238E27FC236}">
-              <a16:creationId xmlns:a16="http://schemas.microsoft.com/office/drawing/2014/main" id="{DD226482-AC4D-0739-3DD4-FE462C660585}"/>
-            </a:ext>
-          </a:extLst>
-        </p:cNvPr>
-        <p:cNvGrpSpPr/>
-        <p:nvPr/>
-      </p:nvGrpSpPr>
-      <p:grpSpPr>
-        <a:xfrm>
-          <a:off x="0" y="0"/>
-          <a:ext cx="0" cy="0"/>
-          <a:chOff x="0" y="0"/>
-          <a:chExt cx="0" cy="0"/>
-        </a:xfrm>
-      </p:grpSpPr>
-      <p:sp>
-        <p:nvSpPr>
-          <p:cNvPr id="2" name="TextBox 1">
-            <a:extLst>
-              <a:ext uri="{FF2B5EF4-FFF2-40B4-BE49-F238E27FC236}">
-                <a16:creationId xmlns:a16="http://schemas.microsoft.com/office/drawing/2014/main" id="{13D0CF57-DC9E-C135-25BA-59ED3520C858}"/>
-              </a:ext>
-            </a:extLst>
-          </p:cNvPr>
-          <p:cNvSpPr txBox="1"/>
-          <p:nvPr/>
-        </p:nvSpPr>
-        <p:spPr>
-          <a:xfrm>
-            <a:off x="137652" y="48592"/>
-            <a:ext cx="7503977" cy="861774"/>
-          </a:xfrm>
-          <a:prstGeom prst="rect">
-            <a:avLst/>
-          </a:prstGeom>
-          <a:noFill/>
-        </p:spPr>
-        <p:txBody>
-          <a:bodyPr wrap="none" rtlCol="0">
-            <a:spAutoFit/>
-          </a:bodyPr>
-          <a:lstStyle/>
-          <a:p>
-            <a:r>
-              <a:rPr lang="pt-BR" sz="3200" b="1" dirty="0">
-                <a:latin typeface="Nunito Sans Normal" pitchFamily="2" charset="0"/>
-              </a:rPr>
-              <a:t>4. DATA ANALYSIS</a:t>
-            </a:r>
-          </a:p>
-          <a:p>
-            <a:r>
-              <a:rPr lang="pt-BR" dirty="0">
-                <a:latin typeface="Nunito Sans Normal" pitchFamily="2" charset="0"/>
-              </a:rPr>
-              <a:t>4.2 DIFFERENCE BETWEEN VALUEABLE USERS AND OTHER USERS</a:t>
-            </a:r>
-          </a:p>
-        </p:txBody>
-      </p:sp>
-      <p:pic>
-        <p:nvPicPr>
-          <p:cNvPr id="17" name="Picture 2" descr="FabFitFun - Beauty, Fitness, Lifestyle">
-            <a:extLst>
-              <a:ext uri="{FF2B5EF4-FFF2-40B4-BE49-F238E27FC236}">
-                <a16:creationId xmlns:a16="http://schemas.microsoft.com/office/drawing/2014/main" id="{F739D6EE-9C4F-5F20-4EAC-BC1F9AA3ED40}"/>
-              </a:ext>
-            </a:extLst>
-          </p:cNvPr>
-          <p:cNvPicPr>
-            <a:picLocks noChangeAspect="1" noChangeArrowheads="1"/>
-          </p:cNvPicPr>
-          <p:nvPr/>
-        </p:nvPicPr>
-        <p:blipFill>
-          <a:blip r:embed="rId2">
-            <a:extLst>
-              <a:ext uri="{28A0092B-C50C-407E-A947-70E740481C1C}">
-                <a14:useLocalDpi xmlns:a14="http://schemas.microsoft.com/office/drawing/2010/main" val="0"/>
-              </a:ext>
-            </a:extLst>
-          </a:blip>
-          <a:srcRect/>
-          <a:stretch>
-            <a:fillRect/>
-          </a:stretch>
-        </p:blipFill>
-        <p:spPr bwMode="auto">
-          <a:xfrm>
-            <a:off x="10053486" y="5886204"/>
-            <a:ext cx="1759973" cy="725989"/>
-          </a:xfrm>
-          <a:prstGeom prst="rect">
-            <a:avLst/>
-          </a:prstGeom>
-          <a:noFill/>
-          <a:extLst>
-            <a:ext uri="{909E8E84-426E-40DD-AFC4-6F175D3DCCD1}">
-              <a14:hiddenFill xmlns:a14="http://schemas.microsoft.com/office/drawing/2010/main">
-                <a:solidFill>
-                  <a:srgbClr val="FFFFFF"/>
-                </a:solidFill>
-              </a14:hiddenFill>
-            </a:ext>
-          </a:extLst>
-        </p:spPr>
-      </p:pic>
-      <p:pic>
-        <p:nvPicPr>
-          <p:cNvPr id="9" name="Picture 8">
-            <a:extLst>
-              <a:ext uri="{FF2B5EF4-FFF2-40B4-BE49-F238E27FC236}">
-                <a16:creationId xmlns:a16="http://schemas.microsoft.com/office/drawing/2014/main" id="{00F9885E-A86B-F76E-E4D9-169BC5B3EFE8}"/>
-              </a:ext>
-            </a:extLst>
-          </p:cNvPr>
-          <p:cNvPicPr>
-            <a:picLocks noChangeAspect="1"/>
-          </p:cNvPicPr>
-          <p:nvPr/>
-        </p:nvPicPr>
-        <p:blipFill>
-          <a:blip r:embed="rId3"/>
-          <a:stretch>
-            <a:fillRect/>
-          </a:stretch>
-        </p:blipFill>
-        <p:spPr>
-          <a:xfrm>
-            <a:off x="739739" y="1327792"/>
-            <a:ext cx="10553568" cy="3857649"/>
-          </a:xfrm>
-          <a:prstGeom prst="rect">
-            <a:avLst/>
-          </a:prstGeom>
-        </p:spPr>
-      </p:pic>
-      <p:sp>
-        <p:nvSpPr>
-          <p:cNvPr id="11" name="TextBox 10">
-            <a:extLst>
-              <a:ext uri="{FF2B5EF4-FFF2-40B4-BE49-F238E27FC236}">
-                <a16:creationId xmlns:a16="http://schemas.microsoft.com/office/drawing/2014/main" id="{016F88F5-8605-8D8E-3C64-474FE28ADFBE}"/>
-              </a:ext>
-            </a:extLst>
-          </p:cNvPr>
-          <p:cNvSpPr txBox="1"/>
-          <p:nvPr/>
-        </p:nvSpPr>
-        <p:spPr>
-          <a:xfrm>
-            <a:off x="137652" y="5602867"/>
-            <a:ext cx="9129638" cy="646331"/>
-          </a:xfrm>
-          <a:prstGeom prst="rect">
-            <a:avLst/>
-          </a:prstGeom>
-          <a:noFill/>
-        </p:spPr>
-        <p:txBody>
-          <a:bodyPr wrap="square">
-            <a:spAutoFit/>
-          </a:bodyPr>
-          <a:lstStyle/>
-          <a:p>
-            <a:r>
-              <a:rPr lang="pt-BR" b="1" dirty="0">
-                <a:latin typeface="Nunito Sans Normal" pitchFamily="2" charset="0"/>
-              </a:rPr>
-              <a:t>Most of the features doesn’t represent much </a:t>
-            </a:r>
-            <a:r>
-              <a:rPr lang="pt-BR" dirty="0">
-                <a:latin typeface="Nunito Sans Normal" pitchFamily="2" charset="0"/>
-              </a:rPr>
-              <a:t>of the differences between clusters. Let’s create a </a:t>
-            </a:r>
-            <a:r>
-              <a:rPr lang="pt-BR" b="1" dirty="0">
-                <a:latin typeface="Nunito Sans Normal" pitchFamily="2" charset="0"/>
-              </a:rPr>
-              <a:t>threshold</a:t>
-            </a:r>
-            <a:r>
-              <a:rPr lang="pt-BR" dirty="0">
-                <a:latin typeface="Nunito Sans Normal" pitchFamily="2" charset="0"/>
-              </a:rPr>
-              <a:t> for over </a:t>
-            </a:r>
-            <a:r>
-              <a:rPr lang="pt-BR" b="1" dirty="0">
-                <a:latin typeface="Nunito Sans Normal" pitchFamily="2" charset="0"/>
-              </a:rPr>
-              <a:t>3% to consider as an important feature</a:t>
-            </a:r>
-            <a:endParaRPr lang="pt-BR" b="1" dirty="0"/>
-          </a:p>
-        </p:txBody>
-      </p:sp>
-    </p:spTree>
-    <p:extLst>
-      <p:ext uri="{BB962C8B-B14F-4D97-AF65-F5344CB8AC3E}">
-        <p14:creationId xmlns:p14="http://schemas.microsoft.com/office/powerpoint/2010/main" val="3459575853"/>
-      </p:ext>
-    </p:extLst>
-  </p:cSld>
-  <p:clrMapOvr>
-    <a:masterClrMapping/>
-  </p:clrMapOvr>
-</p:sld>
-</file>
-
-<file path=ppt/slides/slide23.xml><?xml version="1.0" encoding="utf-8"?>
+<file path=ppt/slides/slide24.xml><?xml version="1.0" encoding="utf-8"?>
 <p:sld xmlns:a="http://schemas.openxmlformats.org/drawingml/2006/main" xmlns:r="http://schemas.openxmlformats.org/officeDocument/2006/relationships" xmlns:p="http://schemas.openxmlformats.org/presentationml/2006/main">
   <p:cSld>
     <p:spTree>
@@ -14342,7 +16185,227 @@
 </p:sld>
 </file>
 
-<file path=ppt/slides/slide24.xml><?xml version="1.0" encoding="utf-8"?>
+<file path=ppt/slides/slide25.xml><?xml version="1.0" encoding="utf-8"?>
+<p:sld xmlns:a="http://schemas.openxmlformats.org/drawingml/2006/main" xmlns:r="http://schemas.openxmlformats.org/officeDocument/2006/relationships" xmlns:p="http://schemas.openxmlformats.org/presentationml/2006/main">
+  <p:cSld>
+    <p:spTree>
+      <p:nvGrpSpPr>
+        <p:cNvPr id="1" name="">
+          <a:extLst>
+            <a:ext uri="{FF2B5EF4-FFF2-40B4-BE49-F238E27FC236}">
+              <a16:creationId xmlns:a16="http://schemas.microsoft.com/office/drawing/2014/main" id="{DD226482-AC4D-0739-3DD4-FE462C660585}"/>
+            </a:ext>
+          </a:extLst>
+        </p:cNvPr>
+        <p:cNvGrpSpPr/>
+        <p:nvPr/>
+      </p:nvGrpSpPr>
+      <p:grpSpPr>
+        <a:xfrm>
+          <a:off x="0" y="0"/>
+          <a:ext cx="0" cy="0"/>
+          <a:chOff x="0" y="0"/>
+          <a:chExt cx="0" cy="0"/>
+        </a:xfrm>
+      </p:grpSpPr>
+      <p:sp>
+        <p:nvSpPr>
+          <p:cNvPr id="2" name="TextBox 1">
+            <a:extLst>
+              <a:ext uri="{FF2B5EF4-FFF2-40B4-BE49-F238E27FC236}">
+                <a16:creationId xmlns:a16="http://schemas.microsoft.com/office/drawing/2014/main" id="{13D0CF57-DC9E-C135-25BA-59ED3520C858}"/>
+              </a:ext>
+            </a:extLst>
+          </p:cNvPr>
+          <p:cNvSpPr txBox="1"/>
+          <p:nvPr/>
+        </p:nvSpPr>
+        <p:spPr>
+          <a:xfrm>
+            <a:off x="137652" y="48592"/>
+            <a:ext cx="7503977" cy="861774"/>
+          </a:xfrm>
+          <a:prstGeom prst="rect">
+            <a:avLst/>
+          </a:prstGeom>
+          <a:noFill/>
+        </p:spPr>
+        <p:txBody>
+          <a:bodyPr wrap="none" rtlCol="0">
+            <a:spAutoFit/>
+          </a:bodyPr>
+          <a:lstStyle/>
+          <a:p>
+            <a:r>
+              <a:rPr lang="pt-BR" sz="3200" b="1" dirty="0">
+                <a:latin typeface="Nunito Sans Normal" pitchFamily="2" charset="0"/>
+              </a:rPr>
+              <a:t>4. DATA ANALYSIS</a:t>
+            </a:r>
+          </a:p>
+          <a:p>
+            <a:r>
+              <a:rPr lang="pt-BR" dirty="0">
+                <a:latin typeface="Nunito Sans Normal" pitchFamily="2" charset="0"/>
+              </a:rPr>
+              <a:t>4.2 DIFFERENCE BETWEEN VALUEABLE USERS AND OTHER USERS</a:t>
+            </a:r>
+          </a:p>
+        </p:txBody>
+      </p:sp>
+      <p:pic>
+        <p:nvPicPr>
+          <p:cNvPr id="17" name="Picture 2" descr="FabFitFun - Beauty, Fitness, Lifestyle">
+            <a:extLst>
+              <a:ext uri="{FF2B5EF4-FFF2-40B4-BE49-F238E27FC236}">
+                <a16:creationId xmlns:a16="http://schemas.microsoft.com/office/drawing/2014/main" id="{F739D6EE-9C4F-5F20-4EAC-BC1F9AA3ED40}"/>
+              </a:ext>
+            </a:extLst>
+          </p:cNvPr>
+          <p:cNvPicPr>
+            <a:picLocks noChangeAspect="1" noChangeArrowheads="1"/>
+          </p:cNvPicPr>
+          <p:nvPr/>
+        </p:nvPicPr>
+        <p:blipFill>
+          <a:blip r:embed="rId3">
+            <a:extLst>
+              <a:ext uri="{28A0092B-C50C-407E-A947-70E740481C1C}">
+                <a14:useLocalDpi xmlns:a14="http://schemas.microsoft.com/office/drawing/2010/main" val="0"/>
+              </a:ext>
+            </a:extLst>
+          </a:blip>
+          <a:srcRect/>
+          <a:stretch>
+            <a:fillRect/>
+          </a:stretch>
+        </p:blipFill>
+        <p:spPr bwMode="auto">
+          <a:xfrm>
+            <a:off x="10053486" y="5886204"/>
+            <a:ext cx="1759973" cy="725989"/>
+          </a:xfrm>
+          <a:prstGeom prst="rect">
+            <a:avLst/>
+          </a:prstGeom>
+          <a:noFill/>
+          <a:extLst>
+            <a:ext uri="{909E8E84-426E-40DD-AFC4-6F175D3DCCD1}">
+              <a14:hiddenFill xmlns:a14="http://schemas.microsoft.com/office/drawing/2010/main">
+                <a:solidFill>
+                  <a:srgbClr val="FFFFFF"/>
+                </a:solidFill>
+              </a14:hiddenFill>
+            </a:ext>
+          </a:extLst>
+        </p:spPr>
+      </p:pic>
+      <p:pic>
+        <p:nvPicPr>
+          <p:cNvPr id="9" name="Picture 8">
+            <a:extLst>
+              <a:ext uri="{FF2B5EF4-FFF2-40B4-BE49-F238E27FC236}">
+                <a16:creationId xmlns:a16="http://schemas.microsoft.com/office/drawing/2014/main" id="{00F9885E-A86B-F76E-E4D9-169BC5B3EFE8}"/>
+              </a:ext>
+            </a:extLst>
+          </p:cNvPr>
+          <p:cNvPicPr>
+            <a:picLocks noChangeAspect="1"/>
+          </p:cNvPicPr>
+          <p:nvPr/>
+        </p:nvPicPr>
+        <p:blipFill>
+          <a:blip r:embed="rId4"/>
+          <a:stretch>
+            <a:fillRect/>
+          </a:stretch>
+        </p:blipFill>
+        <p:spPr>
+          <a:xfrm>
+            <a:off x="739739" y="1327792"/>
+            <a:ext cx="10553568" cy="3857649"/>
+          </a:xfrm>
+          <a:prstGeom prst="rect">
+            <a:avLst/>
+          </a:prstGeom>
+        </p:spPr>
+      </p:pic>
+      <p:sp>
+        <p:nvSpPr>
+          <p:cNvPr id="11" name="TextBox 10">
+            <a:extLst>
+              <a:ext uri="{FF2B5EF4-FFF2-40B4-BE49-F238E27FC236}">
+                <a16:creationId xmlns:a16="http://schemas.microsoft.com/office/drawing/2014/main" id="{016F88F5-8605-8D8E-3C64-474FE28ADFBE}"/>
+              </a:ext>
+            </a:extLst>
+          </p:cNvPr>
+          <p:cNvSpPr txBox="1"/>
+          <p:nvPr/>
+        </p:nvSpPr>
+        <p:spPr>
+          <a:xfrm>
+            <a:off x="137652" y="5602867"/>
+            <a:ext cx="9129638" cy="646331"/>
+          </a:xfrm>
+          <a:prstGeom prst="rect">
+            <a:avLst/>
+          </a:prstGeom>
+          <a:noFill/>
+        </p:spPr>
+        <p:txBody>
+          <a:bodyPr wrap="square">
+            <a:spAutoFit/>
+          </a:bodyPr>
+          <a:lstStyle/>
+          <a:p>
+            <a:r>
+              <a:rPr lang="pt-BR" b="1" dirty="0">
+                <a:latin typeface="Nunito Sans Normal" pitchFamily="2" charset="0"/>
+              </a:rPr>
+              <a:t>Most of the features doesn’t represent much </a:t>
+            </a:r>
+            <a:r>
+              <a:rPr lang="pt-BR" dirty="0">
+                <a:latin typeface="Nunito Sans Normal" pitchFamily="2" charset="0"/>
+              </a:rPr>
+              <a:t>of the differences between clusters. Let’s create a </a:t>
+            </a:r>
+            <a:r>
+              <a:rPr lang="pt-BR" b="1" dirty="0">
+                <a:latin typeface="Nunito Sans Normal" pitchFamily="2" charset="0"/>
+              </a:rPr>
+              <a:t>threshold</a:t>
+            </a:r>
+            <a:r>
+              <a:rPr lang="pt-BR" dirty="0">
+                <a:latin typeface="Nunito Sans Normal" pitchFamily="2" charset="0"/>
+              </a:rPr>
+              <a:t> for over </a:t>
+            </a:r>
+            <a:r>
+              <a:rPr lang="pt-BR" b="1" dirty="0">
+                <a:latin typeface="Nunito Sans Normal" pitchFamily="2" charset="0"/>
+              </a:rPr>
+              <a:t>3% to consider as an important feature</a:t>
+            </a:r>
+            <a:endParaRPr lang="pt-BR" b="1" dirty="0"/>
+          </a:p>
+        </p:txBody>
+      </p:sp>
+    </p:spTree>
+    <p:extLst>
+      <p:ext uri="{BB962C8B-B14F-4D97-AF65-F5344CB8AC3E}">
+        <p14:creationId xmlns:p14="http://schemas.microsoft.com/office/powerpoint/2010/main" val="3459575853"/>
+      </p:ext>
+    </p:extLst>
+  </p:cSld>
+  <p:clrMapOvr>
+    <a:masterClrMapping/>
+  </p:clrMapOvr>
+</p:sld>
+</file>
+
+<file path=ppt/slides/slide26.xml><?xml version="1.0" encoding="utf-8"?>
 <p:sld xmlns:a="http://schemas.openxmlformats.org/drawingml/2006/main" xmlns:r="http://schemas.openxmlformats.org/officeDocument/2006/relationships" xmlns:p="http://schemas.openxmlformats.org/presentationml/2006/main">
   <p:cSld>
     <p:spTree>
@@ -14425,7 +16488,7 @@
           <p:nvPr/>
         </p:nvPicPr>
         <p:blipFill>
-          <a:blip r:embed="rId2">
+          <a:blip r:embed="rId3">
             <a:extLst>
               <a:ext uri="{28A0092B-C50C-407E-A947-70E740481C1C}">
                 <a14:useLocalDpi xmlns:a14="http://schemas.microsoft.com/office/drawing/2010/main" val="0"/>
@@ -14471,8 +16534,8 @@
         </p:nvSpPr>
         <p:spPr>
           <a:xfrm>
-            <a:off x="137652" y="5602867"/>
-            <a:ext cx="9129638" cy="369332"/>
+            <a:off x="137652" y="5198884"/>
+            <a:ext cx="9129638" cy="923330"/>
           </a:xfrm>
           <a:prstGeom prst="rect">
             <a:avLst/>
@@ -14486,12 +16549,33 @@
           <a:lstStyle/>
           <a:p>
             <a:r>
+              <a:rPr lang="pt-BR" dirty="0">
+                <a:latin typeface="Nunito Sans Normal" pitchFamily="2" charset="0"/>
+              </a:rPr>
+              <a:t>Recalculated the new feature importances for the algorithm.</a:t>
+            </a:r>
+          </a:p>
+          <a:p>
+            <a:r>
+              <a:rPr lang="pt-BR" dirty="0">
+                <a:latin typeface="Nunito Sans Normal" pitchFamily="2" charset="0"/>
+              </a:rPr>
+              <a:t>Total revenue is not the main attribute that best divides the cluster, it’s the visits and unique skus, meaning: </a:t>
+            </a:r>
+            <a:r>
               <a:rPr lang="pt-BR" b="1" dirty="0">
-                <a:latin typeface="Nunito Sans Normal" pitchFamily="2" charset="0"/>
-              </a:rPr>
-              <a:t>Recalculated the new feature importances for the algorithm.</a:t>
-            </a:r>
-            <a:endParaRPr lang="pt-BR" b="1" dirty="0"/>
+                <a:highlight>
+                  <a:srgbClr val="FFFF00"/>
+                </a:highlight>
+                <a:latin typeface="Nunito Sans Normal" pitchFamily="2" charset="0"/>
+              </a:rPr>
+              <a:t>DISCOVERABILITY (visits) and EXPLORABIILTY (unique skus)</a:t>
+            </a:r>
+            <a:endParaRPr lang="pt-BR" b="1" dirty="0">
+              <a:highlight>
+                <a:srgbClr val="FFFF00"/>
+              </a:highlight>
+            </a:endParaRPr>
           </a:p>
         </p:txBody>
       </p:sp>
@@ -14510,7 +16594,7 @@
           <p:nvPr/>
         </p:nvPicPr>
         <p:blipFill>
-          <a:blip r:embed="rId3"/>
+          <a:blip r:embed="rId4"/>
           <a:stretch>
             <a:fillRect/>
           </a:stretch>
@@ -14538,7 +16622,7 @@
 </p:sld>
 </file>
 
-<file path=ppt/slides/slide25.xml><?xml version="1.0" encoding="utf-8"?>
+<file path=ppt/slides/slide27.xml><?xml version="1.0" encoding="utf-8"?>
 <p:sld xmlns:a="http://schemas.openxmlformats.org/drawingml/2006/main" xmlns:r="http://schemas.openxmlformats.org/officeDocument/2006/relationships" xmlns:p="http://schemas.openxmlformats.org/presentationml/2006/main">
   <p:cSld>
     <p:spTree>
@@ -14673,7 +16757,7 @@
           <p:nvPr/>
         </p:nvPicPr>
         <p:blipFill>
-          <a:blip r:embed="rId2">
+          <a:blip r:embed="rId3">
             <a:extLst>
               <a:ext uri="{28A0092B-C50C-407E-A947-70E740481C1C}">
                 <a14:useLocalDpi xmlns:a14="http://schemas.microsoft.com/office/drawing/2010/main" val="0"/>
@@ -14758,7 +16842,7 @@
         <p:spPr>
           <a:xfrm>
             <a:off x="8777320" y="2441053"/>
-            <a:ext cx="3407596" cy="1754326"/>
+            <a:ext cx="3407596" cy="369332"/>
           </a:xfrm>
           <a:prstGeom prst="rect">
             <a:avLst/>
@@ -14775,73 +16859,11 @@
               <a:rPr lang="pt-BR" b="1" dirty="0">
                 <a:latin typeface="Nunito Sans Normal" pitchFamily="2" charset="0"/>
               </a:rPr>
-              <a:t>From 451 </a:t>
-            </a:r>
-            <a:r>
-              <a:rPr lang="pt-BR" dirty="0">
-                <a:latin typeface="Nunito Sans Normal" pitchFamily="2" charset="0"/>
-              </a:rPr>
-              <a:t>customers </a:t>
-            </a:r>
-            <a:r>
-              <a:rPr lang="pt-BR" b="1" dirty="0">
-                <a:latin typeface="Nunito Sans Normal" pitchFamily="2" charset="0"/>
-              </a:rPr>
-              <a:t>from </a:t>
-            </a:r>
-            <a:r>
-              <a:rPr lang="en-US" sz="1800" b="1" dirty="0">
-                <a:latin typeface="Nunito Sans Normal" pitchFamily="2" charset="0"/>
-              </a:rPr>
-              <a:t>2023-08-06 to 2024-08-06</a:t>
-            </a:r>
-            <a:r>
-              <a:rPr lang="pt-BR" dirty="0">
-                <a:latin typeface="Nunito Sans Normal" pitchFamily="2" charset="0"/>
-              </a:rPr>
-              <a:t>:</a:t>
-            </a:r>
-          </a:p>
-          <a:p>
+              <a:t>Accumulated Variance: 98.6%</a:t>
+            </a:r>
             <a:endParaRPr lang="pt-BR" dirty="0">
               <a:latin typeface="Nunito Sans Normal" pitchFamily="2" charset="0"/>
             </a:endParaRPr>
-          </a:p>
-          <a:p>
-            <a:pPr marL="285750" indent="-285750">
-              <a:buFont typeface="Arial" panose="020B0604020202020204" pitchFamily="34" charset="0"/>
-              <a:buChar char="•"/>
-            </a:pPr>
-            <a:r>
-              <a:rPr lang="pt-BR" dirty="0">
-                <a:latin typeface="Nunito Sans Normal" pitchFamily="2" charset="0"/>
-              </a:rPr>
-              <a:t>77.61% are in cluster 0</a:t>
-            </a:r>
-          </a:p>
-          <a:p>
-            <a:pPr marL="285750" indent="-285750">
-              <a:buFont typeface="Arial" panose="020B0604020202020204" pitchFamily="34" charset="0"/>
-              <a:buChar char="•"/>
-            </a:pPr>
-            <a:r>
-              <a:rPr lang="pt-BR" dirty="0">
-                <a:latin typeface="Nunito Sans Normal" pitchFamily="2" charset="0"/>
-              </a:rPr>
-              <a:t>03.10% are in cluster 1</a:t>
-            </a:r>
-          </a:p>
-          <a:p>
-            <a:pPr marL="285750" indent="-285750">
-              <a:buFont typeface="Arial" panose="020B0604020202020204" pitchFamily="34" charset="0"/>
-              <a:buChar char="•"/>
-            </a:pPr>
-            <a:r>
-              <a:rPr lang="pt-BR" dirty="0">
-                <a:latin typeface="Nunito Sans Normal" pitchFamily="2" charset="0"/>
-              </a:rPr>
-              <a:t>19.29% are in cluster 2</a:t>
-            </a:r>
           </a:p>
         </p:txBody>
       </p:sp>
@@ -14860,7 +16882,7 @@
           <p:nvPr/>
         </p:nvPicPr>
         <p:blipFill>
-          <a:blip r:embed="rId3"/>
+          <a:blip r:embed="rId4"/>
           <a:stretch>
             <a:fillRect/>
           </a:stretch>
@@ -14888,7 +16910,747 @@
 </p:sld>
 </file>
 
-<file path=ppt/slides/slide26.xml><?xml version="1.0" encoding="utf-8"?>
+<file path=ppt/slides/slide28.xml><?xml version="1.0" encoding="utf-8"?>
+<p:sld xmlns:a="http://schemas.openxmlformats.org/drawingml/2006/main" xmlns:r="http://schemas.openxmlformats.org/officeDocument/2006/relationships" xmlns:p="http://schemas.openxmlformats.org/presentationml/2006/main">
+  <p:cSld>
+    <p:spTree>
+      <p:nvGrpSpPr>
+        <p:cNvPr id="1" name="">
+          <a:extLst>
+            <a:ext uri="{FF2B5EF4-FFF2-40B4-BE49-F238E27FC236}">
+              <a16:creationId xmlns:a16="http://schemas.microsoft.com/office/drawing/2014/main" id="{B48AB3AA-357E-29B2-C8DB-35180237D9F9}"/>
+            </a:ext>
+          </a:extLst>
+        </p:cNvPr>
+        <p:cNvGrpSpPr/>
+        <p:nvPr/>
+      </p:nvGrpSpPr>
+      <p:grpSpPr>
+        <a:xfrm>
+          <a:off x="0" y="0"/>
+          <a:ext cx="0" cy="0"/>
+          <a:chOff x="0" y="0"/>
+          <a:chExt cx="0" cy="0"/>
+        </a:xfrm>
+      </p:grpSpPr>
+      <p:sp>
+        <p:nvSpPr>
+          <p:cNvPr id="8" name="Rectangle 7">
+            <a:extLst>
+              <a:ext uri="{FF2B5EF4-FFF2-40B4-BE49-F238E27FC236}">
+                <a16:creationId xmlns:a16="http://schemas.microsoft.com/office/drawing/2014/main" id="{D45BE1EF-7242-5DC4-599E-796064DDC352}"/>
+              </a:ext>
+            </a:extLst>
+          </p:cNvPr>
+          <p:cNvSpPr/>
+          <p:nvPr/>
+        </p:nvSpPr>
+        <p:spPr>
+          <a:xfrm>
+            <a:off x="8634581" y="0"/>
+            <a:ext cx="3557418" cy="6858000"/>
+          </a:xfrm>
+          <a:prstGeom prst="rect">
+            <a:avLst/>
+          </a:prstGeom>
+          <a:solidFill>
+            <a:srgbClr val="FEBAA8"/>
+          </a:solidFill>
+          <a:ln>
+            <a:noFill/>
+          </a:ln>
+        </p:spPr>
+        <p:style>
+          <a:lnRef idx="2">
+            <a:schemeClr val="accent1">
+              <a:shade val="15000"/>
+            </a:schemeClr>
+          </a:lnRef>
+          <a:fillRef idx="1">
+            <a:schemeClr val="accent1"/>
+          </a:fillRef>
+          <a:effectRef idx="0">
+            <a:schemeClr val="accent1"/>
+          </a:effectRef>
+          <a:fontRef idx="minor">
+            <a:schemeClr val="lt1"/>
+          </a:fontRef>
+        </p:style>
+        <p:txBody>
+          <a:bodyPr rtlCol="0" anchor="ctr"/>
+          <a:lstStyle/>
+          <a:p>
+            <a:pPr algn="ctr"/>
+            <a:endParaRPr lang="pt-BR"/>
+          </a:p>
+        </p:txBody>
+      </p:sp>
+      <p:sp>
+        <p:nvSpPr>
+          <p:cNvPr id="2" name="TextBox 1">
+            <a:extLst>
+              <a:ext uri="{FF2B5EF4-FFF2-40B4-BE49-F238E27FC236}">
+                <a16:creationId xmlns:a16="http://schemas.microsoft.com/office/drawing/2014/main" id="{AA974412-3181-1E6D-1B4B-BD20FA45200D}"/>
+              </a:ext>
+            </a:extLst>
+          </p:cNvPr>
+          <p:cNvSpPr txBox="1"/>
+          <p:nvPr/>
+        </p:nvSpPr>
+        <p:spPr>
+          <a:xfrm>
+            <a:off x="137652" y="48592"/>
+            <a:ext cx="7503977" cy="861774"/>
+          </a:xfrm>
+          <a:prstGeom prst="rect">
+            <a:avLst/>
+          </a:prstGeom>
+          <a:noFill/>
+        </p:spPr>
+        <p:txBody>
+          <a:bodyPr wrap="none" rtlCol="0">
+            <a:spAutoFit/>
+          </a:bodyPr>
+          <a:lstStyle/>
+          <a:p>
+            <a:r>
+              <a:rPr lang="pt-BR" sz="3200" b="1" dirty="0">
+                <a:latin typeface="Nunito Sans Normal" pitchFamily="2" charset="0"/>
+              </a:rPr>
+              <a:t>4. DATA ANALYSIS</a:t>
+            </a:r>
+          </a:p>
+          <a:p>
+            <a:r>
+              <a:rPr lang="pt-BR" dirty="0">
+                <a:latin typeface="Nunito Sans Normal" pitchFamily="2" charset="0"/>
+              </a:rPr>
+              <a:t>4.2 DIFFERENCE BETWEEN VALUEABLE USERS AND OTHER USERS</a:t>
+            </a:r>
+          </a:p>
+        </p:txBody>
+      </p:sp>
+      <p:pic>
+        <p:nvPicPr>
+          <p:cNvPr id="17" name="Picture 2" descr="FabFitFun - Beauty, Fitness, Lifestyle">
+            <a:extLst>
+              <a:ext uri="{FF2B5EF4-FFF2-40B4-BE49-F238E27FC236}">
+                <a16:creationId xmlns:a16="http://schemas.microsoft.com/office/drawing/2014/main" id="{2B7D6259-51CC-6314-F3D9-A76D30BE48A7}"/>
+              </a:ext>
+            </a:extLst>
+          </p:cNvPr>
+          <p:cNvPicPr>
+            <a:picLocks noChangeAspect="1" noChangeArrowheads="1"/>
+          </p:cNvPicPr>
+          <p:nvPr/>
+        </p:nvPicPr>
+        <p:blipFill>
+          <a:blip r:embed="rId3">
+            <a:extLst>
+              <a:ext uri="{28A0092B-C50C-407E-A947-70E740481C1C}">
+                <a14:useLocalDpi xmlns:a14="http://schemas.microsoft.com/office/drawing/2010/main" val="0"/>
+              </a:ext>
+            </a:extLst>
+          </a:blip>
+          <a:srcRect/>
+          <a:stretch>
+            <a:fillRect/>
+          </a:stretch>
+        </p:blipFill>
+        <p:spPr bwMode="auto">
+          <a:xfrm>
+            <a:off x="10053486" y="5886204"/>
+            <a:ext cx="1759973" cy="725989"/>
+          </a:xfrm>
+          <a:prstGeom prst="rect">
+            <a:avLst/>
+          </a:prstGeom>
+          <a:noFill/>
+          <a:extLst>
+            <a:ext uri="{909E8E84-426E-40DD-AFC4-6F175D3DCCD1}">
+              <a14:hiddenFill xmlns:a14="http://schemas.microsoft.com/office/drawing/2010/main">
+                <a:solidFill>
+                  <a:srgbClr val="FFFFFF"/>
+                </a:solidFill>
+              </a14:hiddenFill>
+            </a:ext>
+          </a:extLst>
+        </p:spPr>
+      </p:pic>
+      <p:pic>
+        <p:nvPicPr>
+          <p:cNvPr id="7" name="Picture 6">
+            <a:extLst>
+              <a:ext uri="{FF2B5EF4-FFF2-40B4-BE49-F238E27FC236}">
+                <a16:creationId xmlns:a16="http://schemas.microsoft.com/office/drawing/2014/main" id="{6A0CCBF0-6081-1F0E-29A8-0DA652797A2F}"/>
+              </a:ext>
+            </a:extLst>
+          </p:cNvPr>
+          <p:cNvPicPr>
+            <a:picLocks noChangeAspect="1"/>
+          </p:cNvPicPr>
+          <p:nvPr/>
+        </p:nvPicPr>
+        <p:blipFill>
+          <a:blip r:embed="rId4"/>
+          <a:stretch>
+            <a:fillRect/>
+          </a:stretch>
+        </p:blipFill>
+        <p:spPr>
+          <a:xfrm>
+            <a:off x="1392539" y="1144282"/>
+            <a:ext cx="5143057" cy="5346559"/>
+          </a:xfrm>
+          <a:prstGeom prst="rect">
+            <a:avLst/>
+          </a:prstGeom>
+        </p:spPr>
+      </p:pic>
+      <p:sp>
+        <p:nvSpPr>
+          <p:cNvPr id="9" name="TextBox 8">
+            <a:extLst>
+              <a:ext uri="{FF2B5EF4-FFF2-40B4-BE49-F238E27FC236}">
+                <a16:creationId xmlns:a16="http://schemas.microsoft.com/office/drawing/2014/main" id="{7C5334E2-2D0B-0161-7A70-ACF606DAB722}"/>
+              </a:ext>
+            </a:extLst>
+          </p:cNvPr>
+          <p:cNvSpPr txBox="1"/>
+          <p:nvPr/>
+        </p:nvSpPr>
+        <p:spPr>
+          <a:xfrm>
+            <a:off x="8777320" y="2441053"/>
+            <a:ext cx="3407596" cy="1754326"/>
+          </a:xfrm>
+          <a:prstGeom prst="rect">
+            <a:avLst/>
+          </a:prstGeom>
+          <a:noFill/>
+        </p:spPr>
+        <p:txBody>
+          <a:bodyPr wrap="square">
+            <a:spAutoFit/>
+          </a:bodyPr>
+          <a:lstStyle/>
+          <a:p>
+            <a:r>
+              <a:rPr lang="pt-BR" b="1" dirty="0">
+                <a:latin typeface="Nunito Sans Normal" pitchFamily="2" charset="0"/>
+              </a:rPr>
+              <a:t>From 451 </a:t>
+            </a:r>
+            <a:r>
+              <a:rPr lang="pt-BR" dirty="0">
+                <a:latin typeface="Nunito Sans Normal" pitchFamily="2" charset="0"/>
+              </a:rPr>
+              <a:t>customers </a:t>
+            </a:r>
+            <a:r>
+              <a:rPr lang="pt-BR" b="1" dirty="0">
+                <a:latin typeface="Nunito Sans Normal" pitchFamily="2" charset="0"/>
+              </a:rPr>
+              <a:t>from </a:t>
+            </a:r>
+            <a:r>
+              <a:rPr lang="en-US" sz="1800" b="1" dirty="0">
+                <a:latin typeface="Nunito Sans Normal" pitchFamily="2" charset="0"/>
+              </a:rPr>
+              <a:t>2023-08-06 to 2024-08-06</a:t>
+            </a:r>
+            <a:r>
+              <a:rPr lang="pt-BR" dirty="0">
+                <a:latin typeface="Nunito Sans Normal" pitchFamily="2" charset="0"/>
+              </a:rPr>
+              <a:t>:</a:t>
+            </a:r>
+          </a:p>
+          <a:p>
+            <a:endParaRPr lang="pt-BR" dirty="0">
+              <a:latin typeface="Nunito Sans Normal" pitchFamily="2" charset="0"/>
+            </a:endParaRPr>
+          </a:p>
+          <a:p>
+            <a:pPr marL="285750" indent="-285750">
+              <a:buFont typeface="Arial" panose="020B0604020202020204" pitchFamily="34" charset="0"/>
+              <a:buChar char="•"/>
+            </a:pPr>
+            <a:r>
+              <a:rPr lang="pt-BR" dirty="0">
+                <a:latin typeface="Nunito Sans Normal" pitchFamily="2" charset="0"/>
+              </a:rPr>
+              <a:t>77.61% are in cluster 0</a:t>
+            </a:r>
+          </a:p>
+          <a:p>
+            <a:pPr marL="285750" indent="-285750">
+              <a:buFont typeface="Arial" panose="020B0604020202020204" pitchFamily="34" charset="0"/>
+              <a:buChar char="•"/>
+            </a:pPr>
+            <a:r>
+              <a:rPr lang="pt-BR" dirty="0">
+                <a:latin typeface="Nunito Sans Normal" pitchFamily="2" charset="0"/>
+              </a:rPr>
+              <a:t>03.10% are in cluster 1</a:t>
+            </a:r>
+          </a:p>
+          <a:p>
+            <a:pPr marL="285750" indent="-285750">
+              <a:buFont typeface="Arial" panose="020B0604020202020204" pitchFamily="34" charset="0"/>
+              <a:buChar char="•"/>
+            </a:pPr>
+            <a:r>
+              <a:rPr lang="pt-BR" dirty="0">
+                <a:latin typeface="Nunito Sans Normal" pitchFamily="2" charset="0"/>
+              </a:rPr>
+              <a:t>19.29% are in cluster 2</a:t>
+            </a:r>
+          </a:p>
+        </p:txBody>
+      </p:sp>
+    </p:spTree>
+    <p:extLst>
+      <p:ext uri="{BB962C8B-B14F-4D97-AF65-F5344CB8AC3E}">
+        <p14:creationId xmlns:p14="http://schemas.microsoft.com/office/powerpoint/2010/main" val="2561346999"/>
+      </p:ext>
+    </p:extLst>
+  </p:cSld>
+  <p:clrMapOvr>
+    <a:masterClrMapping/>
+  </p:clrMapOvr>
+</p:sld>
+</file>
+
+<file path=ppt/slides/slide29.xml><?xml version="1.0" encoding="utf-8"?>
+<p:sld xmlns:a="http://schemas.openxmlformats.org/drawingml/2006/main" xmlns:r="http://schemas.openxmlformats.org/officeDocument/2006/relationships" xmlns:p="http://schemas.openxmlformats.org/presentationml/2006/main">
+  <p:cSld>
+    <p:spTree>
+      <p:nvGrpSpPr>
+        <p:cNvPr id="1" name="">
+          <a:extLst>
+            <a:ext uri="{FF2B5EF4-FFF2-40B4-BE49-F238E27FC236}">
+              <a16:creationId xmlns:a16="http://schemas.microsoft.com/office/drawing/2014/main" id="{40D1F7B6-1897-DD92-565C-A86B25929740}"/>
+            </a:ext>
+          </a:extLst>
+        </p:cNvPr>
+        <p:cNvGrpSpPr/>
+        <p:nvPr/>
+      </p:nvGrpSpPr>
+      <p:grpSpPr>
+        <a:xfrm>
+          <a:off x="0" y="0"/>
+          <a:ext cx="0" cy="0"/>
+          <a:chOff x="0" y="0"/>
+          <a:chExt cx="0" cy="0"/>
+        </a:xfrm>
+      </p:grpSpPr>
+      <p:sp>
+        <p:nvSpPr>
+          <p:cNvPr id="2" name="TextBox 1">
+            <a:extLst>
+              <a:ext uri="{FF2B5EF4-FFF2-40B4-BE49-F238E27FC236}">
+                <a16:creationId xmlns:a16="http://schemas.microsoft.com/office/drawing/2014/main" id="{9773E788-5CBC-B5E5-9688-6CF2839675D0}"/>
+              </a:ext>
+            </a:extLst>
+          </p:cNvPr>
+          <p:cNvSpPr txBox="1"/>
+          <p:nvPr/>
+        </p:nvSpPr>
+        <p:spPr>
+          <a:xfrm>
+            <a:off x="137652" y="48592"/>
+            <a:ext cx="7503977" cy="861774"/>
+          </a:xfrm>
+          <a:prstGeom prst="rect">
+            <a:avLst/>
+          </a:prstGeom>
+          <a:noFill/>
+        </p:spPr>
+        <p:txBody>
+          <a:bodyPr wrap="none" rtlCol="0">
+            <a:spAutoFit/>
+          </a:bodyPr>
+          <a:lstStyle/>
+          <a:p>
+            <a:r>
+              <a:rPr lang="pt-BR" sz="3200" b="1" dirty="0">
+                <a:latin typeface="Nunito Sans Normal" pitchFamily="2" charset="0"/>
+              </a:rPr>
+              <a:t>4. DATA ANALYSIS</a:t>
+            </a:r>
+          </a:p>
+          <a:p>
+            <a:r>
+              <a:rPr lang="pt-BR" dirty="0">
+                <a:latin typeface="Nunito Sans Normal" pitchFamily="2" charset="0"/>
+              </a:rPr>
+              <a:t>4.2 DIFFERENCE BETWEEN VALUEABLE USERS AND OTHER USERS</a:t>
+            </a:r>
+          </a:p>
+        </p:txBody>
+      </p:sp>
+      <p:pic>
+        <p:nvPicPr>
+          <p:cNvPr id="17" name="Picture 2" descr="FabFitFun - Beauty, Fitness, Lifestyle">
+            <a:extLst>
+              <a:ext uri="{FF2B5EF4-FFF2-40B4-BE49-F238E27FC236}">
+                <a16:creationId xmlns:a16="http://schemas.microsoft.com/office/drawing/2014/main" id="{F1B8634D-7BFA-73AD-0AB5-D058E9C0E0A9}"/>
+              </a:ext>
+            </a:extLst>
+          </p:cNvPr>
+          <p:cNvPicPr>
+            <a:picLocks noChangeAspect="1" noChangeArrowheads="1"/>
+          </p:cNvPicPr>
+          <p:nvPr/>
+        </p:nvPicPr>
+        <p:blipFill>
+          <a:blip r:embed="rId3">
+            <a:extLst>
+              <a:ext uri="{28A0092B-C50C-407E-A947-70E740481C1C}">
+                <a14:useLocalDpi xmlns:a14="http://schemas.microsoft.com/office/drawing/2010/main" val="0"/>
+              </a:ext>
+            </a:extLst>
+          </a:blip>
+          <a:srcRect/>
+          <a:stretch>
+            <a:fillRect/>
+          </a:stretch>
+        </p:blipFill>
+        <p:spPr bwMode="auto">
+          <a:xfrm>
+            <a:off x="10053486" y="5886204"/>
+            <a:ext cx="1759973" cy="725989"/>
+          </a:xfrm>
+          <a:prstGeom prst="rect">
+            <a:avLst/>
+          </a:prstGeom>
+          <a:noFill/>
+          <a:extLst>
+            <a:ext uri="{909E8E84-426E-40DD-AFC4-6F175D3DCCD1}">
+              <a14:hiddenFill xmlns:a14="http://schemas.microsoft.com/office/drawing/2010/main">
+                <a:solidFill>
+                  <a:srgbClr val="FFFFFF"/>
+                </a:solidFill>
+              </a14:hiddenFill>
+            </a:ext>
+          </a:extLst>
+        </p:spPr>
+      </p:pic>
+      <p:pic>
+        <p:nvPicPr>
+          <p:cNvPr id="4" name="Picture 3">
+            <a:extLst>
+              <a:ext uri="{FF2B5EF4-FFF2-40B4-BE49-F238E27FC236}">
+                <a16:creationId xmlns:a16="http://schemas.microsoft.com/office/drawing/2014/main" id="{C2E2E44F-D166-0F9E-0DAB-921BDCACD9F8}"/>
+              </a:ext>
+            </a:extLst>
+          </p:cNvPr>
+          <p:cNvPicPr>
+            <a:picLocks noChangeAspect="1"/>
+          </p:cNvPicPr>
+          <p:nvPr/>
+        </p:nvPicPr>
+        <p:blipFill>
+          <a:blip r:embed="rId4"/>
+          <a:stretch>
+            <a:fillRect/>
+          </a:stretch>
+        </p:blipFill>
+        <p:spPr>
+          <a:xfrm>
+            <a:off x="59368" y="2044032"/>
+            <a:ext cx="3738160" cy="2774315"/>
+          </a:xfrm>
+          <a:prstGeom prst="rect">
+            <a:avLst/>
+          </a:prstGeom>
+        </p:spPr>
+      </p:pic>
+      <p:pic>
+        <p:nvPicPr>
+          <p:cNvPr id="1028" name="Picture 4" descr="Imagem carregada">
+            <a:extLst>
+              <a:ext uri="{FF2B5EF4-FFF2-40B4-BE49-F238E27FC236}">
+                <a16:creationId xmlns:a16="http://schemas.microsoft.com/office/drawing/2014/main" id="{54A6AC04-8027-5221-C712-8D75F4489EE4}"/>
+              </a:ext>
+            </a:extLst>
+          </p:cNvPr>
+          <p:cNvPicPr>
+            <a:picLocks noChangeAspect="1" noChangeArrowheads="1"/>
+          </p:cNvPicPr>
+          <p:nvPr/>
+        </p:nvPicPr>
+        <p:blipFill rotWithShape="1">
+          <a:blip r:embed="rId5">
+            <a:extLst>
+              <a:ext uri="{28A0092B-C50C-407E-A947-70E740481C1C}">
+                <a14:useLocalDpi xmlns:a14="http://schemas.microsoft.com/office/drawing/2010/main" val="0"/>
+              </a:ext>
+            </a:extLst>
+          </a:blip>
+          <a:srcRect l="1568" t="2233" r="2409" b="5003"/>
+          <a:stretch/>
+        </p:blipFill>
+        <p:spPr bwMode="auto">
+          <a:xfrm>
+            <a:off x="4184333" y="2128527"/>
+            <a:ext cx="3720593" cy="2774315"/>
+          </a:xfrm>
+          <a:prstGeom prst="rect">
+            <a:avLst/>
+          </a:prstGeom>
+          <a:noFill/>
+          <a:extLst>
+            <a:ext uri="{909E8E84-426E-40DD-AFC4-6F175D3DCCD1}">
+              <a14:hiddenFill xmlns:a14="http://schemas.microsoft.com/office/drawing/2010/main">
+                <a:solidFill>
+                  <a:srgbClr val="FFFFFF"/>
+                </a:solidFill>
+              </a14:hiddenFill>
+            </a:ext>
+          </a:extLst>
+        </p:spPr>
+      </p:pic>
+      <p:pic>
+        <p:nvPicPr>
+          <p:cNvPr id="1030" name="Picture 6" descr="Imagem carregada">
+            <a:extLst>
+              <a:ext uri="{FF2B5EF4-FFF2-40B4-BE49-F238E27FC236}">
+                <a16:creationId xmlns:a16="http://schemas.microsoft.com/office/drawing/2014/main" id="{32AD4479-FCD9-CE1E-AE50-95D1B68B9EA0}"/>
+              </a:ext>
+            </a:extLst>
+          </p:cNvPr>
+          <p:cNvPicPr>
+            <a:picLocks noChangeAspect="1" noChangeArrowheads="1"/>
+          </p:cNvPicPr>
+          <p:nvPr/>
+        </p:nvPicPr>
+        <p:blipFill rotWithShape="1">
+          <a:blip r:embed="rId6">
+            <a:extLst>
+              <a:ext uri="{28A0092B-C50C-407E-A947-70E740481C1C}">
+                <a14:useLocalDpi xmlns:a14="http://schemas.microsoft.com/office/drawing/2010/main" val="0"/>
+              </a:ext>
+            </a:extLst>
+          </a:blip>
+          <a:srcRect r="1373" b="2922"/>
+          <a:stretch/>
+        </p:blipFill>
+        <p:spPr bwMode="auto">
+          <a:xfrm>
+            <a:off x="8024358" y="2044032"/>
+            <a:ext cx="4005534" cy="2943307"/>
+          </a:xfrm>
+          <a:prstGeom prst="rect">
+            <a:avLst/>
+          </a:prstGeom>
+          <a:noFill/>
+          <a:extLst>
+            <a:ext uri="{909E8E84-426E-40DD-AFC4-6F175D3DCCD1}">
+              <a14:hiddenFill xmlns:a14="http://schemas.microsoft.com/office/drawing/2010/main">
+                <a:solidFill>
+                  <a:srgbClr val="FFFFFF"/>
+                </a:solidFill>
+              </a14:hiddenFill>
+            </a:ext>
+          </a:extLst>
+        </p:spPr>
+      </p:pic>
+    </p:spTree>
+    <p:extLst>
+      <p:ext uri="{BB962C8B-B14F-4D97-AF65-F5344CB8AC3E}">
+        <p14:creationId xmlns:p14="http://schemas.microsoft.com/office/powerpoint/2010/main" val="3486114502"/>
+      </p:ext>
+    </p:extLst>
+  </p:cSld>
+  <p:clrMapOvr>
+    <a:masterClrMapping/>
+  </p:clrMapOvr>
+</p:sld>
+</file>
+
+<file path=ppt/slides/slide3.xml><?xml version="1.0" encoding="utf-8"?>
+<p:sld xmlns:a="http://schemas.openxmlformats.org/drawingml/2006/main" xmlns:r="http://schemas.openxmlformats.org/officeDocument/2006/relationships" xmlns:p="http://schemas.openxmlformats.org/presentationml/2006/main">
+  <p:cSld>
+    <p:spTree>
+      <p:nvGrpSpPr>
+        <p:cNvPr id="1" name="">
+          <a:extLst>
+            <a:ext uri="{FF2B5EF4-FFF2-40B4-BE49-F238E27FC236}">
+              <a16:creationId xmlns:a16="http://schemas.microsoft.com/office/drawing/2014/main" id="{5B1EC6EE-F406-D06E-D1B7-FBD4BD28376E}"/>
+            </a:ext>
+          </a:extLst>
+        </p:cNvPr>
+        <p:cNvGrpSpPr/>
+        <p:nvPr/>
+      </p:nvGrpSpPr>
+      <p:grpSpPr>
+        <a:xfrm>
+          <a:off x="0" y="0"/>
+          <a:ext cx="0" cy="0"/>
+          <a:chOff x="0" y="0"/>
+          <a:chExt cx="0" cy="0"/>
+        </a:xfrm>
+      </p:grpSpPr>
+      <p:sp>
+        <p:nvSpPr>
+          <p:cNvPr id="6" name="Rectangle 5">
+            <a:extLst>
+              <a:ext uri="{FF2B5EF4-FFF2-40B4-BE49-F238E27FC236}">
+                <a16:creationId xmlns:a16="http://schemas.microsoft.com/office/drawing/2014/main" id="{3426EE3D-D315-9D79-1296-809AC4FC171D}"/>
+              </a:ext>
+            </a:extLst>
+          </p:cNvPr>
+          <p:cNvSpPr/>
+          <p:nvPr/>
+        </p:nvSpPr>
+        <p:spPr>
+          <a:xfrm>
+            <a:off x="0" y="0"/>
+            <a:ext cx="12191999" cy="6858000"/>
+          </a:xfrm>
+          <a:prstGeom prst="rect">
+            <a:avLst/>
+          </a:prstGeom>
+          <a:solidFill>
+            <a:srgbClr val="FEBAA8"/>
+          </a:solidFill>
+          <a:ln>
+            <a:noFill/>
+          </a:ln>
+        </p:spPr>
+        <p:style>
+          <a:lnRef idx="2">
+            <a:schemeClr val="accent1">
+              <a:shade val="15000"/>
+            </a:schemeClr>
+          </a:lnRef>
+          <a:fillRef idx="1">
+            <a:schemeClr val="accent1"/>
+          </a:fillRef>
+          <a:effectRef idx="0">
+            <a:schemeClr val="accent1"/>
+          </a:effectRef>
+          <a:fontRef idx="minor">
+            <a:schemeClr val="lt1"/>
+          </a:fontRef>
+        </p:style>
+        <p:txBody>
+          <a:bodyPr rtlCol="0" anchor="ctr"/>
+          <a:lstStyle/>
+          <a:p>
+            <a:pPr algn="ctr"/>
+            <a:endParaRPr lang="pt-BR"/>
+          </a:p>
+        </p:txBody>
+      </p:sp>
+      <p:pic>
+        <p:nvPicPr>
+          <p:cNvPr id="1026" name="Picture 2" descr="FabFitFun - Beauty, Fitness, Lifestyle">
+            <a:extLst>
+              <a:ext uri="{FF2B5EF4-FFF2-40B4-BE49-F238E27FC236}">
+                <a16:creationId xmlns:a16="http://schemas.microsoft.com/office/drawing/2014/main" id="{8843228F-56BF-CF1B-2A92-2EEE1540C4D8}"/>
+              </a:ext>
+            </a:extLst>
+          </p:cNvPr>
+          <p:cNvPicPr>
+            <a:picLocks noChangeAspect="1" noChangeArrowheads="1"/>
+          </p:cNvPicPr>
+          <p:nvPr/>
+        </p:nvPicPr>
+        <p:blipFill>
+          <a:blip r:embed="rId3">
+            <a:extLst>
+              <a:ext uri="{28A0092B-C50C-407E-A947-70E740481C1C}">
+                <a14:useLocalDpi xmlns:a14="http://schemas.microsoft.com/office/drawing/2010/main" val="0"/>
+              </a:ext>
+            </a:extLst>
+          </a:blip>
+          <a:srcRect/>
+          <a:stretch>
+            <a:fillRect/>
+          </a:stretch>
+        </p:blipFill>
+        <p:spPr bwMode="auto">
+          <a:xfrm>
+            <a:off x="10053486" y="5886204"/>
+            <a:ext cx="1759973" cy="725989"/>
+          </a:xfrm>
+          <a:prstGeom prst="rect">
+            <a:avLst/>
+          </a:prstGeom>
+          <a:noFill/>
+          <a:extLst>
+            <a:ext uri="{909E8E84-426E-40DD-AFC4-6F175D3DCCD1}">
+              <a14:hiddenFill xmlns:a14="http://schemas.microsoft.com/office/drawing/2010/main">
+                <a:solidFill>
+                  <a:srgbClr val="FFFFFF"/>
+                </a:solidFill>
+              </a14:hiddenFill>
+            </a:ext>
+          </a:extLst>
+        </p:spPr>
+      </p:pic>
+      <p:sp>
+        <p:nvSpPr>
+          <p:cNvPr id="5" name="TextBox 4">
+            <a:extLst>
+              <a:ext uri="{FF2B5EF4-FFF2-40B4-BE49-F238E27FC236}">
+                <a16:creationId xmlns:a16="http://schemas.microsoft.com/office/drawing/2014/main" id="{140028CD-EA71-AFAD-6EC5-AC89D0E70D80}"/>
+              </a:ext>
+            </a:extLst>
+          </p:cNvPr>
+          <p:cNvSpPr txBox="1"/>
+          <p:nvPr/>
+        </p:nvSpPr>
+        <p:spPr>
+          <a:xfrm>
+            <a:off x="324060" y="2459504"/>
+            <a:ext cx="6094324" cy="1938992"/>
+          </a:xfrm>
+          <a:prstGeom prst="rect">
+            <a:avLst/>
+          </a:prstGeom>
+          <a:noFill/>
+        </p:spPr>
+        <p:txBody>
+          <a:bodyPr wrap="square">
+            <a:spAutoFit/>
+          </a:bodyPr>
+          <a:lstStyle/>
+          <a:p>
+            <a:r>
+              <a:rPr lang="pt-BR" sz="6000" b="1" dirty="0">
+                <a:latin typeface="Nunito Sans Normal" pitchFamily="2" charset="0"/>
+              </a:rPr>
+              <a:t>1. PROBLEM </a:t>
+            </a:r>
+          </a:p>
+          <a:p>
+            <a:r>
+              <a:rPr lang="pt-BR" sz="6000" b="1" dirty="0">
+                <a:latin typeface="Nunito Sans Normal" pitchFamily="2" charset="0"/>
+              </a:rPr>
+              <a:t>DEFINITION</a:t>
+            </a:r>
+          </a:p>
+        </p:txBody>
+      </p:sp>
+    </p:spTree>
+    <p:extLst>
+      <p:ext uri="{BB962C8B-B14F-4D97-AF65-F5344CB8AC3E}">
+        <p14:creationId xmlns:p14="http://schemas.microsoft.com/office/powerpoint/2010/main" val="2782786068"/>
+      </p:ext>
+    </p:extLst>
+  </p:cSld>
+  <p:clrMapOvr>
+    <a:masterClrMapping/>
+  </p:clrMapOvr>
+</p:sld>
+</file>
+
+<file path=ppt/slides/slide30.xml><?xml version="1.0" encoding="utf-8"?>
 <p:sld xmlns:a="http://schemas.openxmlformats.org/drawingml/2006/main" xmlns:r="http://schemas.openxmlformats.org/officeDocument/2006/relationships" xmlns:p="http://schemas.openxmlformats.org/presentationml/2006/main">
   <p:cSld>
     <p:spTree>
@@ -14971,14 +17733,14 @@
           <p:nvPr>
             <p:extLst>
               <p:ext uri="{D42A27DB-BD31-4B8C-83A1-F6EECF244321}">
-                <p14:modId xmlns:p14="http://schemas.microsoft.com/office/powerpoint/2010/main" val="2038407228"/>
+                <p14:modId xmlns:p14="http://schemas.microsoft.com/office/powerpoint/2010/main" val="4236507953"/>
               </p:ext>
             </p:extLst>
           </p:nvPr>
         </p:nvGraphicFramePr>
         <p:xfrm>
           <a:off x="68824" y="1985405"/>
-          <a:ext cx="12054352" cy="1752600"/>
+          <a:ext cx="12054352" cy="1935480"/>
         </p:xfrm>
         <a:graphic>
           <a:graphicData uri="http://schemas.openxmlformats.org/drawingml/2006/table">
@@ -15096,7 +17858,7 @@
                           </a:solidFill>
                           <a:latin typeface="Nunito Sans Normal" pitchFamily="2" charset="0"/>
                         </a:rPr>
-                        <a:t>TOTAL REVENUE</a:t>
+                        <a:t>MEAN TOTAL REVENUE</a:t>
                       </a:r>
                     </a:p>
                   </a:txBody>
@@ -15115,7 +17877,7 @@
                           </a:solidFill>
                           <a:latin typeface="Nunito Sans Normal" pitchFamily="2" charset="0"/>
                         </a:rPr>
-                        <a:t>UNIQUE SKU COUNT</a:t>
+                        <a:t>MEAN UNIQUE SKU COUNT</a:t>
                       </a:r>
                     </a:p>
                   </a:txBody>
@@ -15134,7 +17896,7 @@
                           </a:solidFill>
                           <a:latin typeface="Nunito Sans Normal" pitchFamily="2" charset="0"/>
                         </a:rPr>
-                        <a:t>TOTAL VISIT CNT</a:t>
+                        <a:t>MEAN VISIT CNT</a:t>
                       </a:r>
                     </a:p>
                   </a:txBody>
@@ -15812,89 +18574,6 @@
           </a:graphicData>
         </a:graphic>
       </p:graphicFrame>
-      <p:sp>
-        <p:nvSpPr>
-          <p:cNvPr id="10" name="Left Brace 9">
-            <a:extLst>
-              <a:ext uri="{FF2B5EF4-FFF2-40B4-BE49-F238E27FC236}">
-                <a16:creationId xmlns:a16="http://schemas.microsoft.com/office/drawing/2014/main" id="{0F9BC292-ECC5-9A1E-2DCA-19EFBBEAAD1E}"/>
-              </a:ext>
-            </a:extLst>
-          </p:cNvPr>
-          <p:cNvSpPr/>
-          <p:nvPr/>
-        </p:nvSpPr>
-        <p:spPr>
-          <a:xfrm rot="5400000">
-            <a:off x="5284267" y="-491415"/>
-            <a:ext cx="247809" cy="4466915"/>
-          </a:xfrm>
-          <a:prstGeom prst="leftBrace">
-            <a:avLst/>
-          </a:prstGeom>
-        </p:spPr>
-        <p:style>
-          <a:lnRef idx="2">
-            <a:schemeClr val="dk1"/>
-          </a:lnRef>
-          <a:fillRef idx="0">
-            <a:schemeClr val="dk1"/>
-          </a:fillRef>
-          <a:effectRef idx="1">
-            <a:schemeClr val="dk1"/>
-          </a:effectRef>
-          <a:fontRef idx="minor">
-            <a:schemeClr val="tx1"/>
-          </a:fontRef>
-        </p:style>
-        <p:txBody>
-          <a:bodyPr rtlCol="0" anchor="ctr"/>
-          <a:lstStyle/>
-          <a:p>
-            <a:pPr algn="ctr"/>
-            <a:endParaRPr lang="pt-BR"/>
-          </a:p>
-        </p:txBody>
-      </p:sp>
-      <p:sp>
-        <p:nvSpPr>
-          <p:cNvPr id="12" name="TextBox 11">
-            <a:extLst>
-              <a:ext uri="{FF2B5EF4-FFF2-40B4-BE49-F238E27FC236}">
-                <a16:creationId xmlns:a16="http://schemas.microsoft.com/office/drawing/2014/main" id="{FA485525-D871-E8AC-4ACF-AE23B310E87C}"/>
-              </a:ext>
-            </a:extLst>
-          </p:cNvPr>
-          <p:cNvSpPr txBox="1"/>
-          <p:nvPr/>
-        </p:nvSpPr>
-        <p:spPr>
-          <a:xfrm>
-            <a:off x="4828965" y="1218028"/>
-            <a:ext cx="1158412" cy="400110"/>
-          </a:xfrm>
-          <a:prstGeom prst="rect">
-            <a:avLst/>
-          </a:prstGeom>
-          <a:noFill/>
-        </p:spPr>
-        <p:txBody>
-          <a:bodyPr wrap="square">
-            <a:spAutoFit/>
-          </a:bodyPr>
-          <a:lstStyle/>
-          <a:p>
-            <a:pPr algn="ctr"/>
-            <a:r>
-              <a:rPr lang="pt-BR" sz="2000" b="1" dirty="0">
-                <a:latin typeface="Nunito Sans Normal" pitchFamily="2" charset="0"/>
-              </a:rPr>
-              <a:t>MEAN</a:t>
-            </a:r>
-            <a:endParaRPr lang="pt-BR" sz="2000" b="1" dirty="0"/>
-          </a:p>
-        </p:txBody>
-      </p:sp>
       <p:pic>
         <p:nvPicPr>
           <p:cNvPr id="14" name="Graphic 13" descr="Lights On with solid fill">
@@ -16034,7 +18713,7 @@
 </p:sld>
 </file>
 
-<file path=ppt/slides/slide27.xml><?xml version="1.0" encoding="utf-8"?>
+<file path=ppt/slides/slide31.xml><?xml version="1.0" encoding="utf-8"?>
 <p:sld xmlns:a="http://schemas.openxmlformats.org/drawingml/2006/main" xmlns:r="http://schemas.openxmlformats.org/officeDocument/2006/relationships" xmlns:p="http://schemas.openxmlformats.org/presentationml/2006/main">
   <p:cSld>
     <p:spTree>
@@ -16042,7 +18721,7 @@
         <p:cNvPr id="1" name="">
           <a:extLst>
             <a:ext uri="{FF2B5EF4-FFF2-40B4-BE49-F238E27FC236}">
-              <a16:creationId xmlns:a16="http://schemas.microsoft.com/office/drawing/2014/main" id="{1BDC6D37-9FCD-8413-0219-0E9412256FD9}"/>
+              <a16:creationId xmlns:a16="http://schemas.microsoft.com/office/drawing/2014/main" id="{C0036C34-DAF3-5AAA-E706-4A815BF61A35}"/>
             </a:ext>
           </a:extLst>
         </p:cNvPr>
@@ -16062,7 +18741,7 @@
           <p:cNvPr id="2" name="TextBox 1">
             <a:extLst>
               <a:ext uri="{FF2B5EF4-FFF2-40B4-BE49-F238E27FC236}">
-                <a16:creationId xmlns:a16="http://schemas.microsoft.com/office/drawing/2014/main" id="{F8659A4A-420B-08D0-6636-77E411F7B469}"/>
+                <a16:creationId xmlns:a16="http://schemas.microsoft.com/office/drawing/2014/main" id="{85F53A2B-68E2-EBAB-48C5-548B445E18EE}"/>
               </a:ext>
             </a:extLst>
           </p:cNvPr>
@@ -16104,40 +18783,10 @@
       </p:sp>
       <p:pic>
         <p:nvPicPr>
-          <p:cNvPr id="6" name="Picture 5">
-            <a:extLst>
-              <a:ext uri="{FF2B5EF4-FFF2-40B4-BE49-F238E27FC236}">
-                <a16:creationId xmlns:a16="http://schemas.microsoft.com/office/drawing/2014/main" id="{3C845234-3C9C-7FBB-DE06-762C9BEA4F9D}"/>
-              </a:ext>
-            </a:extLst>
-          </p:cNvPr>
-          <p:cNvPicPr>
-            <a:picLocks noChangeAspect="1"/>
-          </p:cNvPicPr>
-          <p:nvPr/>
-        </p:nvPicPr>
-        <p:blipFill>
-          <a:blip r:embed="rId2"/>
-          <a:stretch>
-            <a:fillRect/>
-          </a:stretch>
-        </p:blipFill>
-        <p:spPr>
-          <a:xfrm>
-            <a:off x="1074149" y="1818592"/>
-            <a:ext cx="10043702" cy="2671860"/>
-          </a:xfrm>
-          <a:prstGeom prst="rect">
-            <a:avLst/>
-          </a:prstGeom>
-        </p:spPr>
-      </p:pic>
-      <p:pic>
-        <p:nvPicPr>
           <p:cNvPr id="8" name="Picture 2" descr="FabFitFun - Beauty, Fitness, Lifestyle">
             <a:extLst>
               <a:ext uri="{FF2B5EF4-FFF2-40B4-BE49-F238E27FC236}">
-                <a16:creationId xmlns:a16="http://schemas.microsoft.com/office/drawing/2014/main" id="{61836FE4-83D3-E333-763D-37A1B3678B26}"/>
+                <a16:creationId xmlns:a16="http://schemas.microsoft.com/office/drawing/2014/main" id="{D3FFD7E7-FC13-F326-3AC4-70FC65654138}"/>
               </a:ext>
             </a:extLst>
           </p:cNvPr>
@@ -16184,7 +18833,7 @@
           <p:cNvPr id="20" name="TextBox 19">
             <a:extLst>
               <a:ext uri="{FF2B5EF4-FFF2-40B4-BE49-F238E27FC236}">
-                <a16:creationId xmlns:a16="http://schemas.microsoft.com/office/drawing/2014/main" id="{2D1E488E-D689-9D36-57CB-AF1C9B42E1B7}"/>
+                <a16:creationId xmlns:a16="http://schemas.microsoft.com/office/drawing/2014/main" id="{60C4F5DC-BF32-118E-7620-FB427CAF06D3}"/>
               </a:ext>
             </a:extLst>
           </p:cNvPr>
@@ -16193,8 +18842,8 @@
         </p:nvSpPr>
         <p:spPr>
           <a:xfrm>
-            <a:off x="1663508" y="5055207"/>
-            <a:ext cx="6514722" cy="830997"/>
+            <a:off x="1568532" y="5055207"/>
+            <a:ext cx="7901732" cy="830997"/>
           </a:xfrm>
           <a:prstGeom prst="rect">
             <a:avLst/>
@@ -16211,13 +18860,13 @@
               <a:rPr lang="pt-BR" sz="2400" b="1" dirty="0">
                 <a:latin typeface="Nunito Sans Normal" pitchFamily="2" charset="0"/>
               </a:rPr>
-              <a:t>The channels that best drives these members to sales are</a:t>
+              <a:t>The channel that best drives these members to sales is</a:t>
             </a:r>
             <a:r>
               <a:rPr lang="pt-BR" sz="2400" dirty="0">
                 <a:latin typeface="Nunito Sans Normal" pitchFamily="2" charset="0"/>
               </a:rPr>
-              <a:t>: Mobile IOS and E-mail</a:t>
+              <a:t> Mobile IOS in all months.</a:t>
             </a:r>
           </a:p>
         </p:txBody>
@@ -16227,7 +18876,7 @@
           <p:cNvPr id="21" name="Graphic 20" descr="Lights On with solid fill">
             <a:extLst>
               <a:ext uri="{FF2B5EF4-FFF2-40B4-BE49-F238E27FC236}">
-                <a16:creationId xmlns:a16="http://schemas.microsoft.com/office/drawing/2014/main" id="{DEA8A882-05CC-2F1D-5E68-644DB78ACD79}"/>
+                <a16:creationId xmlns:a16="http://schemas.microsoft.com/office/drawing/2014/main" id="{902872B3-81F7-F720-E9BE-6FCE2246462A}"/>
               </a:ext>
             </a:extLst>
           </p:cNvPr>
@@ -16250,8 +18899,75 @@
         </p:blipFill>
         <p:spPr>
           <a:xfrm>
-            <a:off x="249661" y="4748710"/>
+            <a:off x="229113" y="4591579"/>
             <a:ext cx="1443992" cy="1443992"/>
+          </a:xfrm>
+          <a:prstGeom prst="rect">
+            <a:avLst/>
+          </a:prstGeom>
+        </p:spPr>
+      </p:pic>
+      <p:sp>
+        <p:nvSpPr>
+          <p:cNvPr id="7" name="TextBox 6">
+            <a:extLst>
+              <a:ext uri="{FF2B5EF4-FFF2-40B4-BE49-F238E27FC236}">
+                <a16:creationId xmlns:a16="http://schemas.microsoft.com/office/drawing/2014/main" id="{8E779B27-A6C7-BF38-5C05-2AACDED42CF3}"/>
+              </a:ext>
+            </a:extLst>
+          </p:cNvPr>
+          <p:cNvSpPr txBox="1"/>
+          <p:nvPr/>
+        </p:nvSpPr>
+        <p:spPr>
+          <a:xfrm>
+            <a:off x="378541" y="6095309"/>
+            <a:ext cx="8888729" cy="307777"/>
+          </a:xfrm>
+          <a:prstGeom prst="rect">
+            <a:avLst/>
+          </a:prstGeom>
+          <a:noFill/>
+        </p:spPr>
+        <p:txBody>
+          <a:bodyPr wrap="square">
+            <a:spAutoFit/>
+          </a:bodyPr>
+          <a:lstStyle/>
+          <a:p>
+            <a:r>
+              <a:rPr lang="pt-BR" sz="1400" dirty="0">
+                <a:latin typeface="Nunito Sans Normal" pitchFamily="2" charset="0"/>
+              </a:rPr>
+              <a:t>* Considering time window of 1 year, same users and that the last visit was transformed into a convertion.</a:t>
+            </a:r>
+            <a:endParaRPr lang="pt-BR" sz="1400" dirty="0"/>
+          </a:p>
+        </p:txBody>
+      </p:sp>
+      <p:pic>
+        <p:nvPicPr>
+          <p:cNvPr id="10" name="Picture 9">
+            <a:extLst>
+              <a:ext uri="{FF2B5EF4-FFF2-40B4-BE49-F238E27FC236}">
+                <a16:creationId xmlns:a16="http://schemas.microsoft.com/office/drawing/2014/main" id="{028F8D65-F296-FEFC-8BC8-C6B4D4CA450C}"/>
+              </a:ext>
+            </a:extLst>
+          </p:cNvPr>
+          <p:cNvPicPr>
+            <a:picLocks noChangeAspect="1"/>
+          </p:cNvPicPr>
+          <p:nvPr/>
+        </p:nvPicPr>
+        <p:blipFill>
+          <a:blip r:embed="rId6"/>
+          <a:srcRect l="579" t="1102" r="-579" b="-1102"/>
+          <a:stretch/>
+        </p:blipFill>
+        <p:spPr>
+          <a:xfrm>
+            <a:off x="1846648" y="1204991"/>
+            <a:ext cx="8666342" cy="3641111"/>
           </a:xfrm>
           <a:prstGeom prst="rect">
             <a:avLst/>
@@ -16261,7 +18977,7 @@
     </p:spTree>
     <p:extLst>
       <p:ext uri="{BB962C8B-B14F-4D97-AF65-F5344CB8AC3E}">
-        <p14:creationId xmlns:p14="http://schemas.microsoft.com/office/powerpoint/2010/main" val="2379510453"/>
+        <p14:creationId xmlns:p14="http://schemas.microsoft.com/office/powerpoint/2010/main" val="3024251762"/>
       </p:ext>
     </p:extLst>
   </p:cSld>
@@ -16271,7 +18987,7 @@
 </p:sld>
 </file>
 
-<file path=ppt/slides/slide28.xml><?xml version="1.0" encoding="utf-8"?>
+<file path=ppt/slides/slide32.xml><?xml version="1.0" encoding="utf-8"?>
 <p:sld xmlns:a="http://schemas.openxmlformats.org/drawingml/2006/main" xmlns:r="http://schemas.openxmlformats.org/officeDocument/2006/relationships" xmlns:p="http://schemas.openxmlformats.org/presentationml/2006/main">
   <p:cSld>
     <p:spTree>
@@ -16406,7 +19122,7 @@
           <p:nvPr/>
         </p:nvPicPr>
         <p:blipFill>
-          <a:blip r:embed="rId2">
+          <a:blip r:embed="rId3">
             <a:extLst>
               <a:ext uri="{28A0092B-C50C-407E-A947-70E740481C1C}">
                 <a14:useLocalDpi xmlns:a14="http://schemas.microsoft.com/office/drawing/2010/main" val="0"/>
@@ -16552,53 +19268,6 @@
           </a:p>
         </p:txBody>
       </p:sp>
-      <p:pic>
-        <p:nvPicPr>
-          <p:cNvPr id="5122" name="Picture 2" descr="Imagem resultante">
-            <a:extLst>
-              <a:ext uri="{FF2B5EF4-FFF2-40B4-BE49-F238E27FC236}">
-                <a16:creationId xmlns:a16="http://schemas.microsoft.com/office/drawing/2014/main" id="{D211BCB6-A5CA-155C-3F42-9CF4F01C7C24}"/>
-              </a:ext>
-            </a:extLst>
-          </p:cNvPr>
-          <p:cNvPicPr>
-            <a:picLocks noChangeAspect="1" noChangeArrowheads="1"/>
-          </p:cNvPicPr>
-          <p:nvPr/>
-        </p:nvPicPr>
-        <p:blipFill>
-          <a:blip r:embed="rId3">
-            <a:extLst>
-              <a:ext uri="{28A0092B-C50C-407E-A947-70E740481C1C}">
-                <a14:useLocalDpi xmlns:a14="http://schemas.microsoft.com/office/drawing/2010/main" val="0"/>
-              </a:ext>
-            </a:extLst>
-          </a:blip>
-          <a:srcRect/>
-          <a:stretch>
-            <a:fillRect/>
-          </a:stretch>
-        </p:blipFill>
-        <p:spPr bwMode="auto">
-          <a:xfrm>
-            <a:off x="137652" y="2402497"/>
-            <a:ext cx="8489846" cy="2078244"/>
-          </a:xfrm>
-          <a:prstGeom prst="rect">
-            <a:avLst/>
-          </a:prstGeom>
-          <a:noFill/>
-          <a:extLst>
-            <a:ext uri="{909E8E84-426E-40DD-AFC4-6F175D3DCCD1}">
-              <a14:hiddenFill xmlns:a14="http://schemas.microsoft.com/office/drawing/2010/main">
-                <a:solidFill>
-                  <a:srgbClr val="FFFFFF"/>
-                </a:solidFill>
-              </a14:hiddenFill>
-            </a:ext>
-          </a:extLst>
-        </p:spPr>
-      </p:pic>
       <p:sp>
         <p:nvSpPr>
           <p:cNvPr id="9" name="TextBox 8">
@@ -16613,8 +19282,8 @@
         </p:nvSpPr>
         <p:spPr>
           <a:xfrm>
-            <a:off x="1612137" y="4870416"/>
-            <a:ext cx="6514722" cy="1938992"/>
+            <a:off x="1614399" y="5224484"/>
+            <a:ext cx="6931723" cy="1323439"/>
           </a:xfrm>
           <a:prstGeom prst="rect">
             <a:avLst/>
@@ -16628,20 +19297,20 @@
           <a:lstStyle/>
           <a:p>
             <a:r>
-              <a:rPr lang="pt-BR" sz="2400" b="1" dirty="0">
+              <a:rPr lang="pt-BR" sz="2000" b="1" dirty="0">
                 <a:latin typeface="Nunito Sans Normal" pitchFamily="2" charset="0"/>
               </a:rPr>
               <a:t>The locations with a stronger convertion rates are, respectively: </a:t>
             </a:r>
             <a:r>
-              <a:rPr lang="pt-BR" sz="2400" dirty="0">
-                <a:latin typeface="Nunito Sans Normal" pitchFamily="2" charset="0"/>
-              </a:rPr>
-              <a:t>Non-continental us (31.82%), Canada (27.99%), us-midwest (24.33%).</a:t>
-            </a:r>
-          </a:p>
-          <a:p>
-            <a:endParaRPr lang="pt-BR" sz="2400" dirty="0">
+              <a:rPr lang="pt-BR" sz="2000" dirty="0">
+                <a:latin typeface="Nunito Sans Normal" pitchFamily="2" charset="0"/>
+              </a:rPr>
+              <a:t>Non-continental us (19.4%), us-midwest (14.7%)</a:t>
+            </a:r>
+          </a:p>
+          <a:p>
+            <a:endParaRPr lang="pt-BR" sz="2000" dirty="0">
               <a:latin typeface="Nunito Sans Normal" pitchFamily="2" charset="0"/>
             </a:endParaRPr>
           </a:p>
@@ -16675,8 +19344,38 @@
         </p:blipFill>
         <p:spPr>
           <a:xfrm>
-            <a:off x="249661" y="4748710"/>
-            <a:ext cx="1443992" cy="1443992"/>
+            <a:off x="378541" y="5224484"/>
+            <a:ext cx="968218" cy="968218"/>
+          </a:xfrm>
+          <a:prstGeom prst="rect">
+            <a:avLst/>
+          </a:prstGeom>
+        </p:spPr>
+      </p:pic>
+      <p:pic>
+        <p:nvPicPr>
+          <p:cNvPr id="6" name="Picture 5">
+            <a:extLst>
+              <a:ext uri="{FF2B5EF4-FFF2-40B4-BE49-F238E27FC236}">
+                <a16:creationId xmlns:a16="http://schemas.microsoft.com/office/drawing/2014/main" id="{0A62801E-073C-2448-6FB1-55113C0191A1}"/>
+              </a:ext>
+            </a:extLst>
+          </p:cNvPr>
+          <p:cNvPicPr>
+            <a:picLocks noChangeAspect="1"/>
+          </p:cNvPicPr>
+          <p:nvPr/>
+        </p:nvPicPr>
+        <p:blipFill>
+          <a:blip r:embed="rId6"/>
+          <a:stretch>
+            <a:fillRect/>
+          </a:stretch>
+        </p:blipFill>
+        <p:spPr>
+          <a:xfrm>
+            <a:off x="1163516" y="1075531"/>
+            <a:ext cx="6846341" cy="4042403"/>
           </a:xfrm>
           <a:prstGeom prst="rect">
             <a:avLst/>
@@ -16696,7 +19395,7 @@
 </p:sld>
 </file>
 
-<file path=ppt/slides/slide3.xml><?xml version="1.0" encoding="utf-8"?>
+<file path=ppt/slides/slide33.xml><?xml version="1.0" encoding="utf-8"?>
 <p:sld xmlns:a="http://schemas.openxmlformats.org/drawingml/2006/main" xmlns:r="http://schemas.openxmlformats.org/officeDocument/2006/relationships" xmlns:p="http://schemas.openxmlformats.org/presentationml/2006/main">
   <p:cSld>
     <p:spTree>
@@ -16704,7 +19403,7 @@
         <p:cNvPr id="1" name="">
           <a:extLst>
             <a:ext uri="{FF2B5EF4-FFF2-40B4-BE49-F238E27FC236}">
-              <a16:creationId xmlns:a16="http://schemas.microsoft.com/office/drawing/2014/main" id="{5B1EC6EE-F406-D06E-D1B7-FBD4BD28376E}"/>
+              <a16:creationId xmlns:a16="http://schemas.microsoft.com/office/drawing/2014/main" id="{068F4A7E-D60A-1D4E-5DBD-05A89EFB77ED}"/>
             </a:ext>
           </a:extLst>
         </p:cNvPr>
@@ -16724,7 +19423,7 @@
           <p:cNvPr id="6" name="Rectangle 5">
             <a:extLst>
               <a:ext uri="{FF2B5EF4-FFF2-40B4-BE49-F238E27FC236}">
-                <a16:creationId xmlns:a16="http://schemas.microsoft.com/office/drawing/2014/main" id="{3426EE3D-D315-9D79-1296-809AC4FC171D}"/>
+                <a16:creationId xmlns:a16="http://schemas.microsoft.com/office/drawing/2014/main" id="{ACE5064F-7007-E4A9-01E2-20EC13204ED1}"/>
               </a:ext>
             </a:extLst>
           </p:cNvPr>
@@ -16776,7 +19475,7 @@
           <p:cNvPr id="1026" name="Picture 2" descr="FabFitFun - Beauty, Fitness, Lifestyle">
             <a:extLst>
               <a:ext uri="{FF2B5EF4-FFF2-40B4-BE49-F238E27FC236}">
-                <a16:creationId xmlns:a16="http://schemas.microsoft.com/office/drawing/2014/main" id="{8843228F-56BF-CF1B-2A92-2EEE1540C4D8}"/>
+                <a16:creationId xmlns:a16="http://schemas.microsoft.com/office/drawing/2014/main" id="{051DDCD5-3B8F-9C71-201A-88DED6054C15}"/>
               </a:ext>
             </a:extLst>
           </p:cNvPr>
@@ -16823,7 +19522,7 @@
           <p:cNvPr id="5" name="TextBox 4">
             <a:extLst>
               <a:ext uri="{FF2B5EF4-FFF2-40B4-BE49-F238E27FC236}">
-                <a16:creationId xmlns:a16="http://schemas.microsoft.com/office/drawing/2014/main" id="{140028CD-EA71-AFAD-6EC5-AC89D0E70D80}"/>
+                <a16:creationId xmlns:a16="http://schemas.microsoft.com/office/drawing/2014/main" id="{BD96BEB0-CB2C-2468-EA6B-F3FDA8B69210}"/>
               </a:ext>
             </a:extLst>
           </p:cNvPr>
@@ -16832,8 +19531,8 @@
         </p:nvSpPr>
         <p:spPr>
           <a:xfrm>
-            <a:off x="324060" y="2459504"/>
-            <a:ext cx="6094324" cy="1938992"/>
+            <a:off x="324059" y="2459504"/>
+            <a:ext cx="9518583" cy="1015663"/>
           </a:xfrm>
           <a:prstGeom prst="rect">
             <a:avLst/>
@@ -16850,15 +19549,7 @@
               <a:rPr lang="pt-BR" sz="6000" b="1" dirty="0">
                 <a:latin typeface="Nunito Sans Normal" pitchFamily="2" charset="0"/>
               </a:rPr>
-              <a:t>1. PROBLEM </a:t>
-            </a:r>
-          </a:p>
-          <a:p>
-            <a:r>
-              <a:rPr lang="pt-BR" sz="6000" b="1" dirty="0">
-                <a:latin typeface="Nunito Sans Normal" pitchFamily="2" charset="0"/>
-              </a:rPr>
-              <a:t>DEFINITION</a:t>
+              <a:t>5. RECOMMENDATIONS</a:t>
             </a:r>
           </a:p>
         </p:txBody>
@@ -16866,7 +19557,903 @@
     </p:spTree>
     <p:extLst>
       <p:ext uri="{BB962C8B-B14F-4D97-AF65-F5344CB8AC3E}">
-        <p14:creationId xmlns:p14="http://schemas.microsoft.com/office/powerpoint/2010/main" val="2782786068"/>
+        <p14:creationId xmlns:p14="http://schemas.microsoft.com/office/powerpoint/2010/main" val="3125315875"/>
+      </p:ext>
+    </p:extLst>
+  </p:cSld>
+  <p:clrMapOvr>
+    <a:masterClrMapping/>
+  </p:clrMapOvr>
+</p:sld>
+</file>
+
+<file path=ppt/slides/slide34.xml><?xml version="1.0" encoding="utf-8"?>
+<p:sld xmlns:a="http://schemas.openxmlformats.org/drawingml/2006/main" xmlns:r="http://schemas.openxmlformats.org/officeDocument/2006/relationships" xmlns:p="http://schemas.openxmlformats.org/presentationml/2006/main">
+  <p:cSld>
+    <p:spTree>
+      <p:nvGrpSpPr>
+        <p:cNvPr id="1" name="">
+          <a:extLst>
+            <a:ext uri="{FF2B5EF4-FFF2-40B4-BE49-F238E27FC236}">
+              <a16:creationId xmlns:a16="http://schemas.microsoft.com/office/drawing/2014/main" id="{0B35ABAD-2CC4-7CDD-9F92-BABC050820FE}"/>
+            </a:ext>
+          </a:extLst>
+        </p:cNvPr>
+        <p:cNvGrpSpPr/>
+        <p:nvPr/>
+      </p:nvGrpSpPr>
+      <p:grpSpPr>
+        <a:xfrm>
+          <a:off x="0" y="0"/>
+          <a:ext cx="0" cy="0"/>
+          <a:chOff x="0" y="0"/>
+          <a:chExt cx="0" cy="0"/>
+        </a:xfrm>
+      </p:grpSpPr>
+      <p:sp>
+        <p:nvSpPr>
+          <p:cNvPr id="2" name="TextBox 1">
+            <a:extLst>
+              <a:ext uri="{FF2B5EF4-FFF2-40B4-BE49-F238E27FC236}">
+                <a16:creationId xmlns:a16="http://schemas.microsoft.com/office/drawing/2014/main" id="{19682E30-AC57-1E23-A21D-2D96725C125C}"/>
+              </a:ext>
+            </a:extLst>
+          </p:cNvPr>
+          <p:cNvSpPr txBox="1"/>
+          <p:nvPr/>
+        </p:nvSpPr>
+        <p:spPr>
+          <a:xfrm>
+            <a:off x="137652" y="48592"/>
+            <a:ext cx="4862228" cy="584775"/>
+          </a:xfrm>
+          <a:prstGeom prst="rect">
+            <a:avLst/>
+          </a:prstGeom>
+          <a:noFill/>
+        </p:spPr>
+        <p:txBody>
+          <a:bodyPr wrap="none" rtlCol="0">
+            <a:spAutoFit/>
+          </a:bodyPr>
+          <a:lstStyle/>
+          <a:p>
+            <a:r>
+              <a:rPr lang="pt-BR" sz="3200" b="1" dirty="0">
+                <a:latin typeface="Nunito Sans Normal" pitchFamily="2" charset="0"/>
+              </a:rPr>
+              <a:t>5. RECOMMENDATIONS</a:t>
+            </a:r>
+          </a:p>
+        </p:txBody>
+      </p:sp>
+      <p:pic>
+        <p:nvPicPr>
+          <p:cNvPr id="8" name="Picture 2" descr="FabFitFun - Beauty, Fitness, Lifestyle">
+            <a:extLst>
+              <a:ext uri="{FF2B5EF4-FFF2-40B4-BE49-F238E27FC236}">
+                <a16:creationId xmlns:a16="http://schemas.microsoft.com/office/drawing/2014/main" id="{99CBC0DA-84C2-8B8B-A8A5-7AA1F4FB0326}"/>
+              </a:ext>
+            </a:extLst>
+          </p:cNvPr>
+          <p:cNvPicPr>
+            <a:picLocks noChangeAspect="1" noChangeArrowheads="1"/>
+          </p:cNvPicPr>
+          <p:nvPr/>
+        </p:nvPicPr>
+        <p:blipFill>
+          <a:blip r:embed="rId3">
+            <a:extLst>
+              <a:ext uri="{28A0092B-C50C-407E-A947-70E740481C1C}">
+                <a14:useLocalDpi xmlns:a14="http://schemas.microsoft.com/office/drawing/2010/main" val="0"/>
+              </a:ext>
+            </a:extLst>
+          </a:blip>
+          <a:srcRect/>
+          <a:stretch>
+            <a:fillRect/>
+          </a:stretch>
+        </p:blipFill>
+        <p:spPr bwMode="auto">
+          <a:xfrm>
+            <a:off x="10053486" y="5886204"/>
+            <a:ext cx="1759973" cy="725989"/>
+          </a:xfrm>
+          <a:prstGeom prst="rect">
+            <a:avLst/>
+          </a:prstGeom>
+          <a:noFill/>
+          <a:extLst>
+            <a:ext uri="{909E8E84-426E-40DD-AFC4-6F175D3DCCD1}">
+              <a14:hiddenFill xmlns:a14="http://schemas.microsoft.com/office/drawing/2010/main">
+                <a:solidFill>
+                  <a:srgbClr val="FFFFFF"/>
+                </a:solidFill>
+              </a14:hiddenFill>
+            </a:ext>
+          </a:extLst>
+        </p:spPr>
+      </p:pic>
+      <p:sp>
+        <p:nvSpPr>
+          <p:cNvPr id="5" name="TextBox 4">
+            <a:extLst>
+              <a:ext uri="{FF2B5EF4-FFF2-40B4-BE49-F238E27FC236}">
+                <a16:creationId xmlns:a16="http://schemas.microsoft.com/office/drawing/2014/main" id="{60B924A5-3EDA-4B24-E371-2A12DAE2C4C1}"/>
+              </a:ext>
+            </a:extLst>
+          </p:cNvPr>
+          <p:cNvSpPr txBox="1"/>
+          <p:nvPr/>
+        </p:nvSpPr>
+        <p:spPr>
+          <a:xfrm>
+            <a:off x="1246172" y="4240105"/>
+            <a:ext cx="3325671" cy="1200329"/>
+          </a:xfrm>
+          <a:prstGeom prst="rect">
+            <a:avLst/>
+          </a:prstGeom>
+          <a:noFill/>
+        </p:spPr>
+        <p:txBody>
+          <a:bodyPr wrap="square">
+            <a:spAutoFit/>
+          </a:bodyPr>
+          <a:lstStyle/>
+          <a:p>
+            <a:pPr algn="ctr"/>
+            <a:r>
+              <a:rPr lang="pt-BR" dirty="0">
+                <a:latin typeface="Nunito Sans Normal" pitchFamily="2" charset="0"/>
+              </a:rPr>
+              <a:t>According to the RFM and K-Means, the focus should be on </a:t>
+            </a:r>
+            <a:r>
+              <a:rPr lang="pt-BR" b="1" dirty="0">
+                <a:latin typeface="Nunito Sans Normal" pitchFamily="2" charset="0"/>
+              </a:rPr>
+              <a:t>discoverability</a:t>
+            </a:r>
+            <a:r>
+              <a:rPr lang="pt-BR" dirty="0">
+                <a:latin typeface="Nunito Sans Normal" pitchFamily="2" charset="0"/>
+              </a:rPr>
+              <a:t> and </a:t>
+            </a:r>
+            <a:r>
+              <a:rPr lang="pt-BR" b="1" dirty="0">
+                <a:latin typeface="Nunito Sans Normal" pitchFamily="2" charset="0"/>
+              </a:rPr>
+              <a:t>explorability</a:t>
+            </a:r>
+            <a:r>
+              <a:rPr lang="pt-BR" dirty="0">
+                <a:latin typeface="Nunito Sans Normal" pitchFamily="2" charset="0"/>
+              </a:rPr>
+              <a:t>. </a:t>
+            </a:r>
+            <a:endParaRPr lang="pt-BR" dirty="0"/>
+          </a:p>
+        </p:txBody>
+      </p:sp>
+      <p:sp>
+        <p:nvSpPr>
+          <p:cNvPr id="9" name="Oval 8">
+            <a:extLst>
+              <a:ext uri="{FF2B5EF4-FFF2-40B4-BE49-F238E27FC236}">
+                <a16:creationId xmlns:a16="http://schemas.microsoft.com/office/drawing/2014/main" id="{F0BCD3D4-0744-7BA4-C50A-023582373054}"/>
+              </a:ext>
+            </a:extLst>
+          </p:cNvPr>
+          <p:cNvSpPr/>
+          <p:nvPr/>
+        </p:nvSpPr>
+        <p:spPr>
+          <a:xfrm>
+            <a:off x="1649008" y="1431066"/>
+            <a:ext cx="2520000" cy="2520000"/>
+          </a:xfrm>
+          <a:prstGeom prst="ellipse">
+            <a:avLst/>
+          </a:prstGeom>
+          <a:solidFill>
+            <a:srgbClr val="FEBAA8"/>
+          </a:solidFill>
+          <a:ln>
+            <a:noFill/>
+          </a:ln>
+        </p:spPr>
+        <p:style>
+          <a:lnRef idx="2">
+            <a:schemeClr val="accent1">
+              <a:shade val="15000"/>
+            </a:schemeClr>
+          </a:lnRef>
+          <a:fillRef idx="1">
+            <a:schemeClr val="accent1"/>
+          </a:fillRef>
+          <a:effectRef idx="0">
+            <a:schemeClr val="accent1"/>
+          </a:effectRef>
+          <a:fontRef idx="minor">
+            <a:schemeClr val="lt1"/>
+          </a:fontRef>
+        </p:style>
+        <p:txBody>
+          <a:bodyPr rtlCol="0" anchor="ctr"/>
+          <a:lstStyle/>
+          <a:p>
+            <a:pPr algn="ctr"/>
+            <a:endParaRPr lang="pt-BR"/>
+          </a:p>
+        </p:txBody>
+      </p:sp>
+      <p:pic>
+        <p:nvPicPr>
+          <p:cNvPr id="14" name="Graphic 13" descr="Search Inventory with solid fill">
+            <a:extLst>
+              <a:ext uri="{FF2B5EF4-FFF2-40B4-BE49-F238E27FC236}">
+                <a16:creationId xmlns:a16="http://schemas.microsoft.com/office/drawing/2014/main" id="{CCED975A-980A-6F4E-10AC-442374FBD666}"/>
+              </a:ext>
+            </a:extLst>
+          </p:cNvPr>
+          <p:cNvPicPr>
+            <a:picLocks noChangeAspect="1"/>
+          </p:cNvPicPr>
+          <p:nvPr/>
+        </p:nvPicPr>
+        <p:blipFill>
+          <a:blip r:embed="rId4">
+            <a:extLst>
+              <a:ext uri="{96DAC541-7B7A-43D3-8B79-37D633B846F1}">
+                <asvg:svgBlip xmlns:asvg="http://schemas.microsoft.com/office/drawing/2016/SVG/main" r:embed="rId5"/>
+              </a:ext>
+            </a:extLst>
+          </a:blip>
+          <a:stretch>
+            <a:fillRect/>
+          </a:stretch>
+        </p:blipFill>
+        <p:spPr>
+          <a:xfrm>
+            <a:off x="2256876" y="2038935"/>
+            <a:ext cx="1304261" cy="1304261"/>
+          </a:xfrm>
+          <a:prstGeom prst="rect">
+            <a:avLst/>
+          </a:prstGeom>
+        </p:spPr>
+      </p:pic>
+      <p:sp>
+        <p:nvSpPr>
+          <p:cNvPr id="15" name="Arrow: Right 14">
+            <a:extLst>
+              <a:ext uri="{FF2B5EF4-FFF2-40B4-BE49-F238E27FC236}">
+                <a16:creationId xmlns:a16="http://schemas.microsoft.com/office/drawing/2014/main" id="{6B77FADC-83BA-2EDE-D43C-B2CB6E235193}"/>
+              </a:ext>
+            </a:extLst>
+          </p:cNvPr>
+          <p:cNvSpPr/>
+          <p:nvPr/>
+        </p:nvSpPr>
+        <p:spPr>
+          <a:xfrm>
+            <a:off x="5209953" y="2361455"/>
+            <a:ext cx="1594884" cy="659219"/>
+          </a:xfrm>
+          <a:prstGeom prst="rightArrow">
+            <a:avLst/>
+          </a:prstGeom>
+          <a:solidFill>
+            <a:schemeClr val="tx1"/>
+          </a:solidFill>
+          <a:ln>
+            <a:noFill/>
+          </a:ln>
+        </p:spPr>
+        <p:style>
+          <a:lnRef idx="2">
+            <a:schemeClr val="accent1">
+              <a:shade val="15000"/>
+            </a:schemeClr>
+          </a:lnRef>
+          <a:fillRef idx="1">
+            <a:schemeClr val="accent1"/>
+          </a:fillRef>
+          <a:effectRef idx="0">
+            <a:schemeClr val="accent1"/>
+          </a:effectRef>
+          <a:fontRef idx="minor">
+            <a:schemeClr val="lt1"/>
+          </a:fontRef>
+        </p:style>
+        <p:txBody>
+          <a:bodyPr rtlCol="0" anchor="ctr"/>
+          <a:lstStyle/>
+          <a:p>
+            <a:pPr algn="ctr"/>
+            <a:endParaRPr lang="pt-BR"/>
+          </a:p>
+        </p:txBody>
+      </p:sp>
+      <p:sp>
+        <p:nvSpPr>
+          <p:cNvPr id="16" name="Oval 15">
+            <a:extLst>
+              <a:ext uri="{FF2B5EF4-FFF2-40B4-BE49-F238E27FC236}">
+                <a16:creationId xmlns:a16="http://schemas.microsoft.com/office/drawing/2014/main" id="{259F2567-7C1C-AC00-E18E-896CDBD3A9CD}"/>
+              </a:ext>
+            </a:extLst>
+          </p:cNvPr>
+          <p:cNvSpPr/>
+          <p:nvPr/>
+        </p:nvSpPr>
+        <p:spPr>
+          <a:xfrm>
+            <a:off x="7845782" y="1431066"/>
+            <a:ext cx="2520000" cy="2520000"/>
+          </a:xfrm>
+          <a:prstGeom prst="ellipse">
+            <a:avLst/>
+          </a:prstGeom>
+          <a:solidFill>
+            <a:srgbClr val="FEBAA8"/>
+          </a:solidFill>
+          <a:ln>
+            <a:noFill/>
+          </a:ln>
+        </p:spPr>
+        <p:style>
+          <a:lnRef idx="2">
+            <a:schemeClr val="accent1">
+              <a:shade val="15000"/>
+            </a:schemeClr>
+          </a:lnRef>
+          <a:fillRef idx="1">
+            <a:schemeClr val="accent1"/>
+          </a:fillRef>
+          <a:effectRef idx="0">
+            <a:schemeClr val="accent1"/>
+          </a:effectRef>
+          <a:fontRef idx="minor">
+            <a:schemeClr val="lt1"/>
+          </a:fontRef>
+        </p:style>
+        <p:txBody>
+          <a:bodyPr rtlCol="0" anchor="ctr"/>
+          <a:lstStyle/>
+          <a:p>
+            <a:pPr algn="ctr"/>
+            <a:endParaRPr lang="pt-BR"/>
+          </a:p>
+        </p:txBody>
+      </p:sp>
+      <p:pic>
+        <p:nvPicPr>
+          <p:cNvPr id="18" name="Graphic 17" descr="Home with solid fill">
+            <a:extLst>
+              <a:ext uri="{FF2B5EF4-FFF2-40B4-BE49-F238E27FC236}">
+                <a16:creationId xmlns:a16="http://schemas.microsoft.com/office/drawing/2014/main" id="{726B5038-B942-0AE4-557F-DB2D6B8F8211}"/>
+              </a:ext>
+            </a:extLst>
+          </p:cNvPr>
+          <p:cNvPicPr>
+            <a:picLocks noChangeAspect="1"/>
+          </p:cNvPicPr>
+          <p:nvPr/>
+        </p:nvPicPr>
+        <p:blipFill>
+          <a:blip r:embed="rId6">
+            <a:extLst>
+              <a:ext uri="{96DAC541-7B7A-43D3-8B79-37D633B846F1}">
+                <asvg:svgBlip xmlns:asvg="http://schemas.microsoft.com/office/drawing/2016/SVG/main" r:embed="rId7"/>
+              </a:ext>
+            </a:extLst>
+          </a:blip>
+          <a:stretch>
+            <a:fillRect/>
+          </a:stretch>
+        </p:blipFill>
+        <p:spPr>
+          <a:xfrm>
+            <a:off x="8437703" y="2038935"/>
+            <a:ext cx="1336158" cy="1336158"/>
+          </a:xfrm>
+          <a:prstGeom prst="rect">
+            <a:avLst/>
+          </a:prstGeom>
+        </p:spPr>
+      </p:pic>
+      <p:sp>
+        <p:nvSpPr>
+          <p:cNvPr id="19" name="TextBox 18">
+            <a:extLst>
+              <a:ext uri="{FF2B5EF4-FFF2-40B4-BE49-F238E27FC236}">
+                <a16:creationId xmlns:a16="http://schemas.microsoft.com/office/drawing/2014/main" id="{44B0A02B-3371-1E12-1051-C42EC79FA698}"/>
+              </a:ext>
+            </a:extLst>
+          </p:cNvPr>
+          <p:cNvSpPr txBox="1"/>
+          <p:nvPr/>
+        </p:nvSpPr>
+        <p:spPr>
+          <a:xfrm>
+            <a:off x="7442946" y="4240105"/>
+            <a:ext cx="3325671" cy="1754326"/>
+          </a:xfrm>
+          <a:prstGeom prst="rect">
+            <a:avLst/>
+          </a:prstGeom>
+          <a:noFill/>
+        </p:spPr>
+        <p:txBody>
+          <a:bodyPr wrap="square">
+            <a:spAutoFit/>
+          </a:bodyPr>
+          <a:lstStyle/>
+          <a:p>
+            <a:pPr algn="ctr"/>
+            <a:r>
+              <a:rPr lang="pt-BR" dirty="0">
+                <a:latin typeface="Nunito Sans Normal" pitchFamily="2" charset="0"/>
+              </a:rPr>
+              <a:t>Personalized homepage* using </a:t>
+            </a:r>
+            <a:r>
+              <a:rPr lang="pt-BR" b="1" dirty="0">
+                <a:latin typeface="Nunito Sans Normal" pitchFamily="2" charset="0"/>
+              </a:rPr>
+              <a:t>machine learning </a:t>
+            </a:r>
+            <a:r>
+              <a:rPr lang="pt-BR" dirty="0">
+                <a:latin typeface="Nunito Sans Normal" pitchFamily="2" charset="0"/>
+              </a:rPr>
+              <a:t>models to reorder properly the SKUs according to users.</a:t>
+            </a:r>
+          </a:p>
+          <a:p>
+            <a:pPr algn="ctr"/>
+            <a:r>
+              <a:rPr lang="pt-BR" i="1" dirty="0">
+                <a:latin typeface="Nunito Sans Normal" pitchFamily="2" charset="0"/>
+              </a:rPr>
+              <a:t>E.g. Algorithm: Matrix Factorization</a:t>
+            </a:r>
+            <a:endParaRPr lang="pt-BR" i="1" dirty="0"/>
+          </a:p>
+        </p:txBody>
+      </p:sp>
+      <p:sp>
+        <p:nvSpPr>
+          <p:cNvPr id="21" name="TextBox 20">
+            <a:extLst>
+              <a:ext uri="{FF2B5EF4-FFF2-40B4-BE49-F238E27FC236}">
+                <a16:creationId xmlns:a16="http://schemas.microsoft.com/office/drawing/2014/main" id="{E79ABCF7-C97B-E329-4165-34EB05F98689}"/>
+              </a:ext>
+            </a:extLst>
+          </p:cNvPr>
+          <p:cNvSpPr txBox="1"/>
+          <p:nvPr/>
+        </p:nvSpPr>
+        <p:spPr>
+          <a:xfrm>
+            <a:off x="378541" y="6064532"/>
+            <a:ext cx="6107722" cy="523220"/>
+          </a:xfrm>
+          <a:prstGeom prst="rect">
+            <a:avLst/>
+          </a:prstGeom>
+          <a:noFill/>
+        </p:spPr>
+        <p:txBody>
+          <a:bodyPr wrap="square">
+            <a:spAutoFit/>
+          </a:bodyPr>
+          <a:lstStyle/>
+          <a:p>
+            <a:r>
+              <a:rPr lang="pt-BR" sz="1400" dirty="0">
+                <a:latin typeface="Nunito Sans Normal" pitchFamily="2" charset="0"/>
+              </a:rPr>
+              <a:t>* In e-commerce, homepage is mainly used to improve discoverability for users.</a:t>
+            </a:r>
+            <a:endParaRPr lang="pt-BR" sz="1400" dirty="0"/>
+          </a:p>
+        </p:txBody>
+      </p:sp>
+    </p:spTree>
+    <p:extLst>
+      <p:ext uri="{BB962C8B-B14F-4D97-AF65-F5344CB8AC3E}">
+        <p14:creationId xmlns:p14="http://schemas.microsoft.com/office/powerpoint/2010/main" val="2060031567"/>
+      </p:ext>
+    </p:extLst>
+  </p:cSld>
+  <p:clrMapOvr>
+    <a:masterClrMapping/>
+  </p:clrMapOvr>
+</p:sld>
+</file>
+
+<file path=ppt/slides/slide35.xml><?xml version="1.0" encoding="utf-8"?>
+<p:sld xmlns:a="http://schemas.openxmlformats.org/drawingml/2006/main" xmlns:r="http://schemas.openxmlformats.org/officeDocument/2006/relationships" xmlns:p="http://schemas.openxmlformats.org/presentationml/2006/main">
+  <p:cSld>
+    <p:spTree>
+      <p:nvGrpSpPr>
+        <p:cNvPr id="1" name="">
+          <a:extLst>
+            <a:ext uri="{FF2B5EF4-FFF2-40B4-BE49-F238E27FC236}">
+              <a16:creationId xmlns:a16="http://schemas.microsoft.com/office/drawing/2014/main" id="{03BA3477-96C8-A141-07E3-DB2E2E45C0F5}"/>
+            </a:ext>
+          </a:extLst>
+        </p:cNvPr>
+        <p:cNvGrpSpPr/>
+        <p:nvPr/>
+      </p:nvGrpSpPr>
+      <p:grpSpPr>
+        <a:xfrm>
+          <a:off x="0" y="0"/>
+          <a:ext cx="0" cy="0"/>
+          <a:chOff x="0" y="0"/>
+          <a:chExt cx="0" cy="0"/>
+        </a:xfrm>
+      </p:grpSpPr>
+      <p:sp>
+        <p:nvSpPr>
+          <p:cNvPr id="2" name="TextBox 1">
+            <a:extLst>
+              <a:ext uri="{FF2B5EF4-FFF2-40B4-BE49-F238E27FC236}">
+                <a16:creationId xmlns:a16="http://schemas.microsoft.com/office/drawing/2014/main" id="{1FF23134-F2F0-BC75-06B3-2DEDF0BAE3E9}"/>
+              </a:ext>
+            </a:extLst>
+          </p:cNvPr>
+          <p:cNvSpPr txBox="1"/>
+          <p:nvPr/>
+        </p:nvSpPr>
+        <p:spPr>
+          <a:xfrm>
+            <a:off x="137652" y="48592"/>
+            <a:ext cx="4865434" cy="861774"/>
+          </a:xfrm>
+          <a:prstGeom prst="rect">
+            <a:avLst/>
+          </a:prstGeom>
+          <a:noFill/>
+        </p:spPr>
+        <p:txBody>
+          <a:bodyPr wrap="none" rtlCol="0">
+            <a:spAutoFit/>
+          </a:bodyPr>
+          <a:lstStyle/>
+          <a:p>
+            <a:r>
+              <a:rPr lang="pt-BR" sz="3200" b="1" dirty="0">
+                <a:latin typeface="Nunito Sans Normal" pitchFamily="2" charset="0"/>
+              </a:rPr>
+              <a:t>5. RECOMMENDATIONS</a:t>
+            </a:r>
+          </a:p>
+          <a:p>
+            <a:r>
+              <a:rPr lang="pt-BR" dirty="0">
+                <a:latin typeface="Nunito Sans Normal" pitchFamily="2" charset="0"/>
+              </a:rPr>
+              <a:t>4.3 STRONG CONVERTION RATE</a:t>
+            </a:r>
+          </a:p>
+        </p:txBody>
+      </p:sp>
+      <p:pic>
+        <p:nvPicPr>
+          <p:cNvPr id="8" name="Picture 2" descr="FabFitFun - Beauty, Fitness, Lifestyle">
+            <a:extLst>
+              <a:ext uri="{FF2B5EF4-FFF2-40B4-BE49-F238E27FC236}">
+                <a16:creationId xmlns:a16="http://schemas.microsoft.com/office/drawing/2014/main" id="{87E53FDE-CDEE-DC80-66E5-BF5314450DCD}"/>
+              </a:ext>
+            </a:extLst>
+          </p:cNvPr>
+          <p:cNvPicPr>
+            <a:picLocks noChangeAspect="1" noChangeArrowheads="1"/>
+          </p:cNvPicPr>
+          <p:nvPr/>
+        </p:nvPicPr>
+        <p:blipFill>
+          <a:blip r:embed="rId2">
+            <a:extLst>
+              <a:ext uri="{28A0092B-C50C-407E-A947-70E740481C1C}">
+                <a14:useLocalDpi xmlns:a14="http://schemas.microsoft.com/office/drawing/2010/main" val="0"/>
+              </a:ext>
+            </a:extLst>
+          </a:blip>
+          <a:srcRect/>
+          <a:stretch>
+            <a:fillRect/>
+          </a:stretch>
+        </p:blipFill>
+        <p:spPr bwMode="auto">
+          <a:xfrm>
+            <a:off x="10053486" y="5886204"/>
+            <a:ext cx="1759973" cy="725989"/>
+          </a:xfrm>
+          <a:prstGeom prst="rect">
+            <a:avLst/>
+          </a:prstGeom>
+          <a:noFill/>
+          <a:extLst>
+            <a:ext uri="{909E8E84-426E-40DD-AFC4-6F175D3DCCD1}">
+              <a14:hiddenFill xmlns:a14="http://schemas.microsoft.com/office/drawing/2010/main">
+                <a:solidFill>
+                  <a:srgbClr val="FFFFFF"/>
+                </a:solidFill>
+              </a14:hiddenFill>
+            </a:ext>
+          </a:extLst>
+        </p:spPr>
+      </p:pic>
+      <p:sp>
+        <p:nvSpPr>
+          <p:cNvPr id="4" name="TextBox 3">
+            <a:extLst>
+              <a:ext uri="{FF2B5EF4-FFF2-40B4-BE49-F238E27FC236}">
+                <a16:creationId xmlns:a16="http://schemas.microsoft.com/office/drawing/2014/main" id="{DE041082-EDDC-5D16-A1B6-F8893BFF6667}"/>
+              </a:ext>
+            </a:extLst>
+          </p:cNvPr>
+          <p:cNvSpPr txBox="1"/>
+          <p:nvPr/>
+        </p:nvSpPr>
+        <p:spPr>
+          <a:xfrm>
+            <a:off x="534171" y="1178732"/>
+            <a:ext cx="7901732" cy="1477328"/>
+          </a:xfrm>
+          <a:prstGeom prst="rect">
+            <a:avLst/>
+          </a:prstGeom>
+          <a:noFill/>
+        </p:spPr>
+        <p:txBody>
+          <a:bodyPr wrap="square">
+            <a:spAutoFit/>
+          </a:bodyPr>
+          <a:lstStyle/>
+          <a:p>
+            <a:r>
+              <a:rPr lang="pt-BR" b="1" dirty="0">
+                <a:latin typeface="Nunito Sans Normal" pitchFamily="2" charset="0"/>
+              </a:rPr>
+              <a:t>CLUSTER 0 </a:t>
+            </a:r>
+            <a:r>
+              <a:rPr lang="pt-BR" dirty="0">
+                <a:latin typeface="Nunito Sans Normal" pitchFamily="2" charset="0"/>
+              </a:rPr>
+              <a:t>(high volume, less convertion (</a:t>
+            </a:r>
+            <a:r>
+              <a:rPr lang="pt-BR" dirty="0"/>
+              <a:t>REVENUE ÷ VISITS)</a:t>
+            </a:r>
+            <a:r>
+              <a:rPr lang="pt-BR" dirty="0">
+                <a:latin typeface="Nunito Sans Normal" pitchFamily="2" charset="0"/>
+              </a:rPr>
+              <a:t>):</a:t>
+            </a:r>
+          </a:p>
+          <a:p>
+            <a:pPr marL="285750" indent="-285750">
+              <a:buFont typeface="Arial" panose="020B0604020202020204" pitchFamily="34" charset="0"/>
+              <a:buChar char="•"/>
+            </a:pPr>
+            <a:r>
+              <a:rPr lang="pt-BR" b="1" i="1" dirty="0">
+                <a:latin typeface="Nunito Sans Normal" pitchFamily="2" charset="0"/>
+              </a:rPr>
+              <a:t>Objective: focus on transform visits into purchases, than improve campaigns</a:t>
+            </a:r>
+          </a:p>
+          <a:p>
+            <a:pPr marL="285750" indent="-285750">
+              <a:buFont typeface="Arial" panose="020B0604020202020204" pitchFamily="34" charset="0"/>
+              <a:buChar char="•"/>
+            </a:pPr>
+            <a:r>
+              <a:rPr lang="pt-BR" dirty="0">
+                <a:latin typeface="Nunito Sans Normal" pitchFamily="2" charset="0"/>
+              </a:rPr>
+              <a:t>Discounts in first purchases</a:t>
+            </a:r>
+          </a:p>
+          <a:p>
+            <a:pPr marL="285750" indent="-285750">
+              <a:buFont typeface="Arial" panose="020B0604020202020204" pitchFamily="34" charset="0"/>
+              <a:buChar char="•"/>
+            </a:pPr>
+            <a:r>
+              <a:rPr lang="pt-BR" dirty="0">
+                <a:latin typeface="Nunito Sans Normal" pitchFamily="2" charset="0"/>
+              </a:rPr>
+              <a:t>Artificial urgency (“Promotion valid for an hour”, “Last unities on stock”) </a:t>
+            </a:r>
+          </a:p>
+        </p:txBody>
+      </p:sp>
+      <p:sp>
+        <p:nvSpPr>
+          <p:cNvPr id="6" name="TextBox 5">
+            <a:extLst>
+              <a:ext uri="{FF2B5EF4-FFF2-40B4-BE49-F238E27FC236}">
+                <a16:creationId xmlns:a16="http://schemas.microsoft.com/office/drawing/2014/main" id="{2560DE09-F339-9E15-C4D8-3A4453273092}"/>
+              </a:ext>
+            </a:extLst>
+          </p:cNvPr>
+          <p:cNvSpPr txBox="1"/>
+          <p:nvPr/>
+        </p:nvSpPr>
+        <p:spPr>
+          <a:xfrm>
+            <a:off x="534171" y="3015612"/>
+            <a:ext cx="7901732" cy="1477328"/>
+          </a:xfrm>
+          <a:prstGeom prst="rect">
+            <a:avLst/>
+          </a:prstGeom>
+          <a:noFill/>
+        </p:spPr>
+        <p:txBody>
+          <a:bodyPr wrap="square">
+            <a:spAutoFit/>
+          </a:bodyPr>
+          <a:lstStyle/>
+          <a:p>
+            <a:r>
+              <a:rPr lang="pt-BR" b="1" dirty="0">
+                <a:latin typeface="Nunito Sans Normal" pitchFamily="2" charset="0"/>
+              </a:rPr>
+              <a:t>CLUSTER 1 </a:t>
+            </a:r>
+            <a:r>
+              <a:rPr lang="pt-BR" dirty="0">
+                <a:latin typeface="Nunito Sans Normal" pitchFamily="2" charset="0"/>
+              </a:rPr>
+              <a:t>(small group, high convertion):</a:t>
+            </a:r>
+          </a:p>
+          <a:p>
+            <a:pPr marL="285750" indent="-285750">
+              <a:buFont typeface="Arial" panose="020B0604020202020204" pitchFamily="34" charset="0"/>
+              <a:buChar char="•"/>
+            </a:pPr>
+            <a:r>
+              <a:rPr lang="pt-BR" b="1" i="1" dirty="0">
+                <a:latin typeface="Nunito Sans Normal" pitchFamily="2" charset="0"/>
+              </a:rPr>
+              <a:t>Objective: extract more value without pressure</a:t>
+            </a:r>
+          </a:p>
+          <a:p>
+            <a:pPr marL="285750" indent="-285750">
+              <a:buFont typeface="Arial" panose="020B0604020202020204" pitchFamily="34" charset="0"/>
+              <a:buChar char="•"/>
+            </a:pPr>
+            <a:r>
+              <a:rPr lang="pt-BR" dirty="0">
+                <a:latin typeface="Nunito Sans Normal" pitchFamily="2" charset="0"/>
+              </a:rPr>
+              <a:t>Cross-sell in checkout (“Also take this item...”</a:t>
+            </a:r>
+          </a:p>
+          <a:p>
+            <a:pPr marL="285750" indent="-285750">
+              <a:buFont typeface="Arial" panose="020B0604020202020204" pitchFamily="34" charset="0"/>
+              <a:buChar char="•"/>
+            </a:pPr>
+            <a:r>
+              <a:rPr lang="pt-BR" dirty="0">
+                <a:latin typeface="Nunito Sans Normal" pitchFamily="2" charset="0"/>
+              </a:rPr>
+              <a:t>Rewards for volumes (“Earn one extra product after buying 3”)</a:t>
+            </a:r>
+          </a:p>
+          <a:p>
+            <a:pPr marL="285750" indent="-285750">
+              <a:buFont typeface="Arial" panose="020B0604020202020204" pitchFamily="34" charset="0"/>
+              <a:buChar char="•"/>
+            </a:pPr>
+            <a:r>
+              <a:rPr lang="pt-BR" dirty="0">
+                <a:latin typeface="Nunito Sans Normal" pitchFamily="2" charset="0"/>
+              </a:rPr>
+              <a:t>Faster checkout (reducing quantity of clicks, save preferences)</a:t>
+            </a:r>
+          </a:p>
+        </p:txBody>
+      </p:sp>
+      <p:sp>
+        <p:nvSpPr>
+          <p:cNvPr id="7" name="TextBox 6">
+            <a:extLst>
+              <a:ext uri="{FF2B5EF4-FFF2-40B4-BE49-F238E27FC236}">
+                <a16:creationId xmlns:a16="http://schemas.microsoft.com/office/drawing/2014/main" id="{8A2E473E-C332-A60A-DC16-A4E7B4BB17AB}"/>
+              </a:ext>
+            </a:extLst>
+          </p:cNvPr>
+          <p:cNvSpPr txBox="1"/>
+          <p:nvPr/>
+        </p:nvSpPr>
+        <p:spPr>
+          <a:xfrm>
+            <a:off x="534171" y="4975923"/>
+            <a:ext cx="9247782" cy="1200329"/>
+          </a:xfrm>
+          <a:prstGeom prst="rect">
+            <a:avLst/>
+          </a:prstGeom>
+          <a:noFill/>
+        </p:spPr>
+        <p:txBody>
+          <a:bodyPr wrap="square">
+            <a:spAutoFit/>
+          </a:bodyPr>
+          <a:lstStyle/>
+          <a:p>
+            <a:r>
+              <a:rPr lang="pt-BR" b="1" dirty="0">
+                <a:latin typeface="Nunito Sans Normal" pitchFamily="2" charset="0"/>
+              </a:rPr>
+              <a:t>CLUSTER 2 </a:t>
+            </a:r>
+            <a:r>
+              <a:rPr lang="pt-BR" dirty="0">
+                <a:latin typeface="Nunito Sans Normal" pitchFamily="2" charset="0"/>
+              </a:rPr>
+              <a:t>(mid size group, mostly with high convertion):</a:t>
+            </a:r>
+          </a:p>
+          <a:p>
+            <a:pPr marL="285750" indent="-285750">
+              <a:buFont typeface="Arial" panose="020B0604020202020204" pitchFamily="34" charset="0"/>
+              <a:buChar char="•"/>
+            </a:pPr>
+            <a:r>
+              <a:rPr lang="pt-BR" b="1" i="1" dirty="0">
+                <a:latin typeface="Nunito Sans Normal" pitchFamily="2" charset="0"/>
+              </a:rPr>
+              <a:t>Objective: convert more in the visits they already perform</a:t>
+            </a:r>
+          </a:p>
+          <a:p>
+            <a:pPr marL="285750" indent="-285750">
+              <a:buFont typeface="Arial" panose="020B0604020202020204" pitchFamily="34" charset="0"/>
+              <a:buChar char="•"/>
+            </a:pPr>
+            <a:r>
+              <a:rPr lang="pt-BR" dirty="0">
+                <a:latin typeface="Nunito Sans Normal" pitchFamily="2" charset="0"/>
+              </a:rPr>
+              <a:t>Improve session (visit) performance (“Recently viewed” with easy click to buy button)</a:t>
+            </a:r>
+          </a:p>
+          <a:p>
+            <a:pPr marL="285750" indent="-285750">
+              <a:buFont typeface="Arial" panose="020B0604020202020204" pitchFamily="34" charset="0"/>
+              <a:buChar char="•"/>
+            </a:pPr>
+            <a:r>
+              <a:rPr lang="pt-BR" dirty="0">
+                <a:latin typeface="Nunito Sans Normal" pitchFamily="2" charset="0"/>
+              </a:rPr>
+              <a:t>Reduce session (visit) pressure (highlight product rate, buy directly from home)</a:t>
+            </a:r>
+          </a:p>
+        </p:txBody>
+      </p:sp>
+    </p:spTree>
+    <p:extLst>
+      <p:ext uri="{BB962C8B-B14F-4D97-AF65-F5344CB8AC3E}">
+        <p14:creationId xmlns:p14="http://schemas.microsoft.com/office/powerpoint/2010/main" val="90267140"/>
       </p:ext>
     </p:extLst>
   </p:cSld>
@@ -17059,6 +20646,58 @@
       </p:grpSpPr>
       <p:sp>
         <p:nvSpPr>
+          <p:cNvPr id="3" name="Rectangle: Rounded Corners 2">
+            <a:extLst>
+              <a:ext uri="{FF2B5EF4-FFF2-40B4-BE49-F238E27FC236}">
+                <a16:creationId xmlns:a16="http://schemas.microsoft.com/office/drawing/2014/main" id="{5E7EE77E-481A-7619-775C-0DF4E6D044DB}"/>
+              </a:ext>
+            </a:extLst>
+          </p:cNvPr>
+          <p:cNvSpPr/>
+          <p:nvPr/>
+        </p:nvSpPr>
+        <p:spPr>
+          <a:xfrm>
+            <a:off x="638641" y="1555535"/>
+            <a:ext cx="11174818" cy="967641"/>
+          </a:xfrm>
+          <a:prstGeom prst="roundRect">
+            <a:avLst/>
+          </a:prstGeom>
+          <a:solidFill>
+            <a:srgbClr val="FEBAA8"/>
+          </a:solidFill>
+          <a:ln>
+            <a:noFill/>
+          </a:ln>
+        </p:spPr>
+        <p:style>
+          <a:lnRef idx="2">
+            <a:schemeClr val="accent1">
+              <a:shade val="15000"/>
+            </a:schemeClr>
+          </a:lnRef>
+          <a:fillRef idx="1">
+            <a:schemeClr val="accent1"/>
+          </a:fillRef>
+          <a:effectRef idx="0">
+            <a:schemeClr val="accent1"/>
+          </a:effectRef>
+          <a:fontRef idx="minor">
+            <a:schemeClr val="lt1"/>
+          </a:fontRef>
+        </p:style>
+        <p:txBody>
+          <a:bodyPr rtlCol="0" anchor="ctr"/>
+          <a:lstStyle/>
+          <a:p>
+            <a:pPr algn="ctr"/>
+            <a:endParaRPr lang="pt-BR"/>
+          </a:p>
+        </p:txBody>
+      </p:sp>
+      <p:sp>
+        <p:nvSpPr>
           <p:cNvPr id="2" name="TextBox 1">
             <a:extLst>
               <a:ext uri="{FF2B5EF4-FFF2-40B4-BE49-F238E27FC236}">
@@ -17116,8 +20755,8 @@
         </p:nvSpPr>
         <p:spPr>
           <a:xfrm>
-            <a:off x="470489" y="1698286"/>
-            <a:ext cx="10763568" cy="3785652"/>
+            <a:off x="844266" y="1699921"/>
+            <a:ext cx="10763568" cy="707886"/>
           </a:xfrm>
           <a:prstGeom prst="rect">
             <a:avLst/>
@@ -17139,52 +20778,10 @@
             </a:lvl1pPr>
           </a:lstStyle>
           <a:p>
-            <a:pPr marL="285750" indent="-285750">
-              <a:buFont typeface="Arial" panose="020B0604020202020204" pitchFamily="34" charset="0"/>
-              <a:buChar char="•"/>
-            </a:pPr>
-            <a:r>
-              <a:rPr lang="en-US" sz="2400" dirty="0"/>
+            <a:pPr algn="ctr"/>
+            <a:r>
+              <a:rPr lang="en-US" sz="2000" dirty="0"/>
               <a:t>Who are our most valuable members? How are they different from our less valuable members?</a:t>
-            </a:r>
-          </a:p>
-          <a:p>
-            <a:endParaRPr lang="en-US" sz="2400" dirty="0"/>
-          </a:p>
-          <a:p>
-            <a:pPr marL="285750" indent="-285750">
-              <a:buFont typeface="Arial" panose="020B0604020202020204" pitchFamily="34" charset="0"/>
-              <a:buChar char="•"/>
-            </a:pPr>
-            <a:r>
-              <a:rPr lang="en-US" sz="2400" dirty="0"/>
-              <a:t>Which channels are best at driving these members to sales?</a:t>
-            </a:r>
-          </a:p>
-          <a:p>
-            <a:endParaRPr lang="en-US" sz="2400" dirty="0"/>
-          </a:p>
-          <a:p>
-            <a:pPr marL="285750" indent="-285750">
-              <a:buFont typeface="Arial" panose="020B0604020202020204" pitchFamily="34" charset="0"/>
-              <a:buChar char="•"/>
-            </a:pPr>
-            <a:r>
-              <a:rPr lang="en-US" sz="2400" dirty="0"/>
-              <a:t>Where are purchase conversion rates strong?</a:t>
-            </a:r>
-          </a:p>
-          <a:p>
-            <a:endParaRPr lang="en-US" sz="2400" dirty="0"/>
-          </a:p>
-          <a:p>
-            <a:pPr marL="285750" indent="-285750">
-              <a:buFont typeface="Arial" panose="020B0604020202020204" pitchFamily="34" charset="0"/>
-              <a:buChar char="•"/>
-            </a:pPr>
-            <a:r>
-              <a:rPr lang="en-US" sz="2400" dirty="0"/>
-              <a:t>Based on your analysis, provide actionable recommendations to improve the conversion rate from visits to purchases. Explain the rationale behind each recommendation.</a:t>
             </a:r>
           </a:p>
         </p:txBody>
@@ -17236,6 +20833,278 @@
           </a:extLst>
         </p:spPr>
       </p:pic>
+      <p:sp>
+        <p:nvSpPr>
+          <p:cNvPr id="11" name="Rectangle: Rounded Corners 10">
+            <a:extLst>
+              <a:ext uri="{FF2B5EF4-FFF2-40B4-BE49-F238E27FC236}">
+                <a16:creationId xmlns:a16="http://schemas.microsoft.com/office/drawing/2014/main" id="{C7975571-3A60-9CC4-C4CD-7E9AA744DC3A}"/>
+              </a:ext>
+            </a:extLst>
+          </p:cNvPr>
+          <p:cNvSpPr/>
+          <p:nvPr/>
+        </p:nvSpPr>
+        <p:spPr>
+          <a:xfrm>
+            <a:off x="638641" y="2584126"/>
+            <a:ext cx="11174818" cy="967641"/>
+          </a:xfrm>
+          <a:prstGeom prst="roundRect">
+            <a:avLst/>
+          </a:prstGeom>
+          <a:solidFill>
+            <a:srgbClr val="FEBAA8"/>
+          </a:solidFill>
+          <a:ln>
+            <a:noFill/>
+          </a:ln>
+        </p:spPr>
+        <p:style>
+          <a:lnRef idx="2">
+            <a:schemeClr val="accent1">
+              <a:shade val="15000"/>
+            </a:schemeClr>
+          </a:lnRef>
+          <a:fillRef idx="1">
+            <a:schemeClr val="accent1"/>
+          </a:fillRef>
+          <a:effectRef idx="0">
+            <a:schemeClr val="accent1"/>
+          </a:effectRef>
+          <a:fontRef idx="minor">
+            <a:schemeClr val="lt1"/>
+          </a:fontRef>
+        </p:style>
+        <p:txBody>
+          <a:bodyPr rtlCol="0" anchor="ctr"/>
+          <a:lstStyle/>
+          <a:p>
+            <a:pPr algn="ctr"/>
+            <a:endParaRPr lang="pt-BR">
+              <a:latin typeface="Nunito Sans Normal" pitchFamily="2" charset="0"/>
+            </a:endParaRPr>
+          </a:p>
+        </p:txBody>
+      </p:sp>
+      <p:sp>
+        <p:nvSpPr>
+          <p:cNvPr id="12" name="Rectangle: Rounded Corners 11">
+            <a:extLst>
+              <a:ext uri="{FF2B5EF4-FFF2-40B4-BE49-F238E27FC236}">
+                <a16:creationId xmlns:a16="http://schemas.microsoft.com/office/drawing/2014/main" id="{47D0599B-0557-0937-D3AE-7D564A0F46F0}"/>
+              </a:ext>
+            </a:extLst>
+          </p:cNvPr>
+          <p:cNvSpPr/>
+          <p:nvPr/>
+        </p:nvSpPr>
+        <p:spPr>
+          <a:xfrm>
+            <a:off x="638641" y="3612717"/>
+            <a:ext cx="11174818" cy="967641"/>
+          </a:xfrm>
+          <a:prstGeom prst="roundRect">
+            <a:avLst/>
+          </a:prstGeom>
+          <a:solidFill>
+            <a:srgbClr val="FEBAA8"/>
+          </a:solidFill>
+          <a:ln>
+            <a:noFill/>
+          </a:ln>
+        </p:spPr>
+        <p:style>
+          <a:lnRef idx="2">
+            <a:schemeClr val="accent1">
+              <a:shade val="15000"/>
+            </a:schemeClr>
+          </a:lnRef>
+          <a:fillRef idx="1">
+            <a:schemeClr val="accent1"/>
+          </a:fillRef>
+          <a:effectRef idx="0">
+            <a:schemeClr val="accent1"/>
+          </a:effectRef>
+          <a:fontRef idx="minor">
+            <a:schemeClr val="lt1"/>
+          </a:fontRef>
+        </p:style>
+        <p:txBody>
+          <a:bodyPr rtlCol="0" anchor="ctr"/>
+          <a:lstStyle/>
+          <a:p>
+            <a:pPr algn="ctr"/>
+            <a:endParaRPr lang="pt-BR"/>
+          </a:p>
+        </p:txBody>
+      </p:sp>
+      <p:sp>
+        <p:nvSpPr>
+          <p:cNvPr id="13" name="Rectangle: Rounded Corners 12">
+            <a:extLst>
+              <a:ext uri="{FF2B5EF4-FFF2-40B4-BE49-F238E27FC236}">
+                <a16:creationId xmlns:a16="http://schemas.microsoft.com/office/drawing/2014/main" id="{B75D8CEB-BB10-05B8-EF0F-6488F2673D4C}"/>
+              </a:ext>
+            </a:extLst>
+          </p:cNvPr>
+          <p:cNvSpPr/>
+          <p:nvPr/>
+        </p:nvSpPr>
+        <p:spPr>
+          <a:xfrm>
+            <a:off x="638641" y="4651941"/>
+            <a:ext cx="11174818" cy="967641"/>
+          </a:xfrm>
+          <a:prstGeom prst="roundRect">
+            <a:avLst/>
+          </a:prstGeom>
+          <a:solidFill>
+            <a:srgbClr val="FEBAA8"/>
+          </a:solidFill>
+          <a:ln>
+            <a:noFill/>
+          </a:ln>
+        </p:spPr>
+        <p:style>
+          <a:lnRef idx="2">
+            <a:schemeClr val="accent1">
+              <a:shade val="15000"/>
+            </a:schemeClr>
+          </a:lnRef>
+          <a:fillRef idx="1">
+            <a:schemeClr val="accent1"/>
+          </a:fillRef>
+          <a:effectRef idx="0">
+            <a:schemeClr val="accent1"/>
+          </a:effectRef>
+          <a:fontRef idx="minor">
+            <a:schemeClr val="lt1"/>
+          </a:fontRef>
+        </p:style>
+        <p:txBody>
+          <a:bodyPr rtlCol="0" anchor="ctr"/>
+          <a:lstStyle/>
+          <a:p>
+            <a:pPr algn="ctr"/>
+            <a:endParaRPr lang="pt-BR"/>
+          </a:p>
+        </p:txBody>
+      </p:sp>
+      <p:sp>
+        <p:nvSpPr>
+          <p:cNvPr id="15" name="TextBox 14">
+            <a:extLst>
+              <a:ext uri="{FF2B5EF4-FFF2-40B4-BE49-F238E27FC236}">
+                <a16:creationId xmlns:a16="http://schemas.microsoft.com/office/drawing/2014/main" id="{6BA04363-CF07-BA5F-91A7-E80358995918}"/>
+              </a:ext>
+            </a:extLst>
+          </p:cNvPr>
+          <p:cNvSpPr txBox="1"/>
+          <p:nvPr/>
+        </p:nvSpPr>
+        <p:spPr>
+          <a:xfrm>
+            <a:off x="2248867" y="2895061"/>
+            <a:ext cx="8043530" cy="400110"/>
+          </a:xfrm>
+          <a:prstGeom prst="rect">
+            <a:avLst/>
+          </a:prstGeom>
+          <a:noFill/>
+        </p:spPr>
+        <p:txBody>
+          <a:bodyPr wrap="square">
+            <a:spAutoFit/>
+          </a:bodyPr>
+          <a:lstStyle/>
+          <a:p>
+            <a:pPr algn="ctr"/>
+            <a:r>
+              <a:rPr lang="en-US" sz="2000" dirty="0">
+                <a:latin typeface="Nunito Sans Normal" pitchFamily="2" charset="0"/>
+              </a:rPr>
+              <a:t>Which channels are best at driving these members to sales?</a:t>
+            </a:r>
+          </a:p>
+        </p:txBody>
+      </p:sp>
+      <p:sp>
+        <p:nvSpPr>
+          <p:cNvPr id="17" name="TextBox 16">
+            <a:extLst>
+              <a:ext uri="{FF2B5EF4-FFF2-40B4-BE49-F238E27FC236}">
+                <a16:creationId xmlns:a16="http://schemas.microsoft.com/office/drawing/2014/main" id="{0D958ED8-0DBF-CF95-81BD-28F6C2B3E945}"/>
+              </a:ext>
+            </a:extLst>
+          </p:cNvPr>
+          <p:cNvSpPr txBox="1"/>
+          <p:nvPr/>
+        </p:nvSpPr>
+        <p:spPr>
+          <a:xfrm>
+            <a:off x="378541" y="3923652"/>
+            <a:ext cx="11887199" cy="400110"/>
+          </a:xfrm>
+          <a:prstGeom prst="rect">
+            <a:avLst/>
+          </a:prstGeom>
+          <a:noFill/>
+        </p:spPr>
+        <p:txBody>
+          <a:bodyPr wrap="square">
+            <a:spAutoFit/>
+          </a:bodyPr>
+          <a:lstStyle/>
+          <a:p>
+            <a:pPr algn="ctr"/>
+            <a:r>
+              <a:rPr lang="en-US" sz="2000" dirty="0">
+                <a:latin typeface="Nunito Sans Normal" pitchFamily="2" charset="0"/>
+              </a:rPr>
+              <a:t>Where are purchase conversion rates strong?</a:t>
+            </a:r>
+          </a:p>
+        </p:txBody>
+      </p:sp>
+      <p:sp>
+        <p:nvSpPr>
+          <p:cNvPr id="19" name="TextBox 18">
+            <a:extLst>
+              <a:ext uri="{FF2B5EF4-FFF2-40B4-BE49-F238E27FC236}">
+                <a16:creationId xmlns:a16="http://schemas.microsoft.com/office/drawing/2014/main" id="{F7F6831C-814B-078B-A40A-02A6AC1C56F8}"/>
+              </a:ext>
+            </a:extLst>
+          </p:cNvPr>
+          <p:cNvSpPr txBox="1"/>
+          <p:nvPr/>
+        </p:nvSpPr>
+        <p:spPr>
+          <a:xfrm>
+            <a:off x="741453" y="4751040"/>
+            <a:ext cx="10969193" cy="707886"/>
+          </a:xfrm>
+          <a:prstGeom prst="rect">
+            <a:avLst/>
+          </a:prstGeom>
+          <a:noFill/>
+        </p:spPr>
+        <p:txBody>
+          <a:bodyPr wrap="square">
+            <a:spAutoFit/>
+          </a:bodyPr>
+          <a:lstStyle/>
+          <a:p>
+            <a:pPr algn="ctr"/>
+            <a:r>
+              <a:rPr lang="en-US" sz="2000" dirty="0">
+                <a:latin typeface="Nunito Sans Normal" pitchFamily="2" charset="0"/>
+              </a:rPr>
+              <a:t>Based on your analysis, provide actionable recommendations to improve the conversion rate from visits to purchases. Explain the rationale behind each recommendation.</a:t>
+            </a:r>
+          </a:p>
+        </p:txBody>
+      </p:sp>
     </p:spTree>
     <p:extLst>
       <p:ext uri="{BB962C8B-B14F-4D97-AF65-F5344CB8AC3E}">

--- a/presentation.pptx
+++ b/presentation.pptx
@@ -1500,25 +1500,17 @@
             </a:r>
           </a:p>
           <a:p>
-            <a:pPr marL="0" indent="0">
+            <a:pPr marL="171450" indent="-171450">
               <a:buFontTx/>
-              <a:buNone/>
+              <a:buChar char="-"/>
             </a:pPr>
-            <a:r>
-              <a:rPr lang="pt-BR" dirty="0"/>
-              <a:t>- </a:t>
-            </a:r>
             <a:r>
               <a:rPr lang="pt-BR" b="1" dirty="0">
                 <a:highlight>
                   <a:srgbClr val="FFFF00"/>
                 </a:highlight>
               </a:rPr>
-              <a:t>Only visits that became a purchase (converted) -&gt; CONSIDERING ONLY THE LAST VISIT CNT</a:t>
-            </a:r>
-            <a:r>
-              <a:rPr lang="pt-BR" dirty="0"/>
-              <a:t>. </a:t>
+              <a:t>COLLECTED THE CHANNEL OF THE LAST VISIT FOR EACH USER + CAMPAIGN ID, THAN IF THERE’S OTHER VISITS IN THE SAME CHANNEL, I SUMMED ALL THE VISIT CNT. EXAMPLE: facebook (visit cnt = 10), email (visit cnt = 5), facebook (visit cnt = 20), than, it will be 10 + 20 = 30 for this user / campaign id.</a:t>
             </a:r>
           </a:p>
         </p:txBody>
@@ -18922,7 +18914,7 @@
         <p:spPr>
           <a:xfrm>
             <a:off x="378541" y="6095309"/>
-            <a:ext cx="8888729" cy="307777"/>
+            <a:ext cx="8888729" cy="523220"/>
           </a:xfrm>
           <a:prstGeom prst="rect">
             <a:avLst/>
@@ -18939,7 +18931,7 @@
               <a:rPr lang="pt-BR" sz="1400" dirty="0">
                 <a:latin typeface="Nunito Sans Normal" pitchFamily="2" charset="0"/>
               </a:rPr>
-              <a:t>* Considering time window of 1 year, same users and that the last visit was transformed into a convertion.</a:t>
+              <a:t>* Considering time window of 1 year, same users and that the sum of visit cnt that has the same channel for each user + campaign.</a:t>
             </a:r>
             <a:endParaRPr lang="pt-BR" sz="1400" dirty="0"/>
           </a:p>
@@ -18947,10 +18939,10 @@
       </p:sp>
       <p:pic>
         <p:nvPicPr>
-          <p:cNvPr id="10" name="Picture 9">
-            <a:extLst>
-              <a:ext uri="{FF2B5EF4-FFF2-40B4-BE49-F238E27FC236}">
-                <a16:creationId xmlns:a16="http://schemas.microsoft.com/office/drawing/2014/main" id="{028F8D65-F296-FEFC-8BC8-C6B4D4CA450C}"/>
+          <p:cNvPr id="4" name="Picture 3">
+            <a:extLst>
+              <a:ext uri="{FF2B5EF4-FFF2-40B4-BE49-F238E27FC236}">
+                <a16:creationId xmlns:a16="http://schemas.microsoft.com/office/drawing/2014/main" id="{10955B67-8819-8BC7-AB8E-12C59C42C32C}"/>
               </a:ext>
             </a:extLst>
           </p:cNvPr>
@@ -18961,13 +18953,14 @@
         </p:nvPicPr>
         <p:blipFill>
           <a:blip r:embed="rId6"/>
-          <a:srcRect l="579" t="1102" r="-579" b="-1102"/>
-          <a:stretch/>
+          <a:stretch>
+            <a:fillRect/>
+          </a:stretch>
         </p:blipFill>
         <p:spPr>
           <a:xfrm>
-            <a:off x="1846648" y="1204991"/>
-            <a:ext cx="8666342" cy="3641111"/>
+            <a:off x="1568532" y="1158507"/>
+            <a:ext cx="9206774" cy="3856623"/>
           </a:xfrm>
           <a:prstGeom prst="rect">
             <a:avLst/>

--- a/presentation.pptx
+++ b/presentation.pptx
@@ -5,7 +5,7 @@
     <p:sldMasterId id="2147483648" r:id="rId1"/>
   </p:sldMasterIdLst>
   <p:notesMasterIdLst>
-    <p:notesMasterId r:id="rId37"/>
+    <p:notesMasterId r:id="rId40"/>
   </p:notesMasterIdLst>
   <p:sldIdLst>
     <p:sldId id="257" r:id="rId2"/>
@@ -24,25 +24,28 @@
     <p:sldId id="302" r:id="rId15"/>
     <p:sldId id="280" r:id="rId16"/>
     <p:sldId id="279" r:id="rId17"/>
-    <p:sldId id="281" r:id="rId18"/>
-    <p:sldId id="283" r:id="rId19"/>
-    <p:sldId id="282" r:id="rId20"/>
-    <p:sldId id="258" r:id="rId21"/>
-    <p:sldId id="259" r:id="rId22"/>
-    <p:sldId id="262" r:id="rId23"/>
-    <p:sldId id="288" r:id="rId24"/>
-    <p:sldId id="289" r:id="rId25"/>
-    <p:sldId id="284" r:id="rId26"/>
-    <p:sldId id="293" r:id="rId27"/>
-    <p:sldId id="285" r:id="rId28"/>
-    <p:sldId id="297" r:id="rId29"/>
-    <p:sldId id="299" r:id="rId30"/>
-    <p:sldId id="286" r:id="rId31"/>
-    <p:sldId id="294" r:id="rId32"/>
-    <p:sldId id="291" r:id="rId33"/>
-    <p:sldId id="295" r:id="rId34"/>
-    <p:sldId id="298" r:id="rId35"/>
-    <p:sldId id="300" r:id="rId36"/>
+    <p:sldId id="305" r:id="rId18"/>
+    <p:sldId id="281" r:id="rId19"/>
+    <p:sldId id="283" r:id="rId20"/>
+    <p:sldId id="282" r:id="rId21"/>
+    <p:sldId id="258" r:id="rId22"/>
+    <p:sldId id="259" r:id="rId23"/>
+    <p:sldId id="262" r:id="rId24"/>
+    <p:sldId id="288" r:id="rId25"/>
+    <p:sldId id="289" r:id="rId26"/>
+    <p:sldId id="284" r:id="rId27"/>
+    <p:sldId id="293" r:id="rId28"/>
+    <p:sldId id="285" r:id="rId29"/>
+    <p:sldId id="297" r:id="rId30"/>
+    <p:sldId id="299" r:id="rId31"/>
+    <p:sldId id="286" r:id="rId32"/>
+    <p:sldId id="294" r:id="rId33"/>
+    <p:sldId id="303" r:id="rId34"/>
+    <p:sldId id="304" r:id="rId35"/>
+    <p:sldId id="291" r:id="rId36"/>
+    <p:sldId id="295" r:id="rId37"/>
+    <p:sldId id="298" r:id="rId38"/>
+    <p:sldId id="300" r:id="rId39"/>
   </p:sldIdLst>
   <p:sldSz cx="12192000" cy="6858000"/>
   <p:notesSz cx="6858000" cy="9144000"/>
@@ -651,7 +654,7 @@
           <a:p>
             <a:fld id="{C4B12038-7FD9-43AA-A210-07538A4DEF4A}" type="slidenum">
               <a:rPr lang="pt-BR" smtClean="0"/>
-              <a:t>19</a:t>
+              <a:t>20</a:t>
             </a:fld>
             <a:endParaRPr lang="pt-BR"/>
           </a:p>
@@ -744,7 +747,7 @@
           <a:p>
             <a:fld id="{C4B12038-7FD9-43AA-A210-07538A4DEF4A}" type="slidenum">
               <a:rPr lang="pt-BR" smtClean="0"/>
-              <a:t>22</a:t>
+              <a:t>23</a:t>
             </a:fld>
             <a:endParaRPr lang="pt-BR"/>
           </a:p>
@@ -831,7 +834,7 @@
           <a:p>
             <a:fld id="{C4B12038-7FD9-43AA-A210-07538A4DEF4A}" type="slidenum">
               <a:rPr lang="pt-BR" smtClean="0"/>
-              <a:t>25</a:t>
+              <a:t>26</a:t>
             </a:fld>
             <a:endParaRPr lang="pt-BR"/>
           </a:p>
@@ -938,7 +941,7 @@
           <a:p>
             <a:fld id="{C4B12038-7FD9-43AA-A210-07538A4DEF4A}" type="slidenum">
               <a:rPr lang="pt-BR" smtClean="0"/>
-              <a:t>26</a:t>
+              <a:t>27</a:t>
             </a:fld>
             <a:endParaRPr lang="pt-BR"/>
           </a:p>
@@ -1022,7 +1025,7 @@
           <a:p>
             <a:fld id="{C4B12038-7FD9-43AA-A210-07538A4DEF4A}" type="slidenum">
               <a:rPr lang="pt-BR" smtClean="0"/>
-              <a:t>27</a:t>
+              <a:t>28</a:t>
             </a:fld>
             <a:endParaRPr lang="pt-BR"/>
           </a:p>
@@ -1169,7 +1172,7 @@
           <a:p>
             <a:fld id="{C4B12038-7FD9-43AA-A210-07538A4DEF4A}" type="slidenum">
               <a:rPr lang="pt-BR" smtClean="0"/>
-              <a:t>28</a:t>
+              <a:t>29</a:t>
             </a:fld>
             <a:endParaRPr lang="pt-BR"/>
           </a:p>
@@ -1340,7 +1343,7 @@
           <a:p>
             <a:fld id="{C4B12038-7FD9-43AA-A210-07538A4DEF4A}" type="slidenum">
               <a:rPr lang="pt-BR" smtClean="0"/>
-              <a:t>29</a:t>
+              <a:t>30</a:t>
             </a:fld>
             <a:endParaRPr lang="pt-BR"/>
           </a:p>
@@ -1424,7 +1427,7 @@
           <a:p>
             <a:fld id="{C4B12038-7FD9-43AA-A210-07538A4DEF4A}" type="slidenum">
               <a:rPr lang="pt-BR" smtClean="0"/>
-              <a:t>30</a:t>
+              <a:t>31</a:t>
             </a:fld>
             <a:endParaRPr lang="pt-BR"/>
           </a:p>
@@ -1510,7 +1513,7 @@
                   <a:srgbClr val="FFFF00"/>
                 </a:highlight>
               </a:rPr>
-              <a:t>COLLECTED THE CHANNEL OF THE LAST VISIT FOR EACH USER + CAMPAIGN ID, THAN IF THERE’S OTHER VISITS IN THE SAME CHANNEL, I SUMMED ALL THE VISIT CNT. EXAMPLE: facebook (visit cnt = 10), email (visit cnt = 5), facebook (visit cnt = 20), than, it will be 10 + 20 = 30 for this user / campaign id.</a:t>
+              <a:t>Only VISITS OF LAST CHANNEL (THE CONVERTED)</a:t>
             </a:r>
           </a:p>
         </p:txBody>
@@ -1532,7 +1535,7 @@
           <a:p>
             <a:fld id="{C4B12038-7FD9-43AA-A210-07538A4DEF4A}" type="slidenum">
               <a:rPr lang="pt-BR" smtClean="0"/>
-              <a:t>31</a:t>
+              <a:t>32</a:t>
             </a:fld>
             <a:endParaRPr lang="pt-BR"/>
           </a:p>
@@ -1556,7 +1559,13 @@
   <p:cSld>
     <p:spTree>
       <p:nvGrpSpPr>
-        <p:cNvPr id="1" name=""/>
+        <p:cNvPr id="1" name="">
+          <a:extLst>
+            <a:ext uri="{FF2B5EF4-FFF2-40B4-BE49-F238E27FC236}">
+              <a16:creationId xmlns:a16="http://schemas.microsoft.com/office/drawing/2014/main" id="{8E57A9B5-BC54-73E6-5EBA-B304DFBC5E64}"/>
+            </a:ext>
+          </a:extLst>
+        </p:cNvPr>
         <p:cNvGrpSpPr/>
         <p:nvPr/>
       </p:nvGrpSpPr>
@@ -1570,7 +1579,13 @@
       </p:grpSpPr>
       <p:sp>
         <p:nvSpPr>
-          <p:cNvPr id="2" name="Slide Image Placeholder 1"/>
+          <p:cNvPr id="2" name="Slide Image Placeholder 1">
+            <a:extLst>
+              <a:ext uri="{FF2B5EF4-FFF2-40B4-BE49-F238E27FC236}">
+                <a16:creationId xmlns:a16="http://schemas.microsoft.com/office/drawing/2014/main" id="{C73A8E78-CB6E-34F7-0819-AE3168B0C42C}"/>
+              </a:ext>
+            </a:extLst>
+          </p:cNvPr>
           <p:cNvSpPr>
             <a:spLocks noGrp="1" noRot="1" noChangeAspect="1"/>
           </p:cNvSpPr>
@@ -1582,7 +1597,13 @@
       </p:sp>
       <p:sp>
         <p:nvSpPr>
-          <p:cNvPr id="3" name="Notes Placeholder 2"/>
+          <p:cNvPr id="3" name="Notes Placeholder 2">
+            <a:extLst>
+              <a:ext uri="{FF2B5EF4-FFF2-40B4-BE49-F238E27FC236}">
+                <a16:creationId xmlns:a16="http://schemas.microsoft.com/office/drawing/2014/main" id="{843F04C9-FD6F-D10B-5D89-F0ABC0298DF7}"/>
+              </a:ext>
+            </a:extLst>
+          </p:cNvPr>
           <p:cNvSpPr>
             <a:spLocks noGrp="1"/>
           </p:cNvSpPr>
@@ -1596,23 +1617,42 @@
           <a:lstStyle/>
           <a:p>
             <a:r>
+              <a:rPr lang="pt-BR" dirty="0"/>
+              <a:t>Considering:</a:t>
+            </a:r>
+            <a:br>
+              <a:rPr lang="pt-BR" dirty="0"/>
+            </a:br>
+            <a:r>
+              <a:rPr lang="pt-BR" dirty="0"/>
+              <a:t>- only the 451 users from before-</a:t>
+            </a:r>
+          </a:p>
+          <a:p>
+            <a:pPr marL="171450" indent="-171450">
+              <a:buFontTx/>
+              <a:buChar char="-"/>
+            </a:pPr>
+            <a:r>
               <a:rPr lang="pt-BR" b="1" dirty="0">
                 <a:highlight>
                   <a:srgbClr val="FFFF00"/>
                 </a:highlight>
               </a:rPr>
-              <a:t>Only visits that became a purchase (converted) -&gt; CONSIDERING ONLY THE LAST VISIT CNT</a:t>
-            </a:r>
-            <a:r>
-              <a:rPr lang="pt-BR" dirty="0"/>
-              <a:t>. </a:t>
+              <a:t>COLLECTED THE CHANNEL OF THE LAST VISIT FOR EACH USER + CAMPAIGN ID, THAN IF THERE’S OTHER VISITS IN THE SAME CHANNEL, I SUMMED ALL THE VISIT CNT. EXAMPLE: facebook (visit cnt = 10), email (visit cnt = 5), facebook (visit cnt = 20), than, it will be 10 + 20 = 30 for this user / campaign id.</a:t>
             </a:r>
           </a:p>
         </p:txBody>
       </p:sp>
       <p:sp>
         <p:nvSpPr>
-          <p:cNvPr id="4" name="Slide Number Placeholder 3"/>
+          <p:cNvPr id="4" name="Slide Number Placeholder 3">
+            <a:extLst>
+              <a:ext uri="{FF2B5EF4-FFF2-40B4-BE49-F238E27FC236}">
+                <a16:creationId xmlns:a16="http://schemas.microsoft.com/office/drawing/2014/main" id="{F5666083-28C0-B6BC-EBBB-D82D891707A3}"/>
+              </a:ext>
+            </a:extLst>
+          </p:cNvPr>
           <p:cNvSpPr>
             <a:spLocks noGrp="1"/>
           </p:cNvSpPr>
@@ -1627,7 +1667,7 @@
           <a:p>
             <a:fld id="{C4B12038-7FD9-43AA-A210-07538A4DEF4A}" type="slidenum">
               <a:rPr lang="pt-BR" smtClean="0"/>
-              <a:t>32</a:t>
+              <a:t>33</a:t>
             </a:fld>
             <a:endParaRPr lang="pt-BR"/>
           </a:p>
@@ -1636,7 +1676,7 @@
     </p:spTree>
     <p:extLst>
       <p:ext uri="{BB962C8B-B14F-4D97-AF65-F5344CB8AC3E}">
-        <p14:creationId xmlns:p14="http://schemas.microsoft.com/office/powerpoint/2010/main" val="3495108089"/>
+        <p14:creationId xmlns:p14="http://schemas.microsoft.com/office/powerpoint/2010/main" val="961173272"/>
       </p:ext>
     </p:extLst>
   </p:cSld>
@@ -1762,7 +1802,7 @@
         <p:cNvPr id="1" name="">
           <a:extLst>
             <a:ext uri="{FF2B5EF4-FFF2-40B4-BE49-F238E27FC236}">
-              <a16:creationId xmlns:a16="http://schemas.microsoft.com/office/drawing/2014/main" id="{AC02FCF2-D2C6-2C5F-2C76-7207DDC75BFC}"/>
+              <a16:creationId xmlns:a16="http://schemas.microsoft.com/office/drawing/2014/main" id="{43818B85-C2A3-ED98-40F3-6331E3AEE6C2}"/>
             </a:ext>
           </a:extLst>
         </p:cNvPr>
@@ -1782,7 +1822,7 @@
           <p:cNvPr id="2" name="Slide Image Placeholder 1">
             <a:extLst>
               <a:ext uri="{FF2B5EF4-FFF2-40B4-BE49-F238E27FC236}">
-                <a16:creationId xmlns:a16="http://schemas.microsoft.com/office/drawing/2014/main" id="{1E7702ED-3BB9-CAB1-2F8C-A123B7F175C6}"/>
+                <a16:creationId xmlns:a16="http://schemas.microsoft.com/office/drawing/2014/main" id="{574B1F0D-322E-0188-D1FE-C3D43CB6F649}"/>
               </a:ext>
             </a:extLst>
           </p:cNvPr>
@@ -1800,7 +1840,7 @@
           <p:cNvPr id="3" name="Notes Placeholder 2">
             <a:extLst>
               <a:ext uri="{FF2B5EF4-FFF2-40B4-BE49-F238E27FC236}">
-                <a16:creationId xmlns:a16="http://schemas.microsoft.com/office/drawing/2014/main" id="{DC7BB79C-B5F7-69FB-1E42-7F5FA364CE6F}"/>
+                <a16:creationId xmlns:a16="http://schemas.microsoft.com/office/drawing/2014/main" id="{AD627AC1-40CE-45DC-1B54-3265507C943F}"/>
               </a:ext>
             </a:extLst>
           </p:cNvPr>
@@ -1816,7 +1856,31 @@
           <a:bodyPr/>
           <a:lstStyle/>
           <a:p>
-            <a:endParaRPr lang="pt-BR" dirty="0"/>
+            <a:r>
+              <a:rPr lang="pt-BR" dirty="0"/>
+              <a:t>Considering:</a:t>
+            </a:r>
+            <a:br>
+              <a:rPr lang="pt-BR" dirty="0"/>
+            </a:br>
+            <a:r>
+              <a:rPr lang="pt-BR" dirty="0"/>
+              <a:t>- only the 451 users from before-</a:t>
+            </a:r>
+          </a:p>
+          <a:p>
+            <a:pPr marL="171450" indent="-171450">
+              <a:buFontTx/>
+              <a:buChar char="-"/>
+            </a:pPr>
+            <a:r>
+              <a:rPr lang="pt-BR" b="1" dirty="0">
+                <a:highlight>
+                  <a:srgbClr val="FFFF00"/>
+                </a:highlight>
+              </a:rPr>
+              <a:t>COLLECTED THE CHANNEL OF THE LAST VISIT FOR EACH USER + CAMPAIGN ID, THAN IF THERE’S OTHER VISITS IN THE SAME CHANNEL, I SUMMED ALL THE VISIT CNT. EXAMPLE: facebook (visit cnt = 10), email (visit cnt = 5), facebook (visit cnt = 20), than, it will be 10 + 20 = 30 for this user / campaign id.</a:t>
+            </a:r>
           </a:p>
         </p:txBody>
       </p:sp>
@@ -1825,7 +1889,7 @@
           <p:cNvPr id="4" name="Slide Number Placeholder 3">
             <a:extLst>
               <a:ext uri="{FF2B5EF4-FFF2-40B4-BE49-F238E27FC236}">
-                <a16:creationId xmlns:a16="http://schemas.microsoft.com/office/drawing/2014/main" id="{FA932FE7-F4C5-0F35-776B-EF389F8A34F9}"/>
+                <a16:creationId xmlns:a16="http://schemas.microsoft.com/office/drawing/2014/main" id="{A3E501D8-F3C3-B033-AE5E-79B3EA7A284C}"/>
               </a:ext>
             </a:extLst>
           </p:cNvPr>
@@ -1843,7 +1907,7 @@
           <a:p>
             <a:fld id="{C4B12038-7FD9-43AA-A210-07538A4DEF4A}" type="slidenum">
               <a:rPr lang="pt-BR" smtClean="0"/>
-              <a:t>33</a:t>
+              <a:t>34</a:t>
             </a:fld>
             <a:endParaRPr lang="pt-BR"/>
           </a:p>
@@ -1852,7 +1916,7 @@
     </p:spTree>
     <p:extLst>
       <p:ext uri="{BB962C8B-B14F-4D97-AF65-F5344CB8AC3E}">
-        <p14:creationId xmlns:p14="http://schemas.microsoft.com/office/powerpoint/2010/main" val="2592947192"/>
+        <p14:creationId xmlns:p14="http://schemas.microsoft.com/office/powerpoint/2010/main" val="291566219"/>
       </p:ext>
     </p:extLst>
   </p:cSld>
@@ -1906,7 +1970,18 @@
           <a:bodyPr/>
           <a:lstStyle/>
           <a:p>
-            <a:endParaRPr lang="pt-BR" dirty="0"/>
+            <a:r>
+              <a:rPr lang="pt-BR" b="1" dirty="0">
+                <a:highlight>
+                  <a:srgbClr val="FFFF00"/>
+                </a:highlight>
+              </a:rPr>
+              <a:t>Only visits that became a purchase (converted) -&gt; CONSIDERING ONLY THE LAST VISIT CNT</a:t>
+            </a:r>
+            <a:r>
+              <a:rPr lang="pt-BR" dirty="0"/>
+              <a:t>. </a:t>
+            </a:r>
           </a:p>
         </p:txBody>
       </p:sp>
@@ -1927,7 +2002,199 @@
           <a:p>
             <a:fld id="{C4B12038-7FD9-43AA-A210-07538A4DEF4A}" type="slidenum">
               <a:rPr lang="pt-BR" smtClean="0"/>
-              <a:t>34</a:t>
+              <a:t>35</a:t>
+            </a:fld>
+            <a:endParaRPr lang="pt-BR"/>
+          </a:p>
+        </p:txBody>
+      </p:sp>
+    </p:spTree>
+    <p:extLst>
+      <p:ext uri="{BB962C8B-B14F-4D97-AF65-F5344CB8AC3E}">
+        <p14:creationId xmlns:p14="http://schemas.microsoft.com/office/powerpoint/2010/main" val="3495108089"/>
+      </p:ext>
+    </p:extLst>
+  </p:cSld>
+  <p:clrMapOvr>
+    <a:masterClrMapping/>
+  </p:clrMapOvr>
+</p:notes>
+</file>
+
+<file path=ppt/notesSlides/notesSlide22.xml><?xml version="1.0" encoding="utf-8"?>
+<p:notes xmlns:a="http://schemas.openxmlformats.org/drawingml/2006/main" xmlns:r="http://schemas.openxmlformats.org/officeDocument/2006/relationships" xmlns:p="http://schemas.openxmlformats.org/presentationml/2006/main">
+  <p:cSld>
+    <p:spTree>
+      <p:nvGrpSpPr>
+        <p:cNvPr id="1" name="">
+          <a:extLst>
+            <a:ext uri="{FF2B5EF4-FFF2-40B4-BE49-F238E27FC236}">
+              <a16:creationId xmlns:a16="http://schemas.microsoft.com/office/drawing/2014/main" id="{AC02FCF2-D2C6-2C5F-2C76-7207DDC75BFC}"/>
+            </a:ext>
+          </a:extLst>
+        </p:cNvPr>
+        <p:cNvGrpSpPr/>
+        <p:nvPr/>
+      </p:nvGrpSpPr>
+      <p:grpSpPr>
+        <a:xfrm>
+          <a:off x="0" y="0"/>
+          <a:ext cx="0" cy="0"/>
+          <a:chOff x="0" y="0"/>
+          <a:chExt cx="0" cy="0"/>
+        </a:xfrm>
+      </p:grpSpPr>
+      <p:sp>
+        <p:nvSpPr>
+          <p:cNvPr id="2" name="Slide Image Placeholder 1">
+            <a:extLst>
+              <a:ext uri="{FF2B5EF4-FFF2-40B4-BE49-F238E27FC236}">
+                <a16:creationId xmlns:a16="http://schemas.microsoft.com/office/drawing/2014/main" id="{1E7702ED-3BB9-CAB1-2F8C-A123B7F175C6}"/>
+              </a:ext>
+            </a:extLst>
+          </p:cNvPr>
+          <p:cNvSpPr>
+            <a:spLocks noGrp="1" noRot="1" noChangeAspect="1"/>
+          </p:cNvSpPr>
+          <p:nvPr>
+            <p:ph type="sldImg"/>
+          </p:nvPr>
+        </p:nvSpPr>
+        <p:spPr/>
+      </p:sp>
+      <p:sp>
+        <p:nvSpPr>
+          <p:cNvPr id="3" name="Notes Placeholder 2">
+            <a:extLst>
+              <a:ext uri="{FF2B5EF4-FFF2-40B4-BE49-F238E27FC236}">
+                <a16:creationId xmlns:a16="http://schemas.microsoft.com/office/drawing/2014/main" id="{DC7BB79C-B5F7-69FB-1E42-7F5FA364CE6F}"/>
+              </a:ext>
+            </a:extLst>
+          </p:cNvPr>
+          <p:cNvSpPr>
+            <a:spLocks noGrp="1"/>
+          </p:cNvSpPr>
+          <p:nvPr>
+            <p:ph type="body" idx="1"/>
+          </p:nvPr>
+        </p:nvSpPr>
+        <p:spPr/>
+        <p:txBody>
+          <a:bodyPr/>
+          <a:lstStyle/>
+          <a:p>
+            <a:endParaRPr lang="pt-BR" dirty="0"/>
+          </a:p>
+        </p:txBody>
+      </p:sp>
+      <p:sp>
+        <p:nvSpPr>
+          <p:cNvPr id="4" name="Slide Number Placeholder 3">
+            <a:extLst>
+              <a:ext uri="{FF2B5EF4-FFF2-40B4-BE49-F238E27FC236}">
+                <a16:creationId xmlns:a16="http://schemas.microsoft.com/office/drawing/2014/main" id="{FA932FE7-F4C5-0F35-776B-EF389F8A34F9}"/>
+              </a:ext>
+            </a:extLst>
+          </p:cNvPr>
+          <p:cNvSpPr>
+            <a:spLocks noGrp="1"/>
+          </p:cNvSpPr>
+          <p:nvPr>
+            <p:ph type="sldNum" sz="quarter" idx="5"/>
+          </p:nvPr>
+        </p:nvSpPr>
+        <p:spPr/>
+        <p:txBody>
+          <a:bodyPr/>
+          <a:lstStyle/>
+          <a:p>
+            <a:fld id="{C4B12038-7FD9-43AA-A210-07538A4DEF4A}" type="slidenum">
+              <a:rPr lang="pt-BR" smtClean="0"/>
+              <a:t>36</a:t>
+            </a:fld>
+            <a:endParaRPr lang="pt-BR"/>
+          </a:p>
+        </p:txBody>
+      </p:sp>
+    </p:spTree>
+    <p:extLst>
+      <p:ext uri="{BB962C8B-B14F-4D97-AF65-F5344CB8AC3E}">
+        <p14:creationId xmlns:p14="http://schemas.microsoft.com/office/powerpoint/2010/main" val="2592947192"/>
+      </p:ext>
+    </p:extLst>
+  </p:cSld>
+  <p:clrMapOvr>
+    <a:masterClrMapping/>
+  </p:clrMapOvr>
+</p:notes>
+</file>
+
+<file path=ppt/notesSlides/notesSlide23.xml><?xml version="1.0" encoding="utf-8"?>
+<p:notes xmlns:a="http://schemas.openxmlformats.org/drawingml/2006/main" xmlns:r="http://schemas.openxmlformats.org/officeDocument/2006/relationships" xmlns:p="http://schemas.openxmlformats.org/presentationml/2006/main">
+  <p:cSld>
+    <p:spTree>
+      <p:nvGrpSpPr>
+        <p:cNvPr id="1" name=""/>
+        <p:cNvGrpSpPr/>
+        <p:nvPr/>
+      </p:nvGrpSpPr>
+      <p:grpSpPr>
+        <a:xfrm>
+          <a:off x="0" y="0"/>
+          <a:ext cx="0" cy="0"/>
+          <a:chOff x="0" y="0"/>
+          <a:chExt cx="0" cy="0"/>
+        </a:xfrm>
+      </p:grpSpPr>
+      <p:sp>
+        <p:nvSpPr>
+          <p:cNvPr id="2" name="Slide Image Placeholder 1"/>
+          <p:cNvSpPr>
+            <a:spLocks noGrp="1" noRot="1" noChangeAspect="1"/>
+          </p:cNvSpPr>
+          <p:nvPr>
+            <p:ph type="sldImg"/>
+          </p:nvPr>
+        </p:nvSpPr>
+        <p:spPr/>
+      </p:sp>
+      <p:sp>
+        <p:nvSpPr>
+          <p:cNvPr id="3" name="Notes Placeholder 2"/>
+          <p:cNvSpPr>
+            <a:spLocks noGrp="1"/>
+          </p:cNvSpPr>
+          <p:nvPr>
+            <p:ph type="body" idx="1"/>
+          </p:nvPr>
+        </p:nvSpPr>
+        <p:spPr/>
+        <p:txBody>
+          <a:bodyPr/>
+          <a:lstStyle/>
+          <a:p>
+            <a:endParaRPr lang="pt-BR" dirty="0"/>
+          </a:p>
+        </p:txBody>
+      </p:sp>
+      <p:sp>
+        <p:nvSpPr>
+          <p:cNvPr id="4" name="Slide Number Placeholder 3"/>
+          <p:cNvSpPr>
+            <a:spLocks noGrp="1"/>
+          </p:cNvSpPr>
+          <p:nvPr>
+            <p:ph type="sldNum" sz="quarter" idx="5"/>
+          </p:nvPr>
+        </p:nvSpPr>
+        <p:spPr/>
+        <p:txBody>
+          <a:bodyPr/>
+          <a:lstStyle/>
+          <a:p>
+            <a:fld id="{C4B12038-7FD9-43AA-A210-07538A4DEF4A}" type="slidenum">
+              <a:rPr lang="pt-BR" smtClean="0"/>
+              <a:t>37</a:t>
             </a:fld>
             <a:endParaRPr lang="pt-BR"/>
           </a:p>
@@ -2737,7 +3004,7 @@
           <a:p>
             <a:fld id="{C4B12038-7FD9-43AA-A210-07538A4DEF4A}" type="slidenum">
               <a:rPr lang="pt-BR" smtClean="0"/>
-              <a:t>17</a:t>
+              <a:t>18</a:t>
             </a:fld>
             <a:endParaRPr lang="pt-BR"/>
           </a:p>
@@ -2848,7 +3115,7 @@
           <a:p>
             <a:fld id="{C4B12038-7FD9-43AA-A210-07538A4DEF4A}" type="slidenum">
               <a:rPr lang="pt-BR" smtClean="0"/>
-              <a:t>18</a:t>
+              <a:t>19</a:t>
             </a:fld>
             <a:endParaRPr lang="pt-BR"/>
           </a:p>
@@ -8383,7 +8650,7 @@
         <p:cNvPr id="1" name="">
           <a:extLst>
             <a:ext uri="{FF2B5EF4-FFF2-40B4-BE49-F238E27FC236}">
-              <a16:creationId xmlns:a16="http://schemas.microsoft.com/office/drawing/2014/main" id="{11A312F6-B7A9-D6F5-CF13-27DBC8B1BD4D}"/>
+              <a16:creationId xmlns:a16="http://schemas.microsoft.com/office/drawing/2014/main" id="{CEF2ED49-4FEF-8BF5-1F07-3DE85F0EEF58}"/>
             </a:ext>
           </a:extLst>
         </p:cNvPr>
@@ -8400,10 +8667,10 @@
       </p:grpSpPr>
       <p:sp>
         <p:nvSpPr>
-          <p:cNvPr id="6" name="Rectangle 5">
-            <a:extLst>
-              <a:ext uri="{FF2B5EF4-FFF2-40B4-BE49-F238E27FC236}">
-                <a16:creationId xmlns:a16="http://schemas.microsoft.com/office/drawing/2014/main" id="{73D0E073-DEC6-BCA1-D277-C07317DEDB12}"/>
+          <p:cNvPr id="5" name="Rectangle 4">
+            <a:extLst>
+              <a:ext uri="{FF2B5EF4-FFF2-40B4-BE49-F238E27FC236}">
+                <a16:creationId xmlns:a16="http://schemas.microsoft.com/office/drawing/2014/main" id="{B2BEDB0F-7300-A6CB-AB84-3FAD4D12C714}"/>
               </a:ext>
             </a:extLst>
           </p:cNvPr>
@@ -8412,8 +8679,8 @@
         </p:nvSpPr>
         <p:spPr>
           <a:xfrm>
-            <a:off x="0" y="0"/>
-            <a:ext cx="12191999" cy="6858000"/>
+            <a:off x="8634581" y="0"/>
+            <a:ext cx="3557418" cy="6858000"/>
           </a:xfrm>
           <a:prstGeom prst="rect">
             <a:avLst/>
@@ -8452,10 +8719,10 @@
       </p:sp>
       <p:pic>
         <p:nvPicPr>
-          <p:cNvPr id="1026" name="Picture 2" descr="FabFitFun - Beauty, Fitness, Lifestyle">
-            <a:extLst>
-              <a:ext uri="{FF2B5EF4-FFF2-40B4-BE49-F238E27FC236}">
-                <a16:creationId xmlns:a16="http://schemas.microsoft.com/office/drawing/2014/main" id="{E35CB271-08E8-9D4B-B9DE-F39B0DC5FBCD}"/>
+          <p:cNvPr id="19" name="Picture 2" descr="FabFitFun - Beauty, Fitness, Lifestyle">
+            <a:extLst>
+              <a:ext uri="{FF2B5EF4-FFF2-40B4-BE49-F238E27FC236}">
+                <a16:creationId xmlns:a16="http://schemas.microsoft.com/office/drawing/2014/main" id="{DEB9A443-D936-D039-490B-4DD290B701AD}"/>
               </a:ext>
             </a:extLst>
           </p:cNvPr>
@@ -8465,7 +8732,7 @@
           <p:nvPr/>
         </p:nvPicPr>
         <p:blipFill>
-          <a:blip r:embed="rId3">
+          <a:blip r:embed="rId2">
             <a:extLst>
               <a:ext uri="{28A0092B-C50C-407E-A947-70E740481C1C}">
                 <a14:useLocalDpi xmlns:a14="http://schemas.microsoft.com/office/drawing/2010/main" val="0"/>
@@ -8499,6 +8766,291 @@
       </p:pic>
       <p:sp>
         <p:nvSpPr>
+          <p:cNvPr id="7" name="TextBox 6">
+            <a:extLst>
+              <a:ext uri="{FF2B5EF4-FFF2-40B4-BE49-F238E27FC236}">
+                <a16:creationId xmlns:a16="http://schemas.microsoft.com/office/drawing/2014/main" id="{ABF45229-9584-3388-F750-6F6B8187D0B4}"/>
+              </a:ext>
+            </a:extLst>
+          </p:cNvPr>
+          <p:cNvSpPr txBox="1"/>
+          <p:nvPr/>
+        </p:nvSpPr>
+        <p:spPr>
+          <a:xfrm>
+            <a:off x="8777320" y="2159699"/>
+            <a:ext cx="3407596" cy="646331"/>
+          </a:xfrm>
+          <a:prstGeom prst="rect">
+            <a:avLst/>
+          </a:prstGeom>
+          <a:noFill/>
+        </p:spPr>
+        <p:txBody>
+          <a:bodyPr wrap="square">
+            <a:spAutoFit/>
+          </a:bodyPr>
+          <a:lstStyle/>
+          <a:p>
+            <a:r>
+              <a:rPr lang="pt-BR" dirty="0">
+                <a:latin typeface="Nunito Sans Normal" pitchFamily="2" charset="0"/>
+              </a:rPr>
+              <a:t>Over 10000 rows with non attributed channel.</a:t>
+            </a:r>
+          </a:p>
+        </p:txBody>
+      </p:sp>
+      <p:sp>
+        <p:nvSpPr>
+          <p:cNvPr id="8" name="TextBox 7">
+            <a:extLst>
+              <a:ext uri="{FF2B5EF4-FFF2-40B4-BE49-F238E27FC236}">
+                <a16:creationId xmlns:a16="http://schemas.microsoft.com/office/drawing/2014/main" id="{B8EF822D-9B2C-3FE9-5182-7D1E746DD98D}"/>
+              </a:ext>
+            </a:extLst>
+          </p:cNvPr>
+          <p:cNvSpPr txBox="1"/>
+          <p:nvPr/>
+        </p:nvSpPr>
+        <p:spPr>
+          <a:xfrm>
+            <a:off x="8951190" y="1282082"/>
+            <a:ext cx="2924200" cy="523220"/>
+          </a:xfrm>
+          <a:prstGeom prst="rect">
+            <a:avLst/>
+          </a:prstGeom>
+          <a:noFill/>
+        </p:spPr>
+        <p:txBody>
+          <a:bodyPr wrap="square">
+            <a:spAutoFit/>
+          </a:bodyPr>
+          <a:lstStyle/>
+          <a:p>
+            <a:pPr algn="ctr"/>
+            <a:r>
+              <a:rPr lang="pt-BR" sz="2800" b="1" dirty="0">
+                <a:latin typeface="Nunito Sans Normal" pitchFamily="2" charset="0"/>
+              </a:rPr>
+              <a:t>INSIGHTS</a:t>
+            </a:r>
+          </a:p>
+        </p:txBody>
+      </p:sp>
+      <p:sp>
+        <p:nvSpPr>
+          <p:cNvPr id="11" name="TextBox 10">
+            <a:extLst>
+              <a:ext uri="{FF2B5EF4-FFF2-40B4-BE49-F238E27FC236}">
+                <a16:creationId xmlns:a16="http://schemas.microsoft.com/office/drawing/2014/main" id="{B9DB7EA7-EFB6-3977-CC64-197671D5BB41}"/>
+              </a:ext>
+            </a:extLst>
+          </p:cNvPr>
+          <p:cNvSpPr txBox="1"/>
+          <p:nvPr/>
+        </p:nvSpPr>
+        <p:spPr>
+          <a:xfrm>
+            <a:off x="137652" y="48592"/>
+            <a:ext cx="7414209" cy="861774"/>
+          </a:xfrm>
+          <a:prstGeom prst="rect">
+            <a:avLst/>
+          </a:prstGeom>
+          <a:noFill/>
+        </p:spPr>
+        <p:txBody>
+          <a:bodyPr wrap="none" rtlCol="0">
+            <a:spAutoFit/>
+          </a:bodyPr>
+          <a:lstStyle/>
+          <a:p>
+            <a:r>
+              <a:rPr lang="pt-BR" sz="3200" b="1" dirty="0">
+                <a:latin typeface="Nunito Sans Normal" pitchFamily="2" charset="0"/>
+              </a:rPr>
+              <a:t>3. DATA GAP AND INCONSISTENCES</a:t>
+            </a:r>
+          </a:p>
+          <a:p>
+            <a:r>
+              <a:rPr lang="pt-BR" dirty="0">
+                <a:latin typeface="Nunito Sans Normal" pitchFamily="2" charset="0"/>
+              </a:rPr>
+              <a:t>3.8 NON-ATTRIBUTED IN CHANNELS</a:t>
+            </a:r>
+          </a:p>
+        </p:txBody>
+      </p:sp>
+      <p:pic>
+        <p:nvPicPr>
+          <p:cNvPr id="4" name="Picture 3">
+            <a:extLst>
+              <a:ext uri="{FF2B5EF4-FFF2-40B4-BE49-F238E27FC236}">
+                <a16:creationId xmlns:a16="http://schemas.microsoft.com/office/drawing/2014/main" id="{B5B91916-A9F9-5C22-5DB3-92E536E4677E}"/>
+              </a:ext>
+            </a:extLst>
+          </p:cNvPr>
+          <p:cNvPicPr>
+            <a:picLocks noChangeAspect="1"/>
+          </p:cNvPicPr>
+          <p:nvPr/>
+        </p:nvPicPr>
+        <p:blipFill>
+          <a:blip r:embed="rId3"/>
+          <a:stretch>
+            <a:fillRect/>
+          </a:stretch>
+        </p:blipFill>
+        <p:spPr>
+          <a:xfrm>
+            <a:off x="7084" y="1543692"/>
+            <a:ext cx="8526133" cy="4127645"/>
+          </a:xfrm>
+          <a:prstGeom prst="rect">
+            <a:avLst/>
+          </a:prstGeom>
+        </p:spPr>
+      </p:pic>
+    </p:spTree>
+    <p:extLst>
+      <p:ext uri="{BB962C8B-B14F-4D97-AF65-F5344CB8AC3E}">
+        <p14:creationId xmlns:p14="http://schemas.microsoft.com/office/powerpoint/2010/main" val="3380073122"/>
+      </p:ext>
+    </p:extLst>
+  </p:cSld>
+  <p:clrMapOvr>
+    <a:masterClrMapping/>
+  </p:clrMapOvr>
+</p:sld>
+</file>
+
+<file path=ppt/slides/slide18.xml><?xml version="1.0" encoding="utf-8"?>
+<p:sld xmlns:a="http://schemas.openxmlformats.org/drawingml/2006/main" xmlns:r="http://schemas.openxmlformats.org/officeDocument/2006/relationships" xmlns:p="http://schemas.openxmlformats.org/presentationml/2006/main">
+  <p:cSld>
+    <p:spTree>
+      <p:nvGrpSpPr>
+        <p:cNvPr id="1" name="">
+          <a:extLst>
+            <a:ext uri="{FF2B5EF4-FFF2-40B4-BE49-F238E27FC236}">
+              <a16:creationId xmlns:a16="http://schemas.microsoft.com/office/drawing/2014/main" id="{11A312F6-B7A9-D6F5-CF13-27DBC8B1BD4D}"/>
+            </a:ext>
+          </a:extLst>
+        </p:cNvPr>
+        <p:cNvGrpSpPr/>
+        <p:nvPr/>
+      </p:nvGrpSpPr>
+      <p:grpSpPr>
+        <a:xfrm>
+          <a:off x="0" y="0"/>
+          <a:ext cx="0" cy="0"/>
+          <a:chOff x="0" y="0"/>
+          <a:chExt cx="0" cy="0"/>
+        </a:xfrm>
+      </p:grpSpPr>
+      <p:sp>
+        <p:nvSpPr>
+          <p:cNvPr id="6" name="Rectangle 5">
+            <a:extLst>
+              <a:ext uri="{FF2B5EF4-FFF2-40B4-BE49-F238E27FC236}">
+                <a16:creationId xmlns:a16="http://schemas.microsoft.com/office/drawing/2014/main" id="{73D0E073-DEC6-BCA1-D277-C07317DEDB12}"/>
+              </a:ext>
+            </a:extLst>
+          </p:cNvPr>
+          <p:cNvSpPr/>
+          <p:nvPr/>
+        </p:nvSpPr>
+        <p:spPr>
+          <a:xfrm>
+            <a:off x="0" y="0"/>
+            <a:ext cx="12191999" cy="6858000"/>
+          </a:xfrm>
+          <a:prstGeom prst="rect">
+            <a:avLst/>
+          </a:prstGeom>
+          <a:solidFill>
+            <a:srgbClr val="FEBAA8"/>
+          </a:solidFill>
+          <a:ln>
+            <a:noFill/>
+          </a:ln>
+        </p:spPr>
+        <p:style>
+          <a:lnRef idx="2">
+            <a:schemeClr val="accent1">
+              <a:shade val="15000"/>
+            </a:schemeClr>
+          </a:lnRef>
+          <a:fillRef idx="1">
+            <a:schemeClr val="accent1"/>
+          </a:fillRef>
+          <a:effectRef idx="0">
+            <a:schemeClr val="accent1"/>
+          </a:effectRef>
+          <a:fontRef idx="minor">
+            <a:schemeClr val="lt1"/>
+          </a:fontRef>
+        </p:style>
+        <p:txBody>
+          <a:bodyPr rtlCol="0" anchor="ctr"/>
+          <a:lstStyle/>
+          <a:p>
+            <a:pPr algn="ctr"/>
+            <a:endParaRPr lang="pt-BR"/>
+          </a:p>
+        </p:txBody>
+      </p:sp>
+      <p:pic>
+        <p:nvPicPr>
+          <p:cNvPr id="1026" name="Picture 2" descr="FabFitFun - Beauty, Fitness, Lifestyle">
+            <a:extLst>
+              <a:ext uri="{FF2B5EF4-FFF2-40B4-BE49-F238E27FC236}">
+                <a16:creationId xmlns:a16="http://schemas.microsoft.com/office/drawing/2014/main" id="{E35CB271-08E8-9D4B-B9DE-F39B0DC5FBCD}"/>
+              </a:ext>
+            </a:extLst>
+          </p:cNvPr>
+          <p:cNvPicPr>
+            <a:picLocks noChangeAspect="1" noChangeArrowheads="1"/>
+          </p:cNvPicPr>
+          <p:nvPr/>
+        </p:nvPicPr>
+        <p:blipFill>
+          <a:blip r:embed="rId3">
+            <a:extLst>
+              <a:ext uri="{28A0092B-C50C-407E-A947-70E740481C1C}">
+                <a14:useLocalDpi xmlns:a14="http://schemas.microsoft.com/office/drawing/2010/main" val="0"/>
+              </a:ext>
+            </a:extLst>
+          </a:blip>
+          <a:srcRect/>
+          <a:stretch>
+            <a:fillRect/>
+          </a:stretch>
+        </p:blipFill>
+        <p:spPr bwMode="auto">
+          <a:xfrm>
+            <a:off x="10053486" y="5886204"/>
+            <a:ext cx="1759973" cy="725989"/>
+          </a:xfrm>
+          <a:prstGeom prst="rect">
+            <a:avLst/>
+          </a:prstGeom>
+          <a:noFill/>
+          <a:extLst>
+            <a:ext uri="{909E8E84-426E-40DD-AFC4-6F175D3DCCD1}">
+              <a14:hiddenFill xmlns:a14="http://schemas.microsoft.com/office/drawing/2010/main">
+                <a:solidFill>
+                  <a:srgbClr val="FFFFFF"/>
+                </a:solidFill>
+              </a14:hiddenFill>
+            </a:ext>
+          </a:extLst>
+        </p:spPr>
+      </p:pic>
+      <p:sp>
+        <p:nvSpPr>
           <p:cNvPr id="5" name="TextBox 4">
             <a:extLst>
               <a:ext uri="{FF2B5EF4-FFF2-40B4-BE49-F238E27FC236}">
@@ -8547,7 +9099,7 @@
 </p:sld>
 </file>
 
-<file path=ppt/slides/slide18.xml><?xml version="1.0" encoding="utf-8"?>
+<file path=ppt/slides/slide19.xml><?xml version="1.0" encoding="utf-8"?>
 <p:sld xmlns:a="http://schemas.openxmlformats.org/drawingml/2006/main" xmlns:r="http://schemas.openxmlformats.org/officeDocument/2006/relationships" xmlns:p="http://schemas.openxmlformats.org/presentationml/2006/main">
   <p:cSld>
     <p:spTree>
@@ -8572,6 +9124,58 @@
       </p:grpSpPr>
       <p:sp>
         <p:nvSpPr>
+          <p:cNvPr id="3" name="Rectangle: Rounded Corners 2">
+            <a:extLst>
+              <a:ext uri="{FF2B5EF4-FFF2-40B4-BE49-F238E27FC236}">
+                <a16:creationId xmlns:a16="http://schemas.microsoft.com/office/drawing/2014/main" id="{43E6DD45-7B39-1AC3-2536-B836A8C2ABEB}"/>
+              </a:ext>
+            </a:extLst>
+          </p:cNvPr>
+          <p:cNvSpPr/>
+          <p:nvPr/>
+        </p:nvSpPr>
+        <p:spPr>
+          <a:xfrm>
+            <a:off x="7388871" y="3666602"/>
+            <a:ext cx="3817483" cy="1140355"/>
+          </a:xfrm>
+          <a:prstGeom prst="roundRect">
+            <a:avLst/>
+          </a:prstGeom>
+          <a:solidFill>
+            <a:srgbClr val="8D5434"/>
+          </a:solidFill>
+          <a:ln>
+            <a:noFill/>
+          </a:ln>
+        </p:spPr>
+        <p:style>
+          <a:lnRef idx="2">
+            <a:schemeClr val="accent1">
+              <a:shade val="15000"/>
+            </a:schemeClr>
+          </a:lnRef>
+          <a:fillRef idx="1">
+            <a:schemeClr val="accent1"/>
+          </a:fillRef>
+          <a:effectRef idx="0">
+            <a:schemeClr val="accent1"/>
+          </a:effectRef>
+          <a:fontRef idx="minor">
+            <a:schemeClr val="lt1"/>
+          </a:fontRef>
+        </p:style>
+        <p:txBody>
+          <a:bodyPr rtlCol="0" anchor="ctr"/>
+          <a:lstStyle/>
+          <a:p>
+            <a:pPr algn="ctr"/>
+            <a:endParaRPr lang="pt-BR"/>
+          </a:p>
+        </p:txBody>
+      </p:sp>
+      <p:sp>
+        <p:nvSpPr>
           <p:cNvPr id="2" name="TextBox 1">
             <a:extLst>
               <a:ext uri="{FF2B5EF4-FFF2-40B4-BE49-F238E27FC236}">
@@ -8727,9 +9331,9 @@
         <p:grpSpPr>
           <a:xfrm>
             <a:off x="1019215" y="1818058"/>
-            <a:ext cx="10323455" cy="3321013"/>
+            <a:ext cx="10311157" cy="3321013"/>
             <a:chOff x="361669" y="1692069"/>
-            <a:chExt cx="10323455" cy="3321013"/>
+            <a:chExt cx="10311157" cy="3321013"/>
           </a:xfrm>
         </p:grpSpPr>
         <p:sp>
@@ -9066,10 +9670,10 @@
           </p:nvGrpSpPr>
           <p:grpSpPr>
             <a:xfrm>
-              <a:off x="6697756" y="2018839"/>
-              <a:ext cx="3817483" cy="923329"/>
-              <a:chOff x="6611643" y="2063084"/>
-              <a:chExt cx="3817483" cy="923329"/>
+              <a:off x="6697756" y="1889408"/>
+              <a:ext cx="3817483" cy="1140355"/>
+              <a:chOff x="6611643" y="1933653"/>
+              <a:chExt cx="3817483" cy="1140355"/>
             </a:xfrm>
             <a:solidFill>
               <a:srgbClr val="8D5434"/>
@@ -9089,8 +9693,8 @@
             </p:nvSpPr>
             <p:spPr>
               <a:xfrm>
-                <a:off x="6611643" y="2063084"/>
-                <a:ext cx="3817483" cy="923329"/>
+                <a:off x="6611643" y="1933653"/>
+                <a:ext cx="3817483" cy="1140355"/>
               </a:xfrm>
               <a:prstGeom prst="roundRect">
                 <a:avLst/>
@@ -9160,126 +9764,7 @@
                     </a:solidFill>
                     <a:latin typeface="Nunito Sans Normal" pitchFamily="2" charset="0"/>
                   </a:rPr>
-                  <a:t>A customer can only purchase an item if they have visit it</a:t>
-                </a:r>
-                <a:endParaRPr lang="pt-BR" sz="1600" dirty="0">
-                  <a:solidFill>
-                    <a:schemeClr val="bg1"/>
-                  </a:solidFill>
-                </a:endParaRPr>
-              </a:p>
-            </p:txBody>
-          </p:sp>
-        </p:grpSp>
-        <p:grpSp>
-          <p:nvGrpSpPr>
-            <p:cNvPr id="50" name="Group 49">
-              <a:extLst>
-                <a:ext uri="{FF2B5EF4-FFF2-40B4-BE49-F238E27FC236}">
-                  <a16:creationId xmlns:a16="http://schemas.microsoft.com/office/drawing/2014/main" id="{462253ED-99E6-BB2F-42C0-E3D4F7840FBF}"/>
-                </a:ext>
-              </a:extLst>
-            </p:cNvPr>
-            <p:cNvGrpSpPr/>
-            <p:nvPr/>
-          </p:nvGrpSpPr>
-          <p:grpSpPr>
-            <a:xfrm>
-              <a:off x="6611643" y="3666396"/>
-              <a:ext cx="4073481" cy="923329"/>
-              <a:chOff x="6611643" y="3655203"/>
-              <a:chExt cx="4073481" cy="923329"/>
-            </a:xfrm>
-            <a:solidFill>
-              <a:srgbClr val="8D5434"/>
-            </a:solidFill>
-          </p:grpSpPr>
-          <p:sp>
-            <p:nvSpPr>
-              <p:cNvPr id="38" name="Rectangle: Rounded Corners 37">
-                <a:extLst>
-                  <a:ext uri="{FF2B5EF4-FFF2-40B4-BE49-F238E27FC236}">
-                    <a16:creationId xmlns:a16="http://schemas.microsoft.com/office/drawing/2014/main" id="{28A341CD-AFAB-C0C6-4CB5-98F6E189E2AA}"/>
-                  </a:ext>
-                </a:extLst>
-              </p:cNvPr>
-              <p:cNvSpPr/>
-              <p:nvPr/>
-            </p:nvSpPr>
-            <p:spPr>
-              <a:xfrm>
-                <a:off x="6611643" y="3655203"/>
-                <a:ext cx="3903596" cy="923329"/>
-              </a:xfrm>
-              <a:prstGeom prst="roundRect">
-                <a:avLst/>
-              </a:prstGeom>
-              <a:grpFill/>
-              <a:ln>
-                <a:noFill/>
-              </a:ln>
-            </p:spPr>
-            <p:style>
-              <a:lnRef idx="2">
-                <a:schemeClr val="accent1">
-                  <a:shade val="15000"/>
-                </a:schemeClr>
-              </a:lnRef>
-              <a:fillRef idx="1">
-                <a:schemeClr val="accent1"/>
-              </a:fillRef>
-              <a:effectRef idx="0">
-                <a:schemeClr val="accent1"/>
-              </a:effectRef>
-              <a:fontRef idx="minor">
-                <a:schemeClr val="lt1"/>
-              </a:fontRef>
-            </p:style>
-            <p:txBody>
-              <a:bodyPr rtlCol="0" anchor="ctr"/>
-              <a:lstStyle/>
-              <a:p>
-                <a:pPr algn="ctr"/>
-                <a:endParaRPr lang="pt-BR"/>
-              </a:p>
-            </p:txBody>
-          </p:sp>
-          <p:sp>
-            <p:nvSpPr>
-              <p:cNvPr id="43" name="TextBox 42">
-                <a:extLst>
-                  <a:ext uri="{FF2B5EF4-FFF2-40B4-BE49-F238E27FC236}">
-                    <a16:creationId xmlns:a16="http://schemas.microsoft.com/office/drawing/2014/main" id="{EBD745B3-7529-A9F2-91D8-0D633E047AA8}"/>
-                  </a:ext>
-                </a:extLst>
-              </p:cNvPr>
-              <p:cNvSpPr txBox="1"/>
-              <p:nvPr/>
-            </p:nvSpPr>
-            <p:spPr>
-              <a:xfrm>
-                <a:off x="7041741" y="3703785"/>
-                <a:ext cx="3643383" cy="830997"/>
-              </a:xfrm>
-              <a:prstGeom prst="rect">
-                <a:avLst/>
-              </a:prstGeom>
-              <a:noFill/>
-            </p:spPr>
-            <p:txBody>
-              <a:bodyPr wrap="square">
-                <a:spAutoFit/>
-              </a:bodyPr>
-              <a:lstStyle/>
-              <a:p>
-                <a:r>
-                  <a:rPr lang="en-US" sz="1600" dirty="0">
-                    <a:solidFill>
-                      <a:schemeClr val="bg1"/>
-                    </a:solidFill>
-                    <a:latin typeface="Nunito Sans Normal" pitchFamily="2" charset="0"/>
-                  </a:rPr>
-                  <a:t>The date of the last visit of the customer for </a:t>
+                  <a:t>A customer can </a:t>
                 </a:r>
                 <a:r>
                   <a:rPr lang="en-US" sz="1600" b="1" dirty="0">
@@ -9288,7 +9773,7 @@
                     </a:solidFill>
                     <a:latin typeface="Nunito Sans Normal" pitchFamily="2" charset="0"/>
                   </a:rPr>
-                  <a:t>that specific campaign is the one they converted</a:t>
+                  <a:t>only purchase an item if they have visit it</a:t>
                 </a:r>
                 <a:endParaRPr lang="pt-BR" sz="1600" b="1" dirty="0">
                   <a:solidFill>
@@ -9299,6 +9784,60 @@
             </p:txBody>
           </p:sp>
         </p:grpSp>
+        <p:sp>
+          <p:nvSpPr>
+            <p:cNvPr id="43" name="TextBox 42">
+              <a:extLst>
+                <a:ext uri="{FF2B5EF4-FFF2-40B4-BE49-F238E27FC236}">
+                  <a16:creationId xmlns:a16="http://schemas.microsoft.com/office/drawing/2014/main" id="{EBD745B3-7529-A9F2-91D8-0D633E047AA8}"/>
+                </a:ext>
+              </a:extLst>
+            </p:cNvPr>
+            <p:cNvSpPr txBox="1"/>
+            <p:nvPr/>
+          </p:nvSpPr>
+          <p:spPr>
+            <a:xfrm>
+              <a:off x="7029443" y="3578259"/>
+              <a:ext cx="3643383" cy="1077218"/>
+            </a:xfrm>
+            <a:prstGeom prst="rect">
+              <a:avLst/>
+            </a:prstGeom>
+            <a:noFill/>
+          </p:spPr>
+          <p:txBody>
+            <a:bodyPr wrap="square">
+              <a:spAutoFit/>
+            </a:bodyPr>
+            <a:lstStyle/>
+            <a:p>
+              <a:r>
+                <a:rPr lang="en-US" sz="1600" dirty="0">
+                  <a:solidFill>
+                    <a:schemeClr val="bg1"/>
+                  </a:solidFill>
+                  <a:latin typeface="Nunito Sans Normal" pitchFamily="2" charset="0"/>
+                </a:rPr>
+                <a:t>The date of the last visit of the customer for </a:t>
+              </a:r>
+              <a:r>
+                <a:rPr lang="en-US" sz="1600" b="1" dirty="0">
+                  <a:solidFill>
+                    <a:schemeClr val="bg1"/>
+                  </a:solidFill>
+                  <a:latin typeface="Nunito Sans Normal" pitchFamily="2" charset="0"/>
+                </a:rPr>
+                <a:t>that specific campaign is the one they converted if available in purchases and visits</a:t>
+              </a:r>
+              <a:endParaRPr lang="pt-BR" sz="1600" b="1" dirty="0">
+                <a:solidFill>
+                  <a:schemeClr val="bg1"/>
+                </a:solidFill>
+              </a:endParaRPr>
+            </a:p>
+          </p:txBody>
+        </p:sp>
         <p:pic>
           <p:nvPicPr>
             <p:cNvPr id="46" name="Graphic 45" descr="Badge 1 with solid fill">
@@ -9463,7 +10002,406 @@
 </p:sld>
 </file>
 
-<file path=ppt/slides/slide19.xml><?xml version="1.0" encoding="utf-8"?>
+<file path=ppt/slides/slide2.xml><?xml version="1.0" encoding="utf-8"?>
+<p:sld xmlns:a="http://schemas.openxmlformats.org/drawingml/2006/main" xmlns:r="http://schemas.openxmlformats.org/officeDocument/2006/relationships" xmlns:p="http://schemas.openxmlformats.org/presentationml/2006/main">
+  <p:cSld>
+    <p:spTree>
+      <p:nvGrpSpPr>
+        <p:cNvPr id="1" name=""/>
+        <p:cNvGrpSpPr/>
+        <p:nvPr/>
+      </p:nvGrpSpPr>
+      <p:grpSpPr>
+        <a:xfrm>
+          <a:off x="0" y="0"/>
+          <a:ext cx="0" cy="0"/>
+          <a:chOff x="0" y="0"/>
+          <a:chExt cx="0" cy="0"/>
+        </a:xfrm>
+      </p:grpSpPr>
+      <p:sp>
+        <p:nvSpPr>
+          <p:cNvPr id="6" name="Rectangle 5">
+            <a:extLst>
+              <a:ext uri="{FF2B5EF4-FFF2-40B4-BE49-F238E27FC236}">
+                <a16:creationId xmlns:a16="http://schemas.microsoft.com/office/drawing/2014/main" id="{05CC7DF3-D1AF-722B-182D-F6B27D25CB20}"/>
+              </a:ext>
+            </a:extLst>
+          </p:cNvPr>
+          <p:cNvSpPr/>
+          <p:nvPr/>
+        </p:nvSpPr>
+        <p:spPr>
+          <a:xfrm>
+            <a:off x="7846142" y="0"/>
+            <a:ext cx="4345857" cy="6858000"/>
+          </a:xfrm>
+          <a:prstGeom prst="rect">
+            <a:avLst/>
+          </a:prstGeom>
+          <a:solidFill>
+            <a:srgbClr val="FEBAA8"/>
+          </a:solidFill>
+          <a:ln>
+            <a:noFill/>
+          </a:ln>
+        </p:spPr>
+        <p:style>
+          <a:lnRef idx="2">
+            <a:schemeClr val="accent1">
+              <a:shade val="15000"/>
+            </a:schemeClr>
+          </a:lnRef>
+          <a:fillRef idx="1">
+            <a:schemeClr val="accent1"/>
+          </a:fillRef>
+          <a:effectRef idx="0">
+            <a:schemeClr val="accent1"/>
+          </a:effectRef>
+          <a:fontRef idx="minor">
+            <a:schemeClr val="lt1"/>
+          </a:fontRef>
+        </p:style>
+        <p:txBody>
+          <a:bodyPr rtlCol="0" anchor="ctr"/>
+          <a:lstStyle/>
+          <a:p>
+            <a:pPr algn="ctr"/>
+            <a:endParaRPr lang="pt-BR"/>
+          </a:p>
+        </p:txBody>
+      </p:sp>
+      <p:sp>
+        <p:nvSpPr>
+          <p:cNvPr id="4" name="TextBox 3">
+            <a:extLst>
+              <a:ext uri="{FF2B5EF4-FFF2-40B4-BE49-F238E27FC236}">
+                <a16:creationId xmlns:a16="http://schemas.microsoft.com/office/drawing/2014/main" id="{9430201B-88D4-4A70-4B46-066FA1B4E4FC}"/>
+              </a:ext>
+            </a:extLst>
+          </p:cNvPr>
+          <p:cNvSpPr txBox="1"/>
+          <p:nvPr/>
+        </p:nvSpPr>
+        <p:spPr>
+          <a:xfrm>
+            <a:off x="299694" y="1011660"/>
+            <a:ext cx="6882581" cy="5755422"/>
+          </a:xfrm>
+          <a:prstGeom prst="rect">
+            <a:avLst/>
+          </a:prstGeom>
+          <a:noFill/>
+        </p:spPr>
+        <p:txBody>
+          <a:bodyPr wrap="square" rtlCol="0">
+            <a:spAutoFit/>
+          </a:bodyPr>
+          <a:lstStyle/>
+          <a:p>
+            <a:pPr marL="457200" indent="-457200">
+              <a:buFont typeface="+mj-lt"/>
+              <a:buAutoNum type="arabicPeriod"/>
+            </a:pPr>
+            <a:r>
+              <a:rPr lang="pt-BR" sz="1600" b="1" dirty="0">
+                <a:latin typeface="Nunito Sans Normal" pitchFamily="2" charset="0"/>
+              </a:rPr>
+              <a:t>Problem Definition</a:t>
+            </a:r>
+          </a:p>
+          <a:p>
+            <a:pPr lvl="1"/>
+            <a:r>
+              <a:rPr lang="pt-BR" sz="1600" b="1" dirty="0">
+                <a:latin typeface="Nunito Sans Normal" pitchFamily="2" charset="0"/>
+              </a:rPr>
+              <a:t>	</a:t>
+            </a:r>
+            <a:r>
+              <a:rPr lang="pt-BR" sz="1600" dirty="0">
+                <a:latin typeface="Nunito Sans Normal" pitchFamily="2" charset="0"/>
+              </a:rPr>
+              <a:t>1.1 Dataset Attributes</a:t>
+            </a:r>
+          </a:p>
+          <a:p>
+            <a:pPr lvl="1"/>
+            <a:r>
+              <a:rPr lang="pt-BR" sz="1600" dirty="0">
+                <a:latin typeface="Nunito Sans Normal" pitchFamily="2" charset="0"/>
+              </a:rPr>
+              <a:t>	1.2 Objective and Key Questions</a:t>
+            </a:r>
+          </a:p>
+          <a:p>
+            <a:pPr lvl="1"/>
+            <a:r>
+              <a:rPr lang="pt-BR" sz="1600" dirty="0">
+                <a:latin typeface="Nunito Sans Normal" pitchFamily="2" charset="0"/>
+              </a:rPr>
+              <a:t>	1.3 Technologies and Programming Language</a:t>
+            </a:r>
+          </a:p>
+          <a:p>
+            <a:pPr lvl="1"/>
+            <a:endParaRPr lang="pt-BR" sz="1600" dirty="0">
+              <a:latin typeface="Nunito Sans Normal" pitchFamily="2" charset="0"/>
+            </a:endParaRPr>
+          </a:p>
+          <a:p>
+            <a:pPr marL="457200" indent="-457200">
+              <a:buAutoNum type="arabicPeriod"/>
+            </a:pPr>
+            <a:r>
+              <a:rPr lang="pt-BR" sz="1600" b="1" dirty="0">
+                <a:latin typeface="Nunito Sans Normal" pitchFamily="2" charset="0"/>
+              </a:rPr>
+              <a:t>First Steps</a:t>
+            </a:r>
+          </a:p>
+          <a:p>
+            <a:pPr marL="457200" indent="-457200">
+              <a:buAutoNum type="arabicPeriod"/>
+            </a:pPr>
+            <a:r>
+              <a:rPr lang="pt-BR" sz="1600" b="1" dirty="0">
+                <a:latin typeface="Nunito Sans Normal" pitchFamily="2" charset="0"/>
+              </a:rPr>
+              <a:t>Data GAP</a:t>
+            </a:r>
+          </a:p>
+          <a:p>
+            <a:r>
+              <a:rPr lang="pt-BR" sz="1600" b="1" dirty="0">
+                <a:latin typeface="Nunito Sans Normal" pitchFamily="2" charset="0"/>
+              </a:rPr>
+              <a:t>	3.1 Campaign ID</a:t>
+            </a:r>
+          </a:p>
+          <a:p>
+            <a:r>
+              <a:rPr lang="pt-BR" sz="1600" b="1" dirty="0">
+                <a:latin typeface="Nunito Sans Normal" pitchFamily="2" charset="0"/>
+              </a:rPr>
+              <a:t>	3.2 User ID</a:t>
+            </a:r>
+          </a:p>
+          <a:p>
+            <a:r>
+              <a:rPr lang="pt-BR" sz="1600" b="1" dirty="0">
+                <a:latin typeface="Nunito Sans Normal" pitchFamily="2" charset="0"/>
+              </a:rPr>
+              <a:t>	3.3 Nulls, NaNs and Missings</a:t>
+            </a:r>
+          </a:p>
+          <a:p>
+            <a:r>
+              <a:rPr lang="pt-BR" sz="1600" b="1" dirty="0">
+                <a:latin typeface="Nunito Sans Normal" pitchFamily="2" charset="0"/>
+              </a:rPr>
+              <a:t>	3.4 Wrong Campaign</a:t>
+            </a:r>
+          </a:p>
+          <a:p>
+            <a:r>
+              <a:rPr lang="pt-BR" sz="1600" b="1" dirty="0">
+                <a:latin typeface="Nunito Sans Normal" pitchFamily="2" charset="0"/>
+              </a:rPr>
+              <a:t>	3.5 Inconsistence in Window Number</a:t>
+            </a:r>
+          </a:p>
+          <a:p>
+            <a:r>
+              <a:rPr lang="pt-BR" sz="1600" b="1" dirty="0">
+                <a:latin typeface="Nunito Sans Normal" pitchFamily="2" charset="0"/>
+              </a:rPr>
+              <a:t>	3.6 Missing PK</a:t>
+            </a:r>
+          </a:p>
+          <a:p>
+            <a:r>
+              <a:rPr lang="pt-BR" sz="1600" b="1" dirty="0">
+                <a:latin typeface="Nunito Sans Normal" pitchFamily="2" charset="0"/>
+              </a:rPr>
+              <a:t>	3.7 N:N Relationship</a:t>
+            </a:r>
+          </a:p>
+          <a:p>
+            <a:r>
+              <a:rPr lang="pt-BR" sz="1600" b="1" dirty="0">
+                <a:latin typeface="Nunito Sans Normal" pitchFamily="2" charset="0"/>
+              </a:rPr>
+              <a:t>	3.8 Non Attributed Channel</a:t>
+            </a:r>
+          </a:p>
+          <a:p>
+            <a:endParaRPr lang="pt-BR" sz="1600" b="1" dirty="0">
+              <a:latin typeface="Nunito Sans Normal" pitchFamily="2" charset="0"/>
+            </a:endParaRPr>
+          </a:p>
+          <a:p>
+            <a:r>
+              <a:rPr lang="pt-BR" sz="1600" b="1" dirty="0">
+                <a:latin typeface="Nunito Sans Normal" pitchFamily="2" charset="0"/>
+              </a:rPr>
+              <a:t>4.     Data Analysis</a:t>
+            </a:r>
+          </a:p>
+          <a:p>
+            <a:pPr lvl="2"/>
+            <a:r>
+              <a:rPr lang="pt-BR" sz="1600" dirty="0">
+                <a:latin typeface="Nunito Sans Normal" pitchFamily="2" charset="0"/>
+              </a:rPr>
+              <a:t>4.1 Valuable Users</a:t>
+            </a:r>
+          </a:p>
+          <a:p>
+            <a:pPr lvl="2"/>
+            <a:r>
+              <a:rPr lang="pt-BR" sz="1600" dirty="0">
+                <a:latin typeface="Nunito Sans Normal" pitchFamily="2" charset="0"/>
+              </a:rPr>
+              <a:t>4.2 Channels &amp; Valuable Users</a:t>
+            </a:r>
+          </a:p>
+          <a:p>
+            <a:pPr lvl="2"/>
+            <a:r>
+              <a:rPr lang="pt-BR" sz="1600" dirty="0">
+                <a:latin typeface="Nunito Sans Normal" pitchFamily="2" charset="0"/>
+              </a:rPr>
+              <a:t>4.3 Convertion Rate</a:t>
+            </a:r>
+          </a:p>
+          <a:p>
+            <a:pPr lvl="2"/>
+            <a:r>
+              <a:rPr lang="pt-BR" sz="1600" dirty="0">
+                <a:latin typeface="Nunito Sans Normal" pitchFamily="2" charset="0"/>
+              </a:rPr>
+              <a:t>4.4 Recommendations</a:t>
+            </a:r>
+          </a:p>
+          <a:p>
+            <a:pPr lvl="1"/>
+            <a:endParaRPr lang="pt-BR" sz="1600" dirty="0">
+              <a:latin typeface="Nunito Sans Normal" pitchFamily="2" charset="0"/>
+            </a:endParaRPr>
+          </a:p>
+          <a:p>
+            <a:r>
+              <a:rPr lang="pt-BR" sz="1600" b="1" dirty="0">
+                <a:latin typeface="Nunito Sans Normal" pitchFamily="2" charset="0"/>
+              </a:rPr>
+              <a:t>5.     Recommendations</a:t>
+            </a:r>
+          </a:p>
+        </p:txBody>
+      </p:sp>
+      <p:sp>
+        <p:nvSpPr>
+          <p:cNvPr id="3" name="TextBox 2">
+            <a:extLst>
+              <a:ext uri="{FF2B5EF4-FFF2-40B4-BE49-F238E27FC236}">
+                <a16:creationId xmlns:a16="http://schemas.microsoft.com/office/drawing/2014/main" id="{6005DEB9-7AB9-EE71-2DA6-8D98DE683D63}"/>
+              </a:ext>
+            </a:extLst>
+          </p:cNvPr>
+          <p:cNvSpPr txBox="1"/>
+          <p:nvPr/>
+        </p:nvSpPr>
+        <p:spPr>
+          <a:xfrm>
+            <a:off x="2863645" y="200188"/>
+            <a:ext cx="2261419" cy="707886"/>
+          </a:xfrm>
+          <a:prstGeom prst="rect">
+            <a:avLst/>
+          </a:prstGeom>
+          <a:noFill/>
+        </p:spPr>
+        <p:txBody>
+          <a:bodyPr wrap="square">
+            <a:spAutoFit/>
+          </a:bodyPr>
+          <a:lstStyle/>
+          <a:p>
+            <a:pPr algn="ctr"/>
+            <a:r>
+              <a:rPr lang="pt-BR" sz="4000" b="1" dirty="0">
+                <a:latin typeface="Nunito Sans Normal" pitchFamily="2" charset="0"/>
+              </a:rPr>
+              <a:t>INDEX</a:t>
+            </a:r>
+            <a:endParaRPr lang="pt-BR" sz="2800" b="1" dirty="0">
+              <a:latin typeface="Nunito Sans Normal" pitchFamily="2" charset="0"/>
+            </a:endParaRPr>
+          </a:p>
+        </p:txBody>
+      </p:sp>
+      <p:pic>
+        <p:nvPicPr>
+          <p:cNvPr id="1026" name="Picture 2" descr="FabFitFun - Beauty, Fitness, Lifestyle">
+            <a:extLst>
+              <a:ext uri="{FF2B5EF4-FFF2-40B4-BE49-F238E27FC236}">
+                <a16:creationId xmlns:a16="http://schemas.microsoft.com/office/drawing/2014/main" id="{5264F99C-3745-DC5D-0BC5-F5B5A7511BB5}"/>
+              </a:ext>
+            </a:extLst>
+          </p:cNvPr>
+          <p:cNvPicPr>
+            <a:picLocks noChangeAspect="1" noChangeArrowheads="1"/>
+          </p:cNvPicPr>
+          <p:nvPr/>
+        </p:nvPicPr>
+        <p:blipFill>
+          <a:blip r:embed="rId3">
+            <a:extLst>
+              <a:ext uri="{28A0092B-C50C-407E-A947-70E740481C1C}">
+                <a14:useLocalDpi xmlns:a14="http://schemas.microsoft.com/office/drawing/2010/main" val="0"/>
+              </a:ext>
+            </a:extLst>
+          </a:blip>
+          <a:srcRect/>
+          <a:stretch>
+            <a:fillRect/>
+          </a:stretch>
+        </p:blipFill>
+        <p:spPr bwMode="auto">
+          <a:xfrm>
+            <a:off x="10053486" y="5886204"/>
+            <a:ext cx="1759973" cy="725989"/>
+          </a:xfrm>
+          <a:prstGeom prst="rect">
+            <a:avLst/>
+          </a:prstGeom>
+          <a:noFill/>
+          <a:extLst>
+            <a:ext uri="{909E8E84-426E-40DD-AFC4-6F175D3DCCD1}">
+              <a14:hiddenFill xmlns:a14="http://schemas.microsoft.com/office/drawing/2010/main">
+                <a:solidFill>
+                  <a:srgbClr val="FFFFFF"/>
+                </a:solidFill>
+              </a14:hiddenFill>
+            </a:ext>
+          </a:extLst>
+        </p:spPr>
+      </p:pic>
+    </p:spTree>
+    <p:extLst>
+      <p:ext uri="{BB962C8B-B14F-4D97-AF65-F5344CB8AC3E}">
+        <p14:creationId xmlns:p14="http://schemas.microsoft.com/office/powerpoint/2010/main" val="3294185420"/>
+      </p:ext>
+    </p:extLst>
+  </p:cSld>
+  <p:clrMapOvr>
+    <a:masterClrMapping/>
+  </p:clrMapOvr>
+</p:sld>
+</file>
+
+<file path=ppt/slides/slide20.xml><?xml version="1.0" encoding="utf-8"?>
 <p:sld xmlns:a="http://schemas.openxmlformats.org/drawingml/2006/main" xmlns:r="http://schemas.openxmlformats.org/officeDocument/2006/relationships" xmlns:p="http://schemas.openxmlformats.org/presentationml/2006/main">
   <p:cSld>
     <p:spTree>
@@ -10384,398 +11322,7 @@
 </p:sld>
 </file>
 
-<file path=ppt/slides/slide2.xml><?xml version="1.0" encoding="utf-8"?>
-<p:sld xmlns:a="http://schemas.openxmlformats.org/drawingml/2006/main" xmlns:r="http://schemas.openxmlformats.org/officeDocument/2006/relationships" xmlns:p="http://schemas.openxmlformats.org/presentationml/2006/main">
-  <p:cSld>
-    <p:spTree>
-      <p:nvGrpSpPr>
-        <p:cNvPr id="1" name=""/>
-        <p:cNvGrpSpPr/>
-        <p:nvPr/>
-      </p:nvGrpSpPr>
-      <p:grpSpPr>
-        <a:xfrm>
-          <a:off x="0" y="0"/>
-          <a:ext cx="0" cy="0"/>
-          <a:chOff x="0" y="0"/>
-          <a:chExt cx="0" cy="0"/>
-        </a:xfrm>
-      </p:grpSpPr>
-      <p:sp>
-        <p:nvSpPr>
-          <p:cNvPr id="6" name="Rectangle 5">
-            <a:extLst>
-              <a:ext uri="{FF2B5EF4-FFF2-40B4-BE49-F238E27FC236}">
-                <a16:creationId xmlns:a16="http://schemas.microsoft.com/office/drawing/2014/main" id="{05CC7DF3-D1AF-722B-182D-F6B27D25CB20}"/>
-              </a:ext>
-            </a:extLst>
-          </p:cNvPr>
-          <p:cNvSpPr/>
-          <p:nvPr/>
-        </p:nvSpPr>
-        <p:spPr>
-          <a:xfrm>
-            <a:off x="7846142" y="0"/>
-            <a:ext cx="4345857" cy="6858000"/>
-          </a:xfrm>
-          <a:prstGeom prst="rect">
-            <a:avLst/>
-          </a:prstGeom>
-          <a:solidFill>
-            <a:srgbClr val="FEBAA8"/>
-          </a:solidFill>
-          <a:ln>
-            <a:noFill/>
-          </a:ln>
-        </p:spPr>
-        <p:style>
-          <a:lnRef idx="2">
-            <a:schemeClr val="accent1">
-              <a:shade val="15000"/>
-            </a:schemeClr>
-          </a:lnRef>
-          <a:fillRef idx="1">
-            <a:schemeClr val="accent1"/>
-          </a:fillRef>
-          <a:effectRef idx="0">
-            <a:schemeClr val="accent1"/>
-          </a:effectRef>
-          <a:fontRef idx="minor">
-            <a:schemeClr val="lt1"/>
-          </a:fontRef>
-        </p:style>
-        <p:txBody>
-          <a:bodyPr rtlCol="0" anchor="ctr"/>
-          <a:lstStyle/>
-          <a:p>
-            <a:pPr algn="ctr"/>
-            <a:endParaRPr lang="pt-BR"/>
-          </a:p>
-        </p:txBody>
-      </p:sp>
-      <p:sp>
-        <p:nvSpPr>
-          <p:cNvPr id="4" name="TextBox 3">
-            <a:extLst>
-              <a:ext uri="{FF2B5EF4-FFF2-40B4-BE49-F238E27FC236}">
-                <a16:creationId xmlns:a16="http://schemas.microsoft.com/office/drawing/2014/main" id="{9430201B-88D4-4A70-4B46-066FA1B4E4FC}"/>
-              </a:ext>
-            </a:extLst>
-          </p:cNvPr>
-          <p:cNvSpPr txBox="1"/>
-          <p:nvPr/>
-        </p:nvSpPr>
-        <p:spPr>
-          <a:xfrm>
-            <a:off x="299694" y="1011660"/>
-            <a:ext cx="6882581" cy="5509200"/>
-          </a:xfrm>
-          <a:prstGeom prst="rect">
-            <a:avLst/>
-          </a:prstGeom>
-          <a:noFill/>
-        </p:spPr>
-        <p:txBody>
-          <a:bodyPr wrap="square" rtlCol="0">
-            <a:spAutoFit/>
-          </a:bodyPr>
-          <a:lstStyle/>
-          <a:p>
-            <a:pPr marL="457200" indent="-457200">
-              <a:buFont typeface="+mj-lt"/>
-              <a:buAutoNum type="arabicPeriod"/>
-            </a:pPr>
-            <a:r>
-              <a:rPr lang="pt-BR" sz="1600" b="1" dirty="0">
-                <a:latin typeface="Nunito Sans Normal" pitchFamily="2" charset="0"/>
-              </a:rPr>
-              <a:t>Problem Definition</a:t>
-            </a:r>
-          </a:p>
-          <a:p>
-            <a:pPr lvl="1"/>
-            <a:r>
-              <a:rPr lang="pt-BR" sz="1600" b="1" dirty="0">
-                <a:latin typeface="Nunito Sans Normal" pitchFamily="2" charset="0"/>
-              </a:rPr>
-              <a:t>	</a:t>
-            </a:r>
-            <a:r>
-              <a:rPr lang="pt-BR" sz="1600" dirty="0">
-                <a:latin typeface="Nunito Sans Normal" pitchFamily="2" charset="0"/>
-              </a:rPr>
-              <a:t>1.1 Dataset Attributes</a:t>
-            </a:r>
-          </a:p>
-          <a:p>
-            <a:pPr lvl="1"/>
-            <a:r>
-              <a:rPr lang="pt-BR" sz="1600" dirty="0">
-                <a:latin typeface="Nunito Sans Normal" pitchFamily="2" charset="0"/>
-              </a:rPr>
-              <a:t>	1.2 Objective and Key Questions</a:t>
-            </a:r>
-          </a:p>
-          <a:p>
-            <a:pPr lvl="1"/>
-            <a:r>
-              <a:rPr lang="pt-BR" sz="1600" dirty="0">
-                <a:latin typeface="Nunito Sans Normal" pitchFamily="2" charset="0"/>
-              </a:rPr>
-              <a:t>	1.3 Technologies and Programming Language</a:t>
-            </a:r>
-          </a:p>
-          <a:p>
-            <a:pPr lvl="1"/>
-            <a:endParaRPr lang="pt-BR" sz="1600" dirty="0">
-              <a:latin typeface="Nunito Sans Normal" pitchFamily="2" charset="0"/>
-            </a:endParaRPr>
-          </a:p>
-          <a:p>
-            <a:pPr marL="457200" indent="-457200">
-              <a:buAutoNum type="arabicPeriod"/>
-            </a:pPr>
-            <a:r>
-              <a:rPr lang="pt-BR" sz="1600" b="1" dirty="0">
-                <a:latin typeface="Nunito Sans Normal" pitchFamily="2" charset="0"/>
-              </a:rPr>
-              <a:t>First Steps</a:t>
-            </a:r>
-          </a:p>
-          <a:p>
-            <a:pPr marL="457200" indent="-457200">
-              <a:buAutoNum type="arabicPeriod"/>
-            </a:pPr>
-            <a:r>
-              <a:rPr lang="pt-BR" sz="1600" b="1" dirty="0">
-                <a:latin typeface="Nunito Sans Normal" pitchFamily="2" charset="0"/>
-              </a:rPr>
-              <a:t>Data GAP</a:t>
-            </a:r>
-          </a:p>
-          <a:p>
-            <a:r>
-              <a:rPr lang="pt-BR" sz="1600" b="1" dirty="0">
-                <a:latin typeface="Nunito Sans Normal" pitchFamily="2" charset="0"/>
-              </a:rPr>
-              <a:t>	3.1 Campaign ID</a:t>
-            </a:r>
-          </a:p>
-          <a:p>
-            <a:r>
-              <a:rPr lang="pt-BR" sz="1600" b="1" dirty="0">
-                <a:latin typeface="Nunito Sans Normal" pitchFamily="2" charset="0"/>
-              </a:rPr>
-              <a:t>	3.2 User ID</a:t>
-            </a:r>
-          </a:p>
-          <a:p>
-            <a:r>
-              <a:rPr lang="pt-BR" sz="1600" b="1" dirty="0">
-                <a:latin typeface="Nunito Sans Normal" pitchFamily="2" charset="0"/>
-              </a:rPr>
-              <a:t>	3.3 Nulls, NaNs and Missings</a:t>
-            </a:r>
-          </a:p>
-          <a:p>
-            <a:r>
-              <a:rPr lang="pt-BR" sz="1600" b="1" dirty="0">
-                <a:latin typeface="Nunito Sans Normal" pitchFamily="2" charset="0"/>
-              </a:rPr>
-              <a:t>	3.4 Wrong Campaign</a:t>
-            </a:r>
-          </a:p>
-          <a:p>
-            <a:r>
-              <a:rPr lang="pt-BR" sz="1600" b="1" dirty="0">
-                <a:latin typeface="Nunito Sans Normal" pitchFamily="2" charset="0"/>
-              </a:rPr>
-              <a:t>	3.5 Inconsistence in Window Number</a:t>
-            </a:r>
-          </a:p>
-          <a:p>
-            <a:r>
-              <a:rPr lang="pt-BR" sz="1600" b="1" dirty="0">
-                <a:latin typeface="Nunito Sans Normal" pitchFamily="2" charset="0"/>
-              </a:rPr>
-              <a:t>	3.6 Missing PK</a:t>
-            </a:r>
-          </a:p>
-          <a:p>
-            <a:r>
-              <a:rPr lang="pt-BR" sz="1600" b="1" dirty="0">
-                <a:latin typeface="Nunito Sans Normal" pitchFamily="2" charset="0"/>
-              </a:rPr>
-              <a:t>	3.7 N:N Relationship</a:t>
-            </a:r>
-          </a:p>
-          <a:p>
-            <a:endParaRPr lang="pt-BR" sz="1600" b="1" dirty="0">
-              <a:latin typeface="Nunito Sans Normal" pitchFamily="2" charset="0"/>
-            </a:endParaRPr>
-          </a:p>
-          <a:p>
-            <a:r>
-              <a:rPr lang="pt-BR" sz="1600" b="1" dirty="0">
-                <a:latin typeface="Nunito Sans Normal" pitchFamily="2" charset="0"/>
-              </a:rPr>
-              <a:t>4.     Data Analysis</a:t>
-            </a:r>
-          </a:p>
-          <a:p>
-            <a:pPr lvl="2"/>
-            <a:r>
-              <a:rPr lang="pt-BR" sz="1600" dirty="0">
-                <a:latin typeface="Nunito Sans Normal" pitchFamily="2" charset="0"/>
-              </a:rPr>
-              <a:t>4.1 Valuable Users</a:t>
-            </a:r>
-          </a:p>
-          <a:p>
-            <a:pPr lvl="2"/>
-            <a:r>
-              <a:rPr lang="pt-BR" sz="1600" dirty="0">
-                <a:latin typeface="Nunito Sans Normal" pitchFamily="2" charset="0"/>
-              </a:rPr>
-              <a:t>4.2 Channels &amp; Valuable Users</a:t>
-            </a:r>
-          </a:p>
-          <a:p>
-            <a:pPr lvl="2"/>
-            <a:r>
-              <a:rPr lang="pt-BR" sz="1600" dirty="0">
-                <a:latin typeface="Nunito Sans Normal" pitchFamily="2" charset="0"/>
-              </a:rPr>
-              <a:t>4.3 Convertion Rate</a:t>
-            </a:r>
-          </a:p>
-          <a:p>
-            <a:pPr lvl="2"/>
-            <a:r>
-              <a:rPr lang="pt-BR" sz="1600" dirty="0">
-                <a:latin typeface="Nunito Sans Normal" pitchFamily="2" charset="0"/>
-              </a:rPr>
-              <a:t>4.4 Recommendations</a:t>
-            </a:r>
-          </a:p>
-          <a:p>
-            <a:pPr lvl="1"/>
-            <a:endParaRPr lang="pt-BR" sz="1600" dirty="0">
-              <a:latin typeface="Nunito Sans Normal" pitchFamily="2" charset="0"/>
-            </a:endParaRPr>
-          </a:p>
-          <a:p>
-            <a:r>
-              <a:rPr lang="pt-BR" sz="1600" b="1" dirty="0">
-                <a:latin typeface="Nunito Sans Normal" pitchFamily="2" charset="0"/>
-              </a:rPr>
-              <a:t>5.     Recommendations</a:t>
-            </a:r>
-          </a:p>
-        </p:txBody>
-      </p:sp>
-      <p:sp>
-        <p:nvSpPr>
-          <p:cNvPr id="3" name="TextBox 2">
-            <a:extLst>
-              <a:ext uri="{FF2B5EF4-FFF2-40B4-BE49-F238E27FC236}">
-                <a16:creationId xmlns:a16="http://schemas.microsoft.com/office/drawing/2014/main" id="{6005DEB9-7AB9-EE71-2DA6-8D98DE683D63}"/>
-              </a:ext>
-            </a:extLst>
-          </p:cNvPr>
-          <p:cNvSpPr txBox="1"/>
-          <p:nvPr/>
-        </p:nvSpPr>
-        <p:spPr>
-          <a:xfrm>
-            <a:off x="2863645" y="200188"/>
-            <a:ext cx="2261419" cy="707886"/>
-          </a:xfrm>
-          <a:prstGeom prst="rect">
-            <a:avLst/>
-          </a:prstGeom>
-          <a:noFill/>
-        </p:spPr>
-        <p:txBody>
-          <a:bodyPr wrap="square">
-            <a:spAutoFit/>
-          </a:bodyPr>
-          <a:lstStyle/>
-          <a:p>
-            <a:pPr algn="ctr"/>
-            <a:r>
-              <a:rPr lang="pt-BR" sz="4000" b="1" dirty="0">
-                <a:latin typeface="Nunito Sans Normal" pitchFamily="2" charset="0"/>
-              </a:rPr>
-              <a:t>INDEX</a:t>
-            </a:r>
-            <a:endParaRPr lang="pt-BR" sz="2800" b="1" dirty="0">
-              <a:latin typeface="Nunito Sans Normal" pitchFamily="2" charset="0"/>
-            </a:endParaRPr>
-          </a:p>
-        </p:txBody>
-      </p:sp>
-      <p:pic>
-        <p:nvPicPr>
-          <p:cNvPr id="1026" name="Picture 2" descr="FabFitFun - Beauty, Fitness, Lifestyle">
-            <a:extLst>
-              <a:ext uri="{FF2B5EF4-FFF2-40B4-BE49-F238E27FC236}">
-                <a16:creationId xmlns:a16="http://schemas.microsoft.com/office/drawing/2014/main" id="{5264F99C-3745-DC5D-0BC5-F5B5A7511BB5}"/>
-              </a:ext>
-            </a:extLst>
-          </p:cNvPr>
-          <p:cNvPicPr>
-            <a:picLocks noChangeAspect="1" noChangeArrowheads="1"/>
-          </p:cNvPicPr>
-          <p:nvPr/>
-        </p:nvPicPr>
-        <p:blipFill>
-          <a:blip r:embed="rId3">
-            <a:extLst>
-              <a:ext uri="{28A0092B-C50C-407E-A947-70E740481C1C}">
-                <a14:useLocalDpi xmlns:a14="http://schemas.microsoft.com/office/drawing/2010/main" val="0"/>
-              </a:ext>
-            </a:extLst>
-          </a:blip>
-          <a:srcRect/>
-          <a:stretch>
-            <a:fillRect/>
-          </a:stretch>
-        </p:blipFill>
-        <p:spPr bwMode="auto">
-          <a:xfrm>
-            <a:off x="10053486" y="5886204"/>
-            <a:ext cx="1759973" cy="725989"/>
-          </a:xfrm>
-          <a:prstGeom prst="rect">
-            <a:avLst/>
-          </a:prstGeom>
-          <a:noFill/>
-          <a:extLst>
-            <a:ext uri="{909E8E84-426E-40DD-AFC4-6F175D3DCCD1}">
-              <a14:hiddenFill xmlns:a14="http://schemas.microsoft.com/office/drawing/2010/main">
-                <a:solidFill>
-                  <a:srgbClr val="FFFFFF"/>
-                </a:solidFill>
-              </a14:hiddenFill>
-            </a:ext>
-          </a:extLst>
-        </p:spPr>
-      </p:pic>
-    </p:spTree>
-    <p:extLst>
-      <p:ext uri="{BB962C8B-B14F-4D97-AF65-F5344CB8AC3E}">
-        <p14:creationId xmlns:p14="http://schemas.microsoft.com/office/powerpoint/2010/main" val="3294185420"/>
-      </p:ext>
-    </p:extLst>
-  </p:cSld>
-  <p:clrMapOvr>
-    <a:masterClrMapping/>
-  </p:clrMapOvr>
-</p:sld>
-</file>
-
-<file path=ppt/slides/slide20.xml><?xml version="1.0" encoding="utf-8"?>
+<file path=ppt/slides/slide21.xml><?xml version="1.0" encoding="utf-8"?>
 <p:sld xmlns:a="http://schemas.openxmlformats.org/drawingml/2006/main" xmlns:r="http://schemas.openxmlformats.org/officeDocument/2006/relationships" xmlns:p="http://schemas.openxmlformats.org/presentationml/2006/main">
   <p:cSld>
     <p:spTree>
@@ -12232,7 +12779,7 @@
 </p:sld>
 </file>
 
-<file path=ppt/slides/slide21.xml><?xml version="1.0" encoding="utf-8"?>
+<file path=ppt/slides/slide22.xml><?xml version="1.0" encoding="utf-8"?>
 <p:sld xmlns:a="http://schemas.openxmlformats.org/drawingml/2006/main" xmlns:r="http://schemas.openxmlformats.org/officeDocument/2006/relationships" xmlns:p="http://schemas.openxmlformats.org/presentationml/2006/main">
   <p:cSld>
     <p:spTree>
@@ -13424,7 +13971,7 @@
 </p:sld>
 </file>
 
-<file path=ppt/slides/slide22.xml><?xml version="1.0" encoding="utf-8"?>
+<file path=ppt/slides/slide23.xml><?xml version="1.0" encoding="utf-8"?>
 <p:sld xmlns:a="http://schemas.openxmlformats.org/drawingml/2006/main" xmlns:r="http://schemas.openxmlformats.org/officeDocument/2006/relationships" xmlns:p="http://schemas.openxmlformats.org/presentationml/2006/main">
   <p:cSld>
     <p:spTree>
@@ -13850,7 +14397,7 @@
 </p:sld>
 </file>
 
-<file path=ppt/slides/slide23.xml><?xml version="1.0" encoding="utf-8"?>
+<file path=ppt/slides/slide24.xml><?xml version="1.0" encoding="utf-8"?>
 <p:sld xmlns:a="http://schemas.openxmlformats.org/drawingml/2006/main" xmlns:r="http://schemas.openxmlformats.org/officeDocument/2006/relationships" xmlns:p="http://schemas.openxmlformats.org/presentationml/2006/main">
   <p:cSld>
     <p:spTree>
@@ -15875,7 +16422,7 @@
 </p:sld>
 </file>
 
-<file path=ppt/slides/slide24.xml><?xml version="1.0" encoding="utf-8"?>
+<file path=ppt/slides/slide25.xml><?xml version="1.0" encoding="utf-8"?>
 <p:sld xmlns:a="http://schemas.openxmlformats.org/drawingml/2006/main" xmlns:r="http://schemas.openxmlformats.org/officeDocument/2006/relationships" xmlns:p="http://schemas.openxmlformats.org/presentationml/2006/main">
   <p:cSld>
     <p:spTree>
@@ -16177,7 +16724,7 @@
 </p:sld>
 </file>
 
-<file path=ppt/slides/slide25.xml><?xml version="1.0" encoding="utf-8"?>
+<file path=ppt/slides/slide26.xml><?xml version="1.0" encoding="utf-8"?>
 <p:sld xmlns:a="http://schemas.openxmlformats.org/drawingml/2006/main" xmlns:r="http://schemas.openxmlformats.org/officeDocument/2006/relationships" xmlns:p="http://schemas.openxmlformats.org/presentationml/2006/main">
   <p:cSld>
     <p:spTree>
@@ -16397,7 +16944,7 @@
 </p:sld>
 </file>
 
-<file path=ppt/slides/slide26.xml><?xml version="1.0" encoding="utf-8"?>
+<file path=ppt/slides/slide27.xml><?xml version="1.0" encoding="utf-8"?>
 <p:sld xmlns:a="http://schemas.openxmlformats.org/drawingml/2006/main" xmlns:r="http://schemas.openxmlformats.org/officeDocument/2006/relationships" xmlns:p="http://schemas.openxmlformats.org/presentationml/2006/main">
   <p:cSld>
     <p:spTree>
@@ -16614,7 +17161,7 @@
 </p:sld>
 </file>
 
-<file path=ppt/slides/slide27.xml><?xml version="1.0" encoding="utf-8"?>
+<file path=ppt/slides/slide28.xml><?xml version="1.0" encoding="utf-8"?>
 <p:sld xmlns:a="http://schemas.openxmlformats.org/drawingml/2006/main" xmlns:r="http://schemas.openxmlformats.org/officeDocument/2006/relationships" xmlns:p="http://schemas.openxmlformats.org/presentationml/2006/main">
   <p:cSld>
     <p:spTree>
@@ -16902,7 +17449,7 @@
 </p:sld>
 </file>
 
-<file path=ppt/slides/slide28.xml><?xml version="1.0" encoding="utf-8"?>
+<file path=ppt/slides/slide29.xml><?xml version="1.0" encoding="utf-8"?>
 <p:sld xmlns:a="http://schemas.openxmlformats.org/drawingml/2006/main" xmlns:r="http://schemas.openxmlformats.org/officeDocument/2006/relationships" xmlns:p="http://schemas.openxmlformats.org/presentationml/2006/main">
   <p:cSld>
     <p:spTree>
@@ -17205,254 +17752,6 @@
     <p:extLst>
       <p:ext uri="{BB962C8B-B14F-4D97-AF65-F5344CB8AC3E}">
         <p14:creationId xmlns:p14="http://schemas.microsoft.com/office/powerpoint/2010/main" val="2561346999"/>
-      </p:ext>
-    </p:extLst>
-  </p:cSld>
-  <p:clrMapOvr>
-    <a:masterClrMapping/>
-  </p:clrMapOvr>
-</p:sld>
-</file>
-
-<file path=ppt/slides/slide29.xml><?xml version="1.0" encoding="utf-8"?>
-<p:sld xmlns:a="http://schemas.openxmlformats.org/drawingml/2006/main" xmlns:r="http://schemas.openxmlformats.org/officeDocument/2006/relationships" xmlns:p="http://schemas.openxmlformats.org/presentationml/2006/main">
-  <p:cSld>
-    <p:spTree>
-      <p:nvGrpSpPr>
-        <p:cNvPr id="1" name="">
-          <a:extLst>
-            <a:ext uri="{FF2B5EF4-FFF2-40B4-BE49-F238E27FC236}">
-              <a16:creationId xmlns:a16="http://schemas.microsoft.com/office/drawing/2014/main" id="{40D1F7B6-1897-DD92-565C-A86B25929740}"/>
-            </a:ext>
-          </a:extLst>
-        </p:cNvPr>
-        <p:cNvGrpSpPr/>
-        <p:nvPr/>
-      </p:nvGrpSpPr>
-      <p:grpSpPr>
-        <a:xfrm>
-          <a:off x="0" y="0"/>
-          <a:ext cx="0" cy="0"/>
-          <a:chOff x="0" y="0"/>
-          <a:chExt cx="0" cy="0"/>
-        </a:xfrm>
-      </p:grpSpPr>
-      <p:sp>
-        <p:nvSpPr>
-          <p:cNvPr id="2" name="TextBox 1">
-            <a:extLst>
-              <a:ext uri="{FF2B5EF4-FFF2-40B4-BE49-F238E27FC236}">
-                <a16:creationId xmlns:a16="http://schemas.microsoft.com/office/drawing/2014/main" id="{9773E788-5CBC-B5E5-9688-6CF2839675D0}"/>
-              </a:ext>
-            </a:extLst>
-          </p:cNvPr>
-          <p:cNvSpPr txBox="1"/>
-          <p:nvPr/>
-        </p:nvSpPr>
-        <p:spPr>
-          <a:xfrm>
-            <a:off x="137652" y="48592"/>
-            <a:ext cx="7503977" cy="861774"/>
-          </a:xfrm>
-          <a:prstGeom prst="rect">
-            <a:avLst/>
-          </a:prstGeom>
-          <a:noFill/>
-        </p:spPr>
-        <p:txBody>
-          <a:bodyPr wrap="none" rtlCol="0">
-            <a:spAutoFit/>
-          </a:bodyPr>
-          <a:lstStyle/>
-          <a:p>
-            <a:r>
-              <a:rPr lang="pt-BR" sz="3200" b="1" dirty="0">
-                <a:latin typeface="Nunito Sans Normal" pitchFamily="2" charset="0"/>
-              </a:rPr>
-              <a:t>4. DATA ANALYSIS</a:t>
-            </a:r>
-          </a:p>
-          <a:p>
-            <a:r>
-              <a:rPr lang="pt-BR" dirty="0">
-                <a:latin typeface="Nunito Sans Normal" pitchFamily="2" charset="0"/>
-              </a:rPr>
-              <a:t>4.2 DIFFERENCE BETWEEN VALUEABLE USERS AND OTHER USERS</a:t>
-            </a:r>
-          </a:p>
-        </p:txBody>
-      </p:sp>
-      <p:pic>
-        <p:nvPicPr>
-          <p:cNvPr id="17" name="Picture 2" descr="FabFitFun - Beauty, Fitness, Lifestyle">
-            <a:extLst>
-              <a:ext uri="{FF2B5EF4-FFF2-40B4-BE49-F238E27FC236}">
-                <a16:creationId xmlns:a16="http://schemas.microsoft.com/office/drawing/2014/main" id="{F1B8634D-7BFA-73AD-0AB5-D058E9C0E0A9}"/>
-              </a:ext>
-            </a:extLst>
-          </p:cNvPr>
-          <p:cNvPicPr>
-            <a:picLocks noChangeAspect="1" noChangeArrowheads="1"/>
-          </p:cNvPicPr>
-          <p:nvPr/>
-        </p:nvPicPr>
-        <p:blipFill>
-          <a:blip r:embed="rId3">
-            <a:extLst>
-              <a:ext uri="{28A0092B-C50C-407E-A947-70E740481C1C}">
-                <a14:useLocalDpi xmlns:a14="http://schemas.microsoft.com/office/drawing/2010/main" val="0"/>
-              </a:ext>
-            </a:extLst>
-          </a:blip>
-          <a:srcRect/>
-          <a:stretch>
-            <a:fillRect/>
-          </a:stretch>
-        </p:blipFill>
-        <p:spPr bwMode="auto">
-          <a:xfrm>
-            <a:off x="10053486" y="5886204"/>
-            <a:ext cx="1759973" cy="725989"/>
-          </a:xfrm>
-          <a:prstGeom prst="rect">
-            <a:avLst/>
-          </a:prstGeom>
-          <a:noFill/>
-          <a:extLst>
-            <a:ext uri="{909E8E84-426E-40DD-AFC4-6F175D3DCCD1}">
-              <a14:hiddenFill xmlns:a14="http://schemas.microsoft.com/office/drawing/2010/main">
-                <a:solidFill>
-                  <a:srgbClr val="FFFFFF"/>
-                </a:solidFill>
-              </a14:hiddenFill>
-            </a:ext>
-          </a:extLst>
-        </p:spPr>
-      </p:pic>
-      <p:pic>
-        <p:nvPicPr>
-          <p:cNvPr id="4" name="Picture 3">
-            <a:extLst>
-              <a:ext uri="{FF2B5EF4-FFF2-40B4-BE49-F238E27FC236}">
-                <a16:creationId xmlns:a16="http://schemas.microsoft.com/office/drawing/2014/main" id="{C2E2E44F-D166-0F9E-0DAB-921BDCACD9F8}"/>
-              </a:ext>
-            </a:extLst>
-          </p:cNvPr>
-          <p:cNvPicPr>
-            <a:picLocks noChangeAspect="1"/>
-          </p:cNvPicPr>
-          <p:nvPr/>
-        </p:nvPicPr>
-        <p:blipFill>
-          <a:blip r:embed="rId4"/>
-          <a:stretch>
-            <a:fillRect/>
-          </a:stretch>
-        </p:blipFill>
-        <p:spPr>
-          <a:xfrm>
-            <a:off x="59368" y="2044032"/>
-            <a:ext cx="3738160" cy="2774315"/>
-          </a:xfrm>
-          <a:prstGeom prst="rect">
-            <a:avLst/>
-          </a:prstGeom>
-        </p:spPr>
-      </p:pic>
-      <p:pic>
-        <p:nvPicPr>
-          <p:cNvPr id="1028" name="Picture 4" descr="Imagem carregada">
-            <a:extLst>
-              <a:ext uri="{FF2B5EF4-FFF2-40B4-BE49-F238E27FC236}">
-                <a16:creationId xmlns:a16="http://schemas.microsoft.com/office/drawing/2014/main" id="{54A6AC04-8027-5221-C712-8D75F4489EE4}"/>
-              </a:ext>
-            </a:extLst>
-          </p:cNvPr>
-          <p:cNvPicPr>
-            <a:picLocks noChangeAspect="1" noChangeArrowheads="1"/>
-          </p:cNvPicPr>
-          <p:nvPr/>
-        </p:nvPicPr>
-        <p:blipFill rotWithShape="1">
-          <a:blip r:embed="rId5">
-            <a:extLst>
-              <a:ext uri="{28A0092B-C50C-407E-A947-70E740481C1C}">
-                <a14:useLocalDpi xmlns:a14="http://schemas.microsoft.com/office/drawing/2010/main" val="0"/>
-              </a:ext>
-            </a:extLst>
-          </a:blip>
-          <a:srcRect l="1568" t="2233" r="2409" b="5003"/>
-          <a:stretch/>
-        </p:blipFill>
-        <p:spPr bwMode="auto">
-          <a:xfrm>
-            <a:off x="4184333" y="2128527"/>
-            <a:ext cx="3720593" cy="2774315"/>
-          </a:xfrm>
-          <a:prstGeom prst="rect">
-            <a:avLst/>
-          </a:prstGeom>
-          <a:noFill/>
-          <a:extLst>
-            <a:ext uri="{909E8E84-426E-40DD-AFC4-6F175D3DCCD1}">
-              <a14:hiddenFill xmlns:a14="http://schemas.microsoft.com/office/drawing/2010/main">
-                <a:solidFill>
-                  <a:srgbClr val="FFFFFF"/>
-                </a:solidFill>
-              </a14:hiddenFill>
-            </a:ext>
-          </a:extLst>
-        </p:spPr>
-      </p:pic>
-      <p:pic>
-        <p:nvPicPr>
-          <p:cNvPr id="1030" name="Picture 6" descr="Imagem carregada">
-            <a:extLst>
-              <a:ext uri="{FF2B5EF4-FFF2-40B4-BE49-F238E27FC236}">
-                <a16:creationId xmlns:a16="http://schemas.microsoft.com/office/drawing/2014/main" id="{32AD4479-FCD9-CE1E-AE50-95D1B68B9EA0}"/>
-              </a:ext>
-            </a:extLst>
-          </p:cNvPr>
-          <p:cNvPicPr>
-            <a:picLocks noChangeAspect="1" noChangeArrowheads="1"/>
-          </p:cNvPicPr>
-          <p:nvPr/>
-        </p:nvPicPr>
-        <p:blipFill rotWithShape="1">
-          <a:blip r:embed="rId6">
-            <a:extLst>
-              <a:ext uri="{28A0092B-C50C-407E-A947-70E740481C1C}">
-                <a14:useLocalDpi xmlns:a14="http://schemas.microsoft.com/office/drawing/2010/main" val="0"/>
-              </a:ext>
-            </a:extLst>
-          </a:blip>
-          <a:srcRect r="1373" b="2922"/>
-          <a:stretch/>
-        </p:blipFill>
-        <p:spPr bwMode="auto">
-          <a:xfrm>
-            <a:off x="8024358" y="2044032"/>
-            <a:ext cx="4005534" cy="2943307"/>
-          </a:xfrm>
-          <a:prstGeom prst="rect">
-            <a:avLst/>
-          </a:prstGeom>
-          <a:noFill/>
-          <a:extLst>
-            <a:ext uri="{909E8E84-426E-40DD-AFC4-6F175D3DCCD1}">
-              <a14:hiddenFill xmlns:a14="http://schemas.microsoft.com/office/drawing/2010/main">
-                <a:solidFill>
-                  <a:srgbClr val="FFFFFF"/>
-                </a:solidFill>
-              </a14:hiddenFill>
-            </a:ext>
-          </a:extLst>
-        </p:spPr>
-      </p:pic>
-    </p:spTree>
-    <p:extLst>
-      <p:ext uri="{BB962C8B-B14F-4D97-AF65-F5344CB8AC3E}">
-        <p14:creationId xmlns:p14="http://schemas.microsoft.com/office/powerpoint/2010/main" val="3486114502"/>
       </p:ext>
     </p:extLst>
   </p:cSld>
@@ -17643,6 +17942,254 @@
 </file>
 
 <file path=ppt/slides/slide30.xml><?xml version="1.0" encoding="utf-8"?>
+<p:sld xmlns:a="http://schemas.openxmlformats.org/drawingml/2006/main" xmlns:r="http://schemas.openxmlformats.org/officeDocument/2006/relationships" xmlns:p="http://schemas.openxmlformats.org/presentationml/2006/main">
+  <p:cSld>
+    <p:spTree>
+      <p:nvGrpSpPr>
+        <p:cNvPr id="1" name="">
+          <a:extLst>
+            <a:ext uri="{FF2B5EF4-FFF2-40B4-BE49-F238E27FC236}">
+              <a16:creationId xmlns:a16="http://schemas.microsoft.com/office/drawing/2014/main" id="{40D1F7B6-1897-DD92-565C-A86B25929740}"/>
+            </a:ext>
+          </a:extLst>
+        </p:cNvPr>
+        <p:cNvGrpSpPr/>
+        <p:nvPr/>
+      </p:nvGrpSpPr>
+      <p:grpSpPr>
+        <a:xfrm>
+          <a:off x="0" y="0"/>
+          <a:ext cx="0" cy="0"/>
+          <a:chOff x="0" y="0"/>
+          <a:chExt cx="0" cy="0"/>
+        </a:xfrm>
+      </p:grpSpPr>
+      <p:sp>
+        <p:nvSpPr>
+          <p:cNvPr id="2" name="TextBox 1">
+            <a:extLst>
+              <a:ext uri="{FF2B5EF4-FFF2-40B4-BE49-F238E27FC236}">
+                <a16:creationId xmlns:a16="http://schemas.microsoft.com/office/drawing/2014/main" id="{9773E788-5CBC-B5E5-9688-6CF2839675D0}"/>
+              </a:ext>
+            </a:extLst>
+          </p:cNvPr>
+          <p:cNvSpPr txBox="1"/>
+          <p:nvPr/>
+        </p:nvSpPr>
+        <p:spPr>
+          <a:xfrm>
+            <a:off x="137652" y="48592"/>
+            <a:ext cx="7503977" cy="861774"/>
+          </a:xfrm>
+          <a:prstGeom prst="rect">
+            <a:avLst/>
+          </a:prstGeom>
+          <a:noFill/>
+        </p:spPr>
+        <p:txBody>
+          <a:bodyPr wrap="none" rtlCol="0">
+            <a:spAutoFit/>
+          </a:bodyPr>
+          <a:lstStyle/>
+          <a:p>
+            <a:r>
+              <a:rPr lang="pt-BR" sz="3200" b="1" dirty="0">
+                <a:latin typeface="Nunito Sans Normal" pitchFamily="2" charset="0"/>
+              </a:rPr>
+              <a:t>4. DATA ANALYSIS</a:t>
+            </a:r>
+          </a:p>
+          <a:p>
+            <a:r>
+              <a:rPr lang="pt-BR" dirty="0">
+                <a:latin typeface="Nunito Sans Normal" pitchFamily="2" charset="0"/>
+              </a:rPr>
+              <a:t>4.2 DIFFERENCE BETWEEN VALUEABLE USERS AND OTHER USERS</a:t>
+            </a:r>
+          </a:p>
+        </p:txBody>
+      </p:sp>
+      <p:pic>
+        <p:nvPicPr>
+          <p:cNvPr id="17" name="Picture 2" descr="FabFitFun - Beauty, Fitness, Lifestyle">
+            <a:extLst>
+              <a:ext uri="{FF2B5EF4-FFF2-40B4-BE49-F238E27FC236}">
+                <a16:creationId xmlns:a16="http://schemas.microsoft.com/office/drawing/2014/main" id="{F1B8634D-7BFA-73AD-0AB5-D058E9C0E0A9}"/>
+              </a:ext>
+            </a:extLst>
+          </p:cNvPr>
+          <p:cNvPicPr>
+            <a:picLocks noChangeAspect="1" noChangeArrowheads="1"/>
+          </p:cNvPicPr>
+          <p:nvPr/>
+        </p:nvPicPr>
+        <p:blipFill>
+          <a:blip r:embed="rId3">
+            <a:extLst>
+              <a:ext uri="{28A0092B-C50C-407E-A947-70E740481C1C}">
+                <a14:useLocalDpi xmlns:a14="http://schemas.microsoft.com/office/drawing/2010/main" val="0"/>
+              </a:ext>
+            </a:extLst>
+          </a:blip>
+          <a:srcRect/>
+          <a:stretch>
+            <a:fillRect/>
+          </a:stretch>
+        </p:blipFill>
+        <p:spPr bwMode="auto">
+          <a:xfrm>
+            <a:off x="10053486" y="5886204"/>
+            <a:ext cx="1759973" cy="725989"/>
+          </a:xfrm>
+          <a:prstGeom prst="rect">
+            <a:avLst/>
+          </a:prstGeom>
+          <a:noFill/>
+          <a:extLst>
+            <a:ext uri="{909E8E84-426E-40DD-AFC4-6F175D3DCCD1}">
+              <a14:hiddenFill xmlns:a14="http://schemas.microsoft.com/office/drawing/2010/main">
+                <a:solidFill>
+                  <a:srgbClr val="FFFFFF"/>
+                </a:solidFill>
+              </a14:hiddenFill>
+            </a:ext>
+          </a:extLst>
+        </p:spPr>
+      </p:pic>
+      <p:pic>
+        <p:nvPicPr>
+          <p:cNvPr id="4" name="Picture 3">
+            <a:extLst>
+              <a:ext uri="{FF2B5EF4-FFF2-40B4-BE49-F238E27FC236}">
+                <a16:creationId xmlns:a16="http://schemas.microsoft.com/office/drawing/2014/main" id="{C2E2E44F-D166-0F9E-0DAB-921BDCACD9F8}"/>
+              </a:ext>
+            </a:extLst>
+          </p:cNvPr>
+          <p:cNvPicPr>
+            <a:picLocks noChangeAspect="1"/>
+          </p:cNvPicPr>
+          <p:nvPr/>
+        </p:nvPicPr>
+        <p:blipFill>
+          <a:blip r:embed="rId4"/>
+          <a:stretch>
+            <a:fillRect/>
+          </a:stretch>
+        </p:blipFill>
+        <p:spPr>
+          <a:xfrm>
+            <a:off x="59368" y="2044032"/>
+            <a:ext cx="3738160" cy="2774315"/>
+          </a:xfrm>
+          <a:prstGeom prst="rect">
+            <a:avLst/>
+          </a:prstGeom>
+        </p:spPr>
+      </p:pic>
+      <p:pic>
+        <p:nvPicPr>
+          <p:cNvPr id="1028" name="Picture 4" descr="Imagem carregada">
+            <a:extLst>
+              <a:ext uri="{FF2B5EF4-FFF2-40B4-BE49-F238E27FC236}">
+                <a16:creationId xmlns:a16="http://schemas.microsoft.com/office/drawing/2014/main" id="{54A6AC04-8027-5221-C712-8D75F4489EE4}"/>
+              </a:ext>
+            </a:extLst>
+          </p:cNvPr>
+          <p:cNvPicPr>
+            <a:picLocks noChangeAspect="1" noChangeArrowheads="1"/>
+          </p:cNvPicPr>
+          <p:nvPr/>
+        </p:nvPicPr>
+        <p:blipFill rotWithShape="1">
+          <a:blip r:embed="rId5">
+            <a:extLst>
+              <a:ext uri="{28A0092B-C50C-407E-A947-70E740481C1C}">
+                <a14:useLocalDpi xmlns:a14="http://schemas.microsoft.com/office/drawing/2010/main" val="0"/>
+              </a:ext>
+            </a:extLst>
+          </a:blip>
+          <a:srcRect l="1568" t="2233" r="2409" b="5003"/>
+          <a:stretch/>
+        </p:blipFill>
+        <p:spPr bwMode="auto">
+          <a:xfrm>
+            <a:off x="4184333" y="2128527"/>
+            <a:ext cx="3720593" cy="2774315"/>
+          </a:xfrm>
+          <a:prstGeom prst="rect">
+            <a:avLst/>
+          </a:prstGeom>
+          <a:noFill/>
+          <a:extLst>
+            <a:ext uri="{909E8E84-426E-40DD-AFC4-6F175D3DCCD1}">
+              <a14:hiddenFill xmlns:a14="http://schemas.microsoft.com/office/drawing/2010/main">
+                <a:solidFill>
+                  <a:srgbClr val="FFFFFF"/>
+                </a:solidFill>
+              </a14:hiddenFill>
+            </a:ext>
+          </a:extLst>
+        </p:spPr>
+      </p:pic>
+      <p:pic>
+        <p:nvPicPr>
+          <p:cNvPr id="1030" name="Picture 6" descr="Imagem carregada">
+            <a:extLst>
+              <a:ext uri="{FF2B5EF4-FFF2-40B4-BE49-F238E27FC236}">
+                <a16:creationId xmlns:a16="http://schemas.microsoft.com/office/drawing/2014/main" id="{32AD4479-FCD9-CE1E-AE50-95D1B68B9EA0}"/>
+              </a:ext>
+            </a:extLst>
+          </p:cNvPr>
+          <p:cNvPicPr>
+            <a:picLocks noChangeAspect="1" noChangeArrowheads="1"/>
+          </p:cNvPicPr>
+          <p:nvPr/>
+        </p:nvPicPr>
+        <p:blipFill rotWithShape="1">
+          <a:blip r:embed="rId6">
+            <a:extLst>
+              <a:ext uri="{28A0092B-C50C-407E-A947-70E740481C1C}">
+                <a14:useLocalDpi xmlns:a14="http://schemas.microsoft.com/office/drawing/2010/main" val="0"/>
+              </a:ext>
+            </a:extLst>
+          </a:blip>
+          <a:srcRect r="1373" b="2922"/>
+          <a:stretch/>
+        </p:blipFill>
+        <p:spPr bwMode="auto">
+          <a:xfrm>
+            <a:off x="8024358" y="2044032"/>
+            <a:ext cx="4005534" cy="2943307"/>
+          </a:xfrm>
+          <a:prstGeom prst="rect">
+            <a:avLst/>
+          </a:prstGeom>
+          <a:noFill/>
+          <a:extLst>
+            <a:ext uri="{909E8E84-426E-40DD-AFC4-6F175D3DCCD1}">
+              <a14:hiddenFill xmlns:a14="http://schemas.microsoft.com/office/drawing/2010/main">
+                <a:solidFill>
+                  <a:srgbClr val="FFFFFF"/>
+                </a:solidFill>
+              </a14:hiddenFill>
+            </a:ext>
+          </a:extLst>
+        </p:spPr>
+      </p:pic>
+    </p:spTree>
+    <p:extLst>
+      <p:ext uri="{BB962C8B-B14F-4D97-AF65-F5344CB8AC3E}">
+        <p14:creationId xmlns:p14="http://schemas.microsoft.com/office/powerpoint/2010/main" val="3486114502"/>
+      </p:ext>
+    </p:extLst>
+  </p:cSld>
+  <p:clrMapOvr>
+    <a:masterClrMapping/>
+  </p:clrMapOvr>
+</p:sld>
+</file>
+
+<file path=ppt/slides/slide31.xml><?xml version="1.0" encoding="utf-8"?>
 <p:sld xmlns:a="http://schemas.openxmlformats.org/drawingml/2006/main" xmlns:r="http://schemas.openxmlformats.org/officeDocument/2006/relationships" xmlns:p="http://schemas.openxmlformats.org/presentationml/2006/main">
   <p:cSld>
     <p:spTree>
@@ -18705,7 +19252,7 @@
 </p:sld>
 </file>
 
-<file path=ppt/slides/slide31.xml><?xml version="1.0" encoding="utf-8"?>
+<file path=ppt/slides/slide32.xml><?xml version="1.0" encoding="utf-8"?>
 <p:sld xmlns:a="http://schemas.openxmlformats.org/drawingml/2006/main" xmlns:r="http://schemas.openxmlformats.org/officeDocument/2006/relationships" xmlns:p="http://schemas.openxmlformats.org/presentationml/2006/main">
   <p:cSld>
     <p:spTree>
@@ -18743,7 +19290,7 @@
         <p:spPr>
           <a:xfrm>
             <a:off x="137652" y="48592"/>
-            <a:ext cx="3836307" cy="861774"/>
+            <a:ext cx="4645824" cy="861774"/>
           </a:xfrm>
           <a:prstGeom prst="rect">
             <a:avLst/>
@@ -18768,7 +19315,7 @@
               <a:rPr lang="pt-BR" dirty="0">
                 <a:latin typeface="Nunito Sans Normal" pitchFamily="2" charset="0"/>
               </a:rPr>
-              <a:t>4.2 CHANNELS</a:t>
+              <a:t>4.2 CHANNELS – USING ONLY LAST VISIT</a:t>
             </a:r>
           </a:p>
         </p:txBody>
@@ -18820,55 +19367,12 @@
           </a:extLst>
         </p:spPr>
       </p:pic>
-      <p:sp>
-        <p:nvSpPr>
-          <p:cNvPr id="20" name="TextBox 19">
-            <a:extLst>
-              <a:ext uri="{FF2B5EF4-FFF2-40B4-BE49-F238E27FC236}">
-                <a16:creationId xmlns:a16="http://schemas.microsoft.com/office/drawing/2014/main" id="{60C4F5DC-BF32-118E-7620-FB427CAF06D3}"/>
-              </a:ext>
-            </a:extLst>
-          </p:cNvPr>
-          <p:cNvSpPr txBox="1"/>
-          <p:nvPr/>
-        </p:nvSpPr>
-        <p:spPr>
-          <a:xfrm>
-            <a:off x="1568532" y="5055207"/>
-            <a:ext cx="7901732" cy="830997"/>
-          </a:xfrm>
-          <a:prstGeom prst="rect">
-            <a:avLst/>
-          </a:prstGeom>
-          <a:noFill/>
-        </p:spPr>
-        <p:txBody>
-          <a:bodyPr wrap="square">
-            <a:spAutoFit/>
-          </a:bodyPr>
-          <a:lstStyle/>
-          <a:p>
-            <a:r>
-              <a:rPr lang="pt-BR" sz="2400" b="1" dirty="0">
-                <a:latin typeface="Nunito Sans Normal" pitchFamily="2" charset="0"/>
-              </a:rPr>
-              <a:t>The channel that best drives these members to sales is</a:t>
-            </a:r>
-            <a:r>
-              <a:rPr lang="pt-BR" sz="2400" dirty="0">
-                <a:latin typeface="Nunito Sans Normal" pitchFamily="2" charset="0"/>
-              </a:rPr>
-              <a:t> Mobile IOS in all months.</a:t>
-            </a:r>
-          </a:p>
-        </p:txBody>
-      </p:sp>
       <p:pic>
         <p:nvPicPr>
-          <p:cNvPr id="21" name="Graphic 20" descr="Lights On with solid fill">
-            <a:extLst>
-              <a:ext uri="{FF2B5EF4-FFF2-40B4-BE49-F238E27FC236}">
-                <a16:creationId xmlns:a16="http://schemas.microsoft.com/office/drawing/2014/main" id="{902872B3-81F7-F720-E9BE-6FCE2246462A}"/>
+          <p:cNvPr id="5" name="Picture 4">
+            <a:extLst>
+              <a:ext uri="{FF2B5EF4-FFF2-40B4-BE49-F238E27FC236}">
+                <a16:creationId xmlns:a16="http://schemas.microsoft.com/office/drawing/2014/main" id="{343B5172-AF63-D1F6-A931-89F7B051D76C}"/>
               </a:ext>
             </a:extLst>
           </p:cNvPr>
@@ -18878,89 +19382,15 @@
           <p:nvPr/>
         </p:nvPicPr>
         <p:blipFill>
-          <a:blip r:embed="rId4">
-            <a:extLst>
-              <a:ext uri="{96DAC541-7B7A-43D3-8B79-37D633B846F1}">
-                <asvg:svgBlip xmlns:asvg="http://schemas.microsoft.com/office/drawing/2016/SVG/main" r:embed="rId5"/>
-              </a:ext>
-            </a:extLst>
-          </a:blip>
+          <a:blip r:embed="rId4"/>
           <a:stretch>
             <a:fillRect/>
           </a:stretch>
         </p:blipFill>
         <p:spPr>
           <a:xfrm>
-            <a:off x="229113" y="4591579"/>
-            <a:ext cx="1443992" cy="1443992"/>
-          </a:xfrm>
-          <a:prstGeom prst="rect">
-            <a:avLst/>
-          </a:prstGeom>
-        </p:spPr>
-      </p:pic>
-      <p:sp>
-        <p:nvSpPr>
-          <p:cNvPr id="7" name="TextBox 6">
-            <a:extLst>
-              <a:ext uri="{FF2B5EF4-FFF2-40B4-BE49-F238E27FC236}">
-                <a16:creationId xmlns:a16="http://schemas.microsoft.com/office/drawing/2014/main" id="{8E779B27-A6C7-BF38-5C05-2AACDED42CF3}"/>
-              </a:ext>
-            </a:extLst>
-          </p:cNvPr>
-          <p:cNvSpPr txBox="1"/>
-          <p:nvPr/>
-        </p:nvSpPr>
-        <p:spPr>
-          <a:xfrm>
-            <a:off x="378541" y="6095309"/>
-            <a:ext cx="8888729" cy="523220"/>
-          </a:xfrm>
-          <a:prstGeom prst="rect">
-            <a:avLst/>
-          </a:prstGeom>
-          <a:noFill/>
-        </p:spPr>
-        <p:txBody>
-          <a:bodyPr wrap="square">
-            <a:spAutoFit/>
-          </a:bodyPr>
-          <a:lstStyle/>
-          <a:p>
-            <a:r>
-              <a:rPr lang="pt-BR" sz="1400" dirty="0">
-                <a:latin typeface="Nunito Sans Normal" pitchFamily="2" charset="0"/>
-              </a:rPr>
-              <a:t>* Considering time window of 1 year, same users and that the sum of visit cnt that has the same channel for each user + campaign.</a:t>
-            </a:r>
-            <a:endParaRPr lang="pt-BR" sz="1400" dirty="0"/>
-          </a:p>
-        </p:txBody>
-      </p:sp>
-      <p:pic>
-        <p:nvPicPr>
-          <p:cNvPr id="4" name="Picture 3">
-            <a:extLst>
-              <a:ext uri="{FF2B5EF4-FFF2-40B4-BE49-F238E27FC236}">
-                <a16:creationId xmlns:a16="http://schemas.microsoft.com/office/drawing/2014/main" id="{10955B67-8819-8BC7-AB8E-12C59C42C32C}"/>
-              </a:ext>
-            </a:extLst>
-          </p:cNvPr>
-          <p:cNvPicPr>
-            <a:picLocks noChangeAspect="1"/>
-          </p:cNvPicPr>
-          <p:nvPr/>
-        </p:nvPicPr>
-        <p:blipFill>
-          <a:blip r:embed="rId6"/>
-          <a:stretch>
-            <a:fillRect/>
-          </a:stretch>
-        </p:blipFill>
-        <p:spPr>
-          <a:xfrm>
-            <a:off x="1568532" y="1158507"/>
-            <a:ext cx="9206774" cy="3856623"/>
+            <a:off x="889323" y="1513497"/>
+            <a:ext cx="10413354" cy="4372707"/>
           </a:xfrm>
           <a:prstGeom prst="rect">
             <a:avLst/>
@@ -18980,7 +19410,410 @@
 </p:sld>
 </file>
 
-<file path=ppt/slides/slide32.xml><?xml version="1.0" encoding="utf-8"?>
+<file path=ppt/slides/slide33.xml><?xml version="1.0" encoding="utf-8"?>
+<p:sld xmlns:a="http://schemas.openxmlformats.org/drawingml/2006/main" xmlns:r="http://schemas.openxmlformats.org/officeDocument/2006/relationships" xmlns:p="http://schemas.openxmlformats.org/presentationml/2006/main">
+  <p:cSld>
+    <p:spTree>
+      <p:nvGrpSpPr>
+        <p:cNvPr id="1" name="">
+          <a:extLst>
+            <a:ext uri="{FF2B5EF4-FFF2-40B4-BE49-F238E27FC236}">
+              <a16:creationId xmlns:a16="http://schemas.microsoft.com/office/drawing/2014/main" id="{726E5E97-8265-49E2-7C66-D9D28F1F1568}"/>
+            </a:ext>
+          </a:extLst>
+        </p:cNvPr>
+        <p:cNvGrpSpPr/>
+        <p:nvPr/>
+      </p:nvGrpSpPr>
+      <p:grpSpPr>
+        <a:xfrm>
+          <a:off x="0" y="0"/>
+          <a:ext cx="0" cy="0"/>
+          <a:chOff x="0" y="0"/>
+          <a:chExt cx="0" cy="0"/>
+        </a:xfrm>
+      </p:grpSpPr>
+      <p:sp>
+        <p:nvSpPr>
+          <p:cNvPr id="2" name="TextBox 1">
+            <a:extLst>
+              <a:ext uri="{FF2B5EF4-FFF2-40B4-BE49-F238E27FC236}">
+                <a16:creationId xmlns:a16="http://schemas.microsoft.com/office/drawing/2014/main" id="{332E2937-90E9-4881-6683-19FE23EEBDB9}"/>
+              </a:ext>
+            </a:extLst>
+          </p:cNvPr>
+          <p:cNvSpPr txBox="1"/>
+          <p:nvPr/>
+        </p:nvSpPr>
+        <p:spPr>
+          <a:xfrm>
+            <a:off x="137652" y="48592"/>
+            <a:ext cx="9018816" cy="861774"/>
+          </a:xfrm>
+          <a:prstGeom prst="rect">
+            <a:avLst/>
+          </a:prstGeom>
+          <a:noFill/>
+        </p:spPr>
+        <p:txBody>
+          <a:bodyPr wrap="none" rtlCol="0">
+            <a:spAutoFit/>
+          </a:bodyPr>
+          <a:lstStyle/>
+          <a:p>
+            <a:r>
+              <a:rPr lang="pt-BR" sz="3200" b="1" dirty="0">
+                <a:latin typeface="Nunito Sans Normal" pitchFamily="2" charset="0"/>
+              </a:rPr>
+              <a:t>4. DATA ANALYSIS</a:t>
+            </a:r>
+          </a:p>
+          <a:p>
+            <a:r>
+              <a:rPr lang="pt-BR" dirty="0">
+                <a:latin typeface="Nunito Sans Normal" pitchFamily="2" charset="0"/>
+              </a:rPr>
+              <a:t>4.2 CHANNELS – USING LAST VISIT + EQUAL CHANNELS PREVIOUSLY ACCESSED</a:t>
+            </a:r>
+          </a:p>
+        </p:txBody>
+      </p:sp>
+      <p:pic>
+        <p:nvPicPr>
+          <p:cNvPr id="8" name="Picture 2" descr="FabFitFun - Beauty, Fitness, Lifestyle">
+            <a:extLst>
+              <a:ext uri="{FF2B5EF4-FFF2-40B4-BE49-F238E27FC236}">
+                <a16:creationId xmlns:a16="http://schemas.microsoft.com/office/drawing/2014/main" id="{CDC0EFD5-45CA-0BEF-70C4-0C5C9B184211}"/>
+              </a:ext>
+            </a:extLst>
+          </p:cNvPr>
+          <p:cNvPicPr>
+            <a:picLocks noChangeAspect="1" noChangeArrowheads="1"/>
+          </p:cNvPicPr>
+          <p:nvPr/>
+        </p:nvPicPr>
+        <p:blipFill>
+          <a:blip r:embed="rId3">
+            <a:extLst>
+              <a:ext uri="{28A0092B-C50C-407E-A947-70E740481C1C}">
+                <a14:useLocalDpi xmlns:a14="http://schemas.microsoft.com/office/drawing/2010/main" val="0"/>
+              </a:ext>
+            </a:extLst>
+          </a:blip>
+          <a:srcRect/>
+          <a:stretch>
+            <a:fillRect/>
+          </a:stretch>
+        </p:blipFill>
+        <p:spPr bwMode="auto">
+          <a:xfrm>
+            <a:off x="10053486" y="5886204"/>
+            <a:ext cx="1759973" cy="725989"/>
+          </a:xfrm>
+          <a:prstGeom prst="rect">
+            <a:avLst/>
+          </a:prstGeom>
+          <a:noFill/>
+          <a:extLst>
+            <a:ext uri="{909E8E84-426E-40DD-AFC4-6F175D3DCCD1}">
+              <a14:hiddenFill xmlns:a14="http://schemas.microsoft.com/office/drawing/2010/main">
+                <a:solidFill>
+                  <a:srgbClr val="FFFFFF"/>
+                </a:solidFill>
+              </a14:hiddenFill>
+            </a:ext>
+          </a:extLst>
+        </p:spPr>
+      </p:pic>
+      <p:pic>
+        <p:nvPicPr>
+          <p:cNvPr id="4" name="Picture 3">
+            <a:extLst>
+              <a:ext uri="{FF2B5EF4-FFF2-40B4-BE49-F238E27FC236}">
+                <a16:creationId xmlns:a16="http://schemas.microsoft.com/office/drawing/2014/main" id="{F7CEFB6C-8FA8-A555-9BF3-821E9A773B22}"/>
+              </a:ext>
+            </a:extLst>
+          </p:cNvPr>
+          <p:cNvPicPr>
+            <a:picLocks noChangeAspect="1"/>
+          </p:cNvPicPr>
+          <p:nvPr/>
+        </p:nvPicPr>
+        <p:blipFill>
+          <a:blip r:embed="rId4"/>
+          <a:stretch>
+            <a:fillRect/>
+          </a:stretch>
+        </p:blipFill>
+        <p:spPr>
+          <a:xfrm>
+            <a:off x="1146392" y="1369523"/>
+            <a:ext cx="10555709" cy="4421678"/>
+          </a:xfrm>
+          <a:prstGeom prst="rect">
+            <a:avLst/>
+          </a:prstGeom>
+        </p:spPr>
+      </p:pic>
+    </p:spTree>
+    <p:extLst>
+      <p:ext uri="{BB962C8B-B14F-4D97-AF65-F5344CB8AC3E}">
+        <p14:creationId xmlns:p14="http://schemas.microsoft.com/office/powerpoint/2010/main" val="3681900046"/>
+      </p:ext>
+    </p:extLst>
+  </p:cSld>
+  <p:clrMapOvr>
+    <a:masterClrMapping/>
+  </p:clrMapOvr>
+</p:sld>
+</file>
+
+<file path=ppt/slides/slide34.xml><?xml version="1.0" encoding="utf-8"?>
+<p:sld xmlns:a="http://schemas.openxmlformats.org/drawingml/2006/main" xmlns:r="http://schemas.openxmlformats.org/officeDocument/2006/relationships" xmlns:p="http://schemas.openxmlformats.org/presentationml/2006/main">
+  <p:cSld>
+    <p:spTree>
+      <p:nvGrpSpPr>
+        <p:cNvPr id="1" name="">
+          <a:extLst>
+            <a:ext uri="{FF2B5EF4-FFF2-40B4-BE49-F238E27FC236}">
+              <a16:creationId xmlns:a16="http://schemas.microsoft.com/office/drawing/2014/main" id="{98830181-E27F-3CF3-A5BF-83FD6FF8B100}"/>
+            </a:ext>
+          </a:extLst>
+        </p:cNvPr>
+        <p:cNvGrpSpPr/>
+        <p:nvPr/>
+      </p:nvGrpSpPr>
+      <p:grpSpPr>
+        <a:xfrm>
+          <a:off x="0" y="0"/>
+          <a:ext cx="0" cy="0"/>
+          <a:chOff x="0" y="0"/>
+          <a:chExt cx="0" cy="0"/>
+        </a:xfrm>
+      </p:grpSpPr>
+      <p:sp>
+        <p:nvSpPr>
+          <p:cNvPr id="2" name="TextBox 1">
+            <a:extLst>
+              <a:ext uri="{FF2B5EF4-FFF2-40B4-BE49-F238E27FC236}">
+                <a16:creationId xmlns:a16="http://schemas.microsoft.com/office/drawing/2014/main" id="{CCB35615-CE69-FA24-299D-59973E6121ED}"/>
+              </a:ext>
+            </a:extLst>
+          </p:cNvPr>
+          <p:cNvSpPr txBox="1"/>
+          <p:nvPr/>
+        </p:nvSpPr>
+        <p:spPr>
+          <a:xfrm>
+            <a:off x="137652" y="48592"/>
+            <a:ext cx="3836307" cy="861774"/>
+          </a:xfrm>
+          <a:prstGeom prst="rect">
+            <a:avLst/>
+          </a:prstGeom>
+          <a:noFill/>
+        </p:spPr>
+        <p:txBody>
+          <a:bodyPr wrap="none" rtlCol="0">
+            <a:spAutoFit/>
+          </a:bodyPr>
+          <a:lstStyle/>
+          <a:p>
+            <a:r>
+              <a:rPr lang="pt-BR" sz="3200" b="1" dirty="0">
+                <a:latin typeface="Nunito Sans Normal" pitchFamily="2" charset="0"/>
+              </a:rPr>
+              <a:t>4. DATA ANALYSIS</a:t>
+            </a:r>
+          </a:p>
+          <a:p>
+            <a:r>
+              <a:rPr lang="pt-BR" dirty="0">
+                <a:latin typeface="Nunito Sans Normal" pitchFamily="2" charset="0"/>
+              </a:rPr>
+              <a:t>4.2 CHANNELS</a:t>
+            </a:r>
+          </a:p>
+        </p:txBody>
+      </p:sp>
+      <p:pic>
+        <p:nvPicPr>
+          <p:cNvPr id="8" name="Picture 2" descr="FabFitFun - Beauty, Fitness, Lifestyle">
+            <a:extLst>
+              <a:ext uri="{FF2B5EF4-FFF2-40B4-BE49-F238E27FC236}">
+                <a16:creationId xmlns:a16="http://schemas.microsoft.com/office/drawing/2014/main" id="{DA0A8C81-392D-B006-4205-E70F2E28ED60}"/>
+              </a:ext>
+            </a:extLst>
+          </p:cNvPr>
+          <p:cNvPicPr>
+            <a:picLocks noChangeAspect="1" noChangeArrowheads="1"/>
+          </p:cNvPicPr>
+          <p:nvPr/>
+        </p:nvPicPr>
+        <p:blipFill>
+          <a:blip r:embed="rId3">
+            <a:extLst>
+              <a:ext uri="{28A0092B-C50C-407E-A947-70E740481C1C}">
+                <a14:useLocalDpi xmlns:a14="http://schemas.microsoft.com/office/drawing/2010/main" val="0"/>
+              </a:ext>
+            </a:extLst>
+          </a:blip>
+          <a:srcRect/>
+          <a:stretch>
+            <a:fillRect/>
+          </a:stretch>
+        </p:blipFill>
+        <p:spPr bwMode="auto">
+          <a:xfrm>
+            <a:off x="10053486" y="5886204"/>
+            <a:ext cx="1759973" cy="725989"/>
+          </a:xfrm>
+          <a:prstGeom prst="rect">
+            <a:avLst/>
+          </a:prstGeom>
+          <a:noFill/>
+          <a:extLst>
+            <a:ext uri="{909E8E84-426E-40DD-AFC4-6F175D3DCCD1}">
+              <a14:hiddenFill xmlns:a14="http://schemas.microsoft.com/office/drawing/2010/main">
+                <a:solidFill>
+                  <a:srgbClr val="FFFFFF"/>
+                </a:solidFill>
+              </a14:hiddenFill>
+            </a:ext>
+          </a:extLst>
+        </p:spPr>
+      </p:pic>
+      <p:sp>
+        <p:nvSpPr>
+          <p:cNvPr id="20" name="TextBox 19">
+            <a:extLst>
+              <a:ext uri="{FF2B5EF4-FFF2-40B4-BE49-F238E27FC236}">
+                <a16:creationId xmlns:a16="http://schemas.microsoft.com/office/drawing/2014/main" id="{512D6076-F6FD-C58B-B57F-0301C69CAC66}"/>
+              </a:ext>
+            </a:extLst>
+          </p:cNvPr>
+          <p:cNvSpPr txBox="1"/>
+          <p:nvPr/>
+        </p:nvSpPr>
+        <p:spPr>
+          <a:xfrm>
+            <a:off x="2963578" y="2598003"/>
+            <a:ext cx="7901732" cy="830997"/>
+          </a:xfrm>
+          <a:prstGeom prst="rect">
+            <a:avLst/>
+          </a:prstGeom>
+          <a:noFill/>
+        </p:spPr>
+        <p:txBody>
+          <a:bodyPr wrap="square">
+            <a:spAutoFit/>
+          </a:bodyPr>
+          <a:lstStyle/>
+          <a:p>
+            <a:r>
+              <a:rPr lang="pt-BR" sz="2400" b="1" dirty="0">
+                <a:latin typeface="Nunito Sans Normal" pitchFamily="2" charset="0"/>
+              </a:rPr>
+              <a:t>The channel that best drives these members to sales is</a:t>
+            </a:r>
+            <a:r>
+              <a:rPr lang="pt-BR" sz="2400" dirty="0">
+                <a:latin typeface="Nunito Sans Normal" pitchFamily="2" charset="0"/>
+              </a:rPr>
+              <a:t> Mobile IOS in all months.</a:t>
+            </a:r>
+          </a:p>
+        </p:txBody>
+      </p:sp>
+      <p:pic>
+        <p:nvPicPr>
+          <p:cNvPr id="21" name="Graphic 20" descr="Lights On with solid fill">
+            <a:extLst>
+              <a:ext uri="{FF2B5EF4-FFF2-40B4-BE49-F238E27FC236}">
+                <a16:creationId xmlns:a16="http://schemas.microsoft.com/office/drawing/2014/main" id="{FFC0AC62-4A9E-FBA2-C15D-347D00980240}"/>
+              </a:ext>
+            </a:extLst>
+          </p:cNvPr>
+          <p:cNvPicPr>
+            <a:picLocks noChangeAspect="1"/>
+          </p:cNvPicPr>
+          <p:nvPr/>
+        </p:nvPicPr>
+        <p:blipFill>
+          <a:blip r:embed="rId4">
+            <a:extLst>
+              <a:ext uri="{96DAC541-7B7A-43D3-8B79-37D633B846F1}">
+                <asvg:svgBlip xmlns:asvg="http://schemas.microsoft.com/office/drawing/2016/SVG/main" r:embed="rId5"/>
+              </a:ext>
+            </a:extLst>
+          </a:blip>
+          <a:stretch>
+            <a:fillRect/>
+          </a:stretch>
+        </p:blipFill>
+        <p:spPr>
+          <a:xfrm>
+            <a:off x="1624159" y="2320214"/>
+            <a:ext cx="1187581" cy="1187581"/>
+          </a:xfrm>
+          <a:prstGeom prst="rect">
+            <a:avLst/>
+          </a:prstGeom>
+        </p:spPr>
+      </p:pic>
+      <p:sp>
+        <p:nvSpPr>
+          <p:cNvPr id="7" name="TextBox 6">
+            <a:extLst>
+              <a:ext uri="{FF2B5EF4-FFF2-40B4-BE49-F238E27FC236}">
+                <a16:creationId xmlns:a16="http://schemas.microsoft.com/office/drawing/2014/main" id="{591CE59B-B709-C13F-E52D-4E10952562BF}"/>
+              </a:ext>
+            </a:extLst>
+          </p:cNvPr>
+          <p:cNvSpPr txBox="1"/>
+          <p:nvPr/>
+        </p:nvSpPr>
+        <p:spPr>
+          <a:xfrm>
+            <a:off x="1773587" y="3638105"/>
+            <a:ext cx="8888729" cy="523220"/>
+          </a:xfrm>
+          <a:prstGeom prst="rect">
+            <a:avLst/>
+          </a:prstGeom>
+          <a:noFill/>
+        </p:spPr>
+        <p:txBody>
+          <a:bodyPr wrap="square">
+            <a:spAutoFit/>
+          </a:bodyPr>
+          <a:lstStyle/>
+          <a:p>
+            <a:r>
+              <a:rPr lang="pt-BR" sz="1400" dirty="0">
+                <a:latin typeface="Nunito Sans Normal" pitchFamily="2" charset="0"/>
+              </a:rPr>
+              <a:t>* Considering time window of 1 year, same users and that the sum of visit cnt that has the same channel for each user + campaign.</a:t>
+            </a:r>
+            <a:endParaRPr lang="pt-BR" sz="1400" dirty="0"/>
+          </a:p>
+        </p:txBody>
+      </p:sp>
+    </p:spTree>
+    <p:extLst>
+      <p:ext uri="{BB962C8B-B14F-4D97-AF65-F5344CB8AC3E}">
+        <p14:creationId xmlns:p14="http://schemas.microsoft.com/office/powerpoint/2010/main" val="3757287654"/>
+      </p:ext>
+    </p:extLst>
+  </p:cSld>
+  <p:clrMapOvr>
+    <a:masterClrMapping/>
+  </p:clrMapOvr>
+</p:sld>
+</file>
+
+<file path=ppt/slides/slide35.xml><?xml version="1.0" encoding="utf-8"?>
 <p:sld xmlns:a="http://schemas.openxmlformats.org/drawingml/2006/main" xmlns:r="http://schemas.openxmlformats.org/officeDocument/2006/relationships" xmlns:p="http://schemas.openxmlformats.org/presentationml/2006/main">
   <p:cSld>
     <p:spTree>
@@ -19149,120 +19982,6 @@
       </p:pic>
       <p:sp>
         <p:nvSpPr>
-          <p:cNvPr id="11" name="TextBox 10">
-            <a:extLst>
-              <a:ext uri="{FF2B5EF4-FFF2-40B4-BE49-F238E27FC236}">
-                <a16:creationId xmlns:a16="http://schemas.microsoft.com/office/drawing/2014/main" id="{42F0C1A3-DF4F-95E7-3D50-74093F9E6D61}"/>
-              </a:ext>
-            </a:extLst>
-          </p:cNvPr>
-          <p:cNvSpPr txBox="1"/>
-          <p:nvPr/>
-        </p:nvSpPr>
-        <p:spPr>
-          <a:xfrm>
-            <a:off x="8951190" y="1282082"/>
-            <a:ext cx="2924200" cy="523220"/>
-          </a:xfrm>
-          <a:prstGeom prst="rect">
-            <a:avLst/>
-          </a:prstGeom>
-          <a:noFill/>
-        </p:spPr>
-        <p:txBody>
-          <a:bodyPr wrap="square">
-            <a:spAutoFit/>
-          </a:bodyPr>
-          <a:lstStyle/>
-          <a:p>
-            <a:pPr algn="ctr"/>
-            <a:r>
-              <a:rPr lang="pt-BR" sz="2800" b="1" dirty="0">
-                <a:latin typeface="Nunito Sans Normal" pitchFamily="2" charset="0"/>
-              </a:rPr>
-              <a:t>INSIGHTS</a:t>
-            </a:r>
-          </a:p>
-        </p:txBody>
-      </p:sp>
-      <p:sp>
-        <p:nvSpPr>
-          <p:cNvPr id="13" name="TextBox 12">
-            <a:extLst>
-              <a:ext uri="{FF2B5EF4-FFF2-40B4-BE49-F238E27FC236}">
-                <a16:creationId xmlns:a16="http://schemas.microsoft.com/office/drawing/2014/main" id="{42D544F4-29BD-593B-DD28-3924B7F814DE}"/>
-              </a:ext>
-            </a:extLst>
-          </p:cNvPr>
-          <p:cNvSpPr txBox="1"/>
-          <p:nvPr/>
-        </p:nvSpPr>
-        <p:spPr>
-          <a:xfrm>
-            <a:off x="8634581" y="2441053"/>
-            <a:ext cx="3550335" cy="1754326"/>
-          </a:xfrm>
-          <a:prstGeom prst="rect">
-            <a:avLst/>
-          </a:prstGeom>
-          <a:noFill/>
-        </p:spPr>
-        <p:txBody>
-          <a:bodyPr wrap="square">
-            <a:spAutoFit/>
-          </a:bodyPr>
-          <a:lstStyle/>
-          <a:p>
-            <a:r>
-              <a:rPr lang="pt-BR" b="1" dirty="0">
-                <a:latin typeface="Nunito Sans Normal" pitchFamily="2" charset="0"/>
-              </a:rPr>
-              <a:t>The locations with a stronger convertion rates are, respectively:</a:t>
-            </a:r>
-            <a:endParaRPr lang="pt-BR" dirty="0">
-              <a:latin typeface="Nunito Sans Normal" pitchFamily="2" charset="0"/>
-            </a:endParaRPr>
-          </a:p>
-          <a:p>
-            <a:pPr marL="285750" indent="-285750">
-              <a:buFont typeface="Arial" panose="020B0604020202020204" pitchFamily="34" charset="0"/>
-              <a:buChar char="•"/>
-            </a:pPr>
-            <a:r>
-              <a:rPr lang="pt-BR" dirty="0">
-                <a:latin typeface="Nunito Sans Normal" pitchFamily="2" charset="0"/>
-              </a:rPr>
-              <a:t>Non-continental us = 31.82%</a:t>
-            </a:r>
-          </a:p>
-          <a:p>
-            <a:pPr marL="285750" indent="-285750">
-              <a:buFont typeface="Arial" panose="020B0604020202020204" pitchFamily="34" charset="0"/>
-              <a:buChar char="•"/>
-            </a:pPr>
-            <a:r>
-              <a:rPr lang="pt-BR" dirty="0">
-                <a:latin typeface="Nunito Sans Normal" pitchFamily="2" charset="0"/>
-              </a:rPr>
-              <a:t>Canada = 27.99%</a:t>
-            </a:r>
-          </a:p>
-          <a:p>
-            <a:pPr marL="285750" indent="-285750">
-              <a:buFont typeface="Arial" panose="020B0604020202020204" pitchFamily="34" charset="0"/>
-              <a:buChar char="•"/>
-            </a:pPr>
-            <a:r>
-              <a:rPr lang="pt-BR" dirty="0">
-                <a:latin typeface="Nunito Sans Normal" pitchFamily="2" charset="0"/>
-              </a:rPr>
-              <a:t>Us-midwest = 24.33%</a:t>
-            </a:r>
-          </a:p>
-        </p:txBody>
-      </p:sp>
-      <p:sp>
-        <p:nvSpPr>
           <p:cNvPr id="9" name="TextBox 8">
             <a:extLst>
               <a:ext uri="{FF2B5EF4-FFF2-40B4-BE49-F238E27FC236}">
@@ -19388,7 +20107,7 @@
 </p:sld>
 </file>
 
-<file path=ppt/slides/slide33.xml><?xml version="1.0" encoding="utf-8"?>
+<file path=ppt/slides/slide36.xml><?xml version="1.0" encoding="utf-8"?>
 <p:sld xmlns:a="http://schemas.openxmlformats.org/drawingml/2006/main" xmlns:r="http://schemas.openxmlformats.org/officeDocument/2006/relationships" xmlns:p="http://schemas.openxmlformats.org/presentationml/2006/main">
   <p:cSld>
     <p:spTree>
@@ -19560,7 +20279,7 @@
 </p:sld>
 </file>
 
-<file path=ppt/slides/slide34.xml><?xml version="1.0" encoding="utf-8"?>
+<file path=ppt/slides/slide37.xml><?xml version="1.0" encoding="utf-8"?>
 <p:sld xmlns:a="http://schemas.openxmlformats.org/drawingml/2006/main" xmlns:r="http://schemas.openxmlformats.org/officeDocument/2006/relationships" xmlns:p="http://schemas.openxmlformats.org/presentationml/2006/main">
   <p:cSld>
     <p:spTree>
@@ -20069,7 +20788,7 @@
 </p:sld>
 </file>
 
-<file path=ppt/slides/slide35.xml><?xml version="1.0" encoding="utf-8"?>
+<file path=ppt/slides/slide38.xml><?xml version="1.0" encoding="utf-8"?>
 <p:sld xmlns:a="http://schemas.openxmlformats.org/drawingml/2006/main" xmlns:r="http://schemas.openxmlformats.org/officeDocument/2006/relationships" xmlns:p="http://schemas.openxmlformats.org/presentationml/2006/main">
   <p:cSld>
     <p:spTree>

--- a/presentation.pptx
+++ b/presentation.pptx
@@ -5,7 +5,7 @@
     <p:sldMasterId id="2147483648" r:id="rId1"/>
   </p:sldMasterIdLst>
   <p:notesMasterIdLst>
-    <p:notesMasterId r:id="rId40"/>
+    <p:notesMasterId r:id="rId39"/>
   </p:notesMasterIdLst>
   <p:sldIdLst>
     <p:sldId id="257" r:id="rId2"/>
@@ -20,32 +20,31 @@
     <p:sldId id="276" r:id="rId11"/>
     <p:sldId id="277" r:id="rId12"/>
     <p:sldId id="278" r:id="rId13"/>
-    <p:sldId id="301" r:id="rId14"/>
-    <p:sldId id="302" r:id="rId15"/>
-    <p:sldId id="280" r:id="rId16"/>
-    <p:sldId id="279" r:id="rId17"/>
-    <p:sldId id="305" r:id="rId18"/>
-    <p:sldId id="281" r:id="rId19"/>
-    <p:sldId id="283" r:id="rId20"/>
-    <p:sldId id="282" r:id="rId21"/>
-    <p:sldId id="258" r:id="rId22"/>
-    <p:sldId id="259" r:id="rId23"/>
-    <p:sldId id="262" r:id="rId24"/>
-    <p:sldId id="288" r:id="rId25"/>
-    <p:sldId id="289" r:id="rId26"/>
-    <p:sldId id="284" r:id="rId27"/>
-    <p:sldId id="293" r:id="rId28"/>
-    <p:sldId id="285" r:id="rId29"/>
-    <p:sldId id="297" r:id="rId30"/>
-    <p:sldId id="299" r:id="rId31"/>
-    <p:sldId id="286" r:id="rId32"/>
-    <p:sldId id="294" r:id="rId33"/>
-    <p:sldId id="303" r:id="rId34"/>
-    <p:sldId id="304" r:id="rId35"/>
-    <p:sldId id="291" r:id="rId36"/>
-    <p:sldId id="295" r:id="rId37"/>
-    <p:sldId id="298" r:id="rId38"/>
-    <p:sldId id="300" r:id="rId39"/>
+    <p:sldId id="302" r:id="rId14"/>
+    <p:sldId id="280" r:id="rId15"/>
+    <p:sldId id="279" r:id="rId16"/>
+    <p:sldId id="305" r:id="rId17"/>
+    <p:sldId id="281" r:id="rId18"/>
+    <p:sldId id="283" r:id="rId19"/>
+    <p:sldId id="282" r:id="rId20"/>
+    <p:sldId id="258" r:id="rId21"/>
+    <p:sldId id="259" r:id="rId22"/>
+    <p:sldId id="262" r:id="rId23"/>
+    <p:sldId id="288" r:id="rId24"/>
+    <p:sldId id="289" r:id="rId25"/>
+    <p:sldId id="284" r:id="rId26"/>
+    <p:sldId id="293" r:id="rId27"/>
+    <p:sldId id="285" r:id="rId28"/>
+    <p:sldId id="297" r:id="rId29"/>
+    <p:sldId id="299" r:id="rId30"/>
+    <p:sldId id="286" r:id="rId31"/>
+    <p:sldId id="294" r:id="rId32"/>
+    <p:sldId id="303" r:id="rId33"/>
+    <p:sldId id="304" r:id="rId34"/>
+    <p:sldId id="291" r:id="rId35"/>
+    <p:sldId id="295" r:id="rId36"/>
+    <p:sldId id="298" r:id="rId37"/>
+    <p:sldId id="300" r:id="rId38"/>
   </p:sldIdLst>
   <p:sldSz cx="12192000" cy="6858000"/>
   <p:notesSz cx="6858000" cy="9144000"/>
@@ -234,7 +233,7 @@
           <a:p>
             <a:fld id="{27C9A053-7EFA-4301-9BEC-170DE8D9FA29}" type="datetimeFigureOut">
               <a:rPr lang="pt-BR" smtClean="0"/>
-              <a:t>20/04/2025</a:t>
+              <a:t>21/04/2025</a:t>
             </a:fld>
             <a:endParaRPr lang="pt-BR"/>
           </a:p>
@@ -632,7 +631,13 @@
           <a:p>
             <a:r>
               <a:rPr lang="pt-BR" dirty="0"/>
-              <a:t>WE WILL ASSUME THAT THE PURCHASE WERE DONE IN THE LAST VISIT FROM FACT VISITS.</a:t>
+              <a:t>They differ from each other:</a:t>
+            </a:r>
+          </a:p>
+          <a:p>
+            <a:r>
+              <a:rPr lang="pt-BR" dirty="0"/>
+              <a:t>* Higher value buyes frequently, high amount in a fewer period of time</a:t>
             </a:r>
           </a:p>
         </p:txBody>
@@ -654,7 +659,7 @@
           <a:p>
             <a:fld id="{C4B12038-7FD9-43AA-A210-07538A4DEF4A}" type="slidenum">
               <a:rPr lang="pt-BR" smtClean="0"/>
-              <a:t>20</a:t>
+              <a:t>22</a:t>
             </a:fld>
             <a:endParaRPr lang="pt-BR"/>
           </a:p>
@@ -663,7 +668,7 @@
     </p:spTree>
     <p:extLst>
       <p:ext uri="{BB962C8B-B14F-4D97-AF65-F5344CB8AC3E}">
-        <p14:creationId xmlns:p14="http://schemas.microsoft.com/office/powerpoint/2010/main" val="3278468462"/>
+        <p14:creationId xmlns:p14="http://schemas.microsoft.com/office/powerpoint/2010/main" val="3738381328"/>
       </p:ext>
     </p:extLst>
   </p:cSld>
@@ -719,13 +724,7 @@
           <a:p>
             <a:r>
               <a:rPr lang="pt-BR" dirty="0"/>
-              <a:t>They differ from each other:</a:t>
-            </a:r>
-          </a:p>
-          <a:p>
-            <a:r>
-              <a:rPr lang="pt-BR" dirty="0"/>
-              <a:t>* Higher value buyes frequently, high amount in a fewer period of time</a:t>
+              <a:t>CONSIDERING THE SUM OF ALL VISIT CNT BECAUSE IT’S PER YEAR!</a:t>
             </a:r>
           </a:p>
         </p:txBody>
@@ -747,7 +746,7 @@
           <a:p>
             <a:fld id="{C4B12038-7FD9-43AA-A210-07538A4DEF4A}" type="slidenum">
               <a:rPr lang="pt-BR" smtClean="0"/>
-              <a:t>23</a:t>
+              <a:t>25</a:t>
             </a:fld>
             <a:endParaRPr lang="pt-BR"/>
           </a:p>
@@ -756,7 +755,7 @@
     </p:spTree>
     <p:extLst>
       <p:ext uri="{BB962C8B-B14F-4D97-AF65-F5344CB8AC3E}">
-        <p14:creationId xmlns:p14="http://schemas.microsoft.com/office/powerpoint/2010/main" val="3738381328"/>
+        <p14:creationId xmlns:p14="http://schemas.microsoft.com/office/powerpoint/2010/main" val="201776967"/>
       </p:ext>
     </p:extLst>
   </p:cSld>
@@ -810,10 +809,30 @@
           <a:bodyPr/>
           <a:lstStyle/>
           <a:p>
+            <a:pPr marL="0" marR="0" lvl="0" indent="0" algn="l" defTabSz="914400" rtl="0" eaLnBrk="1" fontAlgn="auto" latinLnBrk="0" hangingPunct="1">
+              <a:lnSpc>
+                <a:spcPct val="100000"/>
+              </a:lnSpc>
+              <a:spcBef>
+                <a:spcPts val="0"/>
+              </a:spcBef>
+              <a:spcAft>
+                <a:spcPts val="0"/>
+              </a:spcAft>
+              <a:buClrTx/>
+              <a:buSzTx/>
+              <a:buFontTx/>
+              <a:buNone/>
+              <a:tabLst/>
+              <a:defRPr/>
+            </a:pPr>
             <a:r>
               <a:rPr lang="pt-BR" dirty="0"/>
-              <a:t>CONSIDERING THE SUM OF ALL VISIT CNT BECAUSE IT’S PER YEAR!</a:t>
-            </a:r>
+              <a:t>CONSIDERING THE SUM OF ALL VISIT CNT.</a:t>
+            </a:r>
+          </a:p>
+          <a:p>
+            <a:endParaRPr lang="pt-BR" dirty="0"/>
           </a:p>
         </p:txBody>
       </p:sp>
@@ -843,7 +862,7 @@
     </p:spTree>
     <p:extLst>
       <p:ext uri="{BB962C8B-B14F-4D97-AF65-F5344CB8AC3E}">
-        <p14:creationId xmlns:p14="http://schemas.microsoft.com/office/powerpoint/2010/main" val="201776967"/>
+        <p14:creationId xmlns:p14="http://schemas.microsoft.com/office/powerpoint/2010/main" val="3735841861"/>
       </p:ext>
     </p:extLst>
   </p:cSld>
@@ -897,29 +916,6 @@
           <a:bodyPr/>
           <a:lstStyle/>
           <a:p>
-            <a:pPr marL="0" marR="0" lvl="0" indent="0" algn="l" defTabSz="914400" rtl="0" eaLnBrk="1" fontAlgn="auto" latinLnBrk="0" hangingPunct="1">
-              <a:lnSpc>
-                <a:spcPct val="100000"/>
-              </a:lnSpc>
-              <a:spcBef>
-                <a:spcPts val="0"/>
-              </a:spcBef>
-              <a:spcAft>
-                <a:spcPts val="0"/>
-              </a:spcAft>
-              <a:buClrTx/>
-              <a:buSzTx/>
-              <a:buFontTx/>
-              <a:buNone/>
-              <a:tabLst/>
-              <a:defRPr/>
-            </a:pPr>
-            <a:r>
-              <a:rPr lang="pt-BR" dirty="0"/>
-              <a:t>CONSIDERING THE SUM OF ALL VISIT CNT.</a:t>
-            </a:r>
-          </a:p>
-          <a:p>
             <a:endParaRPr lang="pt-BR" dirty="0"/>
           </a:p>
         </p:txBody>
@@ -950,7 +946,7 @@
     </p:spTree>
     <p:extLst>
       <p:ext uri="{BB962C8B-B14F-4D97-AF65-F5344CB8AC3E}">
-        <p14:creationId xmlns:p14="http://schemas.microsoft.com/office/powerpoint/2010/main" val="3735841861"/>
+        <p14:creationId xmlns:p14="http://schemas.microsoft.com/office/powerpoint/2010/main" val="1714879632"/>
       </p:ext>
     </p:extLst>
   </p:cSld>
@@ -1004,7 +1000,70 @@
           <a:bodyPr/>
           <a:lstStyle/>
           <a:p>
-            <a:endParaRPr lang="pt-BR" dirty="0"/>
+            <a:r>
+              <a:rPr lang="pt-BR" dirty="0"/>
+              <a:t>Cluster 1 são os usuários de </a:t>
+            </a:r>
+            <a:r>
+              <a:rPr lang="pt-BR" b="1" dirty="0"/>
+              <a:t>alto valor</a:t>
+            </a:r>
+            <a:r>
+              <a:rPr lang="pt-BR" dirty="0"/>
+              <a:t>, Cluster 2 é o grupo intermediário, e Cluster 0 são os </a:t>
+            </a:r>
+            <a:r>
+              <a:rPr lang="pt-BR" b="1" dirty="0"/>
+              <a:t>baixo valor</a:t>
+            </a:r>
+            <a:r>
+              <a:rPr lang="pt-BR" dirty="0"/>
+              <a:t>.</a:t>
+            </a:r>
+          </a:p>
+          <a:p>
+            <a:r>
+              <a:rPr lang="pt-BR" dirty="0"/>
+              <a:t>Cluster 1 são os </a:t>
+            </a:r>
+            <a:r>
+              <a:rPr lang="pt-BR" b="1" dirty="0"/>
+              <a:t>mais engajados recentemente</a:t>
+            </a:r>
+            <a:r>
+              <a:rPr lang="pt-BR" dirty="0"/>
+              <a:t>, Cluster 0 estão </a:t>
+            </a:r>
+            <a:r>
+              <a:rPr lang="pt-BR" b="1" dirty="0"/>
+              <a:t>inativos</a:t>
+            </a:r>
+            <a:r>
+              <a:rPr lang="pt-BR" dirty="0"/>
+              <a:t> ou há muito tempo sem comprar.</a:t>
+            </a:r>
+          </a:p>
+          <a:p>
+            <a:r>
+              <a:rPr lang="pt-BR" dirty="0"/>
+              <a:t>Cluster 1 são </a:t>
+            </a:r>
+            <a:r>
+              <a:rPr lang="pt-BR" b="1" dirty="0"/>
+              <a:t>clientes frequentes</a:t>
+            </a:r>
+            <a:r>
+              <a:rPr lang="pt-BR" dirty="0"/>
+              <a:t>, Cluster 2 têm atividade moderada, Cluster 0 </a:t>
+            </a:r>
+            <a:r>
+              <a:rPr lang="pt-BR" b="1" dirty="0"/>
+              <a:t>compraram poucas vezes</a:t>
+            </a:r>
+            <a:r>
+              <a:rPr lang="pt-BR" dirty="0"/>
+              <a:t>.</a:t>
+            </a:r>
           </a:p>
         </p:txBody>
       </p:sp>
@@ -1026,153 +1085,6 @@
             <a:fld id="{C4B12038-7FD9-43AA-A210-07538A4DEF4A}" type="slidenum">
               <a:rPr lang="pt-BR" smtClean="0"/>
               <a:t>28</a:t>
-            </a:fld>
-            <a:endParaRPr lang="pt-BR"/>
-          </a:p>
-        </p:txBody>
-      </p:sp>
-    </p:spTree>
-    <p:extLst>
-      <p:ext uri="{BB962C8B-B14F-4D97-AF65-F5344CB8AC3E}">
-        <p14:creationId xmlns:p14="http://schemas.microsoft.com/office/powerpoint/2010/main" val="1714879632"/>
-      </p:ext>
-    </p:extLst>
-  </p:cSld>
-  <p:clrMapOvr>
-    <a:masterClrMapping/>
-  </p:clrMapOvr>
-</p:notes>
-</file>
-
-<file path=ppt/notesSlides/notesSlide15.xml><?xml version="1.0" encoding="utf-8"?>
-<p:notes xmlns:a="http://schemas.openxmlformats.org/drawingml/2006/main" xmlns:r="http://schemas.openxmlformats.org/officeDocument/2006/relationships" xmlns:p="http://schemas.openxmlformats.org/presentationml/2006/main">
-  <p:cSld>
-    <p:spTree>
-      <p:nvGrpSpPr>
-        <p:cNvPr id="1" name=""/>
-        <p:cNvGrpSpPr/>
-        <p:nvPr/>
-      </p:nvGrpSpPr>
-      <p:grpSpPr>
-        <a:xfrm>
-          <a:off x="0" y="0"/>
-          <a:ext cx="0" cy="0"/>
-          <a:chOff x="0" y="0"/>
-          <a:chExt cx="0" cy="0"/>
-        </a:xfrm>
-      </p:grpSpPr>
-      <p:sp>
-        <p:nvSpPr>
-          <p:cNvPr id="2" name="Slide Image Placeholder 1"/>
-          <p:cNvSpPr>
-            <a:spLocks noGrp="1" noRot="1" noChangeAspect="1"/>
-          </p:cNvSpPr>
-          <p:nvPr>
-            <p:ph type="sldImg"/>
-          </p:nvPr>
-        </p:nvSpPr>
-        <p:spPr/>
-      </p:sp>
-      <p:sp>
-        <p:nvSpPr>
-          <p:cNvPr id="3" name="Notes Placeholder 2"/>
-          <p:cNvSpPr>
-            <a:spLocks noGrp="1"/>
-          </p:cNvSpPr>
-          <p:nvPr>
-            <p:ph type="body" idx="1"/>
-          </p:nvPr>
-        </p:nvSpPr>
-        <p:spPr/>
-        <p:txBody>
-          <a:bodyPr/>
-          <a:lstStyle/>
-          <a:p>
-            <a:r>
-              <a:rPr lang="pt-BR" dirty="0"/>
-              <a:t>Cluster 1 são os usuários de </a:t>
-            </a:r>
-            <a:r>
-              <a:rPr lang="pt-BR" b="1" dirty="0"/>
-              <a:t>alto valor</a:t>
-            </a:r>
-            <a:r>
-              <a:rPr lang="pt-BR" dirty="0"/>
-              <a:t>, Cluster 2 é o grupo intermediário, e Cluster 0 são os </a:t>
-            </a:r>
-            <a:r>
-              <a:rPr lang="pt-BR" b="1" dirty="0"/>
-              <a:t>baixo valor</a:t>
-            </a:r>
-            <a:r>
-              <a:rPr lang="pt-BR" dirty="0"/>
-              <a:t>.</a:t>
-            </a:r>
-          </a:p>
-          <a:p>
-            <a:r>
-              <a:rPr lang="pt-BR" dirty="0"/>
-              <a:t>Cluster 1 são os </a:t>
-            </a:r>
-            <a:r>
-              <a:rPr lang="pt-BR" b="1" dirty="0"/>
-              <a:t>mais engajados recentemente</a:t>
-            </a:r>
-            <a:r>
-              <a:rPr lang="pt-BR" dirty="0"/>
-              <a:t>, Cluster 0 estão </a:t>
-            </a:r>
-            <a:r>
-              <a:rPr lang="pt-BR" b="1" dirty="0"/>
-              <a:t>inativos</a:t>
-            </a:r>
-            <a:r>
-              <a:rPr lang="pt-BR" dirty="0"/>
-              <a:t> ou há muito tempo sem comprar.</a:t>
-            </a:r>
-          </a:p>
-          <a:p>
-            <a:r>
-              <a:rPr lang="pt-BR" dirty="0"/>
-              <a:t>Cluster 1 são </a:t>
-            </a:r>
-            <a:r>
-              <a:rPr lang="pt-BR" b="1" dirty="0"/>
-              <a:t>clientes frequentes</a:t>
-            </a:r>
-            <a:r>
-              <a:rPr lang="pt-BR" dirty="0"/>
-              <a:t>, Cluster 2 têm atividade moderada, Cluster 0 </a:t>
-            </a:r>
-            <a:r>
-              <a:rPr lang="pt-BR" b="1" dirty="0"/>
-              <a:t>compraram poucas vezes</a:t>
-            </a:r>
-            <a:r>
-              <a:rPr lang="pt-BR" dirty="0"/>
-              <a:t>.</a:t>
-            </a:r>
-          </a:p>
-        </p:txBody>
-      </p:sp>
-      <p:sp>
-        <p:nvSpPr>
-          <p:cNvPr id="4" name="Slide Number Placeholder 3"/>
-          <p:cNvSpPr>
-            <a:spLocks noGrp="1"/>
-          </p:cNvSpPr>
-          <p:nvPr>
-            <p:ph type="sldNum" sz="quarter" idx="5"/>
-          </p:nvPr>
-        </p:nvSpPr>
-        <p:spPr/>
-        <p:txBody>
-          <a:bodyPr/>
-          <a:lstStyle/>
-          <a:p>
-            <a:fld id="{C4B12038-7FD9-43AA-A210-07538A4DEF4A}" type="slidenum">
-              <a:rPr lang="pt-BR" smtClean="0"/>
-              <a:t>29</a:t>
             </a:fld>
             <a:endParaRPr lang="pt-BR"/>
           </a:p>
@@ -1191,7 +1103,7 @@
 </p:notes>
 </file>
 
-<file path=ppt/notesSlides/notesSlide16.xml><?xml version="1.0" encoding="utf-8"?>
+<file path=ppt/notesSlides/notesSlide15.xml><?xml version="1.0" encoding="utf-8"?>
 <p:notes xmlns:a="http://schemas.openxmlformats.org/drawingml/2006/main" xmlns:r="http://schemas.openxmlformats.org/officeDocument/2006/relationships" xmlns:p="http://schemas.openxmlformats.org/presentationml/2006/main">
   <p:cSld>
     <p:spTree>
@@ -1254,69 +1166,45 @@
           <a:lstStyle/>
           <a:p>
             <a:r>
-              <a:rPr lang="pt-BR" dirty="0"/>
-              <a:t>Cluster 1 são os usuários de </a:t>
-            </a:r>
-            <a:r>
-              <a:rPr lang="pt-BR" b="1" dirty="0"/>
-              <a:t>alto valor</a:t>
-            </a:r>
-            <a:r>
-              <a:rPr lang="pt-BR" dirty="0"/>
-              <a:t>, Cluster 2 é o grupo intermediário, e Cluster 0 são os </a:t>
-            </a:r>
-            <a:r>
-              <a:rPr lang="pt-BR" b="1" dirty="0"/>
-              <a:t>baixo valor</a:t>
-            </a:r>
-            <a:r>
-              <a:rPr lang="pt-BR" dirty="0"/>
-              <a:t>.</a:t>
-            </a:r>
-          </a:p>
-          <a:p>
-            <a:r>
-              <a:rPr lang="pt-BR" dirty="0"/>
-              <a:t>Cluster 1 são os </a:t>
-            </a:r>
-            <a:r>
-              <a:rPr lang="pt-BR" b="1" dirty="0"/>
-              <a:t>mais engajados recentemente</a:t>
-            </a:r>
-            <a:r>
-              <a:rPr lang="pt-BR" dirty="0"/>
-              <a:t>, Cluster 0 estão </a:t>
-            </a:r>
-            <a:r>
-              <a:rPr lang="pt-BR" b="1" dirty="0"/>
-              <a:t>inativos</a:t>
-            </a:r>
-            <a:r>
-              <a:rPr lang="pt-BR" dirty="0"/>
-              <a:t> ou há muito tempo sem comprar.</a:t>
-            </a:r>
-          </a:p>
-          <a:p>
-            <a:r>
-              <a:rPr lang="pt-BR" dirty="0"/>
-              <a:t>Cluster 1 são </a:t>
-            </a:r>
-            <a:r>
-              <a:rPr lang="pt-BR" b="1" dirty="0"/>
-              <a:t>clientes frequentes</a:t>
-            </a:r>
-            <a:r>
-              <a:rPr lang="pt-BR" dirty="0"/>
-              <a:t>, Cluster 2 têm atividade moderada, Cluster 0 </a:t>
-            </a:r>
-            <a:r>
-              <a:rPr lang="pt-BR" b="1" dirty="0"/>
-              <a:t>compraram poucas vezes</a:t>
-            </a:r>
-            <a:r>
-              <a:rPr lang="pt-BR" dirty="0"/>
-              <a:t>.</a:t>
-            </a:r>
+              <a:rPr lang="en-US" b="1" dirty="0"/>
+              <a:t>Cluster 1 represents the most valuable users</a:t>
+            </a:r>
+            <a:r>
+              <a:rPr lang="en-US" dirty="0"/>
+              <a:t> — they spend the most (high </a:t>
+            </a:r>
+            <a:r>
+              <a:rPr lang="en-US" b="1" dirty="0"/>
+              <a:t>Monetary</a:t>
+            </a:r>
+            <a:r>
+              <a:rPr lang="en-US" dirty="0"/>
+              <a:t>), buy more often (</a:t>
+            </a:r>
+            <a:r>
+              <a:rPr lang="en-US" b="1" dirty="0"/>
+              <a:t>Frequency</a:t>
+            </a:r>
+            <a:r>
+              <a:rPr lang="en-US" dirty="0"/>
+              <a:t>), and are more recent customers (</a:t>
+            </a:r>
+            <a:r>
+              <a:rPr lang="en-US" b="1" dirty="0"/>
+              <a:t>low Recency</a:t>
+            </a:r>
+            <a:r>
+              <a:rPr lang="en-US" dirty="0"/>
+              <a:t>).</a:t>
+            </a:r>
+            <a:br>
+              <a:rPr lang="en-US" dirty="0"/>
+            </a:br>
+            <a:r>
+              <a:rPr lang="en-US" dirty="0"/>
+              <a:t>Clusters 0 and 2 represent less valuable users, with Cluster 0 being the least engaged overall.</a:t>
+            </a:r>
+            <a:endParaRPr lang="pt-BR" dirty="0"/>
           </a:p>
         </p:txBody>
       </p:sp>
@@ -1343,7 +1231,7 @@
           <a:p>
             <a:fld id="{C4B12038-7FD9-43AA-A210-07538A4DEF4A}" type="slidenum">
               <a:rPr lang="pt-BR" smtClean="0"/>
-              <a:t>30</a:t>
+              <a:t>29</a:t>
             </a:fld>
             <a:endParaRPr lang="pt-BR"/>
           </a:p>
@@ -1353,6 +1241,90 @@
     <p:extLst>
       <p:ext uri="{BB962C8B-B14F-4D97-AF65-F5344CB8AC3E}">
         <p14:creationId xmlns:p14="http://schemas.microsoft.com/office/powerpoint/2010/main" val="2094615674"/>
+      </p:ext>
+    </p:extLst>
+  </p:cSld>
+  <p:clrMapOvr>
+    <a:masterClrMapping/>
+  </p:clrMapOvr>
+</p:notes>
+</file>
+
+<file path=ppt/notesSlides/notesSlide16.xml><?xml version="1.0" encoding="utf-8"?>
+<p:notes xmlns:a="http://schemas.openxmlformats.org/drawingml/2006/main" xmlns:r="http://schemas.openxmlformats.org/officeDocument/2006/relationships" xmlns:p="http://schemas.openxmlformats.org/presentationml/2006/main">
+  <p:cSld>
+    <p:spTree>
+      <p:nvGrpSpPr>
+        <p:cNvPr id="1" name=""/>
+        <p:cNvGrpSpPr/>
+        <p:nvPr/>
+      </p:nvGrpSpPr>
+      <p:grpSpPr>
+        <a:xfrm>
+          <a:off x="0" y="0"/>
+          <a:ext cx="0" cy="0"/>
+          <a:chOff x="0" y="0"/>
+          <a:chExt cx="0" cy="0"/>
+        </a:xfrm>
+      </p:grpSpPr>
+      <p:sp>
+        <p:nvSpPr>
+          <p:cNvPr id="2" name="Slide Image Placeholder 1"/>
+          <p:cNvSpPr>
+            <a:spLocks noGrp="1" noRot="1" noChangeAspect="1"/>
+          </p:cNvSpPr>
+          <p:nvPr>
+            <p:ph type="sldImg"/>
+          </p:nvPr>
+        </p:nvSpPr>
+        <p:spPr/>
+      </p:sp>
+      <p:sp>
+        <p:nvSpPr>
+          <p:cNvPr id="3" name="Notes Placeholder 2"/>
+          <p:cNvSpPr>
+            <a:spLocks noGrp="1"/>
+          </p:cNvSpPr>
+          <p:nvPr>
+            <p:ph type="body" idx="1"/>
+          </p:nvPr>
+        </p:nvSpPr>
+        <p:spPr/>
+        <p:txBody>
+          <a:bodyPr/>
+          <a:lstStyle/>
+          <a:p>
+            <a:endParaRPr lang="pt-BR" dirty="0"/>
+          </a:p>
+        </p:txBody>
+      </p:sp>
+      <p:sp>
+        <p:nvSpPr>
+          <p:cNvPr id="4" name="Slide Number Placeholder 3"/>
+          <p:cNvSpPr>
+            <a:spLocks noGrp="1"/>
+          </p:cNvSpPr>
+          <p:nvPr>
+            <p:ph type="sldNum" sz="quarter" idx="5"/>
+          </p:nvPr>
+        </p:nvSpPr>
+        <p:spPr/>
+        <p:txBody>
+          <a:bodyPr/>
+          <a:lstStyle/>
+          <a:p>
+            <a:fld id="{C4B12038-7FD9-43AA-A210-07538A4DEF4A}" type="slidenum">
+              <a:rPr lang="pt-BR" smtClean="0"/>
+              <a:t>30</a:t>
+            </a:fld>
+            <a:endParaRPr lang="pt-BR"/>
+          </a:p>
+        </p:txBody>
+      </p:sp>
+    </p:spTree>
+    <p:extLst>
+      <p:ext uri="{BB962C8B-B14F-4D97-AF65-F5344CB8AC3E}">
+        <p14:creationId xmlns:p14="http://schemas.microsoft.com/office/powerpoint/2010/main" val="2866387046"/>
       </p:ext>
     </p:extLst>
   </p:cSld>
@@ -1406,7 +1378,31 @@
           <a:bodyPr/>
           <a:lstStyle/>
           <a:p>
-            <a:endParaRPr lang="pt-BR" dirty="0"/>
+            <a:r>
+              <a:rPr lang="pt-BR" dirty="0"/>
+              <a:t>Considering:</a:t>
+            </a:r>
+            <a:br>
+              <a:rPr lang="pt-BR" dirty="0"/>
+            </a:br>
+            <a:r>
+              <a:rPr lang="pt-BR" dirty="0"/>
+              <a:t>- only the 451 users from before-</a:t>
+            </a:r>
+          </a:p>
+          <a:p>
+            <a:pPr marL="171450" indent="-171450">
+              <a:buFontTx/>
+              <a:buChar char="-"/>
+            </a:pPr>
+            <a:r>
+              <a:rPr lang="pt-BR" b="1" dirty="0">
+                <a:highlight>
+                  <a:srgbClr val="FFFF00"/>
+                </a:highlight>
+              </a:rPr>
+              <a:t>Only VISITS OF LAST CHANNEL (THE CONVERTED)</a:t>
+            </a:r>
           </a:p>
         </p:txBody>
       </p:sp>
@@ -1428,114 +1424,6 @@
             <a:fld id="{C4B12038-7FD9-43AA-A210-07538A4DEF4A}" type="slidenum">
               <a:rPr lang="pt-BR" smtClean="0"/>
               <a:t>31</a:t>
-            </a:fld>
-            <a:endParaRPr lang="pt-BR"/>
-          </a:p>
-        </p:txBody>
-      </p:sp>
-    </p:spTree>
-    <p:extLst>
-      <p:ext uri="{BB962C8B-B14F-4D97-AF65-F5344CB8AC3E}">
-        <p14:creationId xmlns:p14="http://schemas.microsoft.com/office/powerpoint/2010/main" val="2866387046"/>
-      </p:ext>
-    </p:extLst>
-  </p:cSld>
-  <p:clrMapOvr>
-    <a:masterClrMapping/>
-  </p:clrMapOvr>
-</p:notes>
-</file>
-
-<file path=ppt/notesSlides/notesSlide18.xml><?xml version="1.0" encoding="utf-8"?>
-<p:notes xmlns:a="http://schemas.openxmlformats.org/drawingml/2006/main" xmlns:r="http://schemas.openxmlformats.org/officeDocument/2006/relationships" xmlns:p="http://schemas.openxmlformats.org/presentationml/2006/main">
-  <p:cSld>
-    <p:spTree>
-      <p:nvGrpSpPr>
-        <p:cNvPr id="1" name=""/>
-        <p:cNvGrpSpPr/>
-        <p:nvPr/>
-      </p:nvGrpSpPr>
-      <p:grpSpPr>
-        <a:xfrm>
-          <a:off x="0" y="0"/>
-          <a:ext cx="0" cy="0"/>
-          <a:chOff x="0" y="0"/>
-          <a:chExt cx="0" cy="0"/>
-        </a:xfrm>
-      </p:grpSpPr>
-      <p:sp>
-        <p:nvSpPr>
-          <p:cNvPr id="2" name="Slide Image Placeholder 1"/>
-          <p:cNvSpPr>
-            <a:spLocks noGrp="1" noRot="1" noChangeAspect="1"/>
-          </p:cNvSpPr>
-          <p:nvPr>
-            <p:ph type="sldImg"/>
-          </p:nvPr>
-        </p:nvSpPr>
-        <p:spPr/>
-      </p:sp>
-      <p:sp>
-        <p:nvSpPr>
-          <p:cNvPr id="3" name="Notes Placeholder 2"/>
-          <p:cNvSpPr>
-            <a:spLocks noGrp="1"/>
-          </p:cNvSpPr>
-          <p:nvPr>
-            <p:ph type="body" idx="1"/>
-          </p:nvPr>
-        </p:nvSpPr>
-        <p:spPr/>
-        <p:txBody>
-          <a:bodyPr/>
-          <a:lstStyle/>
-          <a:p>
-            <a:r>
-              <a:rPr lang="pt-BR" dirty="0"/>
-              <a:t>Considering:</a:t>
-            </a:r>
-            <a:br>
-              <a:rPr lang="pt-BR" dirty="0"/>
-            </a:br>
-            <a:r>
-              <a:rPr lang="pt-BR" dirty="0"/>
-              <a:t>- only the 451 users from before-</a:t>
-            </a:r>
-          </a:p>
-          <a:p>
-            <a:pPr marL="171450" indent="-171450">
-              <a:buFontTx/>
-              <a:buChar char="-"/>
-            </a:pPr>
-            <a:r>
-              <a:rPr lang="pt-BR" b="1" dirty="0">
-                <a:highlight>
-                  <a:srgbClr val="FFFF00"/>
-                </a:highlight>
-              </a:rPr>
-              <a:t>Only VISITS OF LAST CHANNEL (THE CONVERTED)</a:t>
-            </a:r>
-          </a:p>
-        </p:txBody>
-      </p:sp>
-      <p:sp>
-        <p:nvSpPr>
-          <p:cNvPr id="4" name="Slide Number Placeholder 3"/>
-          <p:cNvSpPr>
-            <a:spLocks noGrp="1"/>
-          </p:cNvSpPr>
-          <p:nvPr>
-            <p:ph type="sldNum" sz="quarter" idx="5"/>
-          </p:nvPr>
-        </p:nvSpPr>
-        <p:spPr/>
-        <p:txBody>
-          <a:bodyPr/>
-          <a:lstStyle/>
-          <a:p>
-            <a:fld id="{C4B12038-7FD9-43AA-A210-07538A4DEF4A}" type="slidenum">
-              <a:rPr lang="pt-BR" smtClean="0"/>
-              <a:t>32</a:t>
             </a:fld>
             <a:endParaRPr lang="pt-BR"/>
           </a:p>
@@ -1554,7 +1442,7 @@
 </p:notes>
 </file>
 
-<file path=ppt/notesSlides/notesSlide19.xml><?xml version="1.0" encoding="utf-8"?>
+<file path=ppt/notesSlides/notesSlide18.xml><?xml version="1.0" encoding="utf-8"?>
 <p:notes xmlns:a="http://schemas.openxmlformats.org/drawingml/2006/main" xmlns:r="http://schemas.openxmlformats.org/officeDocument/2006/relationships" xmlns:p="http://schemas.openxmlformats.org/presentationml/2006/main">
   <p:cSld>
     <p:spTree>
@@ -1667,7 +1555,7 @@
           <a:p>
             <a:fld id="{C4B12038-7FD9-43AA-A210-07538A4DEF4A}" type="slidenum">
               <a:rPr lang="pt-BR" smtClean="0"/>
-              <a:t>33</a:t>
+              <a:t>32</a:t>
             </a:fld>
             <a:endParaRPr lang="pt-BR"/>
           </a:p>
@@ -1677,6 +1565,138 @@
     <p:extLst>
       <p:ext uri="{BB962C8B-B14F-4D97-AF65-F5344CB8AC3E}">
         <p14:creationId xmlns:p14="http://schemas.microsoft.com/office/powerpoint/2010/main" val="961173272"/>
+      </p:ext>
+    </p:extLst>
+  </p:cSld>
+  <p:clrMapOvr>
+    <a:masterClrMapping/>
+  </p:clrMapOvr>
+</p:notes>
+</file>
+
+<file path=ppt/notesSlides/notesSlide19.xml><?xml version="1.0" encoding="utf-8"?>
+<p:notes xmlns:a="http://schemas.openxmlformats.org/drawingml/2006/main" xmlns:r="http://schemas.openxmlformats.org/officeDocument/2006/relationships" xmlns:p="http://schemas.openxmlformats.org/presentationml/2006/main">
+  <p:cSld>
+    <p:spTree>
+      <p:nvGrpSpPr>
+        <p:cNvPr id="1" name="">
+          <a:extLst>
+            <a:ext uri="{FF2B5EF4-FFF2-40B4-BE49-F238E27FC236}">
+              <a16:creationId xmlns:a16="http://schemas.microsoft.com/office/drawing/2014/main" id="{43818B85-C2A3-ED98-40F3-6331E3AEE6C2}"/>
+            </a:ext>
+          </a:extLst>
+        </p:cNvPr>
+        <p:cNvGrpSpPr/>
+        <p:nvPr/>
+      </p:nvGrpSpPr>
+      <p:grpSpPr>
+        <a:xfrm>
+          <a:off x="0" y="0"/>
+          <a:ext cx="0" cy="0"/>
+          <a:chOff x="0" y="0"/>
+          <a:chExt cx="0" cy="0"/>
+        </a:xfrm>
+      </p:grpSpPr>
+      <p:sp>
+        <p:nvSpPr>
+          <p:cNvPr id="2" name="Slide Image Placeholder 1">
+            <a:extLst>
+              <a:ext uri="{FF2B5EF4-FFF2-40B4-BE49-F238E27FC236}">
+                <a16:creationId xmlns:a16="http://schemas.microsoft.com/office/drawing/2014/main" id="{574B1F0D-322E-0188-D1FE-C3D43CB6F649}"/>
+              </a:ext>
+            </a:extLst>
+          </p:cNvPr>
+          <p:cNvSpPr>
+            <a:spLocks noGrp="1" noRot="1" noChangeAspect="1"/>
+          </p:cNvSpPr>
+          <p:nvPr>
+            <p:ph type="sldImg"/>
+          </p:nvPr>
+        </p:nvSpPr>
+        <p:spPr/>
+      </p:sp>
+      <p:sp>
+        <p:nvSpPr>
+          <p:cNvPr id="3" name="Notes Placeholder 2">
+            <a:extLst>
+              <a:ext uri="{FF2B5EF4-FFF2-40B4-BE49-F238E27FC236}">
+                <a16:creationId xmlns:a16="http://schemas.microsoft.com/office/drawing/2014/main" id="{AD627AC1-40CE-45DC-1B54-3265507C943F}"/>
+              </a:ext>
+            </a:extLst>
+          </p:cNvPr>
+          <p:cNvSpPr>
+            <a:spLocks noGrp="1"/>
+          </p:cNvSpPr>
+          <p:nvPr>
+            <p:ph type="body" idx="1"/>
+          </p:nvPr>
+        </p:nvSpPr>
+        <p:spPr/>
+        <p:txBody>
+          <a:bodyPr/>
+          <a:lstStyle/>
+          <a:p>
+            <a:r>
+              <a:rPr lang="pt-BR" dirty="0"/>
+              <a:t>Considering:</a:t>
+            </a:r>
+            <a:br>
+              <a:rPr lang="pt-BR" dirty="0"/>
+            </a:br>
+            <a:r>
+              <a:rPr lang="pt-BR" dirty="0"/>
+              <a:t>- only the 451 users from before-</a:t>
+            </a:r>
+          </a:p>
+          <a:p>
+            <a:pPr marL="171450" indent="-171450">
+              <a:buFontTx/>
+              <a:buChar char="-"/>
+            </a:pPr>
+            <a:r>
+              <a:rPr lang="pt-BR" b="1" dirty="0">
+                <a:highlight>
+                  <a:srgbClr val="FFFF00"/>
+                </a:highlight>
+              </a:rPr>
+              <a:t>COLLECTED THE CHANNEL OF THE LAST VISIT FOR EACH USER + CAMPAIGN ID, THAN IF THERE’S OTHER VISITS IN THE SAME CHANNEL, I SUMMED ALL THE VISIT CNT. EXAMPLE: facebook (visit cnt = 10), email (visit cnt = 5), facebook (visit cnt = 20), than, it will be 10 + 20 = 30 for this user / campaign id.</a:t>
+            </a:r>
+          </a:p>
+        </p:txBody>
+      </p:sp>
+      <p:sp>
+        <p:nvSpPr>
+          <p:cNvPr id="4" name="Slide Number Placeholder 3">
+            <a:extLst>
+              <a:ext uri="{FF2B5EF4-FFF2-40B4-BE49-F238E27FC236}">
+                <a16:creationId xmlns:a16="http://schemas.microsoft.com/office/drawing/2014/main" id="{A3E501D8-F3C3-B033-AE5E-79B3EA7A284C}"/>
+              </a:ext>
+            </a:extLst>
+          </p:cNvPr>
+          <p:cNvSpPr>
+            <a:spLocks noGrp="1"/>
+          </p:cNvSpPr>
+          <p:nvPr>
+            <p:ph type="sldNum" sz="quarter" idx="5"/>
+          </p:nvPr>
+        </p:nvSpPr>
+        <p:spPr/>
+        <p:txBody>
+          <a:bodyPr/>
+          <a:lstStyle/>
+          <a:p>
+            <a:fld id="{C4B12038-7FD9-43AA-A210-07538A4DEF4A}" type="slidenum">
+              <a:rPr lang="pt-BR" smtClean="0"/>
+              <a:t>33</a:t>
+            </a:fld>
+            <a:endParaRPr lang="pt-BR"/>
+          </a:p>
+        </p:txBody>
+      </p:sp>
+    </p:spTree>
+    <p:extLst>
+      <p:ext uri="{BB962C8B-B14F-4D97-AF65-F5344CB8AC3E}">
+        <p14:creationId xmlns:p14="http://schemas.microsoft.com/office/powerpoint/2010/main" val="291566219"/>
       </p:ext>
     </p:extLst>
   </p:cSld>
@@ -1799,138 +1819,6 @@
   <p:cSld>
     <p:spTree>
       <p:nvGrpSpPr>
-        <p:cNvPr id="1" name="">
-          <a:extLst>
-            <a:ext uri="{FF2B5EF4-FFF2-40B4-BE49-F238E27FC236}">
-              <a16:creationId xmlns:a16="http://schemas.microsoft.com/office/drawing/2014/main" id="{43818B85-C2A3-ED98-40F3-6331E3AEE6C2}"/>
-            </a:ext>
-          </a:extLst>
-        </p:cNvPr>
-        <p:cNvGrpSpPr/>
-        <p:nvPr/>
-      </p:nvGrpSpPr>
-      <p:grpSpPr>
-        <a:xfrm>
-          <a:off x="0" y="0"/>
-          <a:ext cx="0" cy="0"/>
-          <a:chOff x="0" y="0"/>
-          <a:chExt cx="0" cy="0"/>
-        </a:xfrm>
-      </p:grpSpPr>
-      <p:sp>
-        <p:nvSpPr>
-          <p:cNvPr id="2" name="Slide Image Placeholder 1">
-            <a:extLst>
-              <a:ext uri="{FF2B5EF4-FFF2-40B4-BE49-F238E27FC236}">
-                <a16:creationId xmlns:a16="http://schemas.microsoft.com/office/drawing/2014/main" id="{574B1F0D-322E-0188-D1FE-C3D43CB6F649}"/>
-              </a:ext>
-            </a:extLst>
-          </p:cNvPr>
-          <p:cNvSpPr>
-            <a:spLocks noGrp="1" noRot="1" noChangeAspect="1"/>
-          </p:cNvSpPr>
-          <p:nvPr>
-            <p:ph type="sldImg"/>
-          </p:nvPr>
-        </p:nvSpPr>
-        <p:spPr/>
-      </p:sp>
-      <p:sp>
-        <p:nvSpPr>
-          <p:cNvPr id="3" name="Notes Placeholder 2">
-            <a:extLst>
-              <a:ext uri="{FF2B5EF4-FFF2-40B4-BE49-F238E27FC236}">
-                <a16:creationId xmlns:a16="http://schemas.microsoft.com/office/drawing/2014/main" id="{AD627AC1-40CE-45DC-1B54-3265507C943F}"/>
-              </a:ext>
-            </a:extLst>
-          </p:cNvPr>
-          <p:cNvSpPr>
-            <a:spLocks noGrp="1"/>
-          </p:cNvSpPr>
-          <p:nvPr>
-            <p:ph type="body" idx="1"/>
-          </p:nvPr>
-        </p:nvSpPr>
-        <p:spPr/>
-        <p:txBody>
-          <a:bodyPr/>
-          <a:lstStyle/>
-          <a:p>
-            <a:r>
-              <a:rPr lang="pt-BR" dirty="0"/>
-              <a:t>Considering:</a:t>
-            </a:r>
-            <a:br>
-              <a:rPr lang="pt-BR" dirty="0"/>
-            </a:br>
-            <a:r>
-              <a:rPr lang="pt-BR" dirty="0"/>
-              <a:t>- only the 451 users from before-</a:t>
-            </a:r>
-          </a:p>
-          <a:p>
-            <a:pPr marL="171450" indent="-171450">
-              <a:buFontTx/>
-              <a:buChar char="-"/>
-            </a:pPr>
-            <a:r>
-              <a:rPr lang="pt-BR" b="1" dirty="0">
-                <a:highlight>
-                  <a:srgbClr val="FFFF00"/>
-                </a:highlight>
-              </a:rPr>
-              <a:t>COLLECTED THE CHANNEL OF THE LAST VISIT FOR EACH USER + CAMPAIGN ID, THAN IF THERE’S OTHER VISITS IN THE SAME CHANNEL, I SUMMED ALL THE VISIT CNT. EXAMPLE: facebook (visit cnt = 10), email (visit cnt = 5), facebook (visit cnt = 20), than, it will be 10 + 20 = 30 for this user / campaign id.</a:t>
-            </a:r>
-          </a:p>
-        </p:txBody>
-      </p:sp>
-      <p:sp>
-        <p:nvSpPr>
-          <p:cNvPr id="4" name="Slide Number Placeholder 3">
-            <a:extLst>
-              <a:ext uri="{FF2B5EF4-FFF2-40B4-BE49-F238E27FC236}">
-                <a16:creationId xmlns:a16="http://schemas.microsoft.com/office/drawing/2014/main" id="{A3E501D8-F3C3-B033-AE5E-79B3EA7A284C}"/>
-              </a:ext>
-            </a:extLst>
-          </p:cNvPr>
-          <p:cNvSpPr>
-            <a:spLocks noGrp="1"/>
-          </p:cNvSpPr>
-          <p:nvPr>
-            <p:ph type="sldNum" sz="quarter" idx="5"/>
-          </p:nvPr>
-        </p:nvSpPr>
-        <p:spPr/>
-        <p:txBody>
-          <a:bodyPr/>
-          <a:lstStyle/>
-          <a:p>
-            <a:fld id="{C4B12038-7FD9-43AA-A210-07538A4DEF4A}" type="slidenum">
-              <a:rPr lang="pt-BR" smtClean="0"/>
-              <a:t>34</a:t>
-            </a:fld>
-            <a:endParaRPr lang="pt-BR"/>
-          </a:p>
-        </p:txBody>
-      </p:sp>
-    </p:spTree>
-    <p:extLst>
-      <p:ext uri="{BB962C8B-B14F-4D97-AF65-F5344CB8AC3E}">
-        <p14:creationId xmlns:p14="http://schemas.microsoft.com/office/powerpoint/2010/main" val="291566219"/>
-      </p:ext>
-    </p:extLst>
-  </p:cSld>
-  <p:clrMapOvr>
-    <a:masterClrMapping/>
-  </p:clrMapOvr>
-</p:notes>
-</file>
-
-<file path=ppt/notesSlides/notesSlide21.xml><?xml version="1.0" encoding="utf-8"?>
-<p:notes xmlns:a="http://schemas.openxmlformats.org/drawingml/2006/main" xmlns:r="http://schemas.openxmlformats.org/officeDocument/2006/relationships" xmlns:p="http://schemas.openxmlformats.org/presentationml/2006/main">
-  <p:cSld>
-    <p:spTree>
-      <p:nvGrpSpPr>
         <p:cNvPr id="1" name=""/>
         <p:cNvGrpSpPr/>
         <p:nvPr/>
@@ -2002,7 +1890,7 @@
           <a:p>
             <a:fld id="{C4B12038-7FD9-43AA-A210-07538A4DEF4A}" type="slidenum">
               <a:rPr lang="pt-BR" smtClean="0"/>
-              <a:t>35</a:t>
+              <a:t>34</a:t>
             </a:fld>
             <a:endParaRPr lang="pt-BR"/>
           </a:p>
@@ -2021,7 +1909,7 @@
 </p:notes>
 </file>
 
-<file path=ppt/notesSlides/notesSlide22.xml><?xml version="1.0" encoding="utf-8"?>
+<file path=ppt/notesSlides/notesSlide21.xml><?xml version="1.0" encoding="utf-8"?>
 <p:notes xmlns:a="http://schemas.openxmlformats.org/drawingml/2006/main" xmlns:r="http://schemas.openxmlformats.org/officeDocument/2006/relationships" xmlns:p="http://schemas.openxmlformats.org/presentationml/2006/main">
   <p:cSld>
     <p:spTree>
@@ -2110,7 +1998,7 @@
           <a:p>
             <a:fld id="{C4B12038-7FD9-43AA-A210-07538A4DEF4A}" type="slidenum">
               <a:rPr lang="pt-BR" smtClean="0"/>
-              <a:t>36</a:t>
+              <a:t>35</a:t>
             </a:fld>
             <a:endParaRPr lang="pt-BR"/>
           </a:p>
@@ -2129,7 +2017,7 @@
 </p:notes>
 </file>
 
-<file path=ppt/notesSlides/notesSlide23.xml><?xml version="1.0" encoding="utf-8"?>
+<file path=ppt/notesSlides/notesSlide22.xml><?xml version="1.0" encoding="utf-8"?>
 <p:notes xmlns:a="http://schemas.openxmlformats.org/drawingml/2006/main" xmlns:r="http://schemas.openxmlformats.org/officeDocument/2006/relationships" xmlns:p="http://schemas.openxmlformats.org/presentationml/2006/main">
   <p:cSld>
     <p:spTree>
@@ -2194,7 +2082,7 @@
           <a:p>
             <a:fld id="{C4B12038-7FD9-43AA-A210-07538A4DEF4A}" type="slidenum">
               <a:rPr lang="pt-BR" smtClean="0"/>
-              <a:t>37</a:t>
+              <a:t>36</a:t>
             </a:fld>
             <a:endParaRPr lang="pt-BR"/>
           </a:p>
@@ -2437,7 +2325,7 @@
         <p:cNvPr id="1" name="">
           <a:extLst>
             <a:ext uri="{FF2B5EF4-FFF2-40B4-BE49-F238E27FC236}">
-              <a16:creationId xmlns:a16="http://schemas.microsoft.com/office/drawing/2014/main" id="{3F7E1923-ABA8-3896-4788-7157D69EFFE1}"/>
+              <a16:creationId xmlns:a16="http://schemas.microsoft.com/office/drawing/2014/main" id="{074E0271-4787-5DFD-55F4-667D203F59CE}"/>
             </a:ext>
           </a:extLst>
         </p:cNvPr>
@@ -2457,7 +2345,7 @@
           <p:cNvPr id="2" name="Slide Image Placeholder 1">
             <a:extLst>
               <a:ext uri="{FF2B5EF4-FFF2-40B4-BE49-F238E27FC236}">
-                <a16:creationId xmlns:a16="http://schemas.microsoft.com/office/drawing/2014/main" id="{C8CF75DA-6C45-9199-4DC6-F9FBC59AA906}"/>
+                <a16:creationId xmlns:a16="http://schemas.microsoft.com/office/drawing/2014/main" id="{E25708EA-9B7E-DE7F-E373-65333BC842CC}"/>
               </a:ext>
             </a:extLst>
           </p:cNvPr>
@@ -2475,7 +2363,7 @@
           <p:cNvPr id="3" name="Notes Placeholder 2">
             <a:extLst>
               <a:ext uri="{FF2B5EF4-FFF2-40B4-BE49-F238E27FC236}">
-                <a16:creationId xmlns:a16="http://schemas.microsoft.com/office/drawing/2014/main" id="{E8D7DD90-8A89-02C2-01AD-E5F59A70E841}"/>
+                <a16:creationId xmlns:a16="http://schemas.microsoft.com/office/drawing/2014/main" id="{3BA0501E-249A-6753-CE94-528C54DBBA1D}"/>
               </a:ext>
             </a:extLst>
           </p:cNvPr>
@@ -2562,7 +2450,7 @@
           <p:cNvPr id="4" name="Slide Number Placeholder 3">
             <a:extLst>
               <a:ext uri="{FF2B5EF4-FFF2-40B4-BE49-F238E27FC236}">
-                <a16:creationId xmlns:a16="http://schemas.microsoft.com/office/drawing/2014/main" id="{E79302CA-1047-9B1A-49F9-96ECF6816C98}"/>
+                <a16:creationId xmlns:a16="http://schemas.microsoft.com/office/drawing/2014/main" id="{47F0EF54-9B34-3629-59CF-CCA56060D02E}"/>
               </a:ext>
             </a:extLst>
           </p:cNvPr>
@@ -2589,7 +2477,7 @@
     </p:spTree>
     <p:extLst>
       <p:ext uri="{BB962C8B-B14F-4D97-AF65-F5344CB8AC3E}">
-        <p14:creationId xmlns:p14="http://schemas.microsoft.com/office/powerpoint/2010/main" val="4178196329"/>
+        <p14:creationId xmlns:p14="http://schemas.microsoft.com/office/powerpoint/2010/main" val="2840860444"/>
       </p:ext>
     </p:extLst>
   </p:cSld>
@@ -2604,13 +2492,7 @@
   <p:cSld>
     <p:spTree>
       <p:nvGrpSpPr>
-        <p:cNvPr id="1" name="">
-          <a:extLst>
-            <a:ext uri="{FF2B5EF4-FFF2-40B4-BE49-F238E27FC236}">
-              <a16:creationId xmlns:a16="http://schemas.microsoft.com/office/drawing/2014/main" id="{074E0271-4787-5DFD-55F4-667D203F59CE}"/>
-            </a:ext>
-          </a:extLst>
-        </p:cNvPr>
+        <p:cNvPr id="1" name=""/>
         <p:cNvGrpSpPr/>
         <p:nvPr/>
       </p:nvGrpSpPr>
@@ -2624,13 +2506,7 @@
       </p:grpSpPr>
       <p:sp>
         <p:nvSpPr>
-          <p:cNvPr id="2" name="Slide Image Placeholder 1">
-            <a:extLst>
-              <a:ext uri="{FF2B5EF4-FFF2-40B4-BE49-F238E27FC236}">
-                <a16:creationId xmlns:a16="http://schemas.microsoft.com/office/drawing/2014/main" id="{E25708EA-9B7E-DE7F-E373-65333BC842CC}"/>
-              </a:ext>
-            </a:extLst>
-          </p:cNvPr>
+          <p:cNvPr id="2" name="Slide Image Placeholder 1"/>
           <p:cNvSpPr>
             <a:spLocks noGrp="1" noRot="1" noChangeAspect="1"/>
           </p:cNvSpPr>
@@ -2642,13 +2518,7 @@
       </p:sp>
       <p:sp>
         <p:nvSpPr>
-          <p:cNvPr id="3" name="Notes Placeholder 2">
-            <a:extLst>
-              <a:ext uri="{FF2B5EF4-FFF2-40B4-BE49-F238E27FC236}">
-                <a16:creationId xmlns:a16="http://schemas.microsoft.com/office/drawing/2014/main" id="{3BA0501E-249A-6753-CE94-528C54DBBA1D}"/>
-              </a:ext>
-            </a:extLst>
-          </p:cNvPr>
+          <p:cNvPr id="3" name="Notes Placeholder 2"/>
           <p:cNvSpPr>
             <a:spLocks noGrp="1"/>
           </p:cNvSpPr>
@@ -2729,158 +2599,6 @@
       </p:sp>
       <p:sp>
         <p:nvSpPr>
-          <p:cNvPr id="4" name="Slide Number Placeholder 3">
-            <a:extLst>
-              <a:ext uri="{FF2B5EF4-FFF2-40B4-BE49-F238E27FC236}">
-                <a16:creationId xmlns:a16="http://schemas.microsoft.com/office/drawing/2014/main" id="{47F0EF54-9B34-3629-59CF-CCA56060D02E}"/>
-              </a:ext>
-            </a:extLst>
-          </p:cNvPr>
-          <p:cNvSpPr>
-            <a:spLocks noGrp="1"/>
-          </p:cNvSpPr>
-          <p:nvPr>
-            <p:ph type="sldNum" sz="quarter" idx="5"/>
-          </p:nvPr>
-        </p:nvSpPr>
-        <p:spPr/>
-        <p:txBody>
-          <a:bodyPr/>
-          <a:lstStyle/>
-          <a:p>
-            <a:fld id="{C4B12038-7FD9-43AA-A210-07538A4DEF4A}" type="slidenum">
-              <a:rPr lang="pt-BR" smtClean="0"/>
-              <a:t>14</a:t>
-            </a:fld>
-            <a:endParaRPr lang="pt-BR"/>
-          </a:p>
-        </p:txBody>
-      </p:sp>
-    </p:spTree>
-    <p:extLst>
-      <p:ext uri="{BB962C8B-B14F-4D97-AF65-F5344CB8AC3E}">
-        <p14:creationId xmlns:p14="http://schemas.microsoft.com/office/powerpoint/2010/main" val="2840860444"/>
-      </p:ext>
-    </p:extLst>
-  </p:cSld>
-  <p:clrMapOvr>
-    <a:masterClrMapping/>
-  </p:clrMapOvr>
-</p:notes>
-</file>
-
-<file path=ppt/notesSlides/notesSlide7.xml><?xml version="1.0" encoding="utf-8"?>
-<p:notes xmlns:a="http://schemas.openxmlformats.org/drawingml/2006/main" xmlns:r="http://schemas.openxmlformats.org/officeDocument/2006/relationships" xmlns:p="http://schemas.openxmlformats.org/presentationml/2006/main">
-  <p:cSld>
-    <p:spTree>
-      <p:nvGrpSpPr>
-        <p:cNvPr id="1" name=""/>
-        <p:cNvGrpSpPr/>
-        <p:nvPr/>
-      </p:nvGrpSpPr>
-      <p:grpSpPr>
-        <a:xfrm>
-          <a:off x="0" y="0"/>
-          <a:ext cx="0" cy="0"/>
-          <a:chOff x="0" y="0"/>
-          <a:chExt cx="0" cy="0"/>
-        </a:xfrm>
-      </p:grpSpPr>
-      <p:sp>
-        <p:nvSpPr>
-          <p:cNvPr id="2" name="Slide Image Placeholder 1"/>
-          <p:cNvSpPr>
-            <a:spLocks noGrp="1" noRot="1" noChangeAspect="1"/>
-          </p:cNvSpPr>
-          <p:nvPr>
-            <p:ph type="sldImg"/>
-          </p:nvPr>
-        </p:nvSpPr>
-        <p:spPr/>
-      </p:sp>
-      <p:sp>
-        <p:nvSpPr>
-          <p:cNvPr id="3" name="Notes Placeholder 2"/>
-          <p:cNvSpPr>
-            <a:spLocks noGrp="1"/>
-          </p:cNvSpPr>
-          <p:nvPr>
-            <p:ph type="body" idx="1"/>
-          </p:nvPr>
-        </p:nvSpPr>
-        <p:spPr/>
-        <p:txBody>
-          <a:bodyPr/>
-          <a:lstStyle/>
-          <a:p>
-            <a:r>
-              <a:rPr lang="pt-BR" dirty="0"/>
-              <a:t>We can’t know which of the visit in fatct visits generated a convertion in the purshases, since there’re:</a:t>
-            </a:r>
-          </a:p>
-          <a:p>
-            <a:pPr marL="171450" indent="-171450">
-              <a:buFontTx/>
-              <a:buChar char="-"/>
-            </a:pPr>
-            <a:r>
-              <a:rPr lang="pt-BR" dirty="0"/>
-              <a:t>Different channels for the same user and campaign id</a:t>
-            </a:r>
-          </a:p>
-          <a:p>
-            <a:pPr marL="171450" indent="-171450">
-              <a:buFontTx/>
-              <a:buChar char="-"/>
-            </a:pPr>
-            <a:r>
-              <a:rPr lang="pt-BR" dirty="0"/>
-              <a:t>Different timestamps of campaign ids for each user</a:t>
-            </a:r>
-          </a:p>
-          <a:p>
-            <a:pPr marL="0" indent="0">
-              <a:buFontTx/>
-              <a:buNone/>
-            </a:pPr>
-            <a:endParaRPr lang="pt-BR" dirty="0"/>
-          </a:p>
-          <a:p>
-            <a:pPr marL="0" marR="0" lvl="0" indent="0" algn="l" defTabSz="914400" rtl="0" eaLnBrk="1" fontAlgn="auto" latinLnBrk="0" hangingPunct="1">
-              <a:lnSpc>
-                <a:spcPct val="100000"/>
-              </a:lnSpc>
-              <a:spcBef>
-                <a:spcPts val="0"/>
-              </a:spcBef>
-              <a:spcAft>
-                <a:spcPts val="0"/>
-              </a:spcAft>
-              <a:buClrTx/>
-              <a:buSzTx/>
-              <a:buFontTx/>
-              <a:buNone/>
-              <a:tabLst/>
-              <a:defRPr/>
-            </a:pPr>
-            <a:r>
-              <a:rPr lang="pt-BR" dirty="0"/>
-              <a:t>We can’t properly know from ‘where’ the user came that generated a convertion.</a:t>
-            </a:r>
-          </a:p>
-          <a:p>
-            <a:endParaRPr lang="pt-BR" dirty="0"/>
-          </a:p>
-          <a:p>
-            <a:r>
-              <a:rPr lang="pt-BR" dirty="0"/>
-              <a:t>Composite Primary Key.</a:t>
-            </a:r>
-          </a:p>
-        </p:txBody>
-      </p:sp>
-      <p:sp>
-        <p:nvSpPr>
           <p:cNvPr id="4" name="Slide Number Placeholder 3"/>
           <p:cNvSpPr>
             <a:spLocks noGrp="1"/>
@@ -2896,7 +2614,7 @@
           <a:p>
             <a:fld id="{C4B12038-7FD9-43AA-A210-07538A4DEF4A}" type="slidenum">
               <a:rPr lang="pt-BR" smtClean="0"/>
-              <a:t>15</a:t>
+              <a:t>14</a:t>
             </a:fld>
             <a:endParaRPr lang="pt-BR"/>
           </a:p>
@@ -2915,7 +2633,7 @@
 </p:notes>
 </file>
 
-<file path=ppt/notesSlides/notesSlide8.xml><?xml version="1.0" encoding="utf-8"?>
+<file path=ppt/notesSlides/notesSlide7.xml><?xml version="1.0" encoding="utf-8"?>
 <p:notes xmlns:a="http://schemas.openxmlformats.org/drawingml/2006/main" xmlns:r="http://schemas.openxmlformats.org/officeDocument/2006/relationships" xmlns:p="http://schemas.openxmlformats.org/presentationml/2006/main">
   <p:cSld>
     <p:spTree>
@@ -3004,7 +2722,7 @@
           <a:p>
             <a:fld id="{C4B12038-7FD9-43AA-A210-07538A4DEF4A}" type="slidenum">
               <a:rPr lang="pt-BR" smtClean="0"/>
-              <a:t>18</a:t>
+              <a:t>17</a:t>
             </a:fld>
             <a:endParaRPr lang="pt-BR"/>
           </a:p>
@@ -3023,7 +2741,7 @@
 </p:notes>
 </file>
 
-<file path=ppt/notesSlides/notesSlide9.xml><?xml version="1.0" encoding="utf-8"?>
+<file path=ppt/notesSlides/notesSlide8.xml><?xml version="1.0" encoding="utf-8"?>
 <p:notes xmlns:a="http://schemas.openxmlformats.org/drawingml/2006/main" xmlns:r="http://schemas.openxmlformats.org/officeDocument/2006/relationships" xmlns:p="http://schemas.openxmlformats.org/presentationml/2006/main">
   <p:cSld>
     <p:spTree>
@@ -3115,7 +2833,7 @@
           <a:p>
             <a:fld id="{C4B12038-7FD9-43AA-A210-07538A4DEF4A}" type="slidenum">
               <a:rPr lang="pt-BR" smtClean="0"/>
-              <a:t>19</a:t>
+              <a:t>18</a:t>
             </a:fld>
             <a:endParaRPr lang="pt-BR"/>
           </a:p>
@@ -3125,6 +2843,93 @@
     <p:extLst>
       <p:ext uri="{BB962C8B-B14F-4D97-AF65-F5344CB8AC3E}">
         <p14:creationId xmlns:p14="http://schemas.microsoft.com/office/powerpoint/2010/main" val="3914027453"/>
+      </p:ext>
+    </p:extLst>
+  </p:cSld>
+  <p:clrMapOvr>
+    <a:masterClrMapping/>
+  </p:clrMapOvr>
+</p:notes>
+</file>
+
+<file path=ppt/notesSlides/notesSlide9.xml><?xml version="1.0" encoding="utf-8"?>
+<p:notes xmlns:a="http://schemas.openxmlformats.org/drawingml/2006/main" xmlns:r="http://schemas.openxmlformats.org/officeDocument/2006/relationships" xmlns:p="http://schemas.openxmlformats.org/presentationml/2006/main">
+  <p:cSld>
+    <p:spTree>
+      <p:nvGrpSpPr>
+        <p:cNvPr id="1" name=""/>
+        <p:cNvGrpSpPr/>
+        <p:nvPr/>
+      </p:nvGrpSpPr>
+      <p:grpSpPr>
+        <a:xfrm>
+          <a:off x="0" y="0"/>
+          <a:ext cx="0" cy="0"/>
+          <a:chOff x="0" y="0"/>
+          <a:chExt cx="0" cy="0"/>
+        </a:xfrm>
+      </p:grpSpPr>
+      <p:sp>
+        <p:nvSpPr>
+          <p:cNvPr id="2" name="Slide Image Placeholder 1"/>
+          <p:cNvSpPr>
+            <a:spLocks noGrp="1" noRot="1" noChangeAspect="1"/>
+          </p:cNvSpPr>
+          <p:nvPr>
+            <p:ph type="sldImg"/>
+          </p:nvPr>
+        </p:nvSpPr>
+        <p:spPr/>
+      </p:sp>
+      <p:sp>
+        <p:nvSpPr>
+          <p:cNvPr id="3" name="Notes Placeholder 2"/>
+          <p:cNvSpPr>
+            <a:spLocks noGrp="1"/>
+          </p:cNvSpPr>
+          <p:nvPr>
+            <p:ph type="body" idx="1"/>
+          </p:nvPr>
+        </p:nvSpPr>
+        <p:spPr/>
+        <p:txBody>
+          <a:bodyPr/>
+          <a:lstStyle/>
+          <a:p>
+            <a:r>
+              <a:rPr lang="pt-BR" dirty="0"/>
+              <a:t>WE WILL ASSUME THAT THE PURCHASE WERE DONE IN THE LAST VISIT FROM FACT VISITS.</a:t>
+            </a:r>
+          </a:p>
+        </p:txBody>
+      </p:sp>
+      <p:sp>
+        <p:nvSpPr>
+          <p:cNvPr id="4" name="Slide Number Placeholder 3"/>
+          <p:cNvSpPr>
+            <a:spLocks noGrp="1"/>
+          </p:cNvSpPr>
+          <p:nvPr>
+            <p:ph type="sldNum" sz="quarter" idx="5"/>
+          </p:nvPr>
+        </p:nvSpPr>
+        <p:spPr/>
+        <p:txBody>
+          <a:bodyPr/>
+          <a:lstStyle/>
+          <a:p>
+            <a:fld id="{C4B12038-7FD9-43AA-A210-07538A4DEF4A}" type="slidenum">
+              <a:rPr lang="pt-BR" smtClean="0"/>
+              <a:t>19</a:t>
+            </a:fld>
+            <a:endParaRPr lang="pt-BR"/>
+          </a:p>
+        </p:txBody>
+      </p:sp>
+    </p:spTree>
+    <p:extLst>
+      <p:ext uri="{BB962C8B-B14F-4D97-AF65-F5344CB8AC3E}">
+        <p14:creationId xmlns:p14="http://schemas.microsoft.com/office/powerpoint/2010/main" val="3278468462"/>
       </p:ext>
     </p:extLst>
   </p:cSld>
@@ -3283,7 +3088,7 @@
           <a:p>
             <a:fld id="{B61310E0-193D-4606-B7B3-E82376AE3D19}" type="datetimeFigureOut">
               <a:rPr lang="pt-BR" smtClean="0"/>
-              <a:t>20/04/2025</a:t>
+              <a:t>21/04/2025</a:t>
             </a:fld>
             <a:endParaRPr lang="pt-BR"/>
           </a:p>
@@ -3483,7 +3288,7 @@
           <a:p>
             <a:fld id="{B61310E0-193D-4606-B7B3-E82376AE3D19}" type="datetimeFigureOut">
               <a:rPr lang="pt-BR" smtClean="0"/>
-              <a:t>20/04/2025</a:t>
+              <a:t>21/04/2025</a:t>
             </a:fld>
             <a:endParaRPr lang="pt-BR"/>
           </a:p>
@@ -3693,7 +3498,7 @@
           <a:p>
             <a:fld id="{B61310E0-193D-4606-B7B3-E82376AE3D19}" type="datetimeFigureOut">
               <a:rPr lang="pt-BR" smtClean="0"/>
-              <a:t>20/04/2025</a:t>
+              <a:t>21/04/2025</a:t>
             </a:fld>
             <a:endParaRPr lang="pt-BR"/>
           </a:p>
@@ -3893,7 +3698,7 @@
           <a:p>
             <a:fld id="{B61310E0-193D-4606-B7B3-E82376AE3D19}" type="datetimeFigureOut">
               <a:rPr lang="pt-BR" smtClean="0"/>
-              <a:t>20/04/2025</a:t>
+              <a:t>21/04/2025</a:t>
             </a:fld>
             <a:endParaRPr lang="pt-BR"/>
           </a:p>
@@ -4169,7 +3974,7 @@
           <a:p>
             <a:fld id="{B61310E0-193D-4606-B7B3-E82376AE3D19}" type="datetimeFigureOut">
               <a:rPr lang="pt-BR" smtClean="0"/>
-              <a:t>20/04/2025</a:t>
+              <a:t>21/04/2025</a:t>
             </a:fld>
             <a:endParaRPr lang="pt-BR"/>
           </a:p>
@@ -4437,7 +4242,7 @@
           <a:p>
             <a:fld id="{B61310E0-193D-4606-B7B3-E82376AE3D19}" type="datetimeFigureOut">
               <a:rPr lang="pt-BR" smtClean="0"/>
-              <a:t>20/04/2025</a:t>
+              <a:t>21/04/2025</a:t>
             </a:fld>
             <a:endParaRPr lang="pt-BR"/>
           </a:p>
@@ -4852,7 +4657,7 @@
           <a:p>
             <a:fld id="{B61310E0-193D-4606-B7B3-E82376AE3D19}" type="datetimeFigureOut">
               <a:rPr lang="pt-BR" smtClean="0"/>
-              <a:t>20/04/2025</a:t>
+              <a:t>21/04/2025</a:t>
             </a:fld>
             <a:endParaRPr lang="pt-BR"/>
           </a:p>
@@ -4994,7 +4799,7 @@
           <a:p>
             <a:fld id="{B61310E0-193D-4606-B7B3-E82376AE3D19}" type="datetimeFigureOut">
               <a:rPr lang="pt-BR" smtClean="0"/>
-              <a:t>20/04/2025</a:t>
+              <a:t>21/04/2025</a:t>
             </a:fld>
             <a:endParaRPr lang="pt-BR"/>
           </a:p>
@@ -5107,7 +4912,7 @@
           <a:p>
             <a:fld id="{B61310E0-193D-4606-B7B3-E82376AE3D19}" type="datetimeFigureOut">
               <a:rPr lang="pt-BR" smtClean="0"/>
-              <a:t>20/04/2025</a:t>
+              <a:t>21/04/2025</a:t>
             </a:fld>
             <a:endParaRPr lang="pt-BR"/>
           </a:p>
@@ -5420,7 +5225,7 @@
           <a:p>
             <a:fld id="{B61310E0-193D-4606-B7B3-E82376AE3D19}" type="datetimeFigureOut">
               <a:rPr lang="pt-BR" smtClean="0"/>
-              <a:t>20/04/2025</a:t>
+              <a:t>21/04/2025</a:t>
             </a:fld>
             <a:endParaRPr lang="pt-BR"/>
           </a:p>
@@ -5709,7 +5514,7 @@
           <a:p>
             <a:fld id="{B61310E0-193D-4606-B7B3-E82376AE3D19}" type="datetimeFigureOut">
               <a:rPr lang="pt-BR" smtClean="0"/>
-              <a:t>20/04/2025</a:t>
+              <a:t>21/04/2025</a:t>
             </a:fld>
             <a:endParaRPr lang="pt-BR"/>
           </a:p>
@@ -5952,7 +5757,7 @@
           <a:p>
             <a:fld id="{B61310E0-193D-4606-B7B3-E82376AE3D19}" type="datetimeFigureOut">
               <a:rPr lang="pt-BR" smtClean="0"/>
-              <a:t>20/04/2025</a:t>
+              <a:t>21/04/2025</a:t>
             </a:fld>
             <a:endParaRPr lang="pt-BR"/>
           </a:p>
@@ -7059,7 +6864,7 @@
               <a:rPr lang="pt-BR" dirty="0">
                 <a:latin typeface="Nunito Sans Normal" pitchFamily="2" charset="0"/>
               </a:rPr>
-              <a:t>Only 873 users are available in the 4 datasets.</a:t>
+              <a:t>Only 873 users are available in the 3 datasets.</a:t>
             </a:r>
           </a:p>
         </p:txBody>
@@ -7476,14 +7281,14 @@
 </file>
 
 <file path=ppt/slides/slide13.xml><?xml version="1.0" encoding="utf-8"?>
-<p:sld xmlns:a="http://schemas.openxmlformats.org/drawingml/2006/main" xmlns:r="http://schemas.openxmlformats.org/officeDocument/2006/relationships" xmlns:p="http://schemas.openxmlformats.org/presentationml/2006/main">
+<p:sld xmlns:a="http://schemas.openxmlformats.org/drawingml/2006/main" xmlns:r="http://schemas.openxmlformats.org/officeDocument/2006/relationships" xmlns:p="http://schemas.openxmlformats.org/presentationml/2006/main" show="0">
   <p:cSld>
     <p:spTree>
       <p:nvGrpSpPr>
         <p:cNvPr id="1" name="">
           <a:extLst>
             <a:ext uri="{FF2B5EF4-FFF2-40B4-BE49-F238E27FC236}">
-              <a16:creationId xmlns:a16="http://schemas.microsoft.com/office/drawing/2014/main" id="{D6E2F5C4-0C83-7B75-7160-8A0FAFD9595C}"/>
+              <a16:creationId xmlns:a16="http://schemas.microsoft.com/office/drawing/2014/main" id="{F55F3B95-A5B7-EBA6-84DC-E6B11B244CEC}"/>
             </a:ext>
           </a:extLst>
         </p:cNvPr>
@@ -7503,7 +7308,7 @@
           <p:cNvPr id="5" name="Rectangle 4">
             <a:extLst>
               <a:ext uri="{FF2B5EF4-FFF2-40B4-BE49-F238E27FC236}">
-                <a16:creationId xmlns:a16="http://schemas.microsoft.com/office/drawing/2014/main" id="{CD120A66-F38C-8037-3E6A-7E40E462CCAC}"/>
+                <a16:creationId xmlns:a16="http://schemas.microsoft.com/office/drawing/2014/main" id="{95BE556F-EF2B-05C1-742D-F3B314E2A80F}"/>
               </a:ext>
             </a:extLst>
           </p:cNvPr>
@@ -7555,7 +7360,7 @@
           <p:cNvPr id="19" name="Picture 2" descr="FabFitFun - Beauty, Fitness, Lifestyle">
             <a:extLst>
               <a:ext uri="{FF2B5EF4-FFF2-40B4-BE49-F238E27FC236}">
-                <a16:creationId xmlns:a16="http://schemas.microsoft.com/office/drawing/2014/main" id="{E1BCCD83-A140-88D9-62B2-862940EA2021}"/>
+                <a16:creationId xmlns:a16="http://schemas.microsoft.com/office/drawing/2014/main" id="{40FFC9A5-84FB-77EC-B7EE-63D4B6A0331C}"/>
               </a:ext>
             </a:extLst>
           </p:cNvPr>
@@ -7599,10 +7404,48 @@
       </p:pic>
       <p:sp>
         <p:nvSpPr>
+          <p:cNvPr id="8" name="TextBox 7">
+            <a:extLst>
+              <a:ext uri="{FF2B5EF4-FFF2-40B4-BE49-F238E27FC236}">
+                <a16:creationId xmlns:a16="http://schemas.microsoft.com/office/drawing/2014/main" id="{51D19FEB-E6F9-7D27-9C7B-2073F6B317CC}"/>
+              </a:ext>
+            </a:extLst>
+          </p:cNvPr>
+          <p:cNvSpPr txBox="1"/>
+          <p:nvPr/>
+        </p:nvSpPr>
+        <p:spPr>
+          <a:xfrm>
+            <a:off x="8951190" y="1282082"/>
+            <a:ext cx="2924200" cy="523220"/>
+          </a:xfrm>
+          <a:prstGeom prst="rect">
+            <a:avLst/>
+          </a:prstGeom>
+          <a:noFill/>
+        </p:spPr>
+        <p:txBody>
+          <a:bodyPr wrap="square">
+            <a:spAutoFit/>
+          </a:bodyPr>
+          <a:lstStyle/>
+          <a:p>
+            <a:pPr algn="ctr"/>
+            <a:r>
+              <a:rPr lang="pt-BR" sz="2800" b="1" dirty="0">
+                <a:latin typeface="Nunito Sans Normal" pitchFamily="2" charset="0"/>
+              </a:rPr>
+              <a:t>INSIGHTS</a:t>
+            </a:r>
+          </a:p>
+        </p:txBody>
+      </p:sp>
+      <p:sp>
+        <p:nvSpPr>
           <p:cNvPr id="11" name="TextBox 10">
             <a:extLst>
               <a:ext uri="{FF2B5EF4-FFF2-40B4-BE49-F238E27FC236}">
-                <a16:creationId xmlns:a16="http://schemas.microsoft.com/office/drawing/2014/main" id="{FC76B8DF-1EF3-43A7-7027-028943363504}"/>
+                <a16:creationId xmlns:a16="http://schemas.microsoft.com/office/drawing/2014/main" id="{AADA2555-3020-703B-ABFB-AEF524086DA3}"/>
               </a:ext>
             </a:extLst>
           </p:cNvPr>
@@ -7637,17 +7480,47 @@
               <a:rPr lang="pt-BR" dirty="0">
                 <a:latin typeface="Nunito Sans Normal" pitchFamily="2" charset="0"/>
               </a:rPr>
-              <a:t>3.4 MISSING PRIMARY KEY</a:t>
+              <a:t>3.4 INCONSISTENCE WINDOW NUMBER</a:t>
             </a:r>
           </a:p>
         </p:txBody>
       </p:sp>
-      <p:sp>
-        <p:nvSpPr>
-          <p:cNvPr id="2" name="TextBox 1">
-            <a:extLst>
-              <a:ext uri="{FF2B5EF4-FFF2-40B4-BE49-F238E27FC236}">
-                <a16:creationId xmlns:a16="http://schemas.microsoft.com/office/drawing/2014/main" id="{946F51BC-9B46-D1E8-B630-42D7D0662B2A}"/>
+      <p:pic>
+        <p:nvPicPr>
+          <p:cNvPr id="4" name="Picture 3">
+            <a:extLst>
+              <a:ext uri="{FF2B5EF4-FFF2-40B4-BE49-F238E27FC236}">
+                <a16:creationId xmlns:a16="http://schemas.microsoft.com/office/drawing/2014/main" id="{A8E08725-2349-CF7C-9812-2BFB10B4FA49}"/>
+              </a:ext>
+            </a:extLst>
+          </p:cNvPr>
+          <p:cNvPicPr>
+            <a:picLocks noChangeAspect="1"/>
+          </p:cNvPicPr>
+          <p:nvPr/>
+        </p:nvPicPr>
+        <p:blipFill>
+          <a:blip r:embed="rId4"/>
+          <a:stretch>
+            <a:fillRect/>
+          </a:stretch>
+        </p:blipFill>
+        <p:spPr>
+          <a:xfrm>
+            <a:off x="616096" y="1543692"/>
+            <a:ext cx="7477125" cy="4610100"/>
+          </a:xfrm>
+          <a:prstGeom prst="rect">
+            <a:avLst/>
+          </a:prstGeom>
+        </p:spPr>
+      </p:pic>
+      <p:sp>
+        <p:nvSpPr>
+          <p:cNvPr id="6" name="TextBox 5">
+            <a:extLst>
+              <a:ext uri="{FF2B5EF4-FFF2-40B4-BE49-F238E27FC236}">
+                <a16:creationId xmlns:a16="http://schemas.microsoft.com/office/drawing/2014/main" id="{FC61C2EC-17CC-8BD6-3443-091022853958}"/>
               </a:ext>
             </a:extLst>
           </p:cNvPr>
@@ -7656,8 +7529,8 @@
         </p:nvSpPr>
         <p:spPr>
           <a:xfrm>
-            <a:off x="944211" y="3013501"/>
-            <a:ext cx="6607650" cy="830997"/>
+            <a:off x="8777320" y="2441053"/>
+            <a:ext cx="3407596" cy="1200329"/>
           </a:xfrm>
           <a:prstGeom prst="rect">
             <a:avLst/>
@@ -7671,10 +7544,34 @@
           <a:lstStyle/>
           <a:p>
             <a:r>
-              <a:rPr lang="pt-BR" sz="2400" dirty="0">
-                <a:latin typeface="Nunito Sans Normal" pitchFamily="2" charset="0"/>
-              </a:rPr>
-              <a:t>Campaign 184 (12 Days of Deals 2022) has 12 different start and end dates.</a:t>
+              <a:rPr lang="pt-BR" dirty="0">
+                <a:latin typeface="Nunito Sans Normal" pitchFamily="2" charset="0"/>
+              </a:rPr>
+              <a:t>ASSUMPTION:</a:t>
+            </a:r>
+          </a:p>
+          <a:p>
+            <a:pPr marL="285750" indent="-285750">
+              <a:buFont typeface="Arial" panose="020B0604020202020204" pitchFamily="34" charset="0"/>
+              <a:buChar char="•"/>
+            </a:pPr>
+            <a:r>
+              <a:rPr lang="pt-BR" dirty="0">
+                <a:latin typeface="Nunito Sans Normal" pitchFamily="2" charset="0"/>
+              </a:rPr>
+              <a:t>Subscription plan changed during campaign</a:t>
+            </a:r>
+          </a:p>
+          <a:p>
+            <a:pPr marL="285750" indent="-285750">
+              <a:buFont typeface="Arial" panose="020B0604020202020204" pitchFamily="34" charset="0"/>
+              <a:buChar char="•"/>
+            </a:pPr>
+            <a:r>
+              <a:rPr lang="pt-BR" dirty="0">
+                <a:latin typeface="Nunito Sans Normal" pitchFamily="2" charset="0"/>
+              </a:rPr>
+              <a:t>Error in data ingestion</a:t>
             </a:r>
           </a:p>
         </p:txBody>
@@ -7682,7 +7579,7 @@
     </p:spTree>
     <p:extLst>
       <p:ext uri="{BB962C8B-B14F-4D97-AF65-F5344CB8AC3E}">
-        <p14:creationId xmlns:p14="http://schemas.microsoft.com/office/powerpoint/2010/main" val="764322853"/>
+        <p14:creationId xmlns:p14="http://schemas.microsoft.com/office/powerpoint/2010/main" val="4164526718"/>
       </p:ext>
     </p:extLst>
   </p:cSld>
@@ -7700,7 +7597,7 @@
         <p:cNvPr id="1" name="">
           <a:extLst>
             <a:ext uri="{FF2B5EF4-FFF2-40B4-BE49-F238E27FC236}">
-              <a16:creationId xmlns:a16="http://schemas.microsoft.com/office/drawing/2014/main" id="{F55F3B95-A5B7-EBA6-84DC-E6B11B244CEC}"/>
+              <a16:creationId xmlns:a16="http://schemas.microsoft.com/office/drawing/2014/main" id="{B7321DB6-5DFC-F788-309B-33E3F481B7A8}"/>
             </a:ext>
           </a:extLst>
         </p:cNvPr>
@@ -7720,7 +7617,7 @@
           <p:cNvPr id="5" name="Rectangle 4">
             <a:extLst>
               <a:ext uri="{FF2B5EF4-FFF2-40B4-BE49-F238E27FC236}">
-                <a16:creationId xmlns:a16="http://schemas.microsoft.com/office/drawing/2014/main" id="{95BE556F-EF2B-05C1-742D-F3B314E2A80F}"/>
+                <a16:creationId xmlns:a16="http://schemas.microsoft.com/office/drawing/2014/main" id="{4ECD4467-8029-5D1C-86BC-7A1D8A6BB60E}"/>
               </a:ext>
             </a:extLst>
           </p:cNvPr>
@@ -7772,7 +7669,7 @@
           <p:cNvPr id="19" name="Picture 2" descr="FabFitFun - Beauty, Fitness, Lifestyle">
             <a:extLst>
               <a:ext uri="{FF2B5EF4-FFF2-40B4-BE49-F238E27FC236}">
-                <a16:creationId xmlns:a16="http://schemas.microsoft.com/office/drawing/2014/main" id="{40FFC9A5-84FB-77EC-B7EE-63D4B6A0331C}"/>
+                <a16:creationId xmlns:a16="http://schemas.microsoft.com/office/drawing/2014/main" id="{E9569643-4A80-D2B1-F809-66AF3FC355B3}"/>
               </a:ext>
             </a:extLst>
           </p:cNvPr>
@@ -7816,10 +7713,10 @@
       </p:pic>
       <p:sp>
         <p:nvSpPr>
-          <p:cNvPr id="8" name="TextBox 7">
-            <a:extLst>
-              <a:ext uri="{FF2B5EF4-FFF2-40B4-BE49-F238E27FC236}">
-                <a16:creationId xmlns:a16="http://schemas.microsoft.com/office/drawing/2014/main" id="{51D19FEB-E6F9-7D27-9C7B-2073F6B317CC}"/>
+          <p:cNvPr id="7" name="TextBox 6">
+            <a:extLst>
+              <a:ext uri="{FF2B5EF4-FFF2-40B4-BE49-F238E27FC236}">
+                <a16:creationId xmlns:a16="http://schemas.microsoft.com/office/drawing/2014/main" id="{7C861C63-2123-8383-0BE8-D00AFD70D716}"/>
               </a:ext>
             </a:extLst>
           </p:cNvPr>
@@ -7828,8 +7725,8 @@
         </p:nvSpPr>
         <p:spPr>
           <a:xfrm>
-            <a:off x="8951190" y="1282082"/>
-            <a:ext cx="2924200" cy="523220"/>
+            <a:off x="8777320" y="2441053"/>
+            <a:ext cx="3407596" cy="2862322"/>
           </a:xfrm>
           <a:prstGeom prst="rect">
             <a:avLst/>
@@ -7842,6 +7739,89 @@
           </a:bodyPr>
           <a:lstStyle/>
           <a:p>
+            <a:pPr marL="400050" indent="-400050">
+              <a:buFont typeface="+mj-lt"/>
+              <a:buAutoNum type="romanLcPeriod"/>
+            </a:pPr>
+            <a:r>
+              <a:rPr lang="pt-BR" dirty="0">
+                <a:latin typeface="Nunito Sans Normal" pitchFamily="2" charset="0"/>
+              </a:rPr>
+              <a:t>Relationship between </a:t>
+            </a:r>
+            <a:r>
+              <a:rPr lang="pt-BR" b="1" dirty="0">
+                <a:latin typeface="Nunito Sans Normal" pitchFamily="2" charset="0"/>
+              </a:rPr>
+              <a:t>Visits and Purchases table is N:N</a:t>
+            </a:r>
+          </a:p>
+          <a:p>
+            <a:pPr marL="400050" indent="-400050">
+              <a:buFont typeface="+mj-lt"/>
+              <a:buAutoNum type="romanLcPeriod"/>
+            </a:pPr>
+            <a:r>
+              <a:rPr lang="pt-BR" b="1" dirty="0">
+                <a:latin typeface="Nunito Sans Normal" pitchFamily="2" charset="0"/>
+              </a:rPr>
+              <a:t>No</a:t>
+            </a:r>
+            <a:r>
+              <a:rPr lang="pt-BR" dirty="0">
+                <a:latin typeface="Nunito Sans Normal" pitchFamily="2" charset="0"/>
+              </a:rPr>
+              <a:t> </a:t>
+            </a:r>
+            <a:r>
+              <a:rPr lang="pt-BR" b="1" dirty="0">
+                <a:latin typeface="Nunito Sans Normal" pitchFamily="2" charset="0"/>
+              </a:rPr>
+              <a:t>PK in Visits and Purchases</a:t>
+            </a:r>
+          </a:p>
+          <a:p>
+            <a:pPr marL="400050" indent="-400050">
+              <a:buFont typeface="+mj-lt"/>
+              <a:buAutoNum type="romanLcPeriod"/>
+            </a:pPr>
+            <a:r>
+              <a:rPr lang="pt-BR" b="1" dirty="0">
+                <a:latin typeface="Nunito Sans Normal" pitchFamily="2" charset="0"/>
+              </a:rPr>
+              <a:t>There’s no Window Number in Purchases, therefore there’s no way to identify which window it was converted</a:t>
+            </a:r>
+          </a:p>
+        </p:txBody>
+      </p:sp>
+      <p:sp>
+        <p:nvSpPr>
+          <p:cNvPr id="8" name="TextBox 7">
+            <a:extLst>
+              <a:ext uri="{FF2B5EF4-FFF2-40B4-BE49-F238E27FC236}">
+                <a16:creationId xmlns:a16="http://schemas.microsoft.com/office/drawing/2014/main" id="{D2A69C95-CB11-4AEA-6A99-EA4251B5C884}"/>
+              </a:ext>
+            </a:extLst>
+          </p:cNvPr>
+          <p:cNvSpPr txBox="1"/>
+          <p:nvPr/>
+        </p:nvSpPr>
+        <p:spPr>
+          <a:xfrm>
+            <a:off x="8951190" y="1282082"/>
+            <a:ext cx="2924200" cy="523220"/>
+          </a:xfrm>
+          <a:prstGeom prst="rect">
+            <a:avLst/>
+          </a:prstGeom>
+          <a:noFill/>
+        </p:spPr>
+        <p:txBody>
+          <a:bodyPr wrap="square">
+            <a:spAutoFit/>
+          </a:bodyPr>
+          <a:lstStyle/>
+          <a:p>
             <a:pPr algn="ctr"/>
             <a:r>
               <a:rPr lang="pt-BR" sz="2800" b="1" dirty="0">
@@ -7857,7 +7837,7 @@
           <p:cNvPr id="11" name="TextBox 10">
             <a:extLst>
               <a:ext uri="{FF2B5EF4-FFF2-40B4-BE49-F238E27FC236}">
-                <a16:creationId xmlns:a16="http://schemas.microsoft.com/office/drawing/2014/main" id="{AADA2555-3020-703B-ABFB-AEF524086DA3}"/>
+                <a16:creationId xmlns:a16="http://schemas.microsoft.com/office/drawing/2014/main" id="{98DACC7A-272D-3243-EEDB-87F8ADECC043}"/>
               </a:ext>
             </a:extLst>
           </p:cNvPr>
@@ -7892,17 +7872,17 @@
               <a:rPr lang="pt-BR" dirty="0">
                 <a:latin typeface="Nunito Sans Normal" pitchFamily="2" charset="0"/>
               </a:rPr>
-              <a:t>3.5 INCONSISTENCE WINDOW NUMBER</a:t>
+              <a:t>3.5 MISSING PRIMARY KEY</a:t>
             </a:r>
           </a:p>
         </p:txBody>
       </p:sp>
       <p:pic>
         <p:nvPicPr>
-          <p:cNvPr id="4" name="Picture 3">
-            <a:extLst>
-              <a:ext uri="{FF2B5EF4-FFF2-40B4-BE49-F238E27FC236}">
-                <a16:creationId xmlns:a16="http://schemas.microsoft.com/office/drawing/2014/main" id="{A8E08725-2349-CF7C-9812-2BFB10B4FA49}"/>
+          <p:cNvPr id="16" name="Picture 15">
+            <a:extLst>
+              <a:ext uri="{FF2B5EF4-FFF2-40B4-BE49-F238E27FC236}">
+                <a16:creationId xmlns:a16="http://schemas.microsoft.com/office/drawing/2014/main" id="{A8A6C253-1C71-9B52-298B-71A93498CA15}"/>
               </a:ext>
             </a:extLst>
           </p:cNvPr>
@@ -7919,79 +7899,18 @@
         </p:blipFill>
         <p:spPr>
           <a:xfrm>
-            <a:off x="616096" y="1543692"/>
-            <a:ext cx="7477125" cy="4610100"/>
+            <a:off x="98148" y="1453316"/>
+            <a:ext cx="8465063" cy="4432888"/>
           </a:xfrm>
           <a:prstGeom prst="rect">
             <a:avLst/>
           </a:prstGeom>
         </p:spPr>
       </p:pic>
-      <p:sp>
-        <p:nvSpPr>
-          <p:cNvPr id="6" name="TextBox 5">
-            <a:extLst>
-              <a:ext uri="{FF2B5EF4-FFF2-40B4-BE49-F238E27FC236}">
-                <a16:creationId xmlns:a16="http://schemas.microsoft.com/office/drawing/2014/main" id="{FC61C2EC-17CC-8BD6-3443-091022853958}"/>
-              </a:ext>
-            </a:extLst>
-          </p:cNvPr>
-          <p:cNvSpPr txBox="1"/>
-          <p:nvPr/>
-        </p:nvSpPr>
-        <p:spPr>
-          <a:xfrm>
-            <a:off x="8777320" y="2441053"/>
-            <a:ext cx="3407596" cy="1200329"/>
-          </a:xfrm>
-          <a:prstGeom prst="rect">
-            <a:avLst/>
-          </a:prstGeom>
-          <a:noFill/>
-        </p:spPr>
-        <p:txBody>
-          <a:bodyPr wrap="square">
-            <a:spAutoFit/>
-          </a:bodyPr>
-          <a:lstStyle/>
-          <a:p>
-            <a:r>
-              <a:rPr lang="pt-BR" dirty="0">
-                <a:latin typeface="Nunito Sans Normal" pitchFamily="2" charset="0"/>
-              </a:rPr>
-              <a:t>ASSUMPTION:</a:t>
-            </a:r>
-          </a:p>
-          <a:p>
-            <a:pPr marL="285750" indent="-285750">
-              <a:buFont typeface="Arial" panose="020B0604020202020204" pitchFamily="34" charset="0"/>
-              <a:buChar char="•"/>
-            </a:pPr>
-            <a:r>
-              <a:rPr lang="pt-BR" dirty="0">
-                <a:latin typeface="Nunito Sans Normal" pitchFamily="2" charset="0"/>
-              </a:rPr>
-              <a:t>Subscription plan changed during campaign</a:t>
-            </a:r>
-          </a:p>
-          <a:p>
-            <a:pPr marL="285750" indent="-285750">
-              <a:buFont typeface="Arial" panose="020B0604020202020204" pitchFamily="34" charset="0"/>
-              <a:buChar char="•"/>
-            </a:pPr>
-            <a:r>
-              <a:rPr lang="pt-BR" dirty="0">
-                <a:latin typeface="Nunito Sans Normal" pitchFamily="2" charset="0"/>
-              </a:rPr>
-              <a:t>Error in data ingestion</a:t>
-            </a:r>
-          </a:p>
-        </p:txBody>
-      </p:sp>
     </p:spTree>
     <p:extLst>
       <p:ext uri="{BB962C8B-B14F-4D97-AF65-F5344CB8AC3E}">
-        <p14:creationId xmlns:p14="http://schemas.microsoft.com/office/powerpoint/2010/main" val="4164526718"/>
+        <p14:creationId xmlns:p14="http://schemas.microsoft.com/office/powerpoint/2010/main" val="1533804207"/>
       </p:ext>
     </p:extLst>
   </p:cSld>
@@ -8002,14 +7921,14 @@
 </file>
 
 <file path=ppt/slides/slide15.xml><?xml version="1.0" encoding="utf-8"?>
-<p:sld xmlns:a="http://schemas.openxmlformats.org/drawingml/2006/main" xmlns:r="http://schemas.openxmlformats.org/officeDocument/2006/relationships" xmlns:p="http://schemas.openxmlformats.org/presentationml/2006/main">
+<p:sld xmlns:a="http://schemas.openxmlformats.org/drawingml/2006/main" xmlns:r="http://schemas.openxmlformats.org/officeDocument/2006/relationships" xmlns:p="http://schemas.openxmlformats.org/presentationml/2006/main" show="0">
   <p:cSld>
     <p:spTree>
       <p:nvGrpSpPr>
         <p:cNvPr id="1" name="">
           <a:extLst>
             <a:ext uri="{FF2B5EF4-FFF2-40B4-BE49-F238E27FC236}">
-              <a16:creationId xmlns:a16="http://schemas.microsoft.com/office/drawing/2014/main" id="{B7321DB6-5DFC-F788-309B-33E3F481B7A8}"/>
+              <a16:creationId xmlns:a16="http://schemas.microsoft.com/office/drawing/2014/main" id="{34ED6E33-E3CC-8244-4B6B-C884C4134261}"/>
             </a:ext>
           </a:extLst>
         </p:cNvPr>
@@ -8029,7 +7948,7 @@
           <p:cNvPr id="5" name="Rectangle 4">
             <a:extLst>
               <a:ext uri="{FF2B5EF4-FFF2-40B4-BE49-F238E27FC236}">
-                <a16:creationId xmlns:a16="http://schemas.microsoft.com/office/drawing/2014/main" id="{4ECD4467-8029-5D1C-86BC-7A1D8A6BB60E}"/>
+                <a16:creationId xmlns:a16="http://schemas.microsoft.com/office/drawing/2014/main" id="{12919C7E-03CA-BC73-18EC-477305042F8E}"/>
               </a:ext>
             </a:extLst>
           </p:cNvPr>
@@ -8081,7 +8000,7 @@
           <p:cNvPr id="19" name="Picture 2" descr="FabFitFun - Beauty, Fitness, Lifestyle">
             <a:extLst>
               <a:ext uri="{FF2B5EF4-FFF2-40B4-BE49-F238E27FC236}">
-                <a16:creationId xmlns:a16="http://schemas.microsoft.com/office/drawing/2014/main" id="{E9569643-4A80-D2B1-F809-66AF3FC355B3}"/>
+                <a16:creationId xmlns:a16="http://schemas.microsoft.com/office/drawing/2014/main" id="{1F5D62EB-5E9E-72E9-C2DC-23C662ADDFB2}"/>
               </a:ext>
             </a:extLst>
           </p:cNvPr>
@@ -8091,7 +8010,7 @@
           <p:nvPr/>
         </p:nvPicPr>
         <p:blipFill>
-          <a:blip r:embed="rId3">
+          <a:blip r:embed="rId2">
             <a:extLst>
               <a:ext uri="{28A0092B-C50C-407E-A947-70E740481C1C}">
                 <a14:useLocalDpi xmlns:a14="http://schemas.microsoft.com/office/drawing/2010/main" val="0"/>
@@ -8128,7 +8047,7 @@
           <p:cNvPr id="7" name="TextBox 6">
             <a:extLst>
               <a:ext uri="{FF2B5EF4-FFF2-40B4-BE49-F238E27FC236}">
-                <a16:creationId xmlns:a16="http://schemas.microsoft.com/office/drawing/2014/main" id="{7C861C63-2123-8383-0BE8-D00AFD70D716}"/>
+                <a16:creationId xmlns:a16="http://schemas.microsoft.com/office/drawing/2014/main" id="{F20193DA-4B2F-1E1B-D9D5-6CCC86BC3BDA}"/>
               </a:ext>
             </a:extLst>
           </p:cNvPr>
@@ -8138,7 +8057,7 @@
         <p:spPr>
           <a:xfrm>
             <a:off x="8777320" y="2441053"/>
-            <a:ext cx="3407596" cy="2862322"/>
+            <a:ext cx="3407596" cy="2308324"/>
           </a:xfrm>
           <a:prstGeom prst="rect">
             <a:avLst/>
@@ -8151,57 +8070,36 @@
           </a:bodyPr>
           <a:lstStyle/>
           <a:p>
-            <a:pPr marL="400050" indent="-400050">
-              <a:buFont typeface="+mj-lt"/>
-              <a:buAutoNum type="romanLcPeriod"/>
-            </a:pPr>
             <a:r>
               <a:rPr lang="pt-BR" dirty="0">
                 <a:latin typeface="Nunito Sans Normal" pitchFamily="2" charset="0"/>
               </a:rPr>
-              <a:t>Relationship between </a:t>
+              <a:t>By joining visits and purchases using User ID and Campaign ID, we’ll have a GAP of </a:t>
             </a:r>
             <a:r>
               <a:rPr lang="pt-BR" b="1" dirty="0">
                 <a:latin typeface="Nunito Sans Normal" pitchFamily="2" charset="0"/>
               </a:rPr>
-              <a:t>Visits and Purchases table is N:N</a:t>
-            </a:r>
-          </a:p>
-          <a:p>
-            <a:pPr marL="400050" indent="-400050">
-              <a:buFont typeface="+mj-lt"/>
-              <a:buAutoNum type="romanLcPeriod"/>
-            </a:pPr>
-            <a:r>
-              <a:rPr lang="pt-BR" b="1" dirty="0">
-                <a:latin typeface="Nunito Sans Normal" pitchFamily="2" charset="0"/>
-              </a:rPr>
-              <a:t>No</a:t>
+              <a:t>29.3%</a:t>
             </a:r>
             <a:r>
               <a:rPr lang="pt-BR" dirty="0">
                 <a:latin typeface="Nunito Sans Normal" pitchFamily="2" charset="0"/>
               </a:rPr>
-              <a:t> </a:t>
-            </a:r>
-            <a:r>
-              <a:rPr lang="pt-BR" b="1" dirty="0">
-                <a:latin typeface="Nunito Sans Normal" pitchFamily="2" charset="0"/>
-              </a:rPr>
-              <a:t>PK in Visits and Purchases</a:t>
-            </a:r>
-          </a:p>
-          <a:p>
-            <a:pPr marL="400050" indent="-400050">
-              <a:buFont typeface="+mj-lt"/>
-              <a:buAutoNum type="romanLcPeriod"/>
-            </a:pPr>
-            <a:r>
-              <a:rPr lang="pt-BR" b="1" dirty="0">
-                <a:latin typeface="Nunito Sans Normal" pitchFamily="2" charset="0"/>
-              </a:rPr>
-              <a:t>There’s no Window Number in Purchases, therefore there’s no way to identify which window it was converted</a:t>
+              <a:t> of missing values for Window Start and Window End.</a:t>
+            </a:r>
+          </a:p>
+          <a:p>
+            <a:endParaRPr lang="pt-BR" dirty="0">
+              <a:latin typeface="Nunito Sans Normal" pitchFamily="2" charset="0"/>
+            </a:endParaRPr>
+          </a:p>
+          <a:p>
+            <a:r>
+              <a:rPr lang="pt-BR" dirty="0">
+                <a:latin typeface="Nunito Sans Normal" pitchFamily="2" charset="0"/>
+              </a:rPr>
+              <a:t>In addition, there’s no window number in purchases.</a:t>
             </a:r>
           </a:p>
         </p:txBody>
@@ -8211,7 +8109,7 @@
           <p:cNvPr id="8" name="TextBox 7">
             <a:extLst>
               <a:ext uri="{FF2B5EF4-FFF2-40B4-BE49-F238E27FC236}">
-                <a16:creationId xmlns:a16="http://schemas.microsoft.com/office/drawing/2014/main" id="{D2A69C95-CB11-4AEA-6A99-EA4251B5C884}"/>
+                <a16:creationId xmlns:a16="http://schemas.microsoft.com/office/drawing/2014/main" id="{DAB02D93-EB00-9E91-E4E1-A35AEAC8894D}"/>
               </a:ext>
             </a:extLst>
           </p:cNvPr>
@@ -8249,7 +8147,7 @@
           <p:cNvPr id="11" name="TextBox 10">
             <a:extLst>
               <a:ext uri="{FF2B5EF4-FFF2-40B4-BE49-F238E27FC236}">
-                <a16:creationId xmlns:a16="http://schemas.microsoft.com/office/drawing/2014/main" id="{98DACC7A-272D-3243-EEDB-87F8ADECC043}"/>
+                <a16:creationId xmlns:a16="http://schemas.microsoft.com/office/drawing/2014/main" id="{DBACE60D-653E-7D34-79B6-821F5D9B223D}"/>
               </a:ext>
             </a:extLst>
           </p:cNvPr>
@@ -8284,17 +8182,17 @@
               <a:rPr lang="pt-BR" dirty="0">
                 <a:latin typeface="Nunito Sans Normal" pitchFamily="2" charset="0"/>
               </a:rPr>
-              <a:t>3.6 MISSING PRIMARY KEY</a:t>
+              <a:t>3.6 JOIN BETWEEN VISITS AND PURCHASES</a:t>
             </a:r>
           </a:p>
         </p:txBody>
       </p:sp>
       <p:pic>
         <p:nvPicPr>
-          <p:cNvPr id="16" name="Picture 15">
-            <a:extLst>
-              <a:ext uri="{FF2B5EF4-FFF2-40B4-BE49-F238E27FC236}">
-                <a16:creationId xmlns:a16="http://schemas.microsoft.com/office/drawing/2014/main" id="{A8A6C253-1C71-9B52-298B-71A93498CA15}"/>
+          <p:cNvPr id="3" name="Picture 2">
+            <a:extLst>
+              <a:ext uri="{FF2B5EF4-FFF2-40B4-BE49-F238E27FC236}">
+                <a16:creationId xmlns:a16="http://schemas.microsoft.com/office/drawing/2014/main" id="{E8C3ACFB-BF5B-BE09-F8F3-1613A67890F7}"/>
               </a:ext>
             </a:extLst>
           </p:cNvPr>
@@ -8304,15 +8202,15 @@
           <p:nvPr/>
         </p:nvPicPr>
         <p:blipFill>
-          <a:blip r:embed="rId4"/>
+          <a:blip r:embed="rId3"/>
           <a:stretch>
             <a:fillRect/>
           </a:stretch>
         </p:blipFill>
         <p:spPr>
           <a:xfrm>
-            <a:off x="98148" y="1453316"/>
-            <a:ext cx="8465063" cy="4432888"/>
+            <a:off x="391563" y="2211993"/>
+            <a:ext cx="7496175" cy="2886075"/>
           </a:xfrm>
           <a:prstGeom prst="rect">
             <a:avLst/>
@@ -8322,7 +8220,7 @@
     </p:spTree>
     <p:extLst>
       <p:ext uri="{BB962C8B-B14F-4D97-AF65-F5344CB8AC3E}">
-        <p14:creationId xmlns:p14="http://schemas.microsoft.com/office/powerpoint/2010/main" val="1533804207"/>
+        <p14:creationId xmlns:p14="http://schemas.microsoft.com/office/powerpoint/2010/main" val="1407124686"/>
       </p:ext>
     </p:extLst>
   </p:cSld>
@@ -8340,7 +8238,7 @@
         <p:cNvPr id="1" name="">
           <a:extLst>
             <a:ext uri="{FF2B5EF4-FFF2-40B4-BE49-F238E27FC236}">
-              <a16:creationId xmlns:a16="http://schemas.microsoft.com/office/drawing/2014/main" id="{34ED6E33-E3CC-8244-4B6B-C884C4134261}"/>
+              <a16:creationId xmlns:a16="http://schemas.microsoft.com/office/drawing/2014/main" id="{CEF2ED49-4FEF-8BF5-1F07-3DE85F0EEF58}"/>
             </a:ext>
           </a:extLst>
         </p:cNvPr>
@@ -8360,7 +8258,7 @@
           <p:cNvPr id="5" name="Rectangle 4">
             <a:extLst>
               <a:ext uri="{FF2B5EF4-FFF2-40B4-BE49-F238E27FC236}">
-                <a16:creationId xmlns:a16="http://schemas.microsoft.com/office/drawing/2014/main" id="{12919C7E-03CA-BC73-18EC-477305042F8E}"/>
+                <a16:creationId xmlns:a16="http://schemas.microsoft.com/office/drawing/2014/main" id="{B2BEDB0F-7300-A6CB-AB84-3FAD4D12C714}"/>
               </a:ext>
             </a:extLst>
           </p:cNvPr>
@@ -8412,7 +8310,7 @@
           <p:cNvPr id="19" name="Picture 2" descr="FabFitFun - Beauty, Fitness, Lifestyle">
             <a:extLst>
               <a:ext uri="{FF2B5EF4-FFF2-40B4-BE49-F238E27FC236}">
-                <a16:creationId xmlns:a16="http://schemas.microsoft.com/office/drawing/2014/main" id="{1F5D62EB-5E9E-72E9-C2DC-23C662ADDFB2}"/>
+                <a16:creationId xmlns:a16="http://schemas.microsoft.com/office/drawing/2014/main" id="{DEB9A443-D936-D039-490B-4DD290B701AD}"/>
               </a:ext>
             </a:extLst>
           </p:cNvPr>
@@ -8459,7 +8357,7 @@
           <p:cNvPr id="7" name="TextBox 6">
             <a:extLst>
               <a:ext uri="{FF2B5EF4-FFF2-40B4-BE49-F238E27FC236}">
-                <a16:creationId xmlns:a16="http://schemas.microsoft.com/office/drawing/2014/main" id="{F20193DA-4B2F-1E1B-D9D5-6CCC86BC3BDA}"/>
+                <a16:creationId xmlns:a16="http://schemas.microsoft.com/office/drawing/2014/main" id="{ABF45229-9584-3388-F750-6F6B8187D0B4}"/>
               </a:ext>
             </a:extLst>
           </p:cNvPr>
@@ -8468,8 +8366,8 @@
         </p:nvSpPr>
         <p:spPr>
           <a:xfrm>
-            <a:off x="8777320" y="2441053"/>
-            <a:ext cx="3407596" cy="2308324"/>
+            <a:off x="8777320" y="2159699"/>
+            <a:ext cx="3407596" cy="646331"/>
           </a:xfrm>
           <a:prstGeom prst="rect">
             <a:avLst/>
@@ -8486,32 +8384,7 @@
               <a:rPr lang="pt-BR" dirty="0">
                 <a:latin typeface="Nunito Sans Normal" pitchFamily="2" charset="0"/>
               </a:rPr>
-              <a:t>By joining visits and purchases using User ID and Campaign ID, we’ll have a GAP of </a:t>
-            </a:r>
-            <a:r>
-              <a:rPr lang="pt-BR" b="1" dirty="0">
-                <a:latin typeface="Nunito Sans Normal" pitchFamily="2" charset="0"/>
-              </a:rPr>
-              <a:t>29.3%</a:t>
-            </a:r>
-            <a:r>
-              <a:rPr lang="pt-BR" dirty="0">
-                <a:latin typeface="Nunito Sans Normal" pitchFamily="2" charset="0"/>
-              </a:rPr>
-              <a:t> of missing values for Window Start and Window End.</a:t>
-            </a:r>
-          </a:p>
-          <a:p>
-            <a:endParaRPr lang="pt-BR" dirty="0">
-              <a:latin typeface="Nunito Sans Normal" pitchFamily="2" charset="0"/>
-            </a:endParaRPr>
-          </a:p>
-          <a:p>
-            <a:r>
-              <a:rPr lang="pt-BR" dirty="0">
-                <a:latin typeface="Nunito Sans Normal" pitchFamily="2" charset="0"/>
-              </a:rPr>
-              <a:t>In addition, there’s no window number in purchases.</a:t>
+              <a:t>Over 10000 rows with non attributed channel.</a:t>
             </a:r>
           </a:p>
         </p:txBody>
@@ -8521,7 +8394,7 @@
           <p:cNvPr id="8" name="TextBox 7">
             <a:extLst>
               <a:ext uri="{FF2B5EF4-FFF2-40B4-BE49-F238E27FC236}">
-                <a16:creationId xmlns:a16="http://schemas.microsoft.com/office/drawing/2014/main" id="{DAB02D93-EB00-9E91-E4E1-A35AEAC8894D}"/>
+                <a16:creationId xmlns:a16="http://schemas.microsoft.com/office/drawing/2014/main" id="{B8EF822D-9B2C-3FE9-5182-7D1E746DD98D}"/>
               </a:ext>
             </a:extLst>
           </p:cNvPr>
@@ -8559,7 +8432,7 @@
           <p:cNvPr id="11" name="TextBox 10">
             <a:extLst>
               <a:ext uri="{FF2B5EF4-FFF2-40B4-BE49-F238E27FC236}">
-                <a16:creationId xmlns:a16="http://schemas.microsoft.com/office/drawing/2014/main" id="{DBACE60D-653E-7D34-79B6-821F5D9B223D}"/>
+                <a16:creationId xmlns:a16="http://schemas.microsoft.com/office/drawing/2014/main" id="{B9DB7EA7-EFB6-3977-CC64-197671D5BB41}"/>
               </a:ext>
             </a:extLst>
           </p:cNvPr>
@@ -8594,17 +8467,17 @@
               <a:rPr lang="pt-BR" dirty="0">
                 <a:latin typeface="Nunito Sans Normal" pitchFamily="2" charset="0"/>
               </a:rPr>
-              <a:t>3.7 JOIN BETWEEN VISITS AND PURCHASES</a:t>
+              <a:t>3.7 NON-ATTRIBUTED IN CHANNELS</a:t>
             </a:r>
           </a:p>
         </p:txBody>
       </p:sp>
       <p:pic>
         <p:nvPicPr>
-          <p:cNvPr id="3" name="Picture 2">
-            <a:extLst>
-              <a:ext uri="{FF2B5EF4-FFF2-40B4-BE49-F238E27FC236}">
-                <a16:creationId xmlns:a16="http://schemas.microsoft.com/office/drawing/2014/main" id="{E8C3ACFB-BF5B-BE09-F8F3-1613A67890F7}"/>
+          <p:cNvPr id="4" name="Picture 3">
+            <a:extLst>
+              <a:ext uri="{FF2B5EF4-FFF2-40B4-BE49-F238E27FC236}">
+                <a16:creationId xmlns:a16="http://schemas.microsoft.com/office/drawing/2014/main" id="{B5B91916-A9F9-5C22-5DB3-92E536E4677E}"/>
               </a:ext>
             </a:extLst>
           </p:cNvPr>
@@ -8621,8 +8494,8 @@
         </p:blipFill>
         <p:spPr>
           <a:xfrm>
-            <a:off x="391563" y="2211993"/>
-            <a:ext cx="7496175" cy="2886075"/>
+            <a:off x="7084" y="1543692"/>
+            <a:ext cx="8526133" cy="4127645"/>
           </a:xfrm>
           <a:prstGeom prst="rect">
             <a:avLst/>
@@ -8632,7 +8505,7 @@
     </p:spTree>
     <p:extLst>
       <p:ext uri="{BB962C8B-B14F-4D97-AF65-F5344CB8AC3E}">
-        <p14:creationId xmlns:p14="http://schemas.microsoft.com/office/powerpoint/2010/main" val="1407124686"/>
+        <p14:creationId xmlns:p14="http://schemas.microsoft.com/office/powerpoint/2010/main" val="3380073122"/>
       </p:ext>
     </p:extLst>
   </p:cSld>
@@ -8650,7 +8523,7 @@
         <p:cNvPr id="1" name="">
           <a:extLst>
             <a:ext uri="{FF2B5EF4-FFF2-40B4-BE49-F238E27FC236}">
-              <a16:creationId xmlns:a16="http://schemas.microsoft.com/office/drawing/2014/main" id="{CEF2ED49-4FEF-8BF5-1F07-3DE85F0EEF58}"/>
+              <a16:creationId xmlns:a16="http://schemas.microsoft.com/office/drawing/2014/main" id="{11A312F6-B7A9-D6F5-CF13-27DBC8B1BD4D}"/>
             </a:ext>
           </a:extLst>
         </p:cNvPr>
@@ -8667,10 +8540,10 @@
       </p:grpSpPr>
       <p:sp>
         <p:nvSpPr>
-          <p:cNvPr id="5" name="Rectangle 4">
-            <a:extLst>
-              <a:ext uri="{FF2B5EF4-FFF2-40B4-BE49-F238E27FC236}">
-                <a16:creationId xmlns:a16="http://schemas.microsoft.com/office/drawing/2014/main" id="{B2BEDB0F-7300-A6CB-AB84-3FAD4D12C714}"/>
+          <p:cNvPr id="6" name="Rectangle 5">
+            <a:extLst>
+              <a:ext uri="{FF2B5EF4-FFF2-40B4-BE49-F238E27FC236}">
+                <a16:creationId xmlns:a16="http://schemas.microsoft.com/office/drawing/2014/main" id="{73D0E073-DEC6-BCA1-D277-C07317DEDB12}"/>
               </a:ext>
             </a:extLst>
           </p:cNvPr>
@@ -8679,8 +8552,8 @@
         </p:nvSpPr>
         <p:spPr>
           <a:xfrm>
-            <a:off x="8634581" y="0"/>
-            <a:ext cx="3557418" cy="6858000"/>
+            <a:off x="0" y="0"/>
+            <a:ext cx="12191999" cy="6858000"/>
           </a:xfrm>
           <a:prstGeom prst="rect">
             <a:avLst/>
@@ -8719,10 +8592,10 @@
       </p:sp>
       <p:pic>
         <p:nvPicPr>
-          <p:cNvPr id="19" name="Picture 2" descr="FabFitFun - Beauty, Fitness, Lifestyle">
-            <a:extLst>
-              <a:ext uri="{FF2B5EF4-FFF2-40B4-BE49-F238E27FC236}">
-                <a16:creationId xmlns:a16="http://schemas.microsoft.com/office/drawing/2014/main" id="{DEB9A443-D936-D039-490B-4DD290B701AD}"/>
+          <p:cNvPr id="1026" name="Picture 2" descr="FabFitFun - Beauty, Fitness, Lifestyle">
+            <a:extLst>
+              <a:ext uri="{FF2B5EF4-FFF2-40B4-BE49-F238E27FC236}">
+                <a16:creationId xmlns:a16="http://schemas.microsoft.com/office/drawing/2014/main" id="{E35CB271-08E8-9D4B-B9DE-F39B0DC5FBCD}"/>
               </a:ext>
             </a:extLst>
           </p:cNvPr>
@@ -8732,7 +8605,7 @@
           <p:nvPr/>
         </p:nvPicPr>
         <p:blipFill>
-          <a:blip r:embed="rId2">
+          <a:blip r:embed="rId3">
             <a:extLst>
               <a:ext uri="{28A0092B-C50C-407E-A947-70E740481C1C}">
                 <a14:useLocalDpi xmlns:a14="http://schemas.microsoft.com/office/drawing/2010/main" val="0"/>
@@ -8766,291 +8639,6 @@
       </p:pic>
       <p:sp>
         <p:nvSpPr>
-          <p:cNvPr id="7" name="TextBox 6">
-            <a:extLst>
-              <a:ext uri="{FF2B5EF4-FFF2-40B4-BE49-F238E27FC236}">
-                <a16:creationId xmlns:a16="http://schemas.microsoft.com/office/drawing/2014/main" id="{ABF45229-9584-3388-F750-6F6B8187D0B4}"/>
-              </a:ext>
-            </a:extLst>
-          </p:cNvPr>
-          <p:cNvSpPr txBox="1"/>
-          <p:nvPr/>
-        </p:nvSpPr>
-        <p:spPr>
-          <a:xfrm>
-            <a:off x="8777320" y="2159699"/>
-            <a:ext cx="3407596" cy="646331"/>
-          </a:xfrm>
-          <a:prstGeom prst="rect">
-            <a:avLst/>
-          </a:prstGeom>
-          <a:noFill/>
-        </p:spPr>
-        <p:txBody>
-          <a:bodyPr wrap="square">
-            <a:spAutoFit/>
-          </a:bodyPr>
-          <a:lstStyle/>
-          <a:p>
-            <a:r>
-              <a:rPr lang="pt-BR" dirty="0">
-                <a:latin typeface="Nunito Sans Normal" pitchFamily="2" charset="0"/>
-              </a:rPr>
-              <a:t>Over 10000 rows with non attributed channel.</a:t>
-            </a:r>
-          </a:p>
-        </p:txBody>
-      </p:sp>
-      <p:sp>
-        <p:nvSpPr>
-          <p:cNvPr id="8" name="TextBox 7">
-            <a:extLst>
-              <a:ext uri="{FF2B5EF4-FFF2-40B4-BE49-F238E27FC236}">
-                <a16:creationId xmlns:a16="http://schemas.microsoft.com/office/drawing/2014/main" id="{B8EF822D-9B2C-3FE9-5182-7D1E746DD98D}"/>
-              </a:ext>
-            </a:extLst>
-          </p:cNvPr>
-          <p:cNvSpPr txBox="1"/>
-          <p:nvPr/>
-        </p:nvSpPr>
-        <p:spPr>
-          <a:xfrm>
-            <a:off x="8951190" y="1282082"/>
-            <a:ext cx="2924200" cy="523220"/>
-          </a:xfrm>
-          <a:prstGeom prst="rect">
-            <a:avLst/>
-          </a:prstGeom>
-          <a:noFill/>
-        </p:spPr>
-        <p:txBody>
-          <a:bodyPr wrap="square">
-            <a:spAutoFit/>
-          </a:bodyPr>
-          <a:lstStyle/>
-          <a:p>
-            <a:pPr algn="ctr"/>
-            <a:r>
-              <a:rPr lang="pt-BR" sz="2800" b="1" dirty="0">
-                <a:latin typeface="Nunito Sans Normal" pitchFamily="2" charset="0"/>
-              </a:rPr>
-              <a:t>INSIGHTS</a:t>
-            </a:r>
-          </a:p>
-        </p:txBody>
-      </p:sp>
-      <p:sp>
-        <p:nvSpPr>
-          <p:cNvPr id="11" name="TextBox 10">
-            <a:extLst>
-              <a:ext uri="{FF2B5EF4-FFF2-40B4-BE49-F238E27FC236}">
-                <a16:creationId xmlns:a16="http://schemas.microsoft.com/office/drawing/2014/main" id="{B9DB7EA7-EFB6-3977-CC64-197671D5BB41}"/>
-              </a:ext>
-            </a:extLst>
-          </p:cNvPr>
-          <p:cNvSpPr txBox="1"/>
-          <p:nvPr/>
-        </p:nvSpPr>
-        <p:spPr>
-          <a:xfrm>
-            <a:off x="137652" y="48592"/>
-            <a:ext cx="7414209" cy="861774"/>
-          </a:xfrm>
-          <a:prstGeom prst="rect">
-            <a:avLst/>
-          </a:prstGeom>
-          <a:noFill/>
-        </p:spPr>
-        <p:txBody>
-          <a:bodyPr wrap="none" rtlCol="0">
-            <a:spAutoFit/>
-          </a:bodyPr>
-          <a:lstStyle/>
-          <a:p>
-            <a:r>
-              <a:rPr lang="pt-BR" sz="3200" b="1" dirty="0">
-                <a:latin typeface="Nunito Sans Normal" pitchFamily="2" charset="0"/>
-              </a:rPr>
-              <a:t>3. DATA GAP AND INCONSISTENCES</a:t>
-            </a:r>
-          </a:p>
-          <a:p>
-            <a:r>
-              <a:rPr lang="pt-BR" dirty="0">
-                <a:latin typeface="Nunito Sans Normal" pitchFamily="2" charset="0"/>
-              </a:rPr>
-              <a:t>3.8 NON-ATTRIBUTED IN CHANNELS</a:t>
-            </a:r>
-          </a:p>
-        </p:txBody>
-      </p:sp>
-      <p:pic>
-        <p:nvPicPr>
-          <p:cNvPr id="4" name="Picture 3">
-            <a:extLst>
-              <a:ext uri="{FF2B5EF4-FFF2-40B4-BE49-F238E27FC236}">
-                <a16:creationId xmlns:a16="http://schemas.microsoft.com/office/drawing/2014/main" id="{B5B91916-A9F9-5C22-5DB3-92E536E4677E}"/>
-              </a:ext>
-            </a:extLst>
-          </p:cNvPr>
-          <p:cNvPicPr>
-            <a:picLocks noChangeAspect="1"/>
-          </p:cNvPicPr>
-          <p:nvPr/>
-        </p:nvPicPr>
-        <p:blipFill>
-          <a:blip r:embed="rId3"/>
-          <a:stretch>
-            <a:fillRect/>
-          </a:stretch>
-        </p:blipFill>
-        <p:spPr>
-          <a:xfrm>
-            <a:off x="7084" y="1543692"/>
-            <a:ext cx="8526133" cy="4127645"/>
-          </a:xfrm>
-          <a:prstGeom prst="rect">
-            <a:avLst/>
-          </a:prstGeom>
-        </p:spPr>
-      </p:pic>
-    </p:spTree>
-    <p:extLst>
-      <p:ext uri="{BB962C8B-B14F-4D97-AF65-F5344CB8AC3E}">
-        <p14:creationId xmlns:p14="http://schemas.microsoft.com/office/powerpoint/2010/main" val="3380073122"/>
-      </p:ext>
-    </p:extLst>
-  </p:cSld>
-  <p:clrMapOvr>
-    <a:masterClrMapping/>
-  </p:clrMapOvr>
-</p:sld>
-</file>
-
-<file path=ppt/slides/slide18.xml><?xml version="1.0" encoding="utf-8"?>
-<p:sld xmlns:a="http://schemas.openxmlformats.org/drawingml/2006/main" xmlns:r="http://schemas.openxmlformats.org/officeDocument/2006/relationships" xmlns:p="http://schemas.openxmlformats.org/presentationml/2006/main">
-  <p:cSld>
-    <p:spTree>
-      <p:nvGrpSpPr>
-        <p:cNvPr id="1" name="">
-          <a:extLst>
-            <a:ext uri="{FF2B5EF4-FFF2-40B4-BE49-F238E27FC236}">
-              <a16:creationId xmlns:a16="http://schemas.microsoft.com/office/drawing/2014/main" id="{11A312F6-B7A9-D6F5-CF13-27DBC8B1BD4D}"/>
-            </a:ext>
-          </a:extLst>
-        </p:cNvPr>
-        <p:cNvGrpSpPr/>
-        <p:nvPr/>
-      </p:nvGrpSpPr>
-      <p:grpSpPr>
-        <a:xfrm>
-          <a:off x="0" y="0"/>
-          <a:ext cx="0" cy="0"/>
-          <a:chOff x="0" y="0"/>
-          <a:chExt cx="0" cy="0"/>
-        </a:xfrm>
-      </p:grpSpPr>
-      <p:sp>
-        <p:nvSpPr>
-          <p:cNvPr id="6" name="Rectangle 5">
-            <a:extLst>
-              <a:ext uri="{FF2B5EF4-FFF2-40B4-BE49-F238E27FC236}">
-                <a16:creationId xmlns:a16="http://schemas.microsoft.com/office/drawing/2014/main" id="{73D0E073-DEC6-BCA1-D277-C07317DEDB12}"/>
-              </a:ext>
-            </a:extLst>
-          </p:cNvPr>
-          <p:cNvSpPr/>
-          <p:nvPr/>
-        </p:nvSpPr>
-        <p:spPr>
-          <a:xfrm>
-            <a:off x="0" y="0"/>
-            <a:ext cx="12191999" cy="6858000"/>
-          </a:xfrm>
-          <a:prstGeom prst="rect">
-            <a:avLst/>
-          </a:prstGeom>
-          <a:solidFill>
-            <a:srgbClr val="FEBAA8"/>
-          </a:solidFill>
-          <a:ln>
-            <a:noFill/>
-          </a:ln>
-        </p:spPr>
-        <p:style>
-          <a:lnRef idx="2">
-            <a:schemeClr val="accent1">
-              <a:shade val="15000"/>
-            </a:schemeClr>
-          </a:lnRef>
-          <a:fillRef idx="1">
-            <a:schemeClr val="accent1"/>
-          </a:fillRef>
-          <a:effectRef idx="0">
-            <a:schemeClr val="accent1"/>
-          </a:effectRef>
-          <a:fontRef idx="minor">
-            <a:schemeClr val="lt1"/>
-          </a:fontRef>
-        </p:style>
-        <p:txBody>
-          <a:bodyPr rtlCol="0" anchor="ctr"/>
-          <a:lstStyle/>
-          <a:p>
-            <a:pPr algn="ctr"/>
-            <a:endParaRPr lang="pt-BR"/>
-          </a:p>
-        </p:txBody>
-      </p:sp>
-      <p:pic>
-        <p:nvPicPr>
-          <p:cNvPr id="1026" name="Picture 2" descr="FabFitFun - Beauty, Fitness, Lifestyle">
-            <a:extLst>
-              <a:ext uri="{FF2B5EF4-FFF2-40B4-BE49-F238E27FC236}">
-                <a16:creationId xmlns:a16="http://schemas.microsoft.com/office/drawing/2014/main" id="{E35CB271-08E8-9D4B-B9DE-F39B0DC5FBCD}"/>
-              </a:ext>
-            </a:extLst>
-          </p:cNvPr>
-          <p:cNvPicPr>
-            <a:picLocks noChangeAspect="1" noChangeArrowheads="1"/>
-          </p:cNvPicPr>
-          <p:nvPr/>
-        </p:nvPicPr>
-        <p:blipFill>
-          <a:blip r:embed="rId3">
-            <a:extLst>
-              <a:ext uri="{28A0092B-C50C-407E-A947-70E740481C1C}">
-                <a14:useLocalDpi xmlns:a14="http://schemas.microsoft.com/office/drawing/2010/main" val="0"/>
-              </a:ext>
-            </a:extLst>
-          </a:blip>
-          <a:srcRect/>
-          <a:stretch>
-            <a:fillRect/>
-          </a:stretch>
-        </p:blipFill>
-        <p:spPr bwMode="auto">
-          <a:xfrm>
-            <a:off x="10053486" y="5886204"/>
-            <a:ext cx="1759973" cy="725989"/>
-          </a:xfrm>
-          <a:prstGeom prst="rect">
-            <a:avLst/>
-          </a:prstGeom>
-          <a:noFill/>
-          <a:extLst>
-            <a:ext uri="{909E8E84-426E-40DD-AFC4-6F175D3DCCD1}">
-              <a14:hiddenFill xmlns:a14="http://schemas.microsoft.com/office/drawing/2010/main">
-                <a:solidFill>
-                  <a:srgbClr val="FFFFFF"/>
-                </a:solidFill>
-              </a14:hiddenFill>
-            </a:ext>
-          </a:extLst>
-        </p:spPr>
-      </p:pic>
-      <p:sp>
-        <p:nvSpPr>
           <p:cNvPr id="5" name="TextBox 4">
             <a:extLst>
               <a:ext uri="{FF2B5EF4-FFF2-40B4-BE49-F238E27FC236}">
@@ -9099,7 +8687,7 @@
 </p:sld>
 </file>
 
-<file path=ppt/slides/slide19.xml><?xml version="1.0" encoding="utf-8"?>
+<file path=ppt/slides/slide18.xml><?xml version="1.0" encoding="utf-8"?>
 <p:sld xmlns:a="http://schemas.openxmlformats.org/drawingml/2006/main" xmlns:r="http://schemas.openxmlformats.org/officeDocument/2006/relationships" xmlns:p="http://schemas.openxmlformats.org/presentationml/2006/main">
   <p:cSld>
     <p:spTree>
@@ -10002,406 +9590,7 @@
 </p:sld>
 </file>
 
-<file path=ppt/slides/slide2.xml><?xml version="1.0" encoding="utf-8"?>
-<p:sld xmlns:a="http://schemas.openxmlformats.org/drawingml/2006/main" xmlns:r="http://schemas.openxmlformats.org/officeDocument/2006/relationships" xmlns:p="http://schemas.openxmlformats.org/presentationml/2006/main">
-  <p:cSld>
-    <p:spTree>
-      <p:nvGrpSpPr>
-        <p:cNvPr id="1" name=""/>
-        <p:cNvGrpSpPr/>
-        <p:nvPr/>
-      </p:nvGrpSpPr>
-      <p:grpSpPr>
-        <a:xfrm>
-          <a:off x="0" y="0"/>
-          <a:ext cx="0" cy="0"/>
-          <a:chOff x="0" y="0"/>
-          <a:chExt cx="0" cy="0"/>
-        </a:xfrm>
-      </p:grpSpPr>
-      <p:sp>
-        <p:nvSpPr>
-          <p:cNvPr id="6" name="Rectangle 5">
-            <a:extLst>
-              <a:ext uri="{FF2B5EF4-FFF2-40B4-BE49-F238E27FC236}">
-                <a16:creationId xmlns:a16="http://schemas.microsoft.com/office/drawing/2014/main" id="{05CC7DF3-D1AF-722B-182D-F6B27D25CB20}"/>
-              </a:ext>
-            </a:extLst>
-          </p:cNvPr>
-          <p:cNvSpPr/>
-          <p:nvPr/>
-        </p:nvSpPr>
-        <p:spPr>
-          <a:xfrm>
-            <a:off x="7846142" y="0"/>
-            <a:ext cx="4345857" cy="6858000"/>
-          </a:xfrm>
-          <a:prstGeom prst="rect">
-            <a:avLst/>
-          </a:prstGeom>
-          <a:solidFill>
-            <a:srgbClr val="FEBAA8"/>
-          </a:solidFill>
-          <a:ln>
-            <a:noFill/>
-          </a:ln>
-        </p:spPr>
-        <p:style>
-          <a:lnRef idx="2">
-            <a:schemeClr val="accent1">
-              <a:shade val="15000"/>
-            </a:schemeClr>
-          </a:lnRef>
-          <a:fillRef idx="1">
-            <a:schemeClr val="accent1"/>
-          </a:fillRef>
-          <a:effectRef idx="0">
-            <a:schemeClr val="accent1"/>
-          </a:effectRef>
-          <a:fontRef idx="minor">
-            <a:schemeClr val="lt1"/>
-          </a:fontRef>
-        </p:style>
-        <p:txBody>
-          <a:bodyPr rtlCol="0" anchor="ctr"/>
-          <a:lstStyle/>
-          <a:p>
-            <a:pPr algn="ctr"/>
-            <a:endParaRPr lang="pt-BR"/>
-          </a:p>
-        </p:txBody>
-      </p:sp>
-      <p:sp>
-        <p:nvSpPr>
-          <p:cNvPr id="4" name="TextBox 3">
-            <a:extLst>
-              <a:ext uri="{FF2B5EF4-FFF2-40B4-BE49-F238E27FC236}">
-                <a16:creationId xmlns:a16="http://schemas.microsoft.com/office/drawing/2014/main" id="{9430201B-88D4-4A70-4B46-066FA1B4E4FC}"/>
-              </a:ext>
-            </a:extLst>
-          </p:cNvPr>
-          <p:cNvSpPr txBox="1"/>
-          <p:nvPr/>
-        </p:nvSpPr>
-        <p:spPr>
-          <a:xfrm>
-            <a:off x="299694" y="1011660"/>
-            <a:ext cx="6882581" cy="5755422"/>
-          </a:xfrm>
-          <a:prstGeom prst="rect">
-            <a:avLst/>
-          </a:prstGeom>
-          <a:noFill/>
-        </p:spPr>
-        <p:txBody>
-          <a:bodyPr wrap="square" rtlCol="0">
-            <a:spAutoFit/>
-          </a:bodyPr>
-          <a:lstStyle/>
-          <a:p>
-            <a:pPr marL="457200" indent="-457200">
-              <a:buFont typeface="+mj-lt"/>
-              <a:buAutoNum type="arabicPeriod"/>
-            </a:pPr>
-            <a:r>
-              <a:rPr lang="pt-BR" sz="1600" b="1" dirty="0">
-                <a:latin typeface="Nunito Sans Normal" pitchFamily="2" charset="0"/>
-              </a:rPr>
-              <a:t>Problem Definition</a:t>
-            </a:r>
-          </a:p>
-          <a:p>
-            <a:pPr lvl="1"/>
-            <a:r>
-              <a:rPr lang="pt-BR" sz="1600" b="1" dirty="0">
-                <a:latin typeface="Nunito Sans Normal" pitchFamily="2" charset="0"/>
-              </a:rPr>
-              <a:t>	</a:t>
-            </a:r>
-            <a:r>
-              <a:rPr lang="pt-BR" sz="1600" dirty="0">
-                <a:latin typeface="Nunito Sans Normal" pitchFamily="2" charset="0"/>
-              </a:rPr>
-              <a:t>1.1 Dataset Attributes</a:t>
-            </a:r>
-          </a:p>
-          <a:p>
-            <a:pPr lvl="1"/>
-            <a:r>
-              <a:rPr lang="pt-BR" sz="1600" dirty="0">
-                <a:latin typeface="Nunito Sans Normal" pitchFamily="2" charset="0"/>
-              </a:rPr>
-              <a:t>	1.2 Objective and Key Questions</a:t>
-            </a:r>
-          </a:p>
-          <a:p>
-            <a:pPr lvl="1"/>
-            <a:r>
-              <a:rPr lang="pt-BR" sz="1600" dirty="0">
-                <a:latin typeface="Nunito Sans Normal" pitchFamily="2" charset="0"/>
-              </a:rPr>
-              <a:t>	1.3 Technologies and Programming Language</a:t>
-            </a:r>
-          </a:p>
-          <a:p>
-            <a:pPr lvl="1"/>
-            <a:endParaRPr lang="pt-BR" sz="1600" dirty="0">
-              <a:latin typeface="Nunito Sans Normal" pitchFamily="2" charset="0"/>
-            </a:endParaRPr>
-          </a:p>
-          <a:p>
-            <a:pPr marL="457200" indent="-457200">
-              <a:buAutoNum type="arabicPeriod"/>
-            </a:pPr>
-            <a:r>
-              <a:rPr lang="pt-BR" sz="1600" b="1" dirty="0">
-                <a:latin typeface="Nunito Sans Normal" pitchFamily="2" charset="0"/>
-              </a:rPr>
-              <a:t>First Steps</a:t>
-            </a:r>
-          </a:p>
-          <a:p>
-            <a:pPr marL="457200" indent="-457200">
-              <a:buAutoNum type="arabicPeriod"/>
-            </a:pPr>
-            <a:r>
-              <a:rPr lang="pt-BR" sz="1600" b="1" dirty="0">
-                <a:latin typeface="Nunito Sans Normal" pitchFamily="2" charset="0"/>
-              </a:rPr>
-              <a:t>Data GAP</a:t>
-            </a:r>
-          </a:p>
-          <a:p>
-            <a:r>
-              <a:rPr lang="pt-BR" sz="1600" b="1" dirty="0">
-                <a:latin typeface="Nunito Sans Normal" pitchFamily="2" charset="0"/>
-              </a:rPr>
-              <a:t>	3.1 Campaign ID</a:t>
-            </a:r>
-          </a:p>
-          <a:p>
-            <a:r>
-              <a:rPr lang="pt-BR" sz="1600" b="1" dirty="0">
-                <a:latin typeface="Nunito Sans Normal" pitchFamily="2" charset="0"/>
-              </a:rPr>
-              <a:t>	3.2 User ID</a:t>
-            </a:r>
-          </a:p>
-          <a:p>
-            <a:r>
-              <a:rPr lang="pt-BR" sz="1600" b="1" dirty="0">
-                <a:latin typeface="Nunito Sans Normal" pitchFamily="2" charset="0"/>
-              </a:rPr>
-              <a:t>	3.3 Nulls, NaNs and Missings</a:t>
-            </a:r>
-          </a:p>
-          <a:p>
-            <a:r>
-              <a:rPr lang="pt-BR" sz="1600" b="1" dirty="0">
-                <a:latin typeface="Nunito Sans Normal" pitchFamily="2" charset="0"/>
-              </a:rPr>
-              <a:t>	3.4 Wrong Campaign</a:t>
-            </a:r>
-          </a:p>
-          <a:p>
-            <a:r>
-              <a:rPr lang="pt-BR" sz="1600" b="1" dirty="0">
-                <a:latin typeface="Nunito Sans Normal" pitchFamily="2" charset="0"/>
-              </a:rPr>
-              <a:t>	3.5 Inconsistence in Window Number</a:t>
-            </a:r>
-          </a:p>
-          <a:p>
-            <a:r>
-              <a:rPr lang="pt-BR" sz="1600" b="1" dirty="0">
-                <a:latin typeface="Nunito Sans Normal" pitchFamily="2" charset="0"/>
-              </a:rPr>
-              <a:t>	3.6 Missing PK</a:t>
-            </a:r>
-          </a:p>
-          <a:p>
-            <a:r>
-              <a:rPr lang="pt-BR" sz="1600" b="1" dirty="0">
-                <a:latin typeface="Nunito Sans Normal" pitchFamily="2" charset="0"/>
-              </a:rPr>
-              <a:t>	3.7 N:N Relationship</a:t>
-            </a:r>
-          </a:p>
-          <a:p>
-            <a:r>
-              <a:rPr lang="pt-BR" sz="1600" b="1" dirty="0">
-                <a:latin typeface="Nunito Sans Normal" pitchFamily="2" charset="0"/>
-              </a:rPr>
-              <a:t>	3.8 Non Attributed Channel</a:t>
-            </a:r>
-          </a:p>
-          <a:p>
-            <a:endParaRPr lang="pt-BR" sz="1600" b="1" dirty="0">
-              <a:latin typeface="Nunito Sans Normal" pitchFamily="2" charset="0"/>
-            </a:endParaRPr>
-          </a:p>
-          <a:p>
-            <a:r>
-              <a:rPr lang="pt-BR" sz="1600" b="1" dirty="0">
-                <a:latin typeface="Nunito Sans Normal" pitchFamily="2" charset="0"/>
-              </a:rPr>
-              <a:t>4.     Data Analysis</a:t>
-            </a:r>
-          </a:p>
-          <a:p>
-            <a:pPr lvl="2"/>
-            <a:r>
-              <a:rPr lang="pt-BR" sz="1600" dirty="0">
-                <a:latin typeface="Nunito Sans Normal" pitchFamily="2" charset="0"/>
-              </a:rPr>
-              <a:t>4.1 Valuable Users</a:t>
-            </a:r>
-          </a:p>
-          <a:p>
-            <a:pPr lvl="2"/>
-            <a:r>
-              <a:rPr lang="pt-BR" sz="1600" dirty="0">
-                <a:latin typeface="Nunito Sans Normal" pitchFamily="2" charset="0"/>
-              </a:rPr>
-              <a:t>4.2 Channels &amp; Valuable Users</a:t>
-            </a:r>
-          </a:p>
-          <a:p>
-            <a:pPr lvl="2"/>
-            <a:r>
-              <a:rPr lang="pt-BR" sz="1600" dirty="0">
-                <a:latin typeface="Nunito Sans Normal" pitchFamily="2" charset="0"/>
-              </a:rPr>
-              <a:t>4.3 Convertion Rate</a:t>
-            </a:r>
-          </a:p>
-          <a:p>
-            <a:pPr lvl="2"/>
-            <a:r>
-              <a:rPr lang="pt-BR" sz="1600" dirty="0">
-                <a:latin typeface="Nunito Sans Normal" pitchFamily="2" charset="0"/>
-              </a:rPr>
-              <a:t>4.4 Recommendations</a:t>
-            </a:r>
-          </a:p>
-          <a:p>
-            <a:pPr lvl="1"/>
-            <a:endParaRPr lang="pt-BR" sz="1600" dirty="0">
-              <a:latin typeface="Nunito Sans Normal" pitchFamily="2" charset="0"/>
-            </a:endParaRPr>
-          </a:p>
-          <a:p>
-            <a:r>
-              <a:rPr lang="pt-BR" sz="1600" b="1" dirty="0">
-                <a:latin typeface="Nunito Sans Normal" pitchFamily="2" charset="0"/>
-              </a:rPr>
-              <a:t>5.     Recommendations</a:t>
-            </a:r>
-          </a:p>
-        </p:txBody>
-      </p:sp>
-      <p:sp>
-        <p:nvSpPr>
-          <p:cNvPr id="3" name="TextBox 2">
-            <a:extLst>
-              <a:ext uri="{FF2B5EF4-FFF2-40B4-BE49-F238E27FC236}">
-                <a16:creationId xmlns:a16="http://schemas.microsoft.com/office/drawing/2014/main" id="{6005DEB9-7AB9-EE71-2DA6-8D98DE683D63}"/>
-              </a:ext>
-            </a:extLst>
-          </p:cNvPr>
-          <p:cNvSpPr txBox="1"/>
-          <p:nvPr/>
-        </p:nvSpPr>
-        <p:spPr>
-          <a:xfrm>
-            <a:off x="2863645" y="200188"/>
-            <a:ext cx="2261419" cy="707886"/>
-          </a:xfrm>
-          <a:prstGeom prst="rect">
-            <a:avLst/>
-          </a:prstGeom>
-          <a:noFill/>
-        </p:spPr>
-        <p:txBody>
-          <a:bodyPr wrap="square">
-            <a:spAutoFit/>
-          </a:bodyPr>
-          <a:lstStyle/>
-          <a:p>
-            <a:pPr algn="ctr"/>
-            <a:r>
-              <a:rPr lang="pt-BR" sz="4000" b="1" dirty="0">
-                <a:latin typeface="Nunito Sans Normal" pitchFamily="2" charset="0"/>
-              </a:rPr>
-              <a:t>INDEX</a:t>
-            </a:r>
-            <a:endParaRPr lang="pt-BR" sz="2800" b="1" dirty="0">
-              <a:latin typeface="Nunito Sans Normal" pitchFamily="2" charset="0"/>
-            </a:endParaRPr>
-          </a:p>
-        </p:txBody>
-      </p:sp>
-      <p:pic>
-        <p:nvPicPr>
-          <p:cNvPr id="1026" name="Picture 2" descr="FabFitFun - Beauty, Fitness, Lifestyle">
-            <a:extLst>
-              <a:ext uri="{FF2B5EF4-FFF2-40B4-BE49-F238E27FC236}">
-                <a16:creationId xmlns:a16="http://schemas.microsoft.com/office/drawing/2014/main" id="{5264F99C-3745-DC5D-0BC5-F5B5A7511BB5}"/>
-              </a:ext>
-            </a:extLst>
-          </p:cNvPr>
-          <p:cNvPicPr>
-            <a:picLocks noChangeAspect="1" noChangeArrowheads="1"/>
-          </p:cNvPicPr>
-          <p:nvPr/>
-        </p:nvPicPr>
-        <p:blipFill>
-          <a:blip r:embed="rId3">
-            <a:extLst>
-              <a:ext uri="{28A0092B-C50C-407E-A947-70E740481C1C}">
-                <a14:useLocalDpi xmlns:a14="http://schemas.microsoft.com/office/drawing/2010/main" val="0"/>
-              </a:ext>
-            </a:extLst>
-          </a:blip>
-          <a:srcRect/>
-          <a:stretch>
-            <a:fillRect/>
-          </a:stretch>
-        </p:blipFill>
-        <p:spPr bwMode="auto">
-          <a:xfrm>
-            <a:off x="10053486" y="5886204"/>
-            <a:ext cx="1759973" cy="725989"/>
-          </a:xfrm>
-          <a:prstGeom prst="rect">
-            <a:avLst/>
-          </a:prstGeom>
-          <a:noFill/>
-          <a:extLst>
-            <a:ext uri="{909E8E84-426E-40DD-AFC4-6F175D3DCCD1}">
-              <a14:hiddenFill xmlns:a14="http://schemas.microsoft.com/office/drawing/2010/main">
-                <a:solidFill>
-                  <a:srgbClr val="FFFFFF"/>
-                </a:solidFill>
-              </a14:hiddenFill>
-            </a:ext>
-          </a:extLst>
-        </p:spPr>
-      </p:pic>
-    </p:spTree>
-    <p:extLst>
-      <p:ext uri="{BB962C8B-B14F-4D97-AF65-F5344CB8AC3E}">
-        <p14:creationId xmlns:p14="http://schemas.microsoft.com/office/powerpoint/2010/main" val="3294185420"/>
-      </p:ext>
-    </p:extLst>
-  </p:cSld>
-  <p:clrMapOvr>
-    <a:masterClrMapping/>
-  </p:clrMapOvr>
-</p:sld>
-</file>
-
-<file path=ppt/slides/slide20.xml><?xml version="1.0" encoding="utf-8"?>
+<file path=ppt/slides/slide19.xml><?xml version="1.0" encoding="utf-8"?>
 <p:sld xmlns:a="http://schemas.openxmlformats.org/drawingml/2006/main" xmlns:r="http://schemas.openxmlformats.org/officeDocument/2006/relationships" xmlns:p="http://schemas.openxmlformats.org/presentationml/2006/main">
   <p:cSld>
     <p:spTree>
@@ -10531,7 +9720,7 @@
         <p:spPr>
           <a:xfrm>
             <a:off x="5942261" y="1894482"/>
-            <a:ext cx="5644847" cy="1754326"/>
+            <a:ext cx="5644847" cy="2031325"/>
           </a:xfrm>
           <a:prstGeom prst="rect">
             <a:avLst/>
@@ -10564,7 +9753,7 @@
               <a:rPr lang="en-US" dirty="0">
                 <a:latin typeface="Nunito Sans Normal" pitchFamily="2" charset="0"/>
               </a:rPr>
-              <a:t>_END_TS_PST and drop duplicates of </a:t>
+              <a:t>_END_TS_PST, kept the most recent and drop duplicates of </a:t>
             </a:r>
             <a:r>
               <a:rPr lang="en-US" i="1" dirty="0" err="1">
@@ -11322,7 +10511,373 @@
 </p:sld>
 </file>
 
-<file path=ppt/slides/slide21.xml><?xml version="1.0" encoding="utf-8"?>
+<file path=ppt/slides/slide2.xml><?xml version="1.0" encoding="utf-8"?>
+<p:sld xmlns:a="http://schemas.openxmlformats.org/drawingml/2006/main" xmlns:r="http://schemas.openxmlformats.org/officeDocument/2006/relationships" xmlns:p="http://schemas.openxmlformats.org/presentationml/2006/main">
+  <p:cSld>
+    <p:spTree>
+      <p:nvGrpSpPr>
+        <p:cNvPr id="1" name=""/>
+        <p:cNvGrpSpPr/>
+        <p:nvPr/>
+      </p:nvGrpSpPr>
+      <p:grpSpPr>
+        <a:xfrm>
+          <a:off x="0" y="0"/>
+          <a:ext cx="0" cy="0"/>
+          <a:chOff x="0" y="0"/>
+          <a:chExt cx="0" cy="0"/>
+        </a:xfrm>
+      </p:grpSpPr>
+      <p:sp>
+        <p:nvSpPr>
+          <p:cNvPr id="6" name="Rectangle 5">
+            <a:extLst>
+              <a:ext uri="{FF2B5EF4-FFF2-40B4-BE49-F238E27FC236}">
+                <a16:creationId xmlns:a16="http://schemas.microsoft.com/office/drawing/2014/main" id="{05CC7DF3-D1AF-722B-182D-F6B27D25CB20}"/>
+              </a:ext>
+            </a:extLst>
+          </p:cNvPr>
+          <p:cNvSpPr/>
+          <p:nvPr/>
+        </p:nvSpPr>
+        <p:spPr>
+          <a:xfrm>
+            <a:off x="7846142" y="0"/>
+            <a:ext cx="4345857" cy="6858000"/>
+          </a:xfrm>
+          <a:prstGeom prst="rect">
+            <a:avLst/>
+          </a:prstGeom>
+          <a:solidFill>
+            <a:srgbClr val="FEBAA8"/>
+          </a:solidFill>
+          <a:ln>
+            <a:noFill/>
+          </a:ln>
+        </p:spPr>
+        <p:style>
+          <a:lnRef idx="2">
+            <a:schemeClr val="accent1">
+              <a:shade val="15000"/>
+            </a:schemeClr>
+          </a:lnRef>
+          <a:fillRef idx="1">
+            <a:schemeClr val="accent1"/>
+          </a:fillRef>
+          <a:effectRef idx="0">
+            <a:schemeClr val="accent1"/>
+          </a:effectRef>
+          <a:fontRef idx="minor">
+            <a:schemeClr val="lt1"/>
+          </a:fontRef>
+        </p:style>
+        <p:txBody>
+          <a:bodyPr rtlCol="0" anchor="ctr"/>
+          <a:lstStyle/>
+          <a:p>
+            <a:pPr algn="ctr"/>
+            <a:endParaRPr lang="pt-BR"/>
+          </a:p>
+        </p:txBody>
+      </p:sp>
+      <p:sp>
+        <p:nvSpPr>
+          <p:cNvPr id="4" name="TextBox 3">
+            <a:extLst>
+              <a:ext uri="{FF2B5EF4-FFF2-40B4-BE49-F238E27FC236}">
+                <a16:creationId xmlns:a16="http://schemas.microsoft.com/office/drawing/2014/main" id="{9430201B-88D4-4A70-4B46-066FA1B4E4FC}"/>
+              </a:ext>
+            </a:extLst>
+          </p:cNvPr>
+          <p:cNvSpPr txBox="1"/>
+          <p:nvPr/>
+        </p:nvSpPr>
+        <p:spPr>
+          <a:xfrm>
+            <a:off x="378541" y="908074"/>
+            <a:ext cx="6882581" cy="4770537"/>
+          </a:xfrm>
+          <a:prstGeom prst="rect">
+            <a:avLst/>
+          </a:prstGeom>
+          <a:noFill/>
+        </p:spPr>
+        <p:txBody>
+          <a:bodyPr wrap="square" rtlCol="0">
+            <a:spAutoFit/>
+          </a:bodyPr>
+          <a:lstStyle/>
+          <a:p>
+            <a:pPr marL="457200" indent="-457200">
+              <a:buFont typeface="+mj-lt"/>
+              <a:buAutoNum type="arabicPeriod"/>
+            </a:pPr>
+            <a:r>
+              <a:rPr lang="pt-BR" sz="1600" b="1" dirty="0">
+                <a:latin typeface="Nunito Sans Normal" pitchFamily="2" charset="0"/>
+              </a:rPr>
+              <a:t>Problem Definition</a:t>
+            </a:r>
+          </a:p>
+          <a:p>
+            <a:pPr lvl="1"/>
+            <a:r>
+              <a:rPr lang="pt-BR" sz="1600" b="1" dirty="0">
+                <a:latin typeface="Nunito Sans Normal" pitchFamily="2" charset="0"/>
+              </a:rPr>
+              <a:t>	</a:t>
+            </a:r>
+            <a:r>
+              <a:rPr lang="pt-BR" sz="1600" dirty="0">
+                <a:latin typeface="Nunito Sans Normal" pitchFamily="2" charset="0"/>
+              </a:rPr>
+              <a:t>1.1 Dataset Attributes</a:t>
+            </a:r>
+          </a:p>
+          <a:p>
+            <a:pPr lvl="1"/>
+            <a:r>
+              <a:rPr lang="pt-BR" sz="1600" dirty="0">
+                <a:latin typeface="Nunito Sans Normal" pitchFamily="2" charset="0"/>
+              </a:rPr>
+              <a:t>	1.2 Objective and Key Questions</a:t>
+            </a:r>
+          </a:p>
+          <a:p>
+            <a:pPr lvl="1"/>
+            <a:r>
+              <a:rPr lang="pt-BR" sz="1600" dirty="0">
+                <a:latin typeface="Nunito Sans Normal" pitchFamily="2" charset="0"/>
+              </a:rPr>
+              <a:t>	1.3 Technologies and Programming Language</a:t>
+            </a:r>
+          </a:p>
+          <a:p>
+            <a:pPr lvl="1"/>
+            <a:endParaRPr lang="pt-BR" sz="1600" dirty="0">
+              <a:latin typeface="Nunito Sans Normal" pitchFamily="2" charset="0"/>
+            </a:endParaRPr>
+          </a:p>
+          <a:p>
+            <a:pPr marL="457200" indent="-457200">
+              <a:buAutoNum type="arabicPeriod"/>
+            </a:pPr>
+            <a:r>
+              <a:rPr lang="pt-BR" sz="1600" b="1" dirty="0">
+                <a:latin typeface="Nunito Sans Normal" pitchFamily="2" charset="0"/>
+              </a:rPr>
+              <a:t>Exploratory Data Analysis</a:t>
+            </a:r>
+          </a:p>
+          <a:p>
+            <a:pPr marL="457200" indent="-457200">
+              <a:buAutoNum type="arabicPeriod"/>
+            </a:pPr>
+            <a:r>
+              <a:rPr lang="pt-BR" sz="1600" b="1" dirty="0">
+                <a:latin typeface="Nunito Sans Normal" pitchFamily="2" charset="0"/>
+              </a:rPr>
+              <a:t>Data GAPs</a:t>
+            </a:r>
+          </a:p>
+          <a:p>
+            <a:r>
+              <a:rPr lang="pt-BR" sz="1600" dirty="0">
+                <a:latin typeface="Nunito Sans Normal" pitchFamily="2" charset="0"/>
+              </a:rPr>
+              <a:t>	3.1 Campaign ID</a:t>
+            </a:r>
+          </a:p>
+          <a:p>
+            <a:r>
+              <a:rPr lang="pt-BR" sz="1600" dirty="0">
+                <a:latin typeface="Nunito Sans Normal" pitchFamily="2" charset="0"/>
+              </a:rPr>
+              <a:t>	3.2 User ID</a:t>
+            </a:r>
+          </a:p>
+          <a:p>
+            <a:r>
+              <a:rPr lang="pt-BR" sz="1600" dirty="0">
+                <a:latin typeface="Nunito Sans Normal" pitchFamily="2" charset="0"/>
+              </a:rPr>
+              <a:t>	3.3 Nulls, NaNs and Missings</a:t>
+            </a:r>
+          </a:p>
+          <a:p>
+            <a:r>
+              <a:rPr lang="pt-BR" sz="1600" dirty="0">
+                <a:latin typeface="Nunito Sans Normal" pitchFamily="2" charset="0"/>
+              </a:rPr>
+              <a:t>	3.4 Missing PK</a:t>
+            </a:r>
+          </a:p>
+          <a:p>
+            <a:r>
+              <a:rPr lang="pt-BR" sz="1600" dirty="0">
+                <a:latin typeface="Nunito Sans Normal" pitchFamily="2" charset="0"/>
+              </a:rPr>
+              <a:t>	3.5 Non Attributed Channel</a:t>
+            </a:r>
+          </a:p>
+          <a:p>
+            <a:endParaRPr lang="pt-BR" sz="1600" b="1" dirty="0">
+              <a:latin typeface="Nunito Sans Normal" pitchFamily="2" charset="0"/>
+            </a:endParaRPr>
+          </a:p>
+          <a:p>
+            <a:r>
+              <a:rPr lang="pt-BR" sz="1600" b="1" dirty="0">
+                <a:latin typeface="Nunito Sans Normal" pitchFamily="2" charset="0"/>
+              </a:rPr>
+              <a:t>4.     Data Analysis</a:t>
+            </a:r>
+          </a:p>
+          <a:p>
+            <a:pPr lvl="2"/>
+            <a:r>
+              <a:rPr lang="pt-BR" sz="1600" dirty="0">
+                <a:latin typeface="Nunito Sans Normal" pitchFamily="2" charset="0"/>
+              </a:rPr>
+              <a:t>4.1 Valuable Users</a:t>
+            </a:r>
+          </a:p>
+          <a:p>
+            <a:pPr lvl="2"/>
+            <a:r>
+              <a:rPr lang="pt-BR" sz="1600" dirty="0">
+                <a:latin typeface="Nunito Sans Normal" pitchFamily="2" charset="0"/>
+              </a:rPr>
+              <a:t>4.2 Channels &amp; Valuable Users</a:t>
+            </a:r>
+          </a:p>
+          <a:p>
+            <a:pPr lvl="2"/>
+            <a:r>
+              <a:rPr lang="pt-BR" sz="1600" dirty="0">
+                <a:latin typeface="Nunito Sans Normal" pitchFamily="2" charset="0"/>
+              </a:rPr>
+              <a:t>4.3 Convertion Rate</a:t>
+            </a:r>
+          </a:p>
+          <a:p>
+            <a:pPr lvl="1"/>
+            <a:endParaRPr lang="pt-BR" sz="1600" dirty="0">
+              <a:latin typeface="Nunito Sans Normal" pitchFamily="2" charset="0"/>
+            </a:endParaRPr>
+          </a:p>
+          <a:p>
+            <a:r>
+              <a:rPr lang="pt-BR" sz="1600" b="1" dirty="0">
+                <a:latin typeface="Nunito Sans Normal" pitchFamily="2" charset="0"/>
+              </a:rPr>
+              <a:t>5.     Recommendations</a:t>
+            </a:r>
+          </a:p>
+        </p:txBody>
+      </p:sp>
+      <p:sp>
+        <p:nvSpPr>
+          <p:cNvPr id="3" name="TextBox 2">
+            <a:extLst>
+              <a:ext uri="{FF2B5EF4-FFF2-40B4-BE49-F238E27FC236}">
+                <a16:creationId xmlns:a16="http://schemas.microsoft.com/office/drawing/2014/main" id="{6005DEB9-7AB9-EE71-2DA6-8D98DE683D63}"/>
+              </a:ext>
+            </a:extLst>
+          </p:cNvPr>
+          <p:cNvSpPr txBox="1"/>
+          <p:nvPr/>
+        </p:nvSpPr>
+        <p:spPr>
+          <a:xfrm>
+            <a:off x="2863645" y="200188"/>
+            <a:ext cx="2261419" cy="707886"/>
+          </a:xfrm>
+          <a:prstGeom prst="rect">
+            <a:avLst/>
+          </a:prstGeom>
+          <a:noFill/>
+        </p:spPr>
+        <p:txBody>
+          <a:bodyPr wrap="square">
+            <a:spAutoFit/>
+          </a:bodyPr>
+          <a:lstStyle/>
+          <a:p>
+            <a:pPr algn="ctr"/>
+            <a:r>
+              <a:rPr lang="pt-BR" sz="4000" b="1" dirty="0">
+                <a:latin typeface="Nunito Sans Normal" pitchFamily="2" charset="0"/>
+              </a:rPr>
+              <a:t>INDEX</a:t>
+            </a:r>
+            <a:endParaRPr lang="pt-BR" sz="2800" b="1" dirty="0">
+              <a:latin typeface="Nunito Sans Normal" pitchFamily="2" charset="0"/>
+            </a:endParaRPr>
+          </a:p>
+        </p:txBody>
+      </p:sp>
+      <p:pic>
+        <p:nvPicPr>
+          <p:cNvPr id="1026" name="Picture 2" descr="FabFitFun - Beauty, Fitness, Lifestyle">
+            <a:extLst>
+              <a:ext uri="{FF2B5EF4-FFF2-40B4-BE49-F238E27FC236}">
+                <a16:creationId xmlns:a16="http://schemas.microsoft.com/office/drawing/2014/main" id="{5264F99C-3745-DC5D-0BC5-F5B5A7511BB5}"/>
+              </a:ext>
+            </a:extLst>
+          </p:cNvPr>
+          <p:cNvPicPr>
+            <a:picLocks noChangeAspect="1" noChangeArrowheads="1"/>
+          </p:cNvPicPr>
+          <p:nvPr/>
+        </p:nvPicPr>
+        <p:blipFill>
+          <a:blip r:embed="rId3">
+            <a:extLst>
+              <a:ext uri="{28A0092B-C50C-407E-A947-70E740481C1C}">
+                <a14:useLocalDpi xmlns:a14="http://schemas.microsoft.com/office/drawing/2010/main" val="0"/>
+              </a:ext>
+            </a:extLst>
+          </a:blip>
+          <a:srcRect/>
+          <a:stretch>
+            <a:fillRect/>
+          </a:stretch>
+        </p:blipFill>
+        <p:spPr bwMode="auto">
+          <a:xfrm>
+            <a:off x="10053486" y="5886204"/>
+            <a:ext cx="1759973" cy="725989"/>
+          </a:xfrm>
+          <a:prstGeom prst="rect">
+            <a:avLst/>
+          </a:prstGeom>
+          <a:noFill/>
+          <a:extLst>
+            <a:ext uri="{909E8E84-426E-40DD-AFC4-6F175D3DCCD1}">
+              <a14:hiddenFill xmlns:a14="http://schemas.microsoft.com/office/drawing/2010/main">
+                <a:solidFill>
+                  <a:srgbClr val="FFFFFF"/>
+                </a:solidFill>
+              </a14:hiddenFill>
+            </a:ext>
+          </a:extLst>
+        </p:spPr>
+      </p:pic>
+    </p:spTree>
+    <p:extLst>
+      <p:ext uri="{BB962C8B-B14F-4D97-AF65-F5344CB8AC3E}">
+        <p14:creationId xmlns:p14="http://schemas.microsoft.com/office/powerpoint/2010/main" val="3294185420"/>
+      </p:ext>
+    </p:extLst>
+  </p:cSld>
+  <p:clrMapOvr>
+    <a:masterClrMapping/>
+  </p:clrMapOvr>
+</p:sld>
+</file>
+
+<file path=ppt/slides/slide20.xml><?xml version="1.0" encoding="utf-8"?>
 <p:sld xmlns:a="http://schemas.openxmlformats.org/drawingml/2006/main" xmlns:r="http://schemas.openxmlformats.org/officeDocument/2006/relationships" xmlns:p="http://schemas.openxmlformats.org/presentationml/2006/main">
   <p:cSld>
     <p:spTree>
@@ -12779,7 +12334,7 @@
 </p:sld>
 </file>
 
-<file path=ppt/slides/slide22.xml><?xml version="1.0" encoding="utf-8"?>
+<file path=ppt/slides/slide21.xml><?xml version="1.0" encoding="utf-8"?>
 <p:sld xmlns:a="http://schemas.openxmlformats.org/drawingml/2006/main" xmlns:r="http://schemas.openxmlformats.org/officeDocument/2006/relationships" xmlns:p="http://schemas.openxmlformats.org/presentationml/2006/main">
   <p:cSld>
     <p:spTree>
@@ -13971,7 +13526,7 @@
 </p:sld>
 </file>
 
-<file path=ppt/slides/slide23.xml><?xml version="1.0" encoding="utf-8"?>
+<file path=ppt/slides/slide22.xml><?xml version="1.0" encoding="utf-8"?>
 <p:sld xmlns:a="http://schemas.openxmlformats.org/drawingml/2006/main" xmlns:r="http://schemas.openxmlformats.org/officeDocument/2006/relationships" xmlns:p="http://schemas.openxmlformats.org/presentationml/2006/main">
   <p:cSld>
     <p:spTree>
@@ -14397,7 +13952,7 @@
 </p:sld>
 </file>
 
-<file path=ppt/slides/slide24.xml><?xml version="1.0" encoding="utf-8"?>
+<file path=ppt/slides/slide23.xml><?xml version="1.0" encoding="utf-8"?>
 <p:sld xmlns:a="http://schemas.openxmlformats.org/drawingml/2006/main" xmlns:r="http://schemas.openxmlformats.org/officeDocument/2006/relationships" xmlns:p="http://schemas.openxmlformats.org/presentationml/2006/main">
   <p:cSld>
     <p:spTree>
@@ -16422,7 +15977,7 @@
 </p:sld>
 </file>
 
-<file path=ppt/slides/slide25.xml><?xml version="1.0" encoding="utf-8"?>
+<file path=ppt/slides/slide24.xml><?xml version="1.0" encoding="utf-8"?>
 <p:sld xmlns:a="http://schemas.openxmlformats.org/drawingml/2006/main" xmlns:r="http://schemas.openxmlformats.org/officeDocument/2006/relationships" xmlns:p="http://schemas.openxmlformats.org/presentationml/2006/main">
   <p:cSld>
     <p:spTree>
@@ -16724,7 +16279,7 @@
 </p:sld>
 </file>
 
-<file path=ppt/slides/slide26.xml><?xml version="1.0" encoding="utf-8"?>
+<file path=ppt/slides/slide25.xml><?xml version="1.0" encoding="utf-8"?>
 <p:sld xmlns:a="http://schemas.openxmlformats.org/drawingml/2006/main" xmlns:r="http://schemas.openxmlformats.org/officeDocument/2006/relationships" xmlns:p="http://schemas.openxmlformats.org/presentationml/2006/main">
   <p:cSld>
     <p:spTree>
@@ -16944,7 +16499,7 @@
 </p:sld>
 </file>
 
-<file path=ppt/slides/slide27.xml><?xml version="1.0" encoding="utf-8"?>
+<file path=ppt/slides/slide26.xml><?xml version="1.0" encoding="utf-8"?>
 <p:sld xmlns:a="http://schemas.openxmlformats.org/drawingml/2006/main" xmlns:r="http://schemas.openxmlformats.org/officeDocument/2006/relationships" xmlns:p="http://schemas.openxmlformats.org/presentationml/2006/main">
   <p:cSld>
     <p:spTree>
@@ -17108,7 +16663,7 @@
                 </a:highlight>
                 <a:latin typeface="Nunito Sans Normal" pitchFamily="2" charset="0"/>
               </a:rPr>
-              <a:t>DISCOVERABILITY (visits) and EXPLORABIILTY (unique skus)</a:t>
+              <a:t>DISCOVERABILITY (visits) and EXPLORABILITY (unique skus)</a:t>
             </a:r>
             <a:endParaRPr lang="pt-BR" b="1" dirty="0">
               <a:highlight>
@@ -17161,7 +16716,7 @@
 </p:sld>
 </file>
 
-<file path=ppt/slides/slide28.xml><?xml version="1.0" encoding="utf-8"?>
+<file path=ppt/slides/slide27.xml><?xml version="1.0" encoding="utf-8"?>
 <p:sld xmlns:a="http://schemas.openxmlformats.org/drawingml/2006/main" xmlns:r="http://schemas.openxmlformats.org/officeDocument/2006/relationships" xmlns:p="http://schemas.openxmlformats.org/presentationml/2006/main">
   <p:cSld>
     <p:spTree>
@@ -17449,7 +17004,7 @@
 </p:sld>
 </file>
 
-<file path=ppt/slides/slide29.xml><?xml version="1.0" encoding="utf-8"?>
+<file path=ppt/slides/slide28.xml><?xml version="1.0" encoding="utf-8"?>
 <p:sld xmlns:a="http://schemas.openxmlformats.org/drawingml/2006/main" xmlns:r="http://schemas.openxmlformats.org/officeDocument/2006/relationships" xmlns:p="http://schemas.openxmlformats.org/presentationml/2006/main">
   <p:cSld>
     <p:spTree>
@@ -17752,6 +17307,254 @@
     <p:extLst>
       <p:ext uri="{BB962C8B-B14F-4D97-AF65-F5344CB8AC3E}">
         <p14:creationId xmlns:p14="http://schemas.microsoft.com/office/powerpoint/2010/main" val="2561346999"/>
+      </p:ext>
+    </p:extLst>
+  </p:cSld>
+  <p:clrMapOvr>
+    <a:masterClrMapping/>
+  </p:clrMapOvr>
+</p:sld>
+</file>
+
+<file path=ppt/slides/slide29.xml><?xml version="1.0" encoding="utf-8"?>
+<p:sld xmlns:a="http://schemas.openxmlformats.org/drawingml/2006/main" xmlns:r="http://schemas.openxmlformats.org/officeDocument/2006/relationships" xmlns:p="http://schemas.openxmlformats.org/presentationml/2006/main">
+  <p:cSld>
+    <p:spTree>
+      <p:nvGrpSpPr>
+        <p:cNvPr id="1" name="">
+          <a:extLst>
+            <a:ext uri="{FF2B5EF4-FFF2-40B4-BE49-F238E27FC236}">
+              <a16:creationId xmlns:a16="http://schemas.microsoft.com/office/drawing/2014/main" id="{40D1F7B6-1897-DD92-565C-A86B25929740}"/>
+            </a:ext>
+          </a:extLst>
+        </p:cNvPr>
+        <p:cNvGrpSpPr/>
+        <p:nvPr/>
+      </p:nvGrpSpPr>
+      <p:grpSpPr>
+        <a:xfrm>
+          <a:off x="0" y="0"/>
+          <a:ext cx="0" cy="0"/>
+          <a:chOff x="0" y="0"/>
+          <a:chExt cx="0" cy="0"/>
+        </a:xfrm>
+      </p:grpSpPr>
+      <p:sp>
+        <p:nvSpPr>
+          <p:cNvPr id="2" name="TextBox 1">
+            <a:extLst>
+              <a:ext uri="{FF2B5EF4-FFF2-40B4-BE49-F238E27FC236}">
+                <a16:creationId xmlns:a16="http://schemas.microsoft.com/office/drawing/2014/main" id="{9773E788-5CBC-B5E5-9688-6CF2839675D0}"/>
+              </a:ext>
+            </a:extLst>
+          </p:cNvPr>
+          <p:cNvSpPr txBox="1"/>
+          <p:nvPr/>
+        </p:nvSpPr>
+        <p:spPr>
+          <a:xfrm>
+            <a:off x="137652" y="48592"/>
+            <a:ext cx="7503977" cy="861774"/>
+          </a:xfrm>
+          <a:prstGeom prst="rect">
+            <a:avLst/>
+          </a:prstGeom>
+          <a:noFill/>
+        </p:spPr>
+        <p:txBody>
+          <a:bodyPr wrap="none" rtlCol="0">
+            <a:spAutoFit/>
+          </a:bodyPr>
+          <a:lstStyle/>
+          <a:p>
+            <a:r>
+              <a:rPr lang="pt-BR" sz="3200" b="1" dirty="0">
+                <a:latin typeface="Nunito Sans Normal" pitchFamily="2" charset="0"/>
+              </a:rPr>
+              <a:t>4. DATA ANALYSIS</a:t>
+            </a:r>
+          </a:p>
+          <a:p>
+            <a:r>
+              <a:rPr lang="pt-BR" dirty="0">
+                <a:latin typeface="Nunito Sans Normal" pitchFamily="2" charset="0"/>
+              </a:rPr>
+              <a:t>4.2 DIFFERENCE BETWEEN VALUEABLE USERS AND OTHER USERS</a:t>
+            </a:r>
+          </a:p>
+        </p:txBody>
+      </p:sp>
+      <p:pic>
+        <p:nvPicPr>
+          <p:cNvPr id="17" name="Picture 2" descr="FabFitFun - Beauty, Fitness, Lifestyle">
+            <a:extLst>
+              <a:ext uri="{FF2B5EF4-FFF2-40B4-BE49-F238E27FC236}">
+                <a16:creationId xmlns:a16="http://schemas.microsoft.com/office/drawing/2014/main" id="{F1B8634D-7BFA-73AD-0AB5-D058E9C0E0A9}"/>
+              </a:ext>
+            </a:extLst>
+          </p:cNvPr>
+          <p:cNvPicPr>
+            <a:picLocks noChangeAspect="1" noChangeArrowheads="1"/>
+          </p:cNvPicPr>
+          <p:nvPr/>
+        </p:nvPicPr>
+        <p:blipFill>
+          <a:blip r:embed="rId3">
+            <a:extLst>
+              <a:ext uri="{28A0092B-C50C-407E-A947-70E740481C1C}">
+                <a14:useLocalDpi xmlns:a14="http://schemas.microsoft.com/office/drawing/2010/main" val="0"/>
+              </a:ext>
+            </a:extLst>
+          </a:blip>
+          <a:srcRect/>
+          <a:stretch>
+            <a:fillRect/>
+          </a:stretch>
+        </p:blipFill>
+        <p:spPr bwMode="auto">
+          <a:xfrm>
+            <a:off x="10053486" y="5886204"/>
+            <a:ext cx="1759973" cy="725989"/>
+          </a:xfrm>
+          <a:prstGeom prst="rect">
+            <a:avLst/>
+          </a:prstGeom>
+          <a:noFill/>
+          <a:extLst>
+            <a:ext uri="{909E8E84-426E-40DD-AFC4-6F175D3DCCD1}">
+              <a14:hiddenFill xmlns:a14="http://schemas.microsoft.com/office/drawing/2010/main">
+                <a:solidFill>
+                  <a:srgbClr val="FFFFFF"/>
+                </a:solidFill>
+              </a14:hiddenFill>
+            </a:ext>
+          </a:extLst>
+        </p:spPr>
+      </p:pic>
+      <p:pic>
+        <p:nvPicPr>
+          <p:cNvPr id="4" name="Picture 3">
+            <a:extLst>
+              <a:ext uri="{FF2B5EF4-FFF2-40B4-BE49-F238E27FC236}">
+                <a16:creationId xmlns:a16="http://schemas.microsoft.com/office/drawing/2014/main" id="{C2E2E44F-D166-0F9E-0DAB-921BDCACD9F8}"/>
+              </a:ext>
+            </a:extLst>
+          </p:cNvPr>
+          <p:cNvPicPr>
+            <a:picLocks noChangeAspect="1"/>
+          </p:cNvPicPr>
+          <p:nvPr/>
+        </p:nvPicPr>
+        <p:blipFill>
+          <a:blip r:embed="rId4"/>
+          <a:stretch>
+            <a:fillRect/>
+          </a:stretch>
+        </p:blipFill>
+        <p:spPr>
+          <a:xfrm>
+            <a:off x="59368" y="2044032"/>
+            <a:ext cx="3738160" cy="2774315"/>
+          </a:xfrm>
+          <a:prstGeom prst="rect">
+            <a:avLst/>
+          </a:prstGeom>
+        </p:spPr>
+      </p:pic>
+      <p:pic>
+        <p:nvPicPr>
+          <p:cNvPr id="1028" name="Picture 4" descr="Imagem carregada">
+            <a:extLst>
+              <a:ext uri="{FF2B5EF4-FFF2-40B4-BE49-F238E27FC236}">
+                <a16:creationId xmlns:a16="http://schemas.microsoft.com/office/drawing/2014/main" id="{54A6AC04-8027-5221-C712-8D75F4489EE4}"/>
+              </a:ext>
+            </a:extLst>
+          </p:cNvPr>
+          <p:cNvPicPr>
+            <a:picLocks noChangeAspect="1" noChangeArrowheads="1"/>
+          </p:cNvPicPr>
+          <p:nvPr/>
+        </p:nvPicPr>
+        <p:blipFill rotWithShape="1">
+          <a:blip r:embed="rId5">
+            <a:extLst>
+              <a:ext uri="{28A0092B-C50C-407E-A947-70E740481C1C}">
+                <a14:useLocalDpi xmlns:a14="http://schemas.microsoft.com/office/drawing/2010/main" val="0"/>
+              </a:ext>
+            </a:extLst>
+          </a:blip>
+          <a:srcRect l="1568" t="2233" r="2409" b="5003"/>
+          <a:stretch/>
+        </p:blipFill>
+        <p:spPr bwMode="auto">
+          <a:xfrm>
+            <a:off x="4184333" y="2128527"/>
+            <a:ext cx="3720593" cy="2774315"/>
+          </a:xfrm>
+          <a:prstGeom prst="rect">
+            <a:avLst/>
+          </a:prstGeom>
+          <a:noFill/>
+          <a:extLst>
+            <a:ext uri="{909E8E84-426E-40DD-AFC4-6F175D3DCCD1}">
+              <a14:hiddenFill xmlns:a14="http://schemas.microsoft.com/office/drawing/2010/main">
+                <a:solidFill>
+                  <a:srgbClr val="FFFFFF"/>
+                </a:solidFill>
+              </a14:hiddenFill>
+            </a:ext>
+          </a:extLst>
+        </p:spPr>
+      </p:pic>
+      <p:pic>
+        <p:nvPicPr>
+          <p:cNvPr id="1030" name="Picture 6" descr="Imagem carregada">
+            <a:extLst>
+              <a:ext uri="{FF2B5EF4-FFF2-40B4-BE49-F238E27FC236}">
+                <a16:creationId xmlns:a16="http://schemas.microsoft.com/office/drawing/2014/main" id="{32AD4479-FCD9-CE1E-AE50-95D1B68B9EA0}"/>
+              </a:ext>
+            </a:extLst>
+          </p:cNvPr>
+          <p:cNvPicPr>
+            <a:picLocks noChangeAspect="1" noChangeArrowheads="1"/>
+          </p:cNvPicPr>
+          <p:nvPr/>
+        </p:nvPicPr>
+        <p:blipFill rotWithShape="1">
+          <a:blip r:embed="rId6">
+            <a:extLst>
+              <a:ext uri="{28A0092B-C50C-407E-A947-70E740481C1C}">
+                <a14:useLocalDpi xmlns:a14="http://schemas.microsoft.com/office/drawing/2010/main" val="0"/>
+              </a:ext>
+            </a:extLst>
+          </a:blip>
+          <a:srcRect r="1373" b="2922"/>
+          <a:stretch/>
+        </p:blipFill>
+        <p:spPr bwMode="auto">
+          <a:xfrm>
+            <a:off x="8024358" y="2044032"/>
+            <a:ext cx="4005534" cy="2943307"/>
+          </a:xfrm>
+          <a:prstGeom prst="rect">
+            <a:avLst/>
+          </a:prstGeom>
+          <a:noFill/>
+          <a:extLst>
+            <a:ext uri="{909E8E84-426E-40DD-AFC4-6F175D3DCCD1}">
+              <a14:hiddenFill xmlns:a14="http://schemas.microsoft.com/office/drawing/2010/main">
+                <a:solidFill>
+                  <a:srgbClr val="FFFFFF"/>
+                </a:solidFill>
+              </a14:hiddenFill>
+            </a:ext>
+          </a:extLst>
+        </p:spPr>
+      </p:pic>
+    </p:spTree>
+    <p:extLst>
+      <p:ext uri="{BB962C8B-B14F-4D97-AF65-F5344CB8AC3E}">
+        <p14:creationId xmlns:p14="http://schemas.microsoft.com/office/powerpoint/2010/main" val="3486114502"/>
       </p:ext>
     </p:extLst>
   </p:cSld>
@@ -17942,254 +17745,6 @@
 </file>
 
 <file path=ppt/slides/slide30.xml><?xml version="1.0" encoding="utf-8"?>
-<p:sld xmlns:a="http://schemas.openxmlformats.org/drawingml/2006/main" xmlns:r="http://schemas.openxmlformats.org/officeDocument/2006/relationships" xmlns:p="http://schemas.openxmlformats.org/presentationml/2006/main">
-  <p:cSld>
-    <p:spTree>
-      <p:nvGrpSpPr>
-        <p:cNvPr id="1" name="">
-          <a:extLst>
-            <a:ext uri="{FF2B5EF4-FFF2-40B4-BE49-F238E27FC236}">
-              <a16:creationId xmlns:a16="http://schemas.microsoft.com/office/drawing/2014/main" id="{40D1F7B6-1897-DD92-565C-A86B25929740}"/>
-            </a:ext>
-          </a:extLst>
-        </p:cNvPr>
-        <p:cNvGrpSpPr/>
-        <p:nvPr/>
-      </p:nvGrpSpPr>
-      <p:grpSpPr>
-        <a:xfrm>
-          <a:off x="0" y="0"/>
-          <a:ext cx="0" cy="0"/>
-          <a:chOff x="0" y="0"/>
-          <a:chExt cx="0" cy="0"/>
-        </a:xfrm>
-      </p:grpSpPr>
-      <p:sp>
-        <p:nvSpPr>
-          <p:cNvPr id="2" name="TextBox 1">
-            <a:extLst>
-              <a:ext uri="{FF2B5EF4-FFF2-40B4-BE49-F238E27FC236}">
-                <a16:creationId xmlns:a16="http://schemas.microsoft.com/office/drawing/2014/main" id="{9773E788-5CBC-B5E5-9688-6CF2839675D0}"/>
-              </a:ext>
-            </a:extLst>
-          </p:cNvPr>
-          <p:cNvSpPr txBox="1"/>
-          <p:nvPr/>
-        </p:nvSpPr>
-        <p:spPr>
-          <a:xfrm>
-            <a:off x="137652" y="48592"/>
-            <a:ext cx="7503977" cy="861774"/>
-          </a:xfrm>
-          <a:prstGeom prst="rect">
-            <a:avLst/>
-          </a:prstGeom>
-          <a:noFill/>
-        </p:spPr>
-        <p:txBody>
-          <a:bodyPr wrap="none" rtlCol="0">
-            <a:spAutoFit/>
-          </a:bodyPr>
-          <a:lstStyle/>
-          <a:p>
-            <a:r>
-              <a:rPr lang="pt-BR" sz="3200" b="1" dirty="0">
-                <a:latin typeface="Nunito Sans Normal" pitchFamily="2" charset="0"/>
-              </a:rPr>
-              <a:t>4. DATA ANALYSIS</a:t>
-            </a:r>
-          </a:p>
-          <a:p>
-            <a:r>
-              <a:rPr lang="pt-BR" dirty="0">
-                <a:latin typeface="Nunito Sans Normal" pitchFamily="2" charset="0"/>
-              </a:rPr>
-              <a:t>4.2 DIFFERENCE BETWEEN VALUEABLE USERS AND OTHER USERS</a:t>
-            </a:r>
-          </a:p>
-        </p:txBody>
-      </p:sp>
-      <p:pic>
-        <p:nvPicPr>
-          <p:cNvPr id="17" name="Picture 2" descr="FabFitFun - Beauty, Fitness, Lifestyle">
-            <a:extLst>
-              <a:ext uri="{FF2B5EF4-FFF2-40B4-BE49-F238E27FC236}">
-                <a16:creationId xmlns:a16="http://schemas.microsoft.com/office/drawing/2014/main" id="{F1B8634D-7BFA-73AD-0AB5-D058E9C0E0A9}"/>
-              </a:ext>
-            </a:extLst>
-          </p:cNvPr>
-          <p:cNvPicPr>
-            <a:picLocks noChangeAspect="1" noChangeArrowheads="1"/>
-          </p:cNvPicPr>
-          <p:nvPr/>
-        </p:nvPicPr>
-        <p:blipFill>
-          <a:blip r:embed="rId3">
-            <a:extLst>
-              <a:ext uri="{28A0092B-C50C-407E-A947-70E740481C1C}">
-                <a14:useLocalDpi xmlns:a14="http://schemas.microsoft.com/office/drawing/2010/main" val="0"/>
-              </a:ext>
-            </a:extLst>
-          </a:blip>
-          <a:srcRect/>
-          <a:stretch>
-            <a:fillRect/>
-          </a:stretch>
-        </p:blipFill>
-        <p:spPr bwMode="auto">
-          <a:xfrm>
-            <a:off x="10053486" y="5886204"/>
-            <a:ext cx="1759973" cy="725989"/>
-          </a:xfrm>
-          <a:prstGeom prst="rect">
-            <a:avLst/>
-          </a:prstGeom>
-          <a:noFill/>
-          <a:extLst>
-            <a:ext uri="{909E8E84-426E-40DD-AFC4-6F175D3DCCD1}">
-              <a14:hiddenFill xmlns:a14="http://schemas.microsoft.com/office/drawing/2010/main">
-                <a:solidFill>
-                  <a:srgbClr val="FFFFFF"/>
-                </a:solidFill>
-              </a14:hiddenFill>
-            </a:ext>
-          </a:extLst>
-        </p:spPr>
-      </p:pic>
-      <p:pic>
-        <p:nvPicPr>
-          <p:cNvPr id="4" name="Picture 3">
-            <a:extLst>
-              <a:ext uri="{FF2B5EF4-FFF2-40B4-BE49-F238E27FC236}">
-                <a16:creationId xmlns:a16="http://schemas.microsoft.com/office/drawing/2014/main" id="{C2E2E44F-D166-0F9E-0DAB-921BDCACD9F8}"/>
-              </a:ext>
-            </a:extLst>
-          </p:cNvPr>
-          <p:cNvPicPr>
-            <a:picLocks noChangeAspect="1"/>
-          </p:cNvPicPr>
-          <p:nvPr/>
-        </p:nvPicPr>
-        <p:blipFill>
-          <a:blip r:embed="rId4"/>
-          <a:stretch>
-            <a:fillRect/>
-          </a:stretch>
-        </p:blipFill>
-        <p:spPr>
-          <a:xfrm>
-            <a:off x="59368" y="2044032"/>
-            <a:ext cx="3738160" cy="2774315"/>
-          </a:xfrm>
-          <a:prstGeom prst="rect">
-            <a:avLst/>
-          </a:prstGeom>
-        </p:spPr>
-      </p:pic>
-      <p:pic>
-        <p:nvPicPr>
-          <p:cNvPr id="1028" name="Picture 4" descr="Imagem carregada">
-            <a:extLst>
-              <a:ext uri="{FF2B5EF4-FFF2-40B4-BE49-F238E27FC236}">
-                <a16:creationId xmlns:a16="http://schemas.microsoft.com/office/drawing/2014/main" id="{54A6AC04-8027-5221-C712-8D75F4489EE4}"/>
-              </a:ext>
-            </a:extLst>
-          </p:cNvPr>
-          <p:cNvPicPr>
-            <a:picLocks noChangeAspect="1" noChangeArrowheads="1"/>
-          </p:cNvPicPr>
-          <p:nvPr/>
-        </p:nvPicPr>
-        <p:blipFill rotWithShape="1">
-          <a:blip r:embed="rId5">
-            <a:extLst>
-              <a:ext uri="{28A0092B-C50C-407E-A947-70E740481C1C}">
-                <a14:useLocalDpi xmlns:a14="http://schemas.microsoft.com/office/drawing/2010/main" val="0"/>
-              </a:ext>
-            </a:extLst>
-          </a:blip>
-          <a:srcRect l="1568" t="2233" r="2409" b="5003"/>
-          <a:stretch/>
-        </p:blipFill>
-        <p:spPr bwMode="auto">
-          <a:xfrm>
-            <a:off x="4184333" y="2128527"/>
-            <a:ext cx="3720593" cy="2774315"/>
-          </a:xfrm>
-          <a:prstGeom prst="rect">
-            <a:avLst/>
-          </a:prstGeom>
-          <a:noFill/>
-          <a:extLst>
-            <a:ext uri="{909E8E84-426E-40DD-AFC4-6F175D3DCCD1}">
-              <a14:hiddenFill xmlns:a14="http://schemas.microsoft.com/office/drawing/2010/main">
-                <a:solidFill>
-                  <a:srgbClr val="FFFFFF"/>
-                </a:solidFill>
-              </a14:hiddenFill>
-            </a:ext>
-          </a:extLst>
-        </p:spPr>
-      </p:pic>
-      <p:pic>
-        <p:nvPicPr>
-          <p:cNvPr id="1030" name="Picture 6" descr="Imagem carregada">
-            <a:extLst>
-              <a:ext uri="{FF2B5EF4-FFF2-40B4-BE49-F238E27FC236}">
-                <a16:creationId xmlns:a16="http://schemas.microsoft.com/office/drawing/2014/main" id="{32AD4479-FCD9-CE1E-AE50-95D1B68B9EA0}"/>
-              </a:ext>
-            </a:extLst>
-          </p:cNvPr>
-          <p:cNvPicPr>
-            <a:picLocks noChangeAspect="1" noChangeArrowheads="1"/>
-          </p:cNvPicPr>
-          <p:nvPr/>
-        </p:nvPicPr>
-        <p:blipFill rotWithShape="1">
-          <a:blip r:embed="rId6">
-            <a:extLst>
-              <a:ext uri="{28A0092B-C50C-407E-A947-70E740481C1C}">
-                <a14:useLocalDpi xmlns:a14="http://schemas.microsoft.com/office/drawing/2010/main" val="0"/>
-              </a:ext>
-            </a:extLst>
-          </a:blip>
-          <a:srcRect r="1373" b="2922"/>
-          <a:stretch/>
-        </p:blipFill>
-        <p:spPr bwMode="auto">
-          <a:xfrm>
-            <a:off x="8024358" y="2044032"/>
-            <a:ext cx="4005534" cy="2943307"/>
-          </a:xfrm>
-          <a:prstGeom prst="rect">
-            <a:avLst/>
-          </a:prstGeom>
-          <a:noFill/>
-          <a:extLst>
-            <a:ext uri="{909E8E84-426E-40DD-AFC4-6F175D3DCCD1}">
-              <a14:hiddenFill xmlns:a14="http://schemas.microsoft.com/office/drawing/2010/main">
-                <a:solidFill>
-                  <a:srgbClr val="FFFFFF"/>
-                </a:solidFill>
-              </a14:hiddenFill>
-            </a:ext>
-          </a:extLst>
-        </p:spPr>
-      </p:pic>
-    </p:spTree>
-    <p:extLst>
-      <p:ext uri="{BB962C8B-B14F-4D97-AF65-F5344CB8AC3E}">
-        <p14:creationId xmlns:p14="http://schemas.microsoft.com/office/powerpoint/2010/main" val="3486114502"/>
-      </p:ext>
-    </p:extLst>
-  </p:cSld>
-  <p:clrMapOvr>
-    <a:masterClrMapping/>
-  </p:clrMapOvr>
-</p:sld>
-</file>
-
-<file path=ppt/slides/slide31.xml><?xml version="1.0" encoding="utf-8"?>
 <p:sld xmlns:a="http://schemas.openxmlformats.org/drawingml/2006/main" xmlns:r="http://schemas.openxmlformats.org/officeDocument/2006/relationships" xmlns:p="http://schemas.openxmlformats.org/presentationml/2006/main">
   <p:cSld>
     <p:spTree>
@@ -19164,7 +18719,7 @@
         <p:spPr>
           <a:xfrm>
             <a:off x="1663507" y="5055207"/>
-            <a:ext cx="8389979" cy="830997"/>
+            <a:ext cx="8389979" cy="1200329"/>
           </a:xfrm>
           <a:prstGeom prst="rect">
             <a:avLst/>
@@ -19187,7 +18742,15 @@
               <a:rPr lang="pt-BR" sz="2400" b="1" dirty="0">
                 <a:latin typeface="Nunito Sans Normal" pitchFamily="2" charset="0"/>
               </a:rPr>
-              <a:t>They differ from cart quantity, total revenue, unique skus and visits.</a:t>
+              <a:t>They differ from total revenue, unique skus and visits.</a:t>
+            </a:r>
+          </a:p>
+          <a:p>
+            <a:r>
+              <a:rPr lang="pt-BR" sz="2400" b="1" dirty="0">
+                <a:latin typeface="Nunito Sans Normal" pitchFamily="2" charset="0"/>
+              </a:rPr>
+              <a:t>(and recency, frequency and monetary)</a:t>
             </a:r>
           </a:p>
         </p:txBody>
@@ -19252,7 +18815,7 @@
 </p:sld>
 </file>
 
-<file path=ppt/slides/slide32.xml><?xml version="1.0" encoding="utf-8"?>
+<file path=ppt/slides/slide31.xml><?xml version="1.0" encoding="utf-8"?>
 <p:sld xmlns:a="http://schemas.openxmlformats.org/drawingml/2006/main" xmlns:r="http://schemas.openxmlformats.org/officeDocument/2006/relationships" xmlns:p="http://schemas.openxmlformats.org/presentationml/2006/main">
   <p:cSld>
     <p:spTree>
@@ -19410,7 +18973,7 @@
 </p:sld>
 </file>
 
-<file path=ppt/slides/slide33.xml><?xml version="1.0" encoding="utf-8"?>
+<file path=ppt/slides/slide32.xml><?xml version="1.0" encoding="utf-8"?>
 <p:sld xmlns:a="http://schemas.openxmlformats.org/drawingml/2006/main" xmlns:r="http://schemas.openxmlformats.org/officeDocument/2006/relationships" xmlns:p="http://schemas.openxmlformats.org/presentationml/2006/main">
   <p:cSld>
     <p:spTree>
@@ -19568,7 +19131,7 @@
 </p:sld>
 </file>
 
-<file path=ppt/slides/slide34.xml><?xml version="1.0" encoding="utf-8"?>
+<file path=ppt/slides/slide33.xml><?xml version="1.0" encoding="utf-8"?>
 <p:sld xmlns:a="http://schemas.openxmlformats.org/drawingml/2006/main" xmlns:r="http://schemas.openxmlformats.org/officeDocument/2006/relationships" xmlns:p="http://schemas.openxmlformats.org/presentationml/2006/main">
   <p:cSld>
     <p:spTree>
@@ -19813,7 +19376,7 @@
 </p:sld>
 </file>
 
-<file path=ppt/slides/slide35.xml><?xml version="1.0" encoding="utf-8"?>
+<file path=ppt/slides/slide34.xml><?xml version="1.0" encoding="utf-8"?>
 <p:sld xmlns:a="http://schemas.openxmlformats.org/drawingml/2006/main" xmlns:r="http://schemas.openxmlformats.org/officeDocument/2006/relationships" xmlns:p="http://schemas.openxmlformats.org/presentationml/2006/main">
   <p:cSld>
     <p:spTree>
@@ -20107,7 +19670,7 @@
 </p:sld>
 </file>
 
-<file path=ppt/slides/slide36.xml><?xml version="1.0" encoding="utf-8"?>
+<file path=ppt/slides/slide35.xml><?xml version="1.0" encoding="utf-8"?>
 <p:sld xmlns:a="http://schemas.openxmlformats.org/drawingml/2006/main" xmlns:r="http://schemas.openxmlformats.org/officeDocument/2006/relationships" xmlns:p="http://schemas.openxmlformats.org/presentationml/2006/main">
   <p:cSld>
     <p:spTree>
@@ -20279,7 +19842,7 @@
 </p:sld>
 </file>
 
-<file path=ppt/slides/slide37.xml><?xml version="1.0" encoding="utf-8"?>
+<file path=ppt/slides/slide36.xml><?xml version="1.0" encoding="utf-8"?>
 <p:sld xmlns:a="http://schemas.openxmlformats.org/drawingml/2006/main" xmlns:r="http://schemas.openxmlformats.org/officeDocument/2006/relationships" xmlns:p="http://schemas.openxmlformats.org/presentationml/2006/main">
   <p:cSld>
     <p:spTree>
@@ -20788,7 +20351,7 @@
 </p:sld>
 </file>
 
-<file path=ppt/slides/slide38.xml><?xml version="1.0" encoding="utf-8"?>
+<file path=ppt/slides/slide37.xml><?xml version="1.0" encoding="utf-8"?>
 <p:sld xmlns:a="http://schemas.openxmlformats.org/drawingml/2006/main" xmlns:r="http://schemas.openxmlformats.org/officeDocument/2006/relationships" xmlns:p="http://schemas.openxmlformats.org/presentationml/2006/main">
   <p:cSld>
     <p:spTree>
@@ -20918,7 +20481,7 @@
         <p:spPr>
           <a:xfrm>
             <a:off x="534171" y="1178732"/>
-            <a:ext cx="7901732" cy="1477328"/>
+            <a:ext cx="7901732" cy="1200329"/>
           </a:xfrm>
           <a:prstGeom prst="rect">
             <a:avLst/>
@@ -20963,7 +20526,7 @@
               <a:rPr lang="pt-BR" b="1" i="1" dirty="0">
                 <a:latin typeface="Nunito Sans Normal" pitchFamily="2" charset="0"/>
               </a:rPr>
-              <a:t>Objective: focus on transform visits into purchases, than improve campaigns</a:t>
+              <a:t>Objective: focus on transform visits into purchases</a:t>
             </a:r>
           </a:p>
           <a:p>
@@ -21054,7 +20617,7 @@
               <a:rPr lang="pt-BR" dirty="0">
                 <a:latin typeface="Nunito Sans Normal" pitchFamily="2" charset="0"/>
               </a:rPr>
-              <a:t>Cross-sell in checkout (“Also take this item...”</a:t>
+              <a:t>Cross-sell in checkout (“Also take this item...”)</a:t>
             </a:r>
           </a:p>
           <a:p>
@@ -22090,7 +21653,7 @@
               <a:rPr lang="en-US" sz="2000" b="1" dirty="0">
                 <a:latin typeface="Nunito Sans Normal" pitchFamily="2" charset="0"/>
               </a:rPr>
-              <a:t>NumPy, Pandas, Matplotlib, </a:t>
+              <a:t>NumPy, Pandas, </a:t>
             </a:r>
             <a:r>
               <a:rPr lang="en-US" sz="2000" b="1" dirty="0" err="1">
@@ -22102,7 +21665,7 @@
               <a:rPr lang="en-US" sz="2000" b="1" dirty="0">
                 <a:latin typeface="Nunito Sans Normal" pitchFamily="2" charset="0"/>
               </a:rPr>
-              <a:t> </a:t>
+              <a:t>, Matplotlib, Seaborn </a:t>
             </a:r>
             <a:endParaRPr lang="pt-BR" sz="2000" dirty="0">
               <a:latin typeface="Nunito Sans Normal" pitchFamily="2" charset="0"/>
@@ -22416,7 +21979,7 @@
         <p:spPr>
           <a:xfrm>
             <a:off x="324060" y="2459504"/>
-            <a:ext cx="6094324" cy="1015663"/>
+            <a:ext cx="6686340" cy="1938992"/>
           </a:xfrm>
           <a:prstGeom prst="rect">
             <a:avLst/>
@@ -22433,7 +21996,7 @@
               <a:rPr lang="pt-BR" sz="6000" b="1" dirty="0">
                 <a:latin typeface="Nunito Sans Normal" pitchFamily="2" charset="0"/>
               </a:rPr>
-              <a:t>2. FIRST STEPS</a:t>
+              <a:t>2. EXPLORATORY DATA ANALYSIS</a:t>
             </a:r>
           </a:p>
         </p:txBody>
@@ -22489,7 +22052,7 @@
         <p:spPr>
           <a:xfrm>
             <a:off x="137652" y="48592"/>
-            <a:ext cx="3169457" cy="584775"/>
+            <a:ext cx="4424609" cy="584775"/>
           </a:xfrm>
           <a:prstGeom prst="rect">
             <a:avLst/>
@@ -22506,7 +22069,7 @@
               <a:rPr lang="pt-BR" sz="3200" b="1" dirty="0">
                 <a:latin typeface="Nunito Sans Normal" pitchFamily="2" charset="0"/>
               </a:rPr>
-              <a:t>2. FIRST STEPS</a:t>
+              <a:t>2. FIRST STEPS - EDA</a:t>
             </a:r>
           </a:p>
         </p:txBody>
